--- a/files/个人简历.pptx
+++ b/files/个人简历.pptx
@@ -3,20 +3,20 @@
 <p:presentation xmlns:a="http://schemas.openxmlformats.org/drawingml/2006/main" xmlns:r="http://schemas.openxmlformats.org/officeDocument/2006/relationships" xmlns:p="http://schemas.openxmlformats.org/presentationml/2006/main">
   <p:sldMasterIdLst>
     <p:sldMasterId id="2147483648" r:id="rId1"/>
-    <p:sldMasterId id="2147483660" r:id="rId3"/>
+    <p:sldMasterId id="2147483660" r:id="rId2"/>
   </p:sldMasterIdLst>
   <p:notesMasterIdLst>
-    <p:notesMasterId r:id="rId5"/>
+    <p:notesMasterId r:id="rId6"/>
   </p:notesMasterIdLst>
   <p:handoutMasterIdLst>
-    <p:handoutMasterId r:id="rId8"/>
+    <p:handoutMasterId r:id="rId7"/>
   </p:handoutMasterIdLst>
   <p:sldIdLst>
-    <p:sldId id="256" r:id="rId4"/>
-    <p:sldId id="257" r:id="rId6"/>
-    <p:sldId id="258" r:id="rId7"/>
+    <p:sldId id="256" r:id="rId3"/>
+    <p:sldId id="257" r:id="rId4"/>
+    <p:sldId id="258" r:id="rId5"/>
   </p:sldIdLst>
-  <p:sldSz cx="7559675" cy="10691495"/>
+  <p:sldSz cx="7559675" cy="10691813"/>
   <p:notesSz cx="6858000" cy="9144000"/>
   <p:defaultTextStyle>
     <a:defPPr>
@@ -113,6 +113,11 @@
       </a:defRPr>
     </a:lvl9pPr>
   </p:defaultTextStyle>
+  <p:extLst>
+    <p:ext uri="{EFAFB233-063F-42B5-8137-9DF3F51BA10A}">
+      <p15:sldGuideLst xmlns:p15="http://schemas.microsoft.com/office/powerpoint/2012/main"/>
+    </p:ext>
+  </p:extLst>
 </p:presentation>
 </file>
 
@@ -204,6 +209,7 @@
                 <a:latin typeface="微软雅黑" panose="020B0503020204020204" charset="-122"/>
                 <a:ea typeface="微软雅黑" panose="020B0503020204020204" charset="-122"/>
               </a:rPr>
+              <a:t>2019/5/8</a:t>
             </a:fld>
             <a:endParaRPr lang="zh-CN" altLang="en-US" smtClean="0">
               <a:latin typeface="微软雅黑" panose="020B0503020204020204" charset="-122"/>
@@ -278,6 +284,7 @@
                 <a:latin typeface="微软雅黑" panose="020B0503020204020204" charset="-122"/>
                 <a:ea typeface="微软雅黑" panose="020B0503020204020204" charset="-122"/>
               </a:rPr>
+              <a:t>‹#›</a:t>
             </a:fld>
             <a:endParaRPr lang="zh-CN" altLang="en-US" smtClean="0">
               <a:latin typeface="微软雅黑" panose="020B0503020204020204" charset="-122"/>
@@ -287,6 +294,11 @@
         </p:txBody>
       </p:sp>
     </p:spTree>
+    <p:extLst>
+      <p:ext uri="{BB962C8B-B14F-4D97-AF65-F5344CB8AC3E}">
+        <p14:creationId xmlns:p14="http://schemas.microsoft.com/office/powerpoint/2010/main" val="2936196046"/>
+      </p:ext>
+    </p:extLst>
   </p:cSld>
   <p:clrMap bg1="lt1" tx1="dk1" bg2="lt2" tx2="dk2" accent1="accent1" accent2="accent2" accent3="accent3" accent4="accent4" accent5="accent5" accent6="accent6" hlink="hlink" folHlink="folHlink"/>
 </p:handoutMaster>
@@ -380,6 +392,7 @@
           <a:p>
             <a:fld id="{1AC49D05-6128-4D0D-A32A-06A5E73B386C}" type="datetimeFigureOut">
               <a:rPr lang="zh-CN" altLang="en-US" smtClean="0"/>
+              <a:t>2019/5/8</a:t>
             </a:fld>
             <a:endParaRPr lang="zh-CN" altLang="en-US"/>
           </a:p>
@@ -446,7 +459,6 @@
               <a:rPr lang="zh-CN" altLang="en-US"/>
               <a:t>单击此处编辑母版文本样式</a:t>
             </a:r>
-            <a:endParaRPr lang="zh-CN" altLang="en-US"/>
           </a:p>
           <a:p>
             <a:pPr lvl="1"/>
@@ -454,7 +466,6 @@
               <a:rPr lang="zh-CN" altLang="en-US"/>
               <a:t>第二级</a:t>
             </a:r>
-            <a:endParaRPr lang="zh-CN" altLang="en-US"/>
           </a:p>
           <a:p>
             <a:pPr lvl="2"/>
@@ -462,7 +473,6 @@
               <a:rPr lang="zh-CN" altLang="en-US"/>
               <a:t>第三级</a:t>
             </a:r>
-            <a:endParaRPr lang="zh-CN" altLang="en-US"/>
           </a:p>
           <a:p>
             <a:pPr lvl="3"/>
@@ -470,7 +480,6 @@
               <a:rPr lang="zh-CN" altLang="en-US"/>
               <a:t>第四级</a:t>
             </a:r>
-            <a:endParaRPr lang="zh-CN" altLang="en-US"/>
           </a:p>
           <a:p>
             <a:pPr lvl="4"/>
@@ -478,7 +487,6 @@
               <a:rPr lang="zh-CN" altLang="en-US"/>
               <a:t>第五级</a:t>
             </a:r>
-            <a:endParaRPr lang="zh-CN" altLang="en-US"/>
           </a:p>
         </p:txBody>
       </p:sp>
@@ -548,12 +556,18 @@
           <a:p>
             <a:fld id="{5849F42C-2DAE-424C-A4B8-3140182C3E9F}" type="slidenum">
               <a:rPr lang="zh-CN" altLang="en-US" smtClean="0"/>
+              <a:t>‹#›</a:t>
             </a:fld>
             <a:endParaRPr lang="zh-CN" altLang="en-US"/>
           </a:p>
         </p:txBody>
       </p:sp>
     </p:spTree>
+    <p:extLst>
+      <p:ext uri="{BB962C8B-B14F-4D97-AF65-F5344CB8AC3E}">
+        <p14:creationId xmlns:p14="http://schemas.microsoft.com/office/powerpoint/2010/main" val="2636669008"/>
+      </p:ext>
+    </p:extLst>
   </p:cSld>
   <p:clrMap bg1="lt1" tx1="dk1" bg2="lt2" tx2="dk2" accent1="accent1" accent2="accent2" accent3="accent3" accent4="accent4" accent5="accent5" accent6="accent6" hlink="hlink" folHlink="folHlink"/>
   <p:notesStyle>
@@ -678,7 +692,12 @@
             <p:ph type="sldImg"/>
           </p:nvPr>
         </p:nvSpPr>
-        <p:spPr/>
+        <p:spPr>
+          <a:xfrm>
+            <a:off x="2338388" y="1143000"/>
+            <a:ext cx="2181225" cy="3086100"/>
+          </a:xfrm>
+        </p:spPr>
       </p:sp>
       <p:sp>
         <p:nvSpPr>
@@ -716,12 +735,18 @@
           <a:p>
             <a:fld id="{85D0DACE-38E0-42D2-9336-2B707D34BC6D}" type="slidenum">
               <a:rPr lang="zh-CN" altLang="en-US" smtClean="0"/>
+              <a:t>1</a:t>
             </a:fld>
             <a:endParaRPr lang="zh-CN" altLang="en-US"/>
           </a:p>
         </p:txBody>
       </p:sp>
     </p:spTree>
+    <p:extLst>
+      <p:ext uri="{BB962C8B-B14F-4D97-AF65-F5344CB8AC3E}">
+        <p14:creationId xmlns:p14="http://schemas.microsoft.com/office/powerpoint/2010/main" val="2942331538"/>
+      </p:ext>
+    </p:extLst>
   </p:cSld>
   <p:clrMapOvr>
     <a:masterClrMapping/>
@@ -756,7 +781,12 @@
             <p:ph type="sldImg"/>
           </p:nvPr>
         </p:nvSpPr>
-        <p:spPr/>
+        <p:spPr>
+          <a:xfrm>
+            <a:off x="2338388" y="1143000"/>
+            <a:ext cx="2181225" cy="3086100"/>
+          </a:xfrm>
+        </p:spPr>
       </p:sp>
       <p:sp>
         <p:nvSpPr>
@@ -794,12 +824,18 @@
           <a:p>
             <a:fld id="{85D0DACE-38E0-42D2-9336-2B707D34BC6D}" type="slidenum">
               <a:rPr lang="zh-CN" altLang="en-US" smtClean="0"/>
+              <a:t>2</a:t>
             </a:fld>
             <a:endParaRPr lang="zh-CN" altLang="en-US"/>
           </a:p>
         </p:txBody>
       </p:sp>
     </p:spTree>
+    <p:extLst>
+      <p:ext uri="{BB962C8B-B14F-4D97-AF65-F5344CB8AC3E}">
+        <p14:creationId xmlns:p14="http://schemas.microsoft.com/office/powerpoint/2010/main" val="3712089035"/>
+      </p:ext>
+    </p:extLst>
   </p:cSld>
   <p:clrMapOvr>
     <a:masterClrMapping/>
@@ -834,7 +870,12 @@
             <p:ph type="sldImg"/>
           </p:nvPr>
         </p:nvSpPr>
-        <p:spPr/>
+        <p:spPr>
+          <a:xfrm>
+            <a:off x="2338388" y="1143000"/>
+            <a:ext cx="2181225" cy="3086100"/>
+          </a:xfrm>
+        </p:spPr>
       </p:sp>
       <p:sp>
         <p:nvSpPr>
@@ -872,12 +913,18 @@
           <a:p>
             <a:fld id="{85D0DACE-38E0-42D2-9336-2B707D34BC6D}" type="slidenum">
               <a:rPr lang="zh-CN" altLang="en-US" smtClean="0"/>
+              <a:t>3</a:t>
             </a:fld>
             <a:endParaRPr lang="zh-CN" altLang="en-US"/>
           </a:p>
         </p:txBody>
       </p:sp>
     </p:spTree>
+    <p:extLst>
+      <p:ext uri="{BB962C8B-B14F-4D97-AF65-F5344CB8AC3E}">
+        <p14:creationId xmlns:p14="http://schemas.microsoft.com/office/powerpoint/2010/main" val="94347097"/>
+      </p:ext>
+    </p:extLst>
   </p:cSld>
   <p:clrMapOvr>
     <a:masterClrMapping/>
@@ -911,7 +958,7 @@
           <p:nvPr>
             <p:ph type="ctrTitle" hasCustomPrompt="1"/>
             <p:custDataLst>
-              <p:tags r:id="rId2"/>
+              <p:tags r:id="rId1"/>
             </p:custDataLst>
           </p:nvPr>
         </p:nvSpPr>
@@ -943,7 +990,6 @@
               <a:rPr lang="zh-CN" altLang="en-US" dirty="0"/>
               <a:t>单击此处编辑标题</a:t>
             </a:r>
-            <a:endParaRPr lang="zh-CN" altLang="en-US" dirty="0"/>
           </a:p>
         </p:txBody>
       </p:sp>
@@ -956,7 +1002,7 @@
           <p:nvPr>
             <p:ph type="subTitle" idx="1" hasCustomPrompt="1"/>
             <p:custDataLst>
-              <p:tags r:id="rId3"/>
+              <p:tags r:id="rId2"/>
             </p:custDataLst>
           </p:nvPr>
         </p:nvSpPr>
@@ -1021,7 +1067,6 @@
               <a:rPr lang="zh-CN" altLang="en-US" dirty="0"/>
               <a:t>单击此处编辑副标题</a:t>
             </a:r>
-            <a:endParaRPr lang="zh-CN" altLang="en-US" dirty="0"/>
           </a:p>
         </p:txBody>
       </p:sp>
@@ -1034,7 +1079,7 @@
           <p:nvPr>
             <p:ph type="dt" sz="half" idx="10"/>
             <p:custDataLst>
-              <p:tags r:id="rId4"/>
+              <p:tags r:id="rId3"/>
             </p:custDataLst>
           </p:nvPr>
         </p:nvSpPr>
@@ -1045,6 +1090,7 @@
           <a:p>
             <a:fld id="{760FBDFE-C587-4B4C-A407-44438C67B59E}" type="datetimeFigureOut">
               <a:rPr lang="zh-CN" altLang="en-US" smtClean="0"/>
+              <a:t>2019/5/8</a:t>
             </a:fld>
             <a:endParaRPr lang="zh-CN" altLang="en-US"/>
           </a:p>
@@ -1059,7 +1105,7 @@
           <p:nvPr>
             <p:ph type="ftr" sz="quarter" idx="11"/>
             <p:custDataLst>
-              <p:tags r:id="rId5"/>
+              <p:tags r:id="rId4"/>
             </p:custDataLst>
           </p:nvPr>
         </p:nvSpPr>
@@ -1081,7 +1127,7 @@
           <p:nvPr>
             <p:ph type="sldNum" sz="quarter" idx="12"/>
             <p:custDataLst>
-              <p:tags r:id="rId6"/>
+              <p:tags r:id="rId5"/>
             </p:custDataLst>
           </p:nvPr>
         </p:nvSpPr>
@@ -1092,6 +1138,7 @@
           <a:p>
             <a:fld id="{49AE70B2-8BF9-45C0-BB95-33D1B9D3A854}" type="slidenum">
               <a:rPr lang="zh-CN" altLang="en-US" smtClean="0"/>
+              <a:t>‹#›</a:t>
             </a:fld>
             <a:endParaRPr lang="zh-CN" altLang="en-US" dirty="0"/>
           </a:p>
@@ -1131,7 +1178,7 @@
           <p:nvPr>
             <p:ph type="dt" sz="half" idx="10"/>
             <p:custDataLst>
-              <p:tags r:id="rId2"/>
+              <p:tags r:id="rId1"/>
             </p:custDataLst>
           </p:nvPr>
         </p:nvSpPr>
@@ -1142,6 +1189,7 @@
           <a:p>
             <a:fld id="{760FBDFE-C587-4B4C-A407-44438C67B59E}" type="datetimeFigureOut">
               <a:rPr lang="zh-CN" altLang="en-US" smtClean="0"/>
+              <a:t>2019/5/8</a:t>
             </a:fld>
             <a:endParaRPr lang="zh-CN" altLang="en-US"/>
           </a:p>
@@ -1156,7 +1204,7 @@
           <p:nvPr>
             <p:ph type="ftr" sz="quarter" idx="11"/>
             <p:custDataLst>
-              <p:tags r:id="rId3"/>
+              <p:tags r:id="rId2"/>
             </p:custDataLst>
           </p:nvPr>
         </p:nvSpPr>
@@ -1178,7 +1226,7 @@
           <p:nvPr>
             <p:ph type="sldNum" sz="quarter" idx="12"/>
             <p:custDataLst>
-              <p:tags r:id="rId4"/>
+              <p:tags r:id="rId3"/>
             </p:custDataLst>
           </p:nvPr>
         </p:nvSpPr>
@@ -1189,6 +1237,7 @@
           <a:p>
             <a:fld id="{49AE70B2-8BF9-45C0-BB95-33D1B9D3A854}" type="slidenum">
               <a:rPr lang="zh-CN" altLang="en-US" smtClean="0"/>
+              <a:t>‹#›</a:t>
             </a:fld>
             <a:endParaRPr lang="zh-CN" altLang="en-US"/>
           </a:p>
@@ -1203,7 +1252,7 @@
           <p:nvPr>
             <p:ph sz="quarter" idx="13"/>
             <p:custDataLst>
-              <p:tags r:id="rId5"/>
+              <p:tags r:id="rId4"/>
             </p:custDataLst>
           </p:nvPr>
         </p:nvSpPr>
@@ -1273,7 +1322,6 @@
               <a:rPr lang="zh-CN" altLang="en-US" dirty="0"/>
               <a:t>单击此处编辑母版文本样式</a:t>
             </a:r>
-            <a:endParaRPr lang="zh-CN" altLang="en-US" dirty="0"/>
           </a:p>
           <a:p>
             <a:pPr lvl="1"/>
@@ -1281,7 +1329,6 @@
               <a:rPr lang="zh-CN" altLang="en-US" dirty="0"/>
               <a:t>第二级</a:t>
             </a:r>
-            <a:endParaRPr lang="zh-CN" altLang="en-US" dirty="0"/>
           </a:p>
           <a:p>
             <a:pPr lvl="2"/>
@@ -1289,7 +1336,6 @@
               <a:rPr lang="zh-CN" altLang="en-US" dirty="0"/>
               <a:t>第三级</a:t>
             </a:r>
-            <a:endParaRPr lang="zh-CN" altLang="en-US" dirty="0"/>
           </a:p>
           <a:p>
             <a:pPr lvl="3"/>
@@ -1297,7 +1343,6 @@
               <a:rPr lang="zh-CN" altLang="en-US" dirty="0"/>
               <a:t>第四级</a:t>
             </a:r>
-            <a:endParaRPr lang="zh-CN" altLang="en-US" dirty="0"/>
           </a:p>
           <a:p>
             <a:pPr lvl="4"/>
@@ -1305,7 +1350,6 @@
               <a:rPr lang="zh-CN" altLang="en-US" dirty="0"/>
               <a:t>第五级</a:t>
             </a:r>
-            <a:endParaRPr lang="zh-CN" altLang="en-US" dirty="0"/>
           </a:p>
         </p:txBody>
       </p:sp>
@@ -1343,7 +1387,7 @@
           <p:nvPr>
             <p:ph type="dt" sz="half" idx="10"/>
             <p:custDataLst>
-              <p:tags r:id="rId2"/>
+              <p:tags r:id="rId1"/>
             </p:custDataLst>
           </p:nvPr>
         </p:nvSpPr>
@@ -1354,6 +1398,7 @@
           <a:p>
             <a:fld id="{760FBDFE-C587-4B4C-A407-44438C67B59E}" type="datetimeFigureOut">
               <a:rPr lang="zh-CN" altLang="en-US" smtClean="0"/>
+              <a:t>2019/5/8</a:t>
             </a:fld>
             <a:endParaRPr lang="zh-CN" altLang="en-US"/>
           </a:p>
@@ -1368,7 +1413,7 @@
           <p:nvPr>
             <p:ph type="ftr" sz="quarter" idx="11"/>
             <p:custDataLst>
-              <p:tags r:id="rId3"/>
+              <p:tags r:id="rId2"/>
             </p:custDataLst>
           </p:nvPr>
         </p:nvSpPr>
@@ -1390,7 +1435,7 @@
           <p:nvPr>
             <p:ph type="sldNum" sz="quarter" idx="12"/>
             <p:custDataLst>
-              <p:tags r:id="rId4"/>
+              <p:tags r:id="rId3"/>
             </p:custDataLst>
           </p:nvPr>
         </p:nvSpPr>
@@ -1401,6 +1446,7 @@
           <a:p>
             <a:fld id="{49AE70B2-8BF9-45C0-BB95-33D1B9D3A854}" type="slidenum">
               <a:rPr lang="zh-CN" altLang="en-US" smtClean="0"/>
+              <a:t>‹#›</a:t>
             </a:fld>
             <a:endParaRPr lang="zh-CN" altLang="en-US"/>
           </a:p>
@@ -1415,7 +1461,7 @@
           <p:nvPr>
             <p:ph type="title" hasCustomPrompt="1"/>
             <p:custDataLst>
-              <p:tags r:id="rId5"/>
+              <p:tags r:id="rId4"/>
             </p:custDataLst>
           </p:nvPr>
         </p:nvSpPr>
@@ -1462,9 +1508,6 @@
               </a:rPr>
               <a:t>单击此处编辑标题</a:t>
             </a:r>
-            <a:endParaRPr>
-              <a:sym typeface="+mn-ea"/>
-            </a:endParaRPr>
           </a:p>
         </p:txBody>
       </p:sp>
@@ -1502,7 +1545,7 @@
           <p:nvPr>
             <p:ph type="ctrTitle" hasCustomPrompt="1"/>
             <p:custDataLst>
-              <p:tags r:id="rId2"/>
+              <p:tags r:id="rId1"/>
             </p:custDataLst>
           </p:nvPr>
         </p:nvSpPr>
@@ -1534,7 +1577,6 @@
               <a:rPr lang="zh-CN" altLang="en-US" dirty="0"/>
               <a:t>单击此处编辑标题</a:t>
             </a:r>
-            <a:endParaRPr lang="zh-CN" altLang="en-US" dirty="0"/>
           </a:p>
         </p:txBody>
       </p:sp>
@@ -1547,7 +1589,7 @@
           <p:nvPr>
             <p:ph type="subTitle" idx="1" hasCustomPrompt="1"/>
             <p:custDataLst>
-              <p:tags r:id="rId3"/>
+              <p:tags r:id="rId2"/>
             </p:custDataLst>
           </p:nvPr>
         </p:nvSpPr>
@@ -1612,7 +1654,6 @@
               <a:rPr lang="zh-CN" altLang="en-US" dirty="0"/>
               <a:t>单击此处编辑副标题</a:t>
             </a:r>
-            <a:endParaRPr lang="zh-CN" altLang="en-US" dirty="0"/>
           </a:p>
         </p:txBody>
       </p:sp>
@@ -1625,7 +1666,7 @@
           <p:nvPr>
             <p:ph type="dt" sz="half" idx="10"/>
             <p:custDataLst>
-              <p:tags r:id="rId4"/>
+              <p:tags r:id="rId3"/>
             </p:custDataLst>
           </p:nvPr>
         </p:nvSpPr>
@@ -1636,6 +1677,7 @@
           <a:p>
             <a:fld id="{760FBDFE-C587-4B4C-A407-44438C67B59E}" type="datetimeFigureOut">
               <a:rPr lang="zh-CN" altLang="en-US" smtClean="0"/>
+              <a:t>2019/5/8</a:t>
             </a:fld>
             <a:endParaRPr lang="zh-CN" altLang="en-US"/>
           </a:p>
@@ -1650,7 +1692,7 @@
           <p:nvPr>
             <p:ph type="ftr" sz="quarter" idx="11"/>
             <p:custDataLst>
-              <p:tags r:id="rId5"/>
+              <p:tags r:id="rId4"/>
             </p:custDataLst>
           </p:nvPr>
         </p:nvSpPr>
@@ -1672,7 +1714,7 @@
           <p:nvPr>
             <p:ph type="sldNum" sz="quarter" idx="12"/>
             <p:custDataLst>
-              <p:tags r:id="rId6"/>
+              <p:tags r:id="rId5"/>
             </p:custDataLst>
           </p:nvPr>
         </p:nvSpPr>
@@ -1683,6 +1725,7 @@
           <a:p>
             <a:fld id="{49AE70B2-8BF9-45C0-BB95-33D1B9D3A854}" type="slidenum">
               <a:rPr lang="zh-CN" altLang="en-US" smtClean="0"/>
+              <a:t>‹#›</a:t>
             </a:fld>
             <a:endParaRPr lang="zh-CN" altLang="en-US" dirty="0"/>
           </a:p>
@@ -1722,7 +1765,7 @@
           <p:nvPr>
             <p:ph type="title"/>
             <p:custDataLst>
-              <p:tags r:id="rId2"/>
+              <p:tags r:id="rId1"/>
             </p:custDataLst>
           </p:nvPr>
         </p:nvSpPr>
@@ -1762,9 +1805,6 @@
               </a:rPr>
               <a:t>单击此处编辑母版标题样式</a:t>
             </a:r>
-            <a:endParaRPr dirty="0">
-              <a:sym typeface="+mn-ea"/>
-            </a:endParaRPr>
           </a:p>
         </p:txBody>
       </p:sp>
@@ -1777,7 +1817,7 @@
           <p:nvPr>
             <p:ph idx="1"/>
             <p:custDataLst>
-              <p:tags r:id="rId3"/>
+              <p:tags r:id="rId2"/>
             </p:custDataLst>
           </p:nvPr>
         </p:nvSpPr>
@@ -1934,9 +1974,6 @@
               </a:rPr>
               <a:t>单击此处编辑母版文本样式</a:t>
             </a:r>
-            <a:endParaRPr dirty="0">
-              <a:sym typeface="+mn-ea"/>
-            </a:endParaRPr>
           </a:p>
           <a:p>
             <a:pPr lvl="1"/>
@@ -1946,9 +1983,6 @@
               </a:rPr>
               <a:t>第二级</a:t>
             </a:r>
-            <a:endParaRPr dirty="0">
-              <a:sym typeface="+mn-ea"/>
-            </a:endParaRPr>
           </a:p>
           <a:p>
             <a:pPr lvl="2"/>
@@ -1958,9 +1992,6 @@
               </a:rPr>
               <a:t>第三级</a:t>
             </a:r>
-            <a:endParaRPr dirty="0">
-              <a:sym typeface="+mn-ea"/>
-            </a:endParaRPr>
           </a:p>
           <a:p>
             <a:pPr lvl="3"/>
@@ -1970,9 +2001,6 @@
               </a:rPr>
               <a:t>第四级</a:t>
             </a:r>
-            <a:endParaRPr dirty="0">
-              <a:sym typeface="+mn-ea"/>
-            </a:endParaRPr>
           </a:p>
           <a:p>
             <a:pPr lvl="4"/>
@@ -1982,9 +2010,6 @@
               </a:rPr>
               <a:t>第五级</a:t>
             </a:r>
-            <a:endParaRPr dirty="0">
-              <a:sym typeface="+mn-ea"/>
-            </a:endParaRPr>
           </a:p>
         </p:txBody>
       </p:sp>
@@ -1997,7 +2022,7 @@
           <p:nvPr>
             <p:ph type="dt" sz="half" idx="10"/>
             <p:custDataLst>
-              <p:tags r:id="rId4"/>
+              <p:tags r:id="rId3"/>
             </p:custDataLst>
           </p:nvPr>
         </p:nvSpPr>
@@ -2008,6 +2033,7 @@
           <a:p>
             <a:fld id="{760FBDFE-C587-4B4C-A407-44438C67B59E}" type="datetimeFigureOut">
               <a:rPr lang="zh-CN" altLang="en-US" smtClean="0"/>
+              <a:t>2019/5/8</a:t>
             </a:fld>
             <a:endParaRPr lang="zh-CN" altLang="en-US"/>
           </a:p>
@@ -2022,7 +2048,7 @@
           <p:nvPr>
             <p:ph type="ftr" sz="quarter" idx="11"/>
             <p:custDataLst>
-              <p:tags r:id="rId5"/>
+              <p:tags r:id="rId4"/>
             </p:custDataLst>
           </p:nvPr>
         </p:nvSpPr>
@@ -2044,7 +2070,7 @@
           <p:nvPr>
             <p:ph type="sldNum" sz="quarter" idx="12"/>
             <p:custDataLst>
-              <p:tags r:id="rId6"/>
+              <p:tags r:id="rId5"/>
             </p:custDataLst>
           </p:nvPr>
         </p:nvSpPr>
@@ -2055,6 +2081,7 @@
           <a:p>
             <a:fld id="{49AE70B2-8BF9-45C0-BB95-33D1B9D3A854}" type="slidenum">
               <a:rPr lang="zh-CN" altLang="en-US" smtClean="0"/>
+              <a:t>‹#›</a:t>
             </a:fld>
             <a:endParaRPr lang="zh-CN" altLang="en-US"/>
           </a:p>
@@ -2094,7 +2121,7 @@
           <p:nvPr>
             <p:ph type="title"/>
             <p:custDataLst>
-              <p:tags r:id="rId2"/>
+              <p:tags r:id="rId1"/>
             </p:custDataLst>
           </p:nvPr>
         </p:nvSpPr>
@@ -2130,7 +2157,6 @@
               <a:rPr lang="zh-CN" altLang="en-US" dirty="0"/>
               <a:t>单击此处编辑母版标题样式</a:t>
             </a:r>
-            <a:endParaRPr lang="zh-CN" altLang="en-US" dirty="0"/>
           </a:p>
         </p:txBody>
       </p:sp>
@@ -2143,7 +2169,7 @@
           <p:nvPr>
             <p:ph type="body" idx="1"/>
             <p:custDataLst>
-              <p:tags r:id="rId3"/>
+              <p:tags r:id="rId2"/>
             </p:custDataLst>
           </p:nvPr>
         </p:nvSpPr>
@@ -2258,7 +2284,6 @@
               <a:rPr lang="zh-CN" altLang="en-US" dirty="0"/>
               <a:t>单击此处编辑母版文本样式</a:t>
             </a:r>
-            <a:endParaRPr lang="zh-CN" altLang="en-US" dirty="0"/>
           </a:p>
         </p:txBody>
       </p:sp>
@@ -2271,7 +2296,7 @@
           <p:nvPr>
             <p:ph type="dt" sz="half" idx="10"/>
             <p:custDataLst>
-              <p:tags r:id="rId4"/>
+              <p:tags r:id="rId3"/>
             </p:custDataLst>
           </p:nvPr>
         </p:nvSpPr>
@@ -2282,6 +2307,7 @@
           <a:p>
             <a:fld id="{760FBDFE-C587-4B4C-A407-44438C67B59E}" type="datetimeFigureOut">
               <a:rPr lang="zh-CN" altLang="en-US" smtClean="0"/>
+              <a:t>2019/5/8</a:t>
             </a:fld>
             <a:endParaRPr lang="zh-CN" altLang="en-US"/>
           </a:p>
@@ -2296,7 +2322,7 @@
           <p:nvPr>
             <p:ph type="ftr" sz="quarter" idx="11"/>
             <p:custDataLst>
-              <p:tags r:id="rId5"/>
+              <p:tags r:id="rId4"/>
             </p:custDataLst>
           </p:nvPr>
         </p:nvSpPr>
@@ -2318,7 +2344,7 @@
           <p:nvPr>
             <p:ph type="sldNum" sz="quarter" idx="12"/>
             <p:custDataLst>
-              <p:tags r:id="rId6"/>
+              <p:tags r:id="rId5"/>
             </p:custDataLst>
           </p:nvPr>
         </p:nvSpPr>
@@ -2329,6 +2355,7 @@
           <a:p>
             <a:fld id="{49AE70B2-8BF9-45C0-BB95-33D1B9D3A854}" type="slidenum">
               <a:rPr lang="zh-CN" altLang="en-US" smtClean="0"/>
+              <a:t>‹#›</a:t>
             </a:fld>
             <a:endParaRPr lang="zh-CN" altLang="en-US"/>
           </a:p>
@@ -2368,7 +2395,7 @@
           <p:nvPr>
             <p:ph type="title"/>
             <p:custDataLst>
-              <p:tags r:id="rId2"/>
+              <p:tags r:id="rId1"/>
             </p:custDataLst>
           </p:nvPr>
         </p:nvSpPr>
@@ -2408,9 +2435,6 @@
               </a:rPr>
               <a:t>单击此处编辑母版标题样式</a:t>
             </a:r>
-            <a:endParaRPr dirty="0">
-              <a:sym typeface="+mn-ea"/>
-            </a:endParaRPr>
           </a:p>
         </p:txBody>
       </p:sp>
@@ -2423,7 +2447,7 @@
           <p:nvPr>
             <p:ph sz="half" idx="1"/>
             <p:custDataLst>
-              <p:tags r:id="rId3"/>
+              <p:tags r:id="rId2"/>
             </p:custDataLst>
           </p:nvPr>
         </p:nvSpPr>
@@ -2580,9 +2604,6 @@
               </a:rPr>
               <a:t>单击此处编辑母版文本样式</a:t>
             </a:r>
-            <a:endParaRPr dirty="0">
-              <a:sym typeface="+mn-ea"/>
-            </a:endParaRPr>
           </a:p>
           <a:p>
             <a:pPr lvl="1"/>
@@ -2592,9 +2613,6 @@
               </a:rPr>
               <a:t>第二级</a:t>
             </a:r>
-            <a:endParaRPr dirty="0">
-              <a:sym typeface="+mn-ea"/>
-            </a:endParaRPr>
           </a:p>
           <a:p>
             <a:pPr lvl="2"/>
@@ -2604,9 +2622,6 @@
               </a:rPr>
               <a:t>第三级</a:t>
             </a:r>
-            <a:endParaRPr dirty="0">
-              <a:sym typeface="+mn-ea"/>
-            </a:endParaRPr>
           </a:p>
           <a:p>
             <a:pPr lvl="3"/>
@@ -2616,9 +2631,6 @@
               </a:rPr>
               <a:t>第四级</a:t>
             </a:r>
-            <a:endParaRPr dirty="0">
-              <a:sym typeface="+mn-ea"/>
-            </a:endParaRPr>
           </a:p>
           <a:p>
             <a:pPr lvl="4"/>
@@ -2628,9 +2640,6 @@
               </a:rPr>
               <a:t>第五级</a:t>
             </a:r>
-            <a:endParaRPr dirty="0">
-              <a:sym typeface="+mn-ea"/>
-            </a:endParaRPr>
           </a:p>
         </p:txBody>
       </p:sp>
@@ -2643,7 +2652,7 @@
           <p:nvPr>
             <p:ph sz="half" idx="2"/>
             <p:custDataLst>
-              <p:tags r:id="rId4"/>
+              <p:tags r:id="rId3"/>
             </p:custDataLst>
           </p:nvPr>
         </p:nvSpPr>
@@ -2715,7 +2724,6 @@
               <a:rPr lang="zh-CN" altLang="en-US" dirty="0"/>
               <a:t>单击此处编辑母版文本样式</a:t>
             </a:r>
-            <a:endParaRPr lang="zh-CN" altLang="en-US" dirty="0"/>
           </a:p>
           <a:p>
             <a:pPr lvl="1"/>
@@ -2723,7 +2731,6 @@
               <a:rPr lang="zh-CN" altLang="en-US" dirty="0"/>
               <a:t>第二级</a:t>
             </a:r>
-            <a:endParaRPr lang="zh-CN" altLang="en-US" dirty="0"/>
           </a:p>
           <a:p>
             <a:pPr lvl="2"/>
@@ -2731,7 +2738,6 @@
               <a:rPr lang="zh-CN" altLang="en-US" dirty="0"/>
               <a:t>第三级</a:t>
             </a:r>
-            <a:endParaRPr lang="zh-CN" altLang="en-US" dirty="0"/>
           </a:p>
           <a:p>
             <a:pPr lvl="3"/>
@@ -2739,7 +2745,6 @@
               <a:rPr lang="zh-CN" altLang="en-US" dirty="0"/>
               <a:t>第四级</a:t>
             </a:r>
-            <a:endParaRPr lang="zh-CN" altLang="en-US" dirty="0"/>
           </a:p>
           <a:p>
             <a:pPr lvl="4"/>
@@ -2747,7 +2752,6 @@
               <a:rPr lang="zh-CN" altLang="en-US" dirty="0"/>
               <a:t>第五级</a:t>
             </a:r>
-            <a:endParaRPr lang="zh-CN" altLang="en-US" dirty="0"/>
           </a:p>
         </p:txBody>
       </p:sp>
@@ -2760,7 +2764,7 @@
           <p:nvPr>
             <p:ph type="dt" sz="half" idx="10"/>
             <p:custDataLst>
-              <p:tags r:id="rId5"/>
+              <p:tags r:id="rId4"/>
             </p:custDataLst>
           </p:nvPr>
         </p:nvSpPr>
@@ -2771,6 +2775,7 @@
           <a:p>
             <a:fld id="{760FBDFE-C587-4B4C-A407-44438C67B59E}" type="datetimeFigureOut">
               <a:rPr lang="zh-CN" altLang="en-US" smtClean="0"/>
+              <a:t>2019/5/8</a:t>
             </a:fld>
             <a:endParaRPr lang="zh-CN" altLang="en-US"/>
           </a:p>
@@ -2785,7 +2790,7 @@
           <p:nvPr>
             <p:ph type="ftr" sz="quarter" idx="11"/>
             <p:custDataLst>
-              <p:tags r:id="rId6"/>
+              <p:tags r:id="rId5"/>
             </p:custDataLst>
           </p:nvPr>
         </p:nvSpPr>
@@ -2807,7 +2812,7 @@
           <p:nvPr>
             <p:ph type="sldNum" sz="quarter" idx="12"/>
             <p:custDataLst>
-              <p:tags r:id="rId7"/>
+              <p:tags r:id="rId6"/>
             </p:custDataLst>
           </p:nvPr>
         </p:nvSpPr>
@@ -2818,6 +2823,7 @@
           <a:p>
             <a:fld id="{49AE70B2-8BF9-45C0-BB95-33D1B9D3A854}" type="slidenum">
               <a:rPr lang="zh-CN" altLang="en-US" smtClean="0"/>
+              <a:t>‹#›</a:t>
             </a:fld>
             <a:endParaRPr lang="zh-CN" altLang="en-US"/>
           </a:p>
@@ -2857,7 +2863,7 @@
           <p:nvPr>
             <p:ph type="title"/>
             <p:custDataLst>
-              <p:tags r:id="rId2"/>
+              <p:tags r:id="rId1"/>
             </p:custDataLst>
           </p:nvPr>
         </p:nvSpPr>
@@ -2897,9 +2903,6 @@
               </a:rPr>
               <a:t>单击此处编辑母版标题样式</a:t>
             </a:r>
-            <a:endParaRPr dirty="0">
-              <a:sym typeface="+mn-ea"/>
-            </a:endParaRPr>
           </a:p>
         </p:txBody>
       </p:sp>
@@ -2912,7 +2915,7 @@
           <p:nvPr>
             <p:ph type="body" idx="1" hasCustomPrompt="1"/>
             <p:custDataLst>
-              <p:tags r:id="rId3"/>
+              <p:tags r:id="rId2"/>
             </p:custDataLst>
           </p:nvPr>
         </p:nvSpPr>
@@ -2981,7 +2984,6 @@
               <a:rPr lang="zh-CN" altLang="en-US" dirty="0"/>
               <a:t>单击此处编辑文本</a:t>
             </a:r>
-            <a:endParaRPr lang="zh-CN" altLang="en-US" dirty="0"/>
           </a:p>
         </p:txBody>
       </p:sp>
@@ -2994,7 +2996,7 @@
           <p:nvPr>
             <p:ph sz="half" idx="2"/>
             <p:custDataLst>
-              <p:tags r:id="rId4"/>
+              <p:tags r:id="rId3"/>
             </p:custDataLst>
           </p:nvPr>
         </p:nvSpPr>
@@ -3151,9 +3153,6 @@
               </a:rPr>
               <a:t>单击此处编辑母版文本样式</a:t>
             </a:r>
-            <a:endParaRPr dirty="0">
-              <a:sym typeface="+mn-ea"/>
-            </a:endParaRPr>
           </a:p>
           <a:p>
             <a:pPr lvl="1"/>
@@ -3163,9 +3162,6 @@
               </a:rPr>
               <a:t>第二级</a:t>
             </a:r>
-            <a:endParaRPr dirty="0">
-              <a:sym typeface="+mn-ea"/>
-            </a:endParaRPr>
           </a:p>
           <a:p>
             <a:pPr lvl="2"/>
@@ -3175,9 +3171,6 @@
               </a:rPr>
               <a:t>第三级</a:t>
             </a:r>
-            <a:endParaRPr dirty="0">
-              <a:sym typeface="+mn-ea"/>
-            </a:endParaRPr>
           </a:p>
           <a:p>
             <a:pPr lvl="3"/>
@@ -3187,9 +3180,6 @@
               </a:rPr>
               <a:t>第四级</a:t>
             </a:r>
-            <a:endParaRPr dirty="0">
-              <a:sym typeface="+mn-ea"/>
-            </a:endParaRPr>
           </a:p>
           <a:p>
             <a:pPr lvl="4"/>
@@ -3199,9 +3189,6 @@
               </a:rPr>
               <a:t>第五级</a:t>
             </a:r>
-            <a:endParaRPr dirty="0">
-              <a:sym typeface="+mn-ea"/>
-            </a:endParaRPr>
           </a:p>
         </p:txBody>
       </p:sp>
@@ -3214,7 +3201,7 @@
           <p:nvPr>
             <p:ph type="body" sz="quarter" idx="3" hasCustomPrompt="1"/>
             <p:custDataLst>
-              <p:tags r:id="rId5"/>
+              <p:tags r:id="rId4"/>
             </p:custDataLst>
           </p:nvPr>
         </p:nvSpPr>
@@ -3293,9 +3280,6 @@
               </a:rPr>
               <a:t>单击此处编辑文本</a:t>
             </a:r>
-            <a:endParaRPr>
-              <a:sym typeface="+mn-ea"/>
-            </a:endParaRPr>
           </a:p>
         </p:txBody>
       </p:sp>
@@ -3308,7 +3292,7 @@
           <p:nvPr>
             <p:ph sz="quarter" idx="4"/>
             <p:custDataLst>
-              <p:tags r:id="rId6"/>
+              <p:tags r:id="rId5"/>
             </p:custDataLst>
           </p:nvPr>
         </p:nvSpPr>
@@ -3465,9 +3449,6 @@
               </a:rPr>
               <a:t>单击此处编辑母版文本样式</a:t>
             </a:r>
-            <a:endParaRPr dirty="0">
-              <a:sym typeface="+mn-ea"/>
-            </a:endParaRPr>
           </a:p>
           <a:p>
             <a:pPr lvl="1"/>
@@ -3477,9 +3458,6 @@
               </a:rPr>
               <a:t>第二级</a:t>
             </a:r>
-            <a:endParaRPr dirty="0">
-              <a:sym typeface="+mn-ea"/>
-            </a:endParaRPr>
           </a:p>
           <a:p>
             <a:pPr lvl="2"/>
@@ -3489,9 +3467,6 @@
               </a:rPr>
               <a:t>第三级</a:t>
             </a:r>
-            <a:endParaRPr dirty="0">
-              <a:sym typeface="+mn-ea"/>
-            </a:endParaRPr>
           </a:p>
           <a:p>
             <a:pPr lvl="3"/>
@@ -3501,9 +3476,6 @@
               </a:rPr>
               <a:t>第四级</a:t>
             </a:r>
-            <a:endParaRPr dirty="0">
-              <a:sym typeface="+mn-ea"/>
-            </a:endParaRPr>
           </a:p>
           <a:p>
             <a:pPr lvl="4"/>
@@ -3513,9 +3485,6 @@
               </a:rPr>
               <a:t>第五级</a:t>
             </a:r>
-            <a:endParaRPr dirty="0">
-              <a:sym typeface="+mn-ea"/>
-            </a:endParaRPr>
           </a:p>
         </p:txBody>
       </p:sp>
@@ -3528,7 +3497,7 @@
           <p:nvPr>
             <p:ph type="dt" sz="half" idx="10"/>
             <p:custDataLst>
-              <p:tags r:id="rId7"/>
+              <p:tags r:id="rId6"/>
             </p:custDataLst>
           </p:nvPr>
         </p:nvSpPr>
@@ -3539,6 +3508,7 @@
           <a:p>
             <a:fld id="{760FBDFE-C587-4B4C-A407-44438C67B59E}" type="datetimeFigureOut">
               <a:rPr lang="zh-CN" altLang="en-US" smtClean="0"/>
+              <a:t>2019/5/8</a:t>
             </a:fld>
             <a:endParaRPr lang="zh-CN" altLang="en-US"/>
           </a:p>
@@ -3553,7 +3523,7 @@
           <p:nvPr>
             <p:ph type="ftr" sz="quarter" idx="11"/>
             <p:custDataLst>
-              <p:tags r:id="rId8"/>
+              <p:tags r:id="rId7"/>
             </p:custDataLst>
           </p:nvPr>
         </p:nvSpPr>
@@ -3575,7 +3545,7 @@
           <p:nvPr>
             <p:ph type="sldNum" sz="quarter" idx="12"/>
             <p:custDataLst>
-              <p:tags r:id="rId9"/>
+              <p:tags r:id="rId8"/>
             </p:custDataLst>
           </p:nvPr>
         </p:nvSpPr>
@@ -3586,6 +3556,7 @@
           <a:p>
             <a:fld id="{49AE70B2-8BF9-45C0-BB95-33D1B9D3A854}" type="slidenum">
               <a:rPr lang="zh-CN" altLang="en-US" smtClean="0"/>
+              <a:t>‹#›</a:t>
             </a:fld>
             <a:endParaRPr lang="zh-CN" altLang="en-US"/>
           </a:p>
@@ -3625,7 +3596,7 @@
           <p:nvPr>
             <p:ph type="title"/>
             <p:custDataLst>
-              <p:tags r:id="rId2"/>
+              <p:tags r:id="rId1"/>
             </p:custDataLst>
           </p:nvPr>
         </p:nvSpPr>
@@ -3660,9 +3631,6 @@
               </a:rPr>
               <a:t>单击此处编辑母版标题样式</a:t>
             </a:r>
-            <a:endParaRPr>
-              <a:sym typeface="+mn-ea"/>
-            </a:endParaRPr>
           </a:p>
         </p:txBody>
       </p:sp>
@@ -3675,7 +3643,7 @@
           <p:nvPr>
             <p:ph type="dt" sz="half" idx="10"/>
             <p:custDataLst>
-              <p:tags r:id="rId3"/>
+              <p:tags r:id="rId2"/>
             </p:custDataLst>
           </p:nvPr>
         </p:nvSpPr>
@@ -3686,6 +3654,7 @@
           <a:p>
             <a:fld id="{760FBDFE-C587-4B4C-A407-44438C67B59E}" type="datetimeFigureOut">
               <a:rPr lang="zh-CN" altLang="en-US" smtClean="0"/>
+              <a:t>2019/5/8</a:t>
             </a:fld>
             <a:endParaRPr lang="zh-CN" altLang="en-US"/>
           </a:p>
@@ -3700,7 +3669,7 @@
           <p:nvPr>
             <p:ph type="ftr" sz="quarter" idx="11"/>
             <p:custDataLst>
-              <p:tags r:id="rId4"/>
+              <p:tags r:id="rId3"/>
             </p:custDataLst>
           </p:nvPr>
         </p:nvSpPr>
@@ -3722,7 +3691,7 @@
           <p:nvPr>
             <p:ph type="sldNum" sz="quarter" idx="12"/>
             <p:custDataLst>
-              <p:tags r:id="rId5"/>
+              <p:tags r:id="rId4"/>
             </p:custDataLst>
           </p:nvPr>
         </p:nvSpPr>
@@ -3733,6 +3702,7 @@
           <a:p>
             <a:fld id="{49AE70B2-8BF9-45C0-BB95-33D1B9D3A854}" type="slidenum">
               <a:rPr lang="zh-CN" altLang="en-US" smtClean="0"/>
+              <a:t>‹#›</a:t>
             </a:fld>
             <a:endParaRPr lang="zh-CN" altLang="en-US"/>
           </a:p>
@@ -3772,7 +3742,7 @@
           <p:nvPr>
             <p:ph type="dt" sz="half" idx="10"/>
             <p:custDataLst>
-              <p:tags r:id="rId2"/>
+              <p:tags r:id="rId1"/>
             </p:custDataLst>
           </p:nvPr>
         </p:nvSpPr>
@@ -3783,6 +3753,7 @@
           <a:p>
             <a:fld id="{760FBDFE-C587-4B4C-A407-44438C67B59E}" type="datetimeFigureOut">
               <a:rPr lang="zh-CN" altLang="en-US" smtClean="0"/>
+              <a:t>2019/5/8</a:t>
             </a:fld>
             <a:endParaRPr lang="zh-CN" altLang="en-US"/>
           </a:p>
@@ -3797,7 +3768,7 @@
           <p:nvPr>
             <p:ph type="ftr" sz="quarter" idx="11"/>
             <p:custDataLst>
-              <p:tags r:id="rId3"/>
+              <p:tags r:id="rId2"/>
             </p:custDataLst>
           </p:nvPr>
         </p:nvSpPr>
@@ -3819,7 +3790,7 @@
           <p:nvPr>
             <p:ph type="sldNum" sz="quarter" idx="12"/>
             <p:custDataLst>
-              <p:tags r:id="rId4"/>
+              <p:tags r:id="rId3"/>
             </p:custDataLst>
           </p:nvPr>
         </p:nvSpPr>
@@ -3830,6 +3801,7 @@
           <a:p>
             <a:fld id="{49AE70B2-8BF9-45C0-BB95-33D1B9D3A854}" type="slidenum">
               <a:rPr lang="zh-CN" altLang="en-US" smtClean="0"/>
+              <a:t>‹#›</a:t>
             </a:fld>
             <a:endParaRPr lang="zh-CN" altLang="en-US"/>
           </a:p>
@@ -3869,7 +3841,7 @@
           <p:nvPr>
             <p:ph type="pic" idx="1"/>
             <p:custDataLst>
-              <p:tags r:id="rId2"/>
+              <p:tags r:id="rId1"/>
             </p:custDataLst>
           </p:nvPr>
         </p:nvSpPr>
@@ -4023,7 +3995,7 @@
           <p:nvPr>
             <p:ph type="body" sz="half" idx="2"/>
             <p:custDataLst>
-              <p:tags r:id="rId3"/>
+              <p:tags r:id="rId2"/>
             </p:custDataLst>
           </p:nvPr>
         </p:nvSpPr>
@@ -4073,9 +4045,6 @@
               </a:rPr>
               <a:t>单击此处编辑母版文本样式</a:t>
             </a:r>
-            <a:endParaRPr>
-              <a:sym typeface="+mn-ea"/>
-            </a:endParaRPr>
           </a:p>
         </p:txBody>
       </p:sp>
@@ -4088,7 +4057,7 @@
           <p:nvPr>
             <p:ph type="dt" sz="half" idx="10"/>
             <p:custDataLst>
-              <p:tags r:id="rId4"/>
+              <p:tags r:id="rId3"/>
             </p:custDataLst>
           </p:nvPr>
         </p:nvSpPr>
@@ -4099,6 +4068,7 @@
           <a:p>
             <a:fld id="{9EFD9D74-47D9-4702-A33C-335B63B48DBF}" type="datetimeFigureOut">
               <a:rPr lang="zh-CN" altLang="en-US" smtClean="0"/>
+              <a:t>2019/5/8</a:t>
             </a:fld>
             <a:endParaRPr lang="zh-CN" altLang="en-US" dirty="0"/>
           </a:p>
@@ -4113,7 +4083,7 @@
           <p:nvPr>
             <p:ph type="ftr" sz="quarter" idx="11"/>
             <p:custDataLst>
-              <p:tags r:id="rId5"/>
+              <p:tags r:id="rId4"/>
             </p:custDataLst>
           </p:nvPr>
         </p:nvSpPr>
@@ -4135,7 +4105,7 @@
           <p:nvPr>
             <p:ph type="sldNum" sz="quarter" idx="12"/>
             <p:custDataLst>
-              <p:tags r:id="rId6"/>
+              <p:tags r:id="rId5"/>
             </p:custDataLst>
           </p:nvPr>
         </p:nvSpPr>
@@ -4146,6 +4116,7 @@
           <a:p>
             <a:fld id="{FABC47A4-756D-490B-A52F-7D9E2C9FC05F}" type="slidenum">
               <a:rPr lang="zh-CN" altLang="en-US" smtClean="0"/>
+              <a:t>‹#›</a:t>
             </a:fld>
             <a:endParaRPr lang="zh-CN" altLang="en-US"/>
           </a:p>
@@ -4160,7 +4131,7 @@
           <p:nvPr>
             <p:ph type="title"/>
             <p:custDataLst>
-              <p:tags r:id="rId7"/>
+              <p:tags r:id="rId6"/>
             </p:custDataLst>
           </p:nvPr>
         </p:nvSpPr>
@@ -4173,7 +4144,6 @@
               <a:rPr lang="zh-CN" altLang="en-US"/>
               <a:t>单击此处编辑母版标题样式</a:t>
             </a:r>
-            <a:endParaRPr lang="zh-CN" altLang="en-US"/>
           </a:p>
         </p:txBody>
       </p:sp>
@@ -4211,7 +4181,7 @@
           <p:nvPr>
             <p:ph type="title"/>
             <p:custDataLst>
-              <p:tags r:id="rId2"/>
+              <p:tags r:id="rId1"/>
             </p:custDataLst>
           </p:nvPr>
         </p:nvSpPr>
@@ -4251,9 +4221,6 @@
               </a:rPr>
               <a:t>单击此处编辑母版标题样式</a:t>
             </a:r>
-            <a:endParaRPr dirty="0">
-              <a:sym typeface="+mn-ea"/>
-            </a:endParaRPr>
           </a:p>
         </p:txBody>
       </p:sp>
@@ -4266,7 +4233,7 @@
           <p:nvPr>
             <p:ph idx="1"/>
             <p:custDataLst>
-              <p:tags r:id="rId3"/>
+              <p:tags r:id="rId2"/>
             </p:custDataLst>
           </p:nvPr>
         </p:nvSpPr>
@@ -4423,9 +4390,6 @@
               </a:rPr>
               <a:t>单击此处编辑母版文本样式</a:t>
             </a:r>
-            <a:endParaRPr dirty="0">
-              <a:sym typeface="+mn-ea"/>
-            </a:endParaRPr>
           </a:p>
           <a:p>
             <a:pPr lvl="1"/>
@@ -4435,9 +4399,6 @@
               </a:rPr>
               <a:t>第二级</a:t>
             </a:r>
-            <a:endParaRPr dirty="0">
-              <a:sym typeface="+mn-ea"/>
-            </a:endParaRPr>
           </a:p>
           <a:p>
             <a:pPr lvl="2"/>
@@ -4447,9 +4408,6 @@
               </a:rPr>
               <a:t>第三级</a:t>
             </a:r>
-            <a:endParaRPr dirty="0">
-              <a:sym typeface="+mn-ea"/>
-            </a:endParaRPr>
           </a:p>
           <a:p>
             <a:pPr lvl="3"/>
@@ -4459,9 +4417,6 @@
               </a:rPr>
               <a:t>第四级</a:t>
             </a:r>
-            <a:endParaRPr dirty="0">
-              <a:sym typeface="+mn-ea"/>
-            </a:endParaRPr>
           </a:p>
           <a:p>
             <a:pPr lvl="4"/>
@@ -4471,9 +4426,6 @@
               </a:rPr>
               <a:t>第五级</a:t>
             </a:r>
-            <a:endParaRPr dirty="0">
-              <a:sym typeface="+mn-ea"/>
-            </a:endParaRPr>
           </a:p>
         </p:txBody>
       </p:sp>
@@ -4486,7 +4438,7 @@
           <p:nvPr>
             <p:ph type="dt" sz="half" idx="10"/>
             <p:custDataLst>
-              <p:tags r:id="rId4"/>
+              <p:tags r:id="rId3"/>
             </p:custDataLst>
           </p:nvPr>
         </p:nvSpPr>
@@ -4497,6 +4449,7 @@
           <a:p>
             <a:fld id="{760FBDFE-C587-4B4C-A407-44438C67B59E}" type="datetimeFigureOut">
               <a:rPr lang="zh-CN" altLang="en-US" smtClean="0"/>
+              <a:t>2019/5/8</a:t>
             </a:fld>
             <a:endParaRPr lang="zh-CN" altLang="en-US"/>
           </a:p>
@@ -4511,7 +4464,7 @@
           <p:nvPr>
             <p:ph type="ftr" sz="quarter" idx="11"/>
             <p:custDataLst>
-              <p:tags r:id="rId5"/>
+              <p:tags r:id="rId4"/>
             </p:custDataLst>
           </p:nvPr>
         </p:nvSpPr>
@@ -4533,7 +4486,7 @@
           <p:nvPr>
             <p:ph type="sldNum" sz="quarter" idx="12"/>
             <p:custDataLst>
-              <p:tags r:id="rId6"/>
+              <p:tags r:id="rId5"/>
             </p:custDataLst>
           </p:nvPr>
         </p:nvSpPr>
@@ -4544,6 +4497,7 @@
           <a:p>
             <a:fld id="{49AE70B2-8BF9-45C0-BB95-33D1B9D3A854}" type="slidenum">
               <a:rPr lang="zh-CN" altLang="en-US" smtClean="0"/>
+              <a:t>‹#›</a:t>
             </a:fld>
             <a:endParaRPr lang="zh-CN" altLang="en-US"/>
           </a:p>
@@ -4583,7 +4537,7 @@
           <p:nvPr>
             <p:ph type="title" orient="vert"/>
             <p:custDataLst>
-              <p:tags r:id="rId2"/>
+              <p:tags r:id="rId1"/>
             </p:custDataLst>
           </p:nvPr>
         </p:nvSpPr>
@@ -4626,9 +4580,6 @@
               </a:rPr>
               <a:t>单击此处编辑母版标题样式</a:t>
             </a:r>
-            <a:endParaRPr>
-              <a:sym typeface="+mn-ea"/>
-            </a:endParaRPr>
           </a:p>
         </p:txBody>
       </p:sp>
@@ -4641,7 +4592,7 @@
           <p:nvPr>
             <p:ph type="body" orient="vert" idx="1"/>
             <p:custDataLst>
-              <p:tags r:id="rId3"/>
+              <p:tags r:id="rId2"/>
             </p:custDataLst>
           </p:nvPr>
         </p:nvSpPr>
@@ -4711,7 +4662,6 @@
               <a:rPr lang="zh-CN" altLang="en-US" dirty="0"/>
               <a:t>单击此处编辑母版文本样式</a:t>
             </a:r>
-            <a:endParaRPr lang="zh-CN" altLang="en-US" dirty="0"/>
           </a:p>
           <a:p>
             <a:pPr lvl="1"/>
@@ -4719,7 +4669,6 @@
               <a:rPr lang="zh-CN" altLang="en-US" dirty="0"/>
               <a:t>第二级</a:t>
             </a:r>
-            <a:endParaRPr lang="zh-CN" altLang="en-US" dirty="0"/>
           </a:p>
           <a:p>
             <a:pPr lvl="2"/>
@@ -4727,7 +4676,6 @@
               <a:rPr lang="zh-CN" altLang="en-US" dirty="0"/>
               <a:t>第三级</a:t>
             </a:r>
-            <a:endParaRPr lang="zh-CN" altLang="en-US" dirty="0"/>
           </a:p>
           <a:p>
             <a:pPr lvl="3"/>
@@ -4735,7 +4683,6 @@
               <a:rPr lang="zh-CN" altLang="en-US" dirty="0"/>
               <a:t>第四级</a:t>
             </a:r>
-            <a:endParaRPr lang="zh-CN" altLang="en-US" dirty="0"/>
           </a:p>
           <a:p>
             <a:pPr lvl="4"/>
@@ -4743,7 +4690,6 @@
               <a:rPr lang="zh-CN" altLang="en-US" dirty="0"/>
               <a:t>第五级</a:t>
             </a:r>
-            <a:endParaRPr lang="zh-CN" altLang="en-US" dirty="0"/>
           </a:p>
         </p:txBody>
       </p:sp>
@@ -4756,7 +4702,7 @@
           <p:nvPr>
             <p:ph type="dt" sz="half" idx="10"/>
             <p:custDataLst>
-              <p:tags r:id="rId4"/>
+              <p:tags r:id="rId3"/>
             </p:custDataLst>
           </p:nvPr>
         </p:nvSpPr>
@@ -4767,6 +4713,7 @@
           <a:p>
             <a:fld id="{760FBDFE-C587-4B4C-A407-44438C67B59E}" type="datetimeFigureOut">
               <a:rPr lang="zh-CN" altLang="en-US" smtClean="0"/>
+              <a:t>2019/5/8</a:t>
             </a:fld>
             <a:endParaRPr lang="zh-CN" altLang="en-US"/>
           </a:p>
@@ -4781,7 +4728,7 @@
           <p:nvPr>
             <p:ph type="ftr" sz="quarter" idx="11"/>
             <p:custDataLst>
-              <p:tags r:id="rId5"/>
+              <p:tags r:id="rId4"/>
             </p:custDataLst>
           </p:nvPr>
         </p:nvSpPr>
@@ -4803,7 +4750,7 @@
           <p:nvPr>
             <p:ph type="sldNum" sz="quarter" idx="12"/>
             <p:custDataLst>
-              <p:tags r:id="rId6"/>
+              <p:tags r:id="rId5"/>
             </p:custDataLst>
           </p:nvPr>
         </p:nvSpPr>
@@ -4814,6 +4761,7 @@
           <a:p>
             <a:fld id="{49AE70B2-8BF9-45C0-BB95-33D1B9D3A854}" type="slidenum">
               <a:rPr lang="zh-CN" altLang="en-US" smtClean="0"/>
+              <a:t>‹#›</a:t>
             </a:fld>
             <a:endParaRPr lang="zh-CN" altLang="en-US"/>
           </a:p>
@@ -4853,7 +4801,7 @@
           <p:nvPr>
             <p:ph type="dt" sz="half" idx="10"/>
             <p:custDataLst>
-              <p:tags r:id="rId2"/>
+              <p:tags r:id="rId1"/>
             </p:custDataLst>
           </p:nvPr>
         </p:nvSpPr>
@@ -4864,6 +4812,7 @@
           <a:p>
             <a:fld id="{760FBDFE-C587-4B4C-A407-44438C67B59E}" type="datetimeFigureOut">
               <a:rPr lang="zh-CN" altLang="en-US" smtClean="0"/>
+              <a:t>2019/5/8</a:t>
             </a:fld>
             <a:endParaRPr lang="zh-CN" altLang="en-US"/>
           </a:p>
@@ -4878,7 +4827,7 @@
           <p:nvPr>
             <p:ph type="ftr" sz="quarter" idx="11"/>
             <p:custDataLst>
-              <p:tags r:id="rId3"/>
+              <p:tags r:id="rId2"/>
             </p:custDataLst>
           </p:nvPr>
         </p:nvSpPr>
@@ -4900,7 +4849,7 @@
           <p:nvPr>
             <p:ph type="sldNum" sz="quarter" idx="12"/>
             <p:custDataLst>
-              <p:tags r:id="rId4"/>
+              <p:tags r:id="rId3"/>
             </p:custDataLst>
           </p:nvPr>
         </p:nvSpPr>
@@ -4911,6 +4860,7 @@
           <a:p>
             <a:fld id="{49AE70B2-8BF9-45C0-BB95-33D1B9D3A854}" type="slidenum">
               <a:rPr lang="zh-CN" altLang="en-US" smtClean="0"/>
+              <a:t>‹#›</a:t>
             </a:fld>
             <a:endParaRPr lang="zh-CN" altLang="en-US"/>
           </a:p>
@@ -4925,7 +4875,7 @@
           <p:nvPr>
             <p:ph sz="quarter" idx="13"/>
             <p:custDataLst>
-              <p:tags r:id="rId5"/>
+              <p:tags r:id="rId4"/>
             </p:custDataLst>
           </p:nvPr>
         </p:nvSpPr>
@@ -4995,7 +4945,6 @@
               <a:rPr lang="zh-CN" altLang="en-US" dirty="0"/>
               <a:t>单击此处编辑母版文本样式</a:t>
             </a:r>
-            <a:endParaRPr lang="zh-CN" altLang="en-US" dirty="0"/>
           </a:p>
           <a:p>
             <a:pPr lvl="1"/>
@@ -5003,7 +4952,6 @@
               <a:rPr lang="zh-CN" altLang="en-US" dirty="0"/>
               <a:t>第二级</a:t>
             </a:r>
-            <a:endParaRPr lang="zh-CN" altLang="en-US" dirty="0"/>
           </a:p>
           <a:p>
             <a:pPr lvl="2"/>
@@ -5011,7 +4959,6 @@
               <a:rPr lang="zh-CN" altLang="en-US" dirty="0"/>
               <a:t>第三级</a:t>
             </a:r>
-            <a:endParaRPr lang="zh-CN" altLang="en-US" dirty="0"/>
           </a:p>
           <a:p>
             <a:pPr lvl="3"/>
@@ -5019,7 +4966,6 @@
               <a:rPr lang="zh-CN" altLang="en-US" dirty="0"/>
               <a:t>第四级</a:t>
             </a:r>
-            <a:endParaRPr lang="zh-CN" altLang="en-US" dirty="0"/>
           </a:p>
           <a:p>
             <a:pPr lvl="4"/>
@@ -5027,7 +4973,6 @@
               <a:rPr lang="zh-CN" altLang="en-US" dirty="0"/>
               <a:t>第五级</a:t>
             </a:r>
-            <a:endParaRPr lang="zh-CN" altLang="en-US" dirty="0"/>
           </a:p>
         </p:txBody>
       </p:sp>
@@ -5065,7 +5010,7 @@
           <p:nvPr>
             <p:ph type="dt" sz="half" idx="10"/>
             <p:custDataLst>
-              <p:tags r:id="rId2"/>
+              <p:tags r:id="rId1"/>
             </p:custDataLst>
           </p:nvPr>
         </p:nvSpPr>
@@ -5076,6 +5021,7 @@
           <a:p>
             <a:fld id="{760FBDFE-C587-4B4C-A407-44438C67B59E}" type="datetimeFigureOut">
               <a:rPr lang="zh-CN" altLang="en-US" smtClean="0"/>
+              <a:t>2019/5/8</a:t>
             </a:fld>
             <a:endParaRPr lang="zh-CN" altLang="en-US"/>
           </a:p>
@@ -5090,7 +5036,7 @@
           <p:nvPr>
             <p:ph type="ftr" sz="quarter" idx="11"/>
             <p:custDataLst>
-              <p:tags r:id="rId3"/>
+              <p:tags r:id="rId2"/>
             </p:custDataLst>
           </p:nvPr>
         </p:nvSpPr>
@@ -5112,7 +5058,7 @@
           <p:nvPr>
             <p:ph type="sldNum" sz="quarter" idx="12"/>
             <p:custDataLst>
-              <p:tags r:id="rId4"/>
+              <p:tags r:id="rId3"/>
             </p:custDataLst>
           </p:nvPr>
         </p:nvSpPr>
@@ -5123,6 +5069,7 @@
           <a:p>
             <a:fld id="{49AE70B2-8BF9-45C0-BB95-33D1B9D3A854}" type="slidenum">
               <a:rPr lang="zh-CN" altLang="en-US" smtClean="0"/>
+              <a:t>‹#›</a:t>
             </a:fld>
             <a:endParaRPr lang="zh-CN" altLang="en-US"/>
           </a:p>
@@ -5137,7 +5084,7 @@
           <p:nvPr>
             <p:ph type="title" hasCustomPrompt="1"/>
             <p:custDataLst>
-              <p:tags r:id="rId5"/>
+              <p:tags r:id="rId4"/>
             </p:custDataLst>
           </p:nvPr>
         </p:nvSpPr>
@@ -5184,9 +5131,6 @@
               </a:rPr>
               <a:t>单击此处编辑标题</a:t>
             </a:r>
-            <a:endParaRPr>
-              <a:sym typeface="+mn-ea"/>
-            </a:endParaRPr>
           </a:p>
         </p:txBody>
       </p:sp>
@@ -5224,7 +5168,7 @@
           <p:nvPr>
             <p:ph type="title"/>
             <p:custDataLst>
-              <p:tags r:id="rId2"/>
+              <p:tags r:id="rId1"/>
             </p:custDataLst>
           </p:nvPr>
         </p:nvSpPr>
@@ -5260,7 +5204,6 @@
               <a:rPr lang="zh-CN" altLang="en-US" dirty="0"/>
               <a:t>单击此处编辑母版标题样式</a:t>
             </a:r>
-            <a:endParaRPr lang="zh-CN" altLang="en-US" dirty="0"/>
           </a:p>
         </p:txBody>
       </p:sp>
@@ -5273,7 +5216,7 @@
           <p:nvPr>
             <p:ph type="body" idx="1"/>
             <p:custDataLst>
-              <p:tags r:id="rId3"/>
+              <p:tags r:id="rId2"/>
             </p:custDataLst>
           </p:nvPr>
         </p:nvSpPr>
@@ -5388,7 +5331,6 @@
               <a:rPr lang="zh-CN" altLang="en-US" dirty="0"/>
               <a:t>单击此处编辑母版文本样式</a:t>
             </a:r>
-            <a:endParaRPr lang="zh-CN" altLang="en-US" dirty="0"/>
           </a:p>
         </p:txBody>
       </p:sp>
@@ -5401,7 +5343,7 @@
           <p:nvPr>
             <p:ph type="dt" sz="half" idx="10"/>
             <p:custDataLst>
-              <p:tags r:id="rId4"/>
+              <p:tags r:id="rId3"/>
             </p:custDataLst>
           </p:nvPr>
         </p:nvSpPr>
@@ -5412,6 +5354,7 @@
           <a:p>
             <a:fld id="{760FBDFE-C587-4B4C-A407-44438C67B59E}" type="datetimeFigureOut">
               <a:rPr lang="zh-CN" altLang="en-US" smtClean="0"/>
+              <a:t>2019/5/8</a:t>
             </a:fld>
             <a:endParaRPr lang="zh-CN" altLang="en-US"/>
           </a:p>
@@ -5426,7 +5369,7 @@
           <p:nvPr>
             <p:ph type="ftr" sz="quarter" idx="11"/>
             <p:custDataLst>
-              <p:tags r:id="rId5"/>
+              <p:tags r:id="rId4"/>
             </p:custDataLst>
           </p:nvPr>
         </p:nvSpPr>
@@ -5448,7 +5391,7 @@
           <p:nvPr>
             <p:ph type="sldNum" sz="quarter" idx="12"/>
             <p:custDataLst>
-              <p:tags r:id="rId6"/>
+              <p:tags r:id="rId5"/>
             </p:custDataLst>
           </p:nvPr>
         </p:nvSpPr>
@@ -5459,6 +5402,7 @@
           <a:p>
             <a:fld id="{49AE70B2-8BF9-45C0-BB95-33D1B9D3A854}" type="slidenum">
               <a:rPr lang="zh-CN" altLang="en-US" smtClean="0"/>
+              <a:t>‹#›</a:t>
             </a:fld>
             <a:endParaRPr lang="zh-CN" altLang="en-US"/>
           </a:p>
@@ -5498,7 +5442,7 @@
           <p:nvPr>
             <p:ph type="title"/>
             <p:custDataLst>
-              <p:tags r:id="rId2"/>
+              <p:tags r:id="rId1"/>
             </p:custDataLst>
           </p:nvPr>
         </p:nvSpPr>
@@ -5538,9 +5482,6 @@
               </a:rPr>
               <a:t>单击此处编辑母版标题样式</a:t>
             </a:r>
-            <a:endParaRPr dirty="0">
-              <a:sym typeface="+mn-ea"/>
-            </a:endParaRPr>
           </a:p>
         </p:txBody>
       </p:sp>
@@ -5553,7 +5494,7 @@
           <p:nvPr>
             <p:ph sz="half" idx="1"/>
             <p:custDataLst>
-              <p:tags r:id="rId3"/>
+              <p:tags r:id="rId2"/>
             </p:custDataLst>
           </p:nvPr>
         </p:nvSpPr>
@@ -5710,9 +5651,6 @@
               </a:rPr>
               <a:t>单击此处编辑母版文本样式</a:t>
             </a:r>
-            <a:endParaRPr dirty="0">
-              <a:sym typeface="+mn-ea"/>
-            </a:endParaRPr>
           </a:p>
           <a:p>
             <a:pPr lvl="1"/>
@@ -5722,9 +5660,6 @@
               </a:rPr>
               <a:t>第二级</a:t>
             </a:r>
-            <a:endParaRPr dirty="0">
-              <a:sym typeface="+mn-ea"/>
-            </a:endParaRPr>
           </a:p>
           <a:p>
             <a:pPr lvl="2"/>
@@ -5734,9 +5669,6 @@
               </a:rPr>
               <a:t>第三级</a:t>
             </a:r>
-            <a:endParaRPr dirty="0">
-              <a:sym typeface="+mn-ea"/>
-            </a:endParaRPr>
           </a:p>
           <a:p>
             <a:pPr lvl="3"/>
@@ -5746,9 +5678,6 @@
               </a:rPr>
               <a:t>第四级</a:t>
             </a:r>
-            <a:endParaRPr dirty="0">
-              <a:sym typeface="+mn-ea"/>
-            </a:endParaRPr>
           </a:p>
           <a:p>
             <a:pPr lvl="4"/>
@@ -5758,9 +5687,6 @@
               </a:rPr>
               <a:t>第五级</a:t>
             </a:r>
-            <a:endParaRPr dirty="0">
-              <a:sym typeface="+mn-ea"/>
-            </a:endParaRPr>
           </a:p>
         </p:txBody>
       </p:sp>
@@ -5773,7 +5699,7 @@
           <p:nvPr>
             <p:ph sz="half" idx="2"/>
             <p:custDataLst>
-              <p:tags r:id="rId4"/>
+              <p:tags r:id="rId3"/>
             </p:custDataLst>
           </p:nvPr>
         </p:nvSpPr>
@@ -5845,7 +5771,6 @@
               <a:rPr lang="zh-CN" altLang="en-US" dirty="0"/>
               <a:t>单击此处编辑母版文本样式</a:t>
             </a:r>
-            <a:endParaRPr lang="zh-CN" altLang="en-US" dirty="0"/>
           </a:p>
           <a:p>
             <a:pPr lvl="1"/>
@@ -5853,7 +5778,6 @@
               <a:rPr lang="zh-CN" altLang="en-US" dirty="0"/>
               <a:t>第二级</a:t>
             </a:r>
-            <a:endParaRPr lang="zh-CN" altLang="en-US" dirty="0"/>
           </a:p>
           <a:p>
             <a:pPr lvl="2"/>
@@ -5861,7 +5785,6 @@
               <a:rPr lang="zh-CN" altLang="en-US" dirty="0"/>
               <a:t>第三级</a:t>
             </a:r>
-            <a:endParaRPr lang="zh-CN" altLang="en-US" dirty="0"/>
           </a:p>
           <a:p>
             <a:pPr lvl="3"/>
@@ -5869,7 +5792,6 @@
               <a:rPr lang="zh-CN" altLang="en-US" dirty="0"/>
               <a:t>第四级</a:t>
             </a:r>
-            <a:endParaRPr lang="zh-CN" altLang="en-US" dirty="0"/>
           </a:p>
           <a:p>
             <a:pPr lvl="4"/>
@@ -5877,7 +5799,6 @@
               <a:rPr lang="zh-CN" altLang="en-US" dirty="0"/>
               <a:t>第五级</a:t>
             </a:r>
-            <a:endParaRPr lang="zh-CN" altLang="en-US" dirty="0"/>
           </a:p>
         </p:txBody>
       </p:sp>
@@ -5890,7 +5811,7 @@
           <p:nvPr>
             <p:ph type="dt" sz="half" idx="10"/>
             <p:custDataLst>
-              <p:tags r:id="rId5"/>
+              <p:tags r:id="rId4"/>
             </p:custDataLst>
           </p:nvPr>
         </p:nvSpPr>
@@ -5901,6 +5822,7 @@
           <a:p>
             <a:fld id="{760FBDFE-C587-4B4C-A407-44438C67B59E}" type="datetimeFigureOut">
               <a:rPr lang="zh-CN" altLang="en-US" smtClean="0"/>
+              <a:t>2019/5/8</a:t>
             </a:fld>
             <a:endParaRPr lang="zh-CN" altLang="en-US"/>
           </a:p>
@@ -5915,7 +5837,7 @@
           <p:nvPr>
             <p:ph type="ftr" sz="quarter" idx="11"/>
             <p:custDataLst>
-              <p:tags r:id="rId6"/>
+              <p:tags r:id="rId5"/>
             </p:custDataLst>
           </p:nvPr>
         </p:nvSpPr>
@@ -5937,7 +5859,7 @@
           <p:nvPr>
             <p:ph type="sldNum" sz="quarter" idx="12"/>
             <p:custDataLst>
-              <p:tags r:id="rId7"/>
+              <p:tags r:id="rId6"/>
             </p:custDataLst>
           </p:nvPr>
         </p:nvSpPr>
@@ -5948,6 +5870,7 @@
           <a:p>
             <a:fld id="{49AE70B2-8BF9-45C0-BB95-33D1B9D3A854}" type="slidenum">
               <a:rPr lang="zh-CN" altLang="en-US" smtClean="0"/>
+              <a:t>‹#›</a:t>
             </a:fld>
             <a:endParaRPr lang="zh-CN" altLang="en-US"/>
           </a:p>
@@ -5987,7 +5910,7 @@
           <p:nvPr>
             <p:ph type="title"/>
             <p:custDataLst>
-              <p:tags r:id="rId2"/>
+              <p:tags r:id="rId1"/>
             </p:custDataLst>
           </p:nvPr>
         </p:nvSpPr>
@@ -6027,9 +5950,6 @@
               </a:rPr>
               <a:t>单击此处编辑母版标题样式</a:t>
             </a:r>
-            <a:endParaRPr dirty="0">
-              <a:sym typeface="+mn-ea"/>
-            </a:endParaRPr>
           </a:p>
         </p:txBody>
       </p:sp>
@@ -6042,7 +5962,7 @@
           <p:nvPr>
             <p:ph type="body" idx="1" hasCustomPrompt="1"/>
             <p:custDataLst>
-              <p:tags r:id="rId3"/>
+              <p:tags r:id="rId2"/>
             </p:custDataLst>
           </p:nvPr>
         </p:nvSpPr>
@@ -6111,7 +6031,6 @@
               <a:rPr lang="zh-CN" altLang="en-US" dirty="0"/>
               <a:t>单击此处编辑文本</a:t>
             </a:r>
-            <a:endParaRPr lang="zh-CN" altLang="en-US" dirty="0"/>
           </a:p>
         </p:txBody>
       </p:sp>
@@ -6124,7 +6043,7 @@
           <p:nvPr>
             <p:ph sz="half" idx="2"/>
             <p:custDataLst>
-              <p:tags r:id="rId4"/>
+              <p:tags r:id="rId3"/>
             </p:custDataLst>
           </p:nvPr>
         </p:nvSpPr>
@@ -6281,9 +6200,6 @@
               </a:rPr>
               <a:t>单击此处编辑母版文本样式</a:t>
             </a:r>
-            <a:endParaRPr dirty="0">
-              <a:sym typeface="+mn-ea"/>
-            </a:endParaRPr>
           </a:p>
           <a:p>
             <a:pPr lvl="1"/>
@@ -6293,9 +6209,6 @@
               </a:rPr>
               <a:t>第二级</a:t>
             </a:r>
-            <a:endParaRPr dirty="0">
-              <a:sym typeface="+mn-ea"/>
-            </a:endParaRPr>
           </a:p>
           <a:p>
             <a:pPr lvl="2"/>
@@ -6305,9 +6218,6 @@
               </a:rPr>
               <a:t>第三级</a:t>
             </a:r>
-            <a:endParaRPr dirty="0">
-              <a:sym typeface="+mn-ea"/>
-            </a:endParaRPr>
           </a:p>
           <a:p>
             <a:pPr lvl="3"/>
@@ -6317,9 +6227,6 @@
               </a:rPr>
               <a:t>第四级</a:t>
             </a:r>
-            <a:endParaRPr dirty="0">
-              <a:sym typeface="+mn-ea"/>
-            </a:endParaRPr>
           </a:p>
           <a:p>
             <a:pPr lvl="4"/>
@@ -6329,9 +6236,6 @@
               </a:rPr>
               <a:t>第五级</a:t>
             </a:r>
-            <a:endParaRPr dirty="0">
-              <a:sym typeface="+mn-ea"/>
-            </a:endParaRPr>
           </a:p>
         </p:txBody>
       </p:sp>
@@ -6344,7 +6248,7 @@
           <p:nvPr>
             <p:ph type="body" sz="quarter" idx="3" hasCustomPrompt="1"/>
             <p:custDataLst>
-              <p:tags r:id="rId5"/>
+              <p:tags r:id="rId4"/>
             </p:custDataLst>
           </p:nvPr>
         </p:nvSpPr>
@@ -6423,9 +6327,6 @@
               </a:rPr>
               <a:t>单击此处编辑文本</a:t>
             </a:r>
-            <a:endParaRPr>
-              <a:sym typeface="+mn-ea"/>
-            </a:endParaRPr>
           </a:p>
         </p:txBody>
       </p:sp>
@@ -6438,7 +6339,7 @@
           <p:nvPr>
             <p:ph sz="quarter" idx="4"/>
             <p:custDataLst>
-              <p:tags r:id="rId6"/>
+              <p:tags r:id="rId5"/>
             </p:custDataLst>
           </p:nvPr>
         </p:nvSpPr>
@@ -6595,9 +6496,6 @@
               </a:rPr>
               <a:t>单击此处编辑母版文本样式</a:t>
             </a:r>
-            <a:endParaRPr dirty="0">
-              <a:sym typeface="+mn-ea"/>
-            </a:endParaRPr>
           </a:p>
           <a:p>
             <a:pPr lvl="1"/>
@@ -6607,9 +6505,6 @@
               </a:rPr>
               <a:t>第二级</a:t>
             </a:r>
-            <a:endParaRPr dirty="0">
-              <a:sym typeface="+mn-ea"/>
-            </a:endParaRPr>
           </a:p>
           <a:p>
             <a:pPr lvl="2"/>
@@ -6619,9 +6514,6 @@
               </a:rPr>
               <a:t>第三级</a:t>
             </a:r>
-            <a:endParaRPr dirty="0">
-              <a:sym typeface="+mn-ea"/>
-            </a:endParaRPr>
           </a:p>
           <a:p>
             <a:pPr lvl="3"/>
@@ -6631,9 +6523,6 @@
               </a:rPr>
               <a:t>第四级</a:t>
             </a:r>
-            <a:endParaRPr dirty="0">
-              <a:sym typeface="+mn-ea"/>
-            </a:endParaRPr>
           </a:p>
           <a:p>
             <a:pPr lvl="4"/>
@@ -6643,9 +6532,6 @@
               </a:rPr>
               <a:t>第五级</a:t>
             </a:r>
-            <a:endParaRPr dirty="0">
-              <a:sym typeface="+mn-ea"/>
-            </a:endParaRPr>
           </a:p>
         </p:txBody>
       </p:sp>
@@ -6658,7 +6544,7 @@
           <p:nvPr>
             <p:ph type="dt" sz="half" idx="10"/>
             <p:custDataLst>
-              <p:tags r:id="rId7"/>
+              <p:tags r:id="rId6"/>
             </p:custDataLst>
           </p:nvPr>
         </p:nvSpPr>
@@ -6669,6 +6555,7 @@
           <a:p>
             <a:fld id="{760FBDFE-C587-4B4C-A407-44438C67B59E}" type="datetimeFigureOut">
               <a:rPr lang="zh-CN" altLang="en-US" smtClean="0"/>
+              <a:t>2019/5/8</a:t>
             </a:fld>
             <a:endParaRPr lang="zh-CN" altLang="en-US"/>
           </a:p>
@@ -6683,7 +6570,7 @@
           <p:nvPr>
             <p:ph type="ftr" sz="quarter" idx="11"/>
             <p:custDataLst>
-              <p:tags r:id="rId8"/>
+              <p:tags r:id="rId7"/>
             </p:custDataLst>
           </p:nvPr>
         </p:nvSpPr>
@@ -6705,7 +6592,7 @@
           <p:nvPr>
             <p:ph type="sldNum" sz="quarter" idx="12"/>
             <p:custDataLst>
-              <p:tags r:id="rId9"/>
+              <p:tags r:id="rId8"/>
             </p:custDataLst>
           </p:nvPr>
         </p:nvSpPr>
@@ -6716,6 +6603,7 @@
           <a:p>
             <a:fld id="{49AE70B2-8BF9-45C0-BB95-33D1B9D3A854}" type="slidenum">
               <a:rPr lang="zh-CN" altLang="en-US" smtClean="0"/>
+              <a:t>‹#›</a:t>
             </a:fld>
             <a:endParaRPr lang="zh-CN" altLang="en-US"/>
           </a:p>
@@ -6755,7 +6643,7 @@
           <p:nvPr>
             <p:ph type="title"/>
             <p:custDataLst>
-              <p:tags r:id="rId2"/>
+              <p:tags r:id="rId1"/>
             </p:custDataLst>
           </p:nvPr>
         </p:nvSpPr>
@@ -6790,9 +6678,6 @@
               </a:rPr>
               <a:t>单击此处编辑母版标题样式</a:t>
             </a:r>
-            <a:endParaRPr>
-              <a:sym typeface="+mn-ea"/>
-            </a:endParaRPr>
           </a:p>
         </p:txBody>
       </p:sp>
@@ -6805,7 +6690,7 @@
           <p:nvPr>
             <p:ph type="dt" sz="half" idx="10"/>
             <p:custDataLst>
-              <p:tags r:id="rId3"/>
+              <p:tags r:id="rId2"/>
             </p:custDataLst>
           </p:nvPr>
         </p:nvSpPr>
@@ -6816,6 +6701,7 @@
           <a:p>
             <a:fld id="{760FBDFE-C587-4B4C-A407-44438C67B59E}" type="datetimeFigureOut">
               <a:rPr lang="zh-CN" altLang="en-US" smtClean="0"/>
+              <a:t>2019/5/8</a:t>
             </a:fld>
             <a:endParaRPr lang="zh-CN" altLang="en-US"/>
           </a:p>
@@ -6830,7 +6716,7 @@
           <p:nvPr>
             <p:ph type="ftr" sz="quarter" idx="11"/>
             <p:custDataLst>
-              <p:tags r:id="rId4"/>
+              <p:tags r:id="rId3"/>
             </p:custDataLst>
           </p:nvPr>
         </p:nvSpPr>
@@ -6852,7 +6738,7 @@
           <p:nvPr>
             <p:ph type="sldNum" sz="quarter" idx="12"/>
             <p:custDataLst>
-              <p:tags r:id="rId5"/>
+              <p:tags r:id="rId4"/>
             </p:custDataLst>
           </p:nvPr>
         </p:nvSpPr>
@@ -6863,6 +6749,7 @@
           <a:p>
             <a:fld id="{49AE70B2-8BF9-45C0-BB95-33D1B9D3A854}" type="slidenum">
               <a:rPr lang="zh-CN" altLang="en-US" smtClean="0"/>
+              <a:t>‹#›</a:t>
             </a:fld>
             <a:endParaRPr lang="zh-CN" altLang="en-US"/>
           </a:p>
@@ -6902,7 +6789,7 @@
           <p:nvPr>
             <p:ph type="dt" sz="half" idx="10"/>
             <p:custDataLst>
-              <p:tags r:id="rId2"/>
+              <p:tags r:id="rId1"/>
             </p:custDataLst>
           </p:nvPr>
         </p:nvSpPr>
@@ -6913,6 +6800,7 @@
           <a:p>
             <a:fld id="{760FBDFE-C587-4B4C-A407-44438C67B59E}" type="datetimeFigureOut">
               <a:rPr lang="zh-CN" altLang="en-US" smtClean="0"/>
+              <a:t>2019/5/8</a:t>
             </a:fld>
             <a:endParaRPr lang="zh-CN" altLang="en-US"/>
           </a:p>
@@ -6927,7 +6815,7 @@
           <p:nvPr>
             <p:ph type="ftr" sz="quarter" idx="11"/>
             <p:custDataLst>
-              <p:tags r:id="rId3"/>
+              <p:tags r:id="rId2"/>
             </p:custDataLst>
           </p:nvPr>
         </p:nvSpPr>
@@ -6949,7 +6837,7 @@
           <p:nvPr>
             <p:ph type="sldNum" sz="quarter" idx="12"/>
             <p:custDataLst>
-              <p:tags r:id="rId4"/>
+              <p:tags r:id="rId3"/>
             </p:custDataLst>
           </p:nvPr>
         </p:nvSpPr>
@@ -6960,6 +6848,7 @@
           <a:p>
             <a:fld id="{49AE70B2-8BF9-45C0-BB95-33D1B9D3A854}" type="slidenum">
               <a:rPr lang="zh-CN" altLang="en-US" smtClean="0"/>
+              <a:t>‹#›</a:t>
             </a:fld>
             <a:endParaRPr lang="zh-CN" altLang="en-US"/>
           </a:p>
@@ -6999,7 +6888,7 @@
           <p:nvPr>
             <p:ph type="pic" idx="1"/>
             <p:custDataLst>
-              <p:tags r:id="rId2"/>
+              <p:tags r:id="rId1"/>
             </p:custDataLst>
           </p:nvPr>
         </p:nvSpPr>
@@ -7153,7 +7042,7 @@
           <p:nvPr>
             <p:ph type="body" sz="half" idx="2"/>
             <p:custDataLst>
-              <p:tags r:id="rId3"/>
+              <p:tags r:id="rId2"/>
             </p:custDataLst>
           </p:nvPr>
         </p:nvSpPr>
@@ -7203,9 +7092,6 @@
               </a:rPr>
               <a:t>单击此处编辑母版文本样式</a:t>
             </a:r>
-            <a:endParaRPr>
-              <a:sym typeface="+mn-ea"/>
-            </a:endParaRPr>
           </a:p>
         </p:txBody>
       </p:sp>
@@ -7218,7 +7104,7 @@
           <p:nvPr>
             <p:ph type="dt" sz="half" idx="10"/>
             <p:custDataLst>
-              <p:tags r:id="rId4"/>
+              <p:tags r:id="rId3"/>
             </p:custDataLst>
           </p:nvPr>
         </p:nvSpPr>
@@ -7229,6 +7115,7 @@
           <a:p>
             <a:fld id="{9EFD9D74-47D9-4702-A33C-335B63B48DBF}" type="datetimeFigureOut">
               <a:rPr lang="zh-CN" altLang="en-US" smtClean="0"/>
+              <a:t>2019/5/8</a:t>
             </a:fld>
             <a:endParaRPr lang="zh-CN" altLang="en-US" dirty="0"/>
           </a:p>
@@ -7243,7 +7130,7 @@
           <p:nvPr>
             <p:ph type="ftr" sz="quarter" idx="11"/>
             <p:custDataLst>
-              <p:tags r:id="rId5"/>
+              <p:tags r:id="rId4"/>
             </p:custDataLst>
           </p:nvPr>
         </p:nvSpPr>
@@ -7265,7 +7152,7 @@
           <p:nvPr>
             <p:ph type="sldNum" sz="quarter" idx="12"/>
             <p:custDataLst>
-              <p:tags r:id="rId6"/>
+              <p:tags r:id="rId5"/>
             </p:custDataLst>
           </p:nvPr>
         </p:nvSpPr>
@@ -7276,6 +7163,7 @@
           <a:p>
             <a:fld id="{FABC47A4-756D-490B-A52F-7D9E2C9FC05F}" type="slidenum">
               <a:rPr lang="zh-CN" altLang="en-US" smtClean="0"/>
+              <a:t>‹#›</a:t>
             </a:fld>
             <a:endParaRPr lang="zh-CN" altLang="en-US"/>
           </a:p>
@@ -7290,7 +7178,7 @@
           <p:nvPr>
             <p:ph type="title"/>
             <p:custDataLst>
-              <p:tags r:id="rId7"/>
+              <p:tags r:id="rId6"/>
             </p:custDataLst>
           </p:nvPr>
         </p:nvSpPr>
@@ -7303,7 +7191,6 @@
               <a:rPr lang="zh-CN" altLang="en-US"/>
               <a:t>单击此处编辑母版标题样式</a:t>
             </a:r>
-            <a:endParaRPr lang="zh-CN" altLang="en-US"/>
           </a:p>
         </p:txBody>
       </p:sp>
@@ -7341,7 +7228,7 @@
           <p:nvPr>
             <p:ph type="title" orient="vert"/>
             <p:custDataLst>
-              <p:tags r:id="rId2"/>
+              <p:tags r:id="rId1"/>
             </p:custDataLst>
           </p:nvPr>
         </p:nvSpPr>
@@ -7384,9 +7271,6 @@
               </a:rPr>
               <a:t>单击此处编辑母版标题样式</a:t>
             </a:r>
-            <a:endParaRPr>
-              <a:sym typeface="+mn-ea"/>
-            </a:endParaRPr>
           </a:p>
         </p:txBody>
       </p:sp>
@@ -7399,7 +7283,7 @@
           <p:nvPr>
             <p:ph type="body" orient="vert" idx="1"/>
             <p:custDataLst>
-              <p:tags r:id="rId3"/>
+              <p:tags r:id="rId2"/>
             </p:custDataLst>
           </p:nvPr>
         </p:nvSpPr>
@@ -7469,7 +7353,6 @@
               <a:rPr lang="zh-CN" altLang="en-US" dirty="0"/>
               <a:t>单击此处编辑母版文本样式</a:t>
             </a:r>
-            <a:endParaRPr lang="zh-CN" altLang="en-US" dirty="0"/>
           </a:p>
           <a:p>
             <a:pPr lvl="1"/>
@@ -7477,7 +7360,6 @@
               <a:rPr lang="zh-CN" altLang="en-US" dirty="0"/>
               <a:t>第二级</a:t>
             </a:r>
-            <a:endParaRPr lang="zh-CN" altLang="en-US" dirty="0"/>
           </a:p>
           <a:p>
             <a:pPr lvl="2"/>
@@ -7485,7 +7367,6 @@
               <a:rPr lang="zh-CN" altLang="en-US" dirty="0"/>
               <a:t>第三级</a:t>
             </a:r>
-            <a:endParaRPr lang="zh-CN" altLang="en-US" dirty="0"/>
           </a:p>
           <a:p>
             <a:pPr lvl="3"/>
@@ -7493,7 +7374,6 @@
               <a:rPr lang="zh-CN" altLang="en-US" dirty="0"/>
               <a:t>第四级</a:t>
             </a:r>
-            <a:endParaRPr lang="zh-CN" altLang="en-US" dirty="0"/>
           </a:p>
           <a:p>
             <a:pPr lvl="4"/>
@@ -7501,7 +7381,6 @@
               <a:rPr lang="zh-CN" altLang="en-US" dirty="0"/>
               <a:t>第五级</a:t>
             </a:r>
-            <a:endParaRPr lang="zh-CN" altLang="en-US" dirty="0"/>
           </a:p>
         </p:txBody>
       </p:sp>
@@ -7514,7 +7393,7 @@
           <p:nvPr>
             <p:ph type="dt" sz="half" idx="10"/>
             <p:custDataLst>
-              <p:tags r:id="rId4"/>
+              <p:tags r:id="rId3"/>
             </p:custDataLst>
           </p:nvPr>
         </p:nvSpPr>
@@ -7525,6 +7404,7 @@
           <a:p>
             <a:fld id="{760FBDFE-C587-4B4C-A407-44438C67B59E}" type="datetimeFigureOut">
               <a:rPr lang="zh-CN" altLang="en-US" smtClean="0"/>
+              <a:t>2019/5/8</a:t>
             </a:fld>
             <a:endParaRPr lang="zh-CN" altLang="en-US"/>
           </a:p>
@@ -7539,7 +7419,7 @@
           <p:nvPr>
             <p:ph type="ftr" sz="quarter" idx="11"/>
             <p:custDataLst>
-              <p:tags r:id="rId5"/>
+              <p:tags r:id="rId4"/>
             </p:custDataLst>
           </p:nvPr>
         </p:nvSpPr>
@@ -7561,7 +7441,7 @@
           <p:nvPr>
             <p:ph type="sldNum" sz="quarter" idx="12"/>
             <p:custDataLst>
-              <p:tags r:id="rId6"/>
+              <p:tags r:id="rId5"/>
             </p:custDataLst>
           </p:nvPr>
         </p:nvSpPr>
@@ -7572,6 +7452,7 @@
           <a:p>
             <a:fld id="{49AE70B2-8BF9-45C0-BB95-33D1B9D3A854}" type="slidenum">
               <a:rPr lang="zh-CN" altLang="en-US" smtClean="0"/>
+              <a:t>‹#›</a:t>
             </a:fld>
             <a:endParaRPr lang="zh-CN" altLang="en-US"/>
           </a:p>
@@ -7627,7 +7508,7 @@
           <p:nvPr>
             <p:ph type="title"/>
             <p:custDataLst>
-              <p:tags r:id="rId12"/>
+              <p:tags r:id="rId13"/>
             </p:custDataLst>
           </p:nvPr>
         </p:nvSpPr>
@@ -7650,7 +7531,6 @@
               <a:rPr lang="zh-CN" altLang="en-US" dirty="0"/>
               <a:t>单击此处编辑母版标题样式</a:t>
             </a:r>
-            <a:endParaRPr lang="zh-CN" altLang="en-US" dirty="0"/>
           </a:p>
         </p:txBody>
       </p:sp>
@@ -7663,7 +7543,7 @@
           <p:nvPr>
             <p:ph type="body" idx="1"/>
             <p:custDataLst>
-              <p:tags r:id="rId13"/>
+              <p:tags r:id="rId14"/>
             </p:custDataLst>
           </p:nvPr>
         </p:nvSpPr>
@@ -7687,7 +7567,6 @@
               <a:rPr lang="zh-CN" altLang="en-US" dirty="0"/>
               <a:t>单击此处编辑母版文本样式</a:t>
             </a:r>
-            <a:endParaRPr lang="zh-CN" altLang="en-US" dirty="0"/>
           </a:p>
           <a:p>
             <a:pPr lvl="1"/>
@@ -7695,7 +7574,6 @@
               <a:rPr lang="zh-CN" altLang="en-US" dirty="0"/>
               <a:t>第二级</a:t>
             </a:r>
-            <a:endParaRPr lang="zh-CN" altLang="en-US" dirty="0"/>
           </a:p>
           <a:p>
             <a:pPr lvl="2"/>
@@ -7703,7 +7581,6 @@
               <a:rPr lang="zh-CN" altLang="en-US" dirty="0"/>
               <a:t>第三级</a:t>
             </a:r>
-            <a:endParaRPr lang="zh-CN" altLang="en-US" dirty="0"/>
           </a:p>
           <a:p>
             <a:pPr lvl="3"/>
@@ -7711,7 +7588,6 @@
               <a:rPr lang="zh-CN" altLang="en-US" dirty="0"/>
               <a:t>第四级</a:t>
             </a:r>
-            <a:endParaRPr lang="zh-CN" altLang="en-US" dirty="0"/>
           </a:p>
           <a:p>
             <a:pPr lvl="4"/>
@@ -7719,7 +7595,6 @@
               <a:rPr lang="zh-CN" altLang="en-US" dirty="0"/>
               <a:t>第五级</a:t>
             </a:r>
-            <a:endParaRPr lang="zh-CN" altLang="en-US" dirty="0"/>
           </a:p>
         </p:txBody>
       </p:sp>
@@ -7732,7 +7607,7 @@
           <p:nvPr>
             <p:ph type="dt" sz="half" idx="2"/>
             <p:custDataLst>
-              <p:tags r:id="rId14"/>
+              <p:tags r:id="rId15"/>
             </p:custDataLst>
           </p:nvPr>
         </p:nvSpPr>
@@ -7763,6 +7638,7 @@
           <a:p>
             <a:fld id="{760FBDFE-C587-4B4C-A407-44438C67B59E}" type="datetimeFigureOut">
               <a:rPr lang="zh-CN" altLang="en-US" smtClean="0"/>
+              <a:t>2019/5/8</a:t>
             </a:fld>
             <a:endParaRPr lang="zh-CN" altLang="en-US"/>
           </a:p>
@@ -7777,7 +7653,7 @@
           <p:nvPr>
             <p:ph type="ftr" sz="quarter" idx="3"/>
             <p:custDataLst>
-              <p:tags r:id="rId15"/>
+              <p:tags r:id="rId16"/>
             </p:custDataLst>
           </p:nvPr>
         </p:nvSpPr>
@@ -7819,7 +7695,7 @@
           <p:nvPr>
             <p:ph type="sldNum" sz="quarter" idx="4"/>
             <p:custDataLst>
-              <p:tags r:id="rId16"/>
+              <p:tags r:id="rId17"/>
             </p:custDataLst>
           </p:nvPr>
         </p:nvSpPr>
@@ -7850,6 +7726,7 @@
           <a:p>
             <a:fld id="{49AE70B2-8BF9-45C0-BB95-33D1B9D3A854}" type="slidenum">
               <a:rPr lang="zh-CN" altLang="en-US" smtClean="0"/>
+              <a:t>‹#›</a:t>
             </a:fld>
             <a:endParaRPr lang="zh-CN" altLang="en-US" dirty="0"/>
           </a:p>
@@ -7861,7 +7738,7 @@
           <p:cNvSpPr/>
           <p:nvPr>
             <p:custDataLst>
-              <p:tags r:id="rId17"/>
+              <p:tags r:id="rId18"/>
             </p:custDataLst>
           </p:nvPr>
         </p:nvSpPr>
@@ -8264,7 +8141,7 @@
           <p:nvPr>
             <p:ph type="title"/>
             <p:custDataLst>
-              <p:tags r:id="rId12"/>
+              <p:tags r:id="rId13"/>
             </p:custDataLst>
           </p:nvPr>
         </p:nvSpPr>
@@ -8287,7 +8164,6 @@
               <a:rPr lang="zh-CN" altLang="en-US" dirty="0"/>
               <a:t>单击此处编辑母版标题样式</a:t>
             </a:r>
-            <a:endParaRPr lang="zh-CN" altLang="en-US" dirty="0"/>
           </a:p>
         </p:txBody>
       </p:sp>
@@ -8300,7 +8176,7 @@
           <p:nvPr>
             <p:ph type="body" idx="1"/>
             <p:custDataLst>
-              <p:tags r:id="rId13"/>
+              <p:tags r:id="rId14"/>
             </p:custDataLst>
           </p:nvPr>
         </p:nvSpPr>
@@ -8324,7 +8200,6 @@
               <a:rPr lang="zh-CN" altLang="en-US" dirty="0"/>
               <a:t>单击此处编辑母版文本样式</a:t>
             </a:r>
-            <a:endParaRPr lang="zh-CN" altLang="en-US" dirty="0"/>
           </a:p>
           <a:p>
             <a:pPr lvl="1"/>
@@ -8332,7 +8207,6 @@
               <a:rPr lang="zh-CN" altLang="en-US" dirty="0"/>
               <a:t>第二级</a:t>
             </a:r>
-            <a:endParaRPr lang="zh-CN" altLang="en-US" dirty="0"/>
           </a:p>
           <a:p>
             <a:pPr lvl="2"/>
@@ -8340,7 +8214,6 @@
               <a:rPr lang="zh-CN" altLang="en-US" dirty="0"/>
               <a:t>第三级</a:t>
             </a:r>
-            <a:endParaRPr lang="zh-CN" altLang="en-US" dirty="0"/>
           </a:p>
           <a:p>
             <a:pPr lvl="3"/>
@@ -8348,7 +8221,6 @@
               <a:rPr lang="zh-CN" altLang="en-US" dirty="0"/>
               <a:t>第四级</a:t>
             </a:r>
-            <a:endParaRPr lang="zh-CN" altLang="en-US" dirty="0"/>
           </a:p>
           <a:p>
             <a:pPr lvl="4"/>
@@ -8356,7 +8228,6 @@
               <a:rPr lang="zh-CN" altLang="en-US" dirty="0"/>
               <a:t>第五级</a:t>
             </a:r>
-            <a:endParaRPr lang="zh-CN" altLang="en-US" dirty="0"/>
           </a:p>
         </p:txBody>
       </p:sp>
@@ -8369,7 +8240,7 @@
           <p:nvPr>
             <p:ph type="dt" sz="half" idx="2"/>
             <p:custDataLst>
-              <p:tags r:id="rId14"/>
+              <p:tags r:id="rId15"/>
             </p:custDataLst>
           </p:nvPr>
         </p:nvSpPr>
@@ -8400,6 +8271,7 @@
           <a:p>
             <a:fld id="{760FBDFE-C587-4B4C-A407-44438C67B59E}" type="datetimeFigureOut">
               <a:rPr lang="zh-CN" altLang="en-US" smtClean="0"/>
+              <a:t>2019/5/8</a:t>
             </a:fld>
             <a:endParaRPr lang="zh-CN" altLang="en-US"/>
           </a:p>
@@ -8414,7 +8286,7 @@
           <p:nvPr>
             <p:ph type="ftr" sz="quarter" idx="3"/>
             <p:custDataLst>
-              <p:tags r:id="rId15"/>
+              <p:tags r:id="rId16"/>
             </p:custDataLst>
           </p:nvPr>
         </p:nvSpPr>
@@ -8456,7 +8328,7 @@
           <p:nvPr>
             <p:ph type="sldNum" sz="quarter" idx="4"/>
             <p:custDataLst>
-              <p:tags r:id="rId16"/>
+              <p:tags r:id="rId17"/>
             </p:custDataLst>
           </p:nvPr>
         </p:nvSpPr>
@@ -8487,6 +8359,7 @@
           <a:p>
             <a:fld id="{49AE70B2-8BF9-45C0-BB95-33D1B9D3A854}" type="slidenum">
               <a:rPr lang="zh-CN" altLang="en-US" smtClean="0"/>
+              <a:t>‹#›</a:t>
             </a:fld>
             <a:endParaRPr lang="zh-CN" altLang="en-US" dirty="0"/>
           </a:p>
@@ -8498,7 +8371,7 @@
           <p:cNvSpPr/>
           <p:nvPr>
             <p:custDataLst>
-              <p:tags r:id="rId17"/>
+              <p:tags r:id="rId18"/>
             </p:custDataLst>
           </p:nvPr>
         </p:nvSpPr>
@@ -8884,7 +8757,7 @@
         </p:nvSpPr>
         <p:spPr>
           <a:xfrm>
-            <a:off x="1971040" y="445770"/>
+            <a:off x="1971040" y="278765"/>
             <a:ext cx="2068195" cy="368300"/>
           </a:xfrm>
           <a:prstGeom prst="rect">
@@ -8896,19 +8769,16 @@
           <a:bodyPr wrap="square" rtlCol="0">
             <a:spAutoFit/>
           </a:bodyPr>
+          <a:lstStyle/>
           <a:p>
             <a:pPr algn="l"/>
             <a:r>
-              <a:rPr lang="zh-CN" altLang="en-US" b="1">
+              <a:rPr lang="zh-CN" altLang="en-US" b="1" dirty="0">
                 <a:latin typeface="+mn-ea"/>
                 <a:cs typeface="+mn-ea"/>
               </a:rPr>
               <a:t>李少华·Net开发</a:t>
             </a:r>
-            <a:endParaRPr lang="zh-CN" altLang="en-US" b="1">
-              <a:latin typeface="+mn-ea"/>
-              <a:cs typeface="+mn-ea"/>
-            </a:endParaRPr>
           </a:p>
         </p:txBody>
       </p:sp>
@@ -8920,8 +8790,8 @@
         </p:nvSpPr>
         <p:spPr>
           <a:xfrm>
-            <a:off x="1971040" y="721995"/>
-            <a:ext cx="2616835" cy="1753235"/>
+            <a:off x="1971040" y="608330"/>
+            <a:ext cx="2616835" cy="2031325"/>
           </a:xfrm>
           <a:prstGeom prst="rect">
             <a:avLst/>
@@ -8932,6 +8802,7 @@
           <a:bodyPr wrap="square" rtlCol="0">
             <a:spAutoFit/>
           </a:bodyPr>
+          <a:lstStyle/>
           <a:p>
             <a:pPr algn="l">
               <a:lnSpc>
@@ -8939,10 +8810,9 @@
               </a:lnSpc>
             </a:pPr>
             <a:r>
-              <a:rPr lang="zh-CN" altLang="en-US" sz="1200" b="1"/>
+              <a:rPr lang="zh-CN" altLang="en-US" sz="1200" b="1" dirty="0"/>
               <a:t>求职意向：Web前端开发工程                        </a:t>
             </a:r>
-            <a:endParaRPr lang="zh-CN" altLang="en-US" sz="1200" b="1"/>
           </a:p>
           <a:p>
             <a:pPr algn="l">
@@ -8951,10 +8821,21 @@
               </a:lnSpc>
             </a:pPr>
             <a:r>
-              <a:rPr lang="zh-CN" altLang="en-US" sz="1200" b="1"/>
-              <a:t>年   龄：28		</a:t>
-            </a:r>
-            <a:endParaRPr lang="zh-CN" altLang="en-US" sz="1200" b="1"/>
+              <a:rPr lang="zh-CN" altLang="en-US" sz="1200" b="1" dirty="0"/>
+              <a:t>年   龄：</a:t>
+            </a:r>
+            <a:r>
+              <a:rPr lang="zh-CN" altLang="en-US" sz="1200" b="1" dirty="0" smtClean="0"/>
+              <a:t>2</a:t>
+            </a:r>
+            <a:r>
+              <a:rPr lang="en-US" altLang="zh-CN" sz="1200" b="1" dirty="0" smtClean="0"/>
+              <a:t>9</a:t>
+            </a:r>
+            <a:r>
+              <a:rPr lang="zh-CN" altLang="en-US" sz="1200" b="1" dirty="0"/>
+              <a:t>		</a:t>
+            </a:r>
           </a:p>
           <a:p>
             <a:pPr algn="l">
@@ -8963,10 +8844,9 @@
               </a:lnSpc>
             </a:pPr>
             <a:r>
-              <a:rPr lang="zh-CN" altLang="en-US" sz="1200" b="1"/>
+              <a:rPr lang="zh-CN" altLang="en-US" sz="1200" b="1" dirty="0"/>
               <a:t>学   历：大专</a:t>
             </a:r>
-            <a:endParaRPr lang="zh-CN" altLang="en-US" sz="1200" b="1"/>
           </a:p>
           <a:p>
             <a:pPr algn="l">
@@ -8975,10 +8855,9 @@
               </a:lnSpc>
             </a:pPr>
             <a:r>
-              <a:rPr lang="zh-CN" altLang="en-US" sz="1200" b="1"/>
+              <a:rPr lang="zh-CN" altLang="en-US" sz="1200" b="1" dirty="0"/>
               <a:t>电   话：17376852911	</a:t>
             </a:r>
-            <a:endParaRPr lang="zh-CN" altLang="en-US" sz="1200" b="1"/>
           </a:p>
           <a:p>
             <a:pPr algn="l">
@@ -8987,10 +8866,17 @@
               </a:lnSpc>
             </a:pPr>
             <a:r>
-              <a:rPr lang="zh-CN" altLang="en-US" sz="1200" b="1"/>
-              <a:t>邮   箱:leeneo@xingzhihen.com</a:t>
-            </a:r>
-            <a:endParaRPr lang="zh-CN" altLang="en-US" sz="1200" b="1"/>
+              <a:rPr lang="zh-CN" altLang="en-US" sz="1200" b="1" dirty="0"/>
+              <a:t>邮   </a:t>
+            </a:r>
+            <a:r>
+              <a:rPr lang="zh-CN" altLang="en-US" sz="1200" b="1" dirty="0" smtClean="0"/>
+              <a:t>箱：leeneo</a:t>
+            </a:r>
+            <a:r>
+              <a:rPr lang="zh-CN" altLang="en-US" sz="1200" b="1" dirty="0"/>
+              <a:t>@xingzhihen.com</a:t>
+            </a:r>
           </a:p>
           <a:p>
             <a:pPr algn="l">
@@ -8999,10 +8885,34 @@
               </a:lnSpc>
             </a:pPr>
             <a:r>
-              <a:rPr lang="zh-CN" altLang="en-US" sz="1200" b="1"/>
-              <a:t>地   址：广东深圳</a:t>
-            </a:r>
-            <a:endParaRPr lang="zh-CN" altLang="en-US" sz="1200" b="1"/>
+              <a:rPr lang="zh-CN" altLang="en-US" sz="1200" b="1" dirty="0"/>
+              <a:t>地   址：广东</a:t>
+            </a:r>
+            <a:r>
+              <a:rPr lang="zh-CN" altLang="en-US" sz="1200" b="1" dirty="0" smtClean="0"/>
+              <a:t>深圳</a:t>
+            </a:r>
+            <a:endParaRPr lang="en-US" altLang="zh-CN" sz="1200" b="1" dirty="0" smtClean="0"/>
+          </a:p>
+          <a:p>
+            <a:pPr>
+              <a:lnSpc>
+                <a:spcPct val="150000"/>
+              </a:lnSpc>
+            </a:pPr>
+            <a:r>
+              <a:rPr lang="en-US" altLang="zh-CN" sz="1200" b="1" dirty="0" err="1" smtClean="0"/>
+              <a:t>GitHub</a:t>
+            </a:r>
+            <a:r>
+              <a:rPr lang="en-US" altLang="zh-CN" sz="1200" b="1" dirty="0" smtClean="0"/>
+              <a:t>: github.com/</a:t>
+            </a:r>
+            <a:r>
+              <a:rPr lang="en-US" altLang="zh-CN" sz="1200" b="1" dirty="0" err="1" smtClean="0"/>
+              <a:t>leeneo</a:t>
+            </a:r>
+            <a:endParaRPr lang="zh-CN" altLang="en-US" sz="1200" b="1" dirty="0"/>
           </a:p>
         </p:txBody>
       </p:sp>
@@ -9026,13 +8936,13 @@
           <a:bodyPr wrap="square" rtlCol="0">
             <a:spAutoFit/>
           </a:bodyPr>
+          <a:lstStyle/>
           <a:p>
             <a:pPr algn="ctr"/>
             <a:r>
               <a:rPr lang="zh-CN" altLang="en-US" sz="2800" b="1"/>
               <a:t>个人简历</a:t>
             </a:r>
-            <a:endParaRPr lang="zh-CN" altLang="en-US" sz="2800" b="1"/>
           </a:p>
           <a:p>
             <a:pPr algn="ctr"/>
@@ -9040,7 +8950,6 @@
               <a:rPr lang="zh-CN" altLang="en-US" sz="1600" b="1"/>
               <a:t>Personal resume</a:t>
             </a:r>
-            <a:endParaRPr lang="zh-CN" altLang="en-US" sz="1600" b="1"/>
           </a:p>
         </p:txBody>
       </p:sp>
@@ -9064,12 +8973,12 @@
           <a:bodyPr wrap="none" rtlCol="0">
             <a:spAutoFit/>
           </a:bodyPr>
-          <a:p>
-            <a:r>
-              <a:rPr lang="en-US" altLang="zh-CN" sz="1400"/>
+          <a:lstStyle/>
+          <a:p>
+            <a:r>
+              <a:rPr lang="en-US" altLang="zh-CN" sz="1400" dirty="0"/>
               <a:t>-------------------------------------------------------------------------------------------------------------------</a:t>
             </a:r>
-            <a:endParaRPr lang="en-US" altLang="zh-CN" sz="1400"/>
           </a:p>
         </p:txBody>
       </p:sp>
@@ -9111,6 +9020,7 @@
         </p:style>
         <p:txBody>
           <a:bodyPr rtlCol="0" anchor="ctr"/>
+          <a:lstStyle/>
           <a:p>
             <a:pPr algn="ctr"/>
             <a:endParaRPr lang="zh-CN" altLang="en-US"/>
@@ -9137,19 +9047,43 @@
           <a:bodyPr wrap="square" rtlCol="0">
             <a:spAutoFit/>
           </a:bodyPr>
-          <a:p>
-            <a:r>
-              <a:rPr lang="zh-CN" altLang="en-US" sz="1200"/>
+          <a:lstStyle/>
+          <a:p>
+            <a:r>
+              <a:rPr lang="zh-CN" altLang="en-US" sz="1200" dirty="0" smtClean="0"/>
               <a:t>2015.9-2017.7    国家开放大学（原中央广播电视大学）英语	大专</a:t>
             </a:r>
-            <a:endParaRPr lang="zh-CN" altLang="en-US" sz="1200"/>
-          </a:p>
-          <a:p>
-            <a:r>
-              <a:rPr lang="zh-CN" altLang="en-US" sz="1200"/>
-              <a:t>2008.9-2010.7    河南 商业高等专科学校	                       软件技术	大专</a:t>
-            </a:r>
-            <a:endParaRPr lang="zh-CN" altLang="en-US" sz="1200"/>
+          </a:p>
+          <a:p>
+            <a:r>
+              <a:rPr lang="zh-CN" altLang="en-US" sz="1200" dirty="0" smtClean="0"/>
+              <a:t>200</a:t>
+            </a:r>
+            <a:r>
+              <a:rPr lang="en-US" altLang="zh-CN" sz="1200" dirty="0" smtClean="0"/>
+              <a:t>4</a:t>
+            </a:r>
+            <a:r>
+              <a:rPr lang="zh-CN" altLang="en-US" sz="1200" dirty="0" smtClean="0"/>
+              <a:t>.9-20</a:t>
+            </a:r>
+            <a:r>
+              <a:rPr lang="en-US" altLang="zh-CN" sz="1200" dirty="0" smtClean="0"/>
+              <a:t>08</a:t>
+            </a:r>
+            <a:r>
+              <a:rPr lang="zh-CN" altLang="en-US" sz="1200" dirty="0" smtClean="0"/>
+              <a:t>.</a:t>
+            </a:r>
+            <a:r>
+              <a:rPr lang="en-US" altLang="zh-CN" sz="1200" dirty="0" smtClean="0"/>
+              <a:t>6</a:t>
+            </a:r>
+            <a:r>
+              <a:rPr lang="zh-CN" altLang="en-US" sz="1200" dirty="0" smtClean="0"/>
+              <a:t>    河南商水县第一高中	                       理科	高中</a:t>
+            </a:r>
+            <a:endParaRPr lang="zh-CN" altLang="en-US" sz="1200" dirty="0"/>
           </a:p>
         </p:txBody>
       </p:sp>
@@ -9173,6 +9107,7 @@
           <a:bodyPr wrap="none" rtlCol="0">
             <a:spAutoFit/>
           </a:bodyPr>
+          <a:lstStyle/>
           <a:p>
             <a:r>
               <a:rPr lang="zh-CN" altLang="en-US" b="1">
@@ -9182,11 +9117,6 @@
               </a:rPr>
               <a:t>教育背景</a:t>
             </a:r>
-            <a:endParaRPr lang="zh-CN" altLang="en-US" b="1">
-              <a:solidFill>
-                <a:schemeClr val="bg1"/>
-              </a:solidFill>
-            </a:endParaRPr>
           </a:p>
         </p:txBody>
       </p:sp>
@@ -9228,6 +9158,7 @@
         </p:style>
         <p:txBody>
           <a:bodyPr rtlCol="0" anchor="ctr"/>
+          <a:lstStyle/>
           <a:p>
             <a:pPr algn="ctr"/>
             <a:endParaRPr lang="zh-CN" altLang="en-US"/>
@@ -9254,6 +9185,7 @@
           <a:bodyPr wrap="none" rtlCol="0">
             <a:spAutoFit/>
           </a:bodyPr>
+          <a:lstStyle/>
           <a:p>
             <a:r>
               <a:rPr lang="zh-CN" altLang="en-US" b="1">
@@ -9263,11 +9195,6 @@
               </a:rPr>
               <a:t>工作经验</a:t>
             </a:r>
-            <a:endParaRPr lang="zh-CN" altLang="en-US" b="1">
-              <a:solidFill>
-                <a:schemeClr val="bg1"/>
-              </a:solidFill>
-            </a:endParaRPr>
           </a:p>
         </p:txBody>
       </p:sp>
@@ -9305,16 +9232,28 @@
             <a:bodyPr wrap="square" rtlCol="0">
               <a:spAutoFit/>
             </a:bodyPr>
+            <a:lstStyle/>
             <a:p>
               <a:r>
-                <a:rPr lang="zh-CN" altLang="en-US" sz="1200" b="1"/>
-                <a:t>深圳市策城软件有限公司                             Net开发工程师 </a:t>
+                <a:rPr lang="zh-CN" altLang="en-US" sz="1200" b="1" dirty="0"/>
+                <a:t>深圳市策城软件有限公司                             </a:t>
               </a:r>
               <a:r>
-                <a:rPr lang="zh-CN" altLang="en-US"/>
+                <a:rPr lang="en-US" altLang="zh-CN" sz="1200" b="1" dirty="0"/>
+                <a:t>.</a:t>
+              </a:r>
+              <a:r>
+                <a:rPr lang="zh-CN" altLang="en-US" sz="1200" b="1" dirty="0" smtClean="0"/>
+                <a:t>Net</a:t>
+              </a:r>
+              <a:r>
+                <a:rPr lang="zh-CN" altLang="en-US" sz="1200" b="1" dirty="0"/>
+                <a:t>开发工程师 </a:t>
+              </a:r>
+              <a:r>
+                <a:rPr lang="zh-CN" altLang="en-US" dirty="0"/>
                 <a:t>         </a:t>
               </a:r>
-              <a:endParaRPr lang="zh-CN" altLang="en-US"/>
             </a:p>
           </p:txBody>
         </p:sp>
@@ -9338,6 +9277,7 @@
             <a:bodyPr wrap="square" rtlCol="0">
               <a:spAutoFit/>
             </a:bodyPr>
+            <a:lstStyle/>
             <a:p>
               <a:r>
                 <a:rPr lang="zh-CN" altLang="en-US" sz="1200" b="1">
@@ -9369,26 +9309,24 @@
             <a:bodyPr wrap="square" rtlCol="0">
               <a:spAutoFit/>
             </a:bodyPr>
+            <a:lstStyle/>
             <a:p>
               <a:r>
                 <a:rPr lang="zh-CN" altLang="en-US" sz="1200"/>
                 <a:t>主要负责设计、研发、优化公司自主研发的微信公众号云平台项目，                   用于对接策城自有的MIS系统(水疗系统/酒店系统/餐饮系统/短信发送程序)；</a:t>
               </a:r>
-              <a:endParaRPr lang="zh-CN" altLang="en-US" sz="1200"/>
             </a:p>
             <a:p>
               <a:r>
                 <a:rPr lang="zh-CN" altLang="en-US" sz="1200"/>
                 <a:t>策城公众号项目个人中心功能升级为具有首页、商城、套票、会员卡、   自助结账、自助点单、客房预订、图/报表查询、房态查询、扫码点餐等诸多丰富功能的云平台项目;</a:t>
               </a:r>
-              <a:endParaRPr lang="zh-CN" altLang="en-US" sz="1200"/>
             </a:p>
             <a:p>
               <a:r>
                 <a:rPr lang="zh-CN" altLang="en-US" sz="1200"/>
                 <a:t>对接水疗系统及逐步增加到对酒店系统和餐饮系统的对接，从而使公司产品在同行产品中更具有竞争力，也极大的满足了客户需求，为日后客户量的上升奠定了基石。</a:t>
               </a:r>
-              <a:endParaRPr lang="zh-CN" altLang="en-US" sz="1200"/>
             </a:p>
           </p:txBody>
         </p:sp>
@@ -9433,6 +9371,7 @@
           </p:style>
           <p:txBody>
             <a:bodyPr rtlCol="0" anchor="ctr"/>
+            <a:lstStyle/>
             <a:p>
               <a:pPr algn="ctr"/>
               <a:endParaRPr lang="zh-CN" altLang="en-US"/>
@@ -9474,6 +9413,7 @@
             <a:bodyPr wrap="square" rtlCol="0">
               <a:spAutoFit/>
             </a:bodyPr>
+            <a:lstStyle/>
             <a:p>
               <a:r>
                 <a:rPr lang="zh-CN" altLang="en-US" sz="1200" b="1">
@@ -9481,9 +9421,6 @@
                 </a:rPr>
                 <a:t>2015.3-2017.5</a:t>
               </a:r>
-              <a:endParaRPr lang="zh-CN" altLang="en-US" sz="1200" b="1">
-                <a:sym typeface="+mn-ea"/>
-              </a:endParaRPr>
             </a:p>
           </p:txBody>
         </p:sp>
@@ -9507,6 +9444,7 @@
             <a:bodyPr wrap="square" rtlCol="0">
               <a:spAutoFit/>
             </a:bodyPr>
+            <a:lstStyle/>
             <a:p>
               <a:r>
                 <a:rPr lang="zh-CN" altLang="en-US" sz="1200" b="1"/>
@@ -9516,7 +9454,6 @@
                 <a:rPr lang="zh-CN" altLang="en-US"/>
                 <a:t>   </a:t>
               </a:r>
-              <a:endParaRPr lang="zh-CN" altLang="en-US"/>
             </a:p>
           </p:txBody>
         </p:sp>
@@ -9540,54 +9477,48 @@
             <a:bodyPr wrap="square" rtlCol="0">
               <a:spAutoFit/>
             </a:bodyPr>
+            <a:lstStyle/>
             <a:p>
               <a:r>
                 <a:rPr lang="zh-CN" altLang="en-US" sz="1200"/>
                 <a:t>参与前期沟通，确定APP/网站需要实现的各个功能模块，风格类型</a:t>
               </a:r>
-              <a:endParaRPr lang="zh-CN" altLang="en-US" sz="1200"/>
             </a:p>
             <a:p>
               <a:r>
                 <a:rPr lang="zh-CN" altLang="en-US" sz="1200"/>
                 <a:t>根据项目原型，对页面布局、用户交互流程、相关视觉元素等进行设计</a:t>
               </a:r>
-              <a:endParaRPr lang="zh-CN" altLang="en-US" sz="1200"/>
             </a:p>
             <a:p>
               <a:r>
                 <a:rPr lang="zh-CN" altLang="en-US" sz="1200"/>
                 <a:t>根据效果图，利用HTML/CSS/JavaScript等前端开发技术进行界面开发</a:t>
               </a:r>
-              <a:endParaRPr lang="zh-CN" altLang="en-US" sz="1200"/>
             </a:p>
             <a:p>
               <a:r>
                 <a:rPr lang="zh-CN" altLang="en-US" sz="1200"/>
                 <a:t>持续优化前端代码，提升页面响应速度，兼容主流浏览器，增加交互效果</a:t>
               </a:r>
-              <a:endParaRPr lang="zh-CN" altLang="en-US" sz="1200"/>
             </a:p>
             <a:p>
               <a:r>
                 <a:rPr lang="zh-CN" altLang="en-US" sz="1200"/>
                 <a:t>与后端开发工程师协作完成数据交互、动态信息展现等功能</a:t>
               </a:r>
-              <a:endParaRPr lang="zh-CN" altLang="en-US" sz="1200"/>
             </a:p>
             <a:p>
               <a:r>
                 <a:rPr lang="zh-CN" altLang="en-US" sz="1200"/>
                 <a:t>追踪Web前沿技术研究和新技术调研</a:t>
               </a:r>
-              <a:endParaRPr lang="zh-CN" altLang="en-US" sz="1200"/>
             </a:p>
             <a:p>
               <a:r>
                 <a:rPr lang="zh-CN" altLang="en-US" sz="1200"/>
                 <a:t>对于开发者来说，开发过程是一个不断推敲的过程</a:t>
               </a:r>
-              <a:endParaRPr lang="zh-CN" altLang="en-US" sz="1200"/>
             </a:p>
           </p:txBody>
         </p:sp>
@@ -9626,6 +9557,7 @@
             <a:bodyPr wrap="square" rtlCol="0">
               <a:spAutoFit/>
             </a:bodyPr>
+            <a:lstStyle/>
             <a:p>
               <a:r>
                 <a:rPr lang="zh-CN" altLang="en-US" sz="1200" b="1">
@@ -9633,9 +9565,6 @@
                 </a:rPr>
                 <a:t>2013.4-2015.2</a:t>
               </a:r>
-              <a:endParaRPr lang="zh-CN" altLang="en-US" sz="1200" b="1">
-                <a:sym typeface="+mn-ea"/>
-              </a:endParaRPr>
             </a:p>
           </p:txBody>
         </p:sp>
@@ -9659,40 +9588,36 @@
             <a:bodyPr wrap="square" rtlCol="0">
               <a:spAutoFit/>
             </a:bodyPr>
+            <a:lstStyle/>
             <a:p>
               <a:r>
                 <a:rPr lang="zh-CN" altLang="en-US" sz="1200"/>
                 <a:t>参与项目需求分析, 研究项目技术细节，进行系统模块的详细设计</a:t>
               </a:r>
-              <a:endParaRPr lang="zh-CN" altLang="en-US" sz="1200"/>
             </a:p>
             <a:p>
               <a:r>
                 <a:rPr lang="zh-CN" altLang="en-US" sz="1200"/>
                 <a:t>根据客户需求实现客户端系统架构设计、研发、成型以及后期调试</a:t>
               </a:r>
-              <a:endParaRPr lang="zh-CN" altLang="en-US" sz="1200"/>
             </a:p>
             <a:p>
               <a:r>
                 <a:rPr lang="zh-CN" altLang="en-US" sz="1200"/>
                 <a:t>使用C# winform，ADO.Net，Sql等技术配合其他开发人员，完成相应模块开发</a:t>
               </a:r>
-              <a:endParaRPr lang="zh-CN" altLang="en-US" sz="1200"/>
             </a:p>
             <a:p>
               <a:r>
                 <a:rPr lang="zh-CN" altLang="en-US" sz="1200"/>
                 <a:t>负责CS软件的界面设计，数据模型搭建，数据导入等工作</a:t>
               </a:r>
-              <a:endParaRPr lang="zh-CN" altLang="en-US" sz="1200"/>
             </a:p>
             <a:p>
               <a:r>
                 <a:rPr lang="zh-CN" altLang="en-US" sz="1200"/>
                 <a:t>负责后期软件项目施工，打印账单样式设计，以及人员培训等</a:t>
               </a:r>
-              <a:endParaRPr lang="zh-CN" altLang="en-US" sz="1200"/>
             </a:p>
           </p:txBody>
         </p:sp>
@@ -9716,12 +9641,12 @@
             <a:bodyPr wrap="square" rtlCol="0">
               <a:spAutoFit/>
             </a:bodyPr>
+            <a:lstStyle/>
             <a:p>
               <a:r>
                 <a:rPr lang="zh-CN" altLang="en-US" sz="1200" b="1"/>
                 <a:t>郑州锦绣安多软件有限公司	      .Net软件开发工程师</a:t>
               </a:r>
-              <a:endParaRPr lang="zh-CN" altLang="en-US" sz="1200" b="1"/>
             </a:p>
           </p:txBody>
         </p:sp>
@@ -9767,6 +9692,7 @@
         </p:style>
         <p:txBody>
           <a:bodyPr rtlCol="0" anchor="ctr"/>
+          <a:lstStyle/>
           <a:p>
             <a:pPr algn="ctr"/>
             <a:endParaRPr lang="zh-CN" altLang="en-US"/>
@@ -9814,6 +9740,7 @@
         </p:style>
         <p:txBody>
           <a:bodyPr rtlCol="0" anchor="ctr"/>
+          <a:lstStyle/>
           <a:p>
             <a:pPr algn="ctr"/>
             <a:endParaRPr lang="zh-CN" altLang="en-US"/>
@@ -9861,6 +9788,7 @@
         </p:style>
         <p:txBody>
           <a:bodyPr rtlCol="0" anchor="ctr"/>
+          <a:lstStyle/>
           <a:p>
             <a:pPr algn="ctr"/>
             <a:endParaRPr lang="zh-CN" altLang="en-US"/>
@@ -9908,6 +9836,7 @@
         </p:style>
         <p:txBody>
           <a:bodyPr rtlCol="0" anchor="ctr"/>
+          <a:lstStyle/>
           <a:p>
             <a:pPr algn="ctr"/>
             <a:endParaRPr lang="zh-CN" altLang="en-US"/>
@@ -9955,6 +9884,7 @@
         </p:style>
         <p:txBody>
           <a:bodyPr rtlCol="0" anchor="ctr"/>
+          <a:lstStyle/>
           <a:p>
             <a:pPr algn="ctr"/>
             <a:endParaRPr lang="zh-CN" altLang="en-US"/>
@@ -10002,6 +9932,7 @@
         </p:style>
         <p:txBody>
           <a:bodyPr rtlCol="0" anchor="ctr"/>
+          <a:lstStyle/>
           <a:p>
             <a:pPr algn="ctr"/>
             <a:endParaRPr lang="zh-CN" altLang="en-US"/>
@@ -10049,6 +9980,7 @@
         </p:style>
         <p:txBody>
           <a:bodyPr rtlCol="0" anchor="ctr"/>
+          <a:lstStyle/>
           <a:p>
             <a:pPr algn="ctr"/>
             <a:endParaRPr lang="zh-CN" altLang="en-US"/>
@@ -10096,6 +10028,7 @@
         </p:style>
         <p:txBody>
           <a:bodyPr rtlCol="0" anchor="ctr"/>
+          <a:lstStyle/>
           <a:p>
             <a:pPr algn="ctr"/>
             <a:endParaRPr lang="zh-CN" altLang="en-US"/>
@@ -10143,6 +10076,7 @@
         </p:style>
         <p:txBody>
           <a:bodyPr rtlCol="0" anchor="ctr"/>
+          <a:lstStyle/>
           <a:p>
             <a:pPr algn="ctr"/>
             <a:endParaRPr lang="zh-CN" altLang="en-US"/>
@@ -10190,6 +10124,7 @@
         </p:style>
         <p:txBody>
           <a:bodyPr rtlCol="0" anchor="ctr"/>
+          <a:lstStyle/>
           <a:p>
             <a:pPr algn="ctr"/>
             <a:endParaRPr lang="zh-CN" altLang="en-US"/>
@@ -10237,6 +10172,7 @@
         </p:style>
         <p:txBody>
           <a:bodyPr rtlCol="0" anchor="ctr"/>
+          <a:lstStyle/>
           <a:p>
             <a:pPr algn="ctr"/>
             <a:endParaRPr lang="zh-CN" altLang="en-US"/>
@@ -10284,6 +10220,7 @@
         </p:style>
         <p:txBody>
           <a:bodyPr rtlCol="0" anchor="ctr"/>
+          <a:lstStyle/>
           <a:p>
             <a:pPr algn="ctr"/>
             <a:endParaRPr lang="zh-CN" altLang="en-US"/>
@@ -10331,6 +10268,7 @@
         </p:style>
         <p:txBody>
           <a:bodyPr rtlCol="0" anchor="ctr"/>
+          <a:lstStyle/>
           <a:p>
             <a:pPr algn="ctr"/>
             <a:endParaRPr lang="zh-CN" altLang="en-US"/>
@@ -10378,6 +10316,7 @@
         </p:style>
         <p:txBody>
           <a:bodyPr rtlCol="0" anchor="ctr"/>
+          <a:lstStyle/>
           <a:p>
             <a:pPr algn="ctr"/>
             <a:endParaRPr lang="zh-CN" altLang="en-US"/>
@@ -10464,6 +10403,7 @@
           </p:style>
           <p:txBody>
             <a:bodyPr rtlCol="0" anchor="ctr"/>
+            <a:lstStyle/>
             <a:p>
               <a:pPr algn="ctr"/>
               <a:endParaRPr lang="zh-CN" altLang="en-US"/>
@@ -10490,6 +10430,7 @@
             <a:bodyPr wrap="none" rtlCol="0">
               <a:spAutoFit/>
             </a:bodyPr>
+            <a:lstStyle/>
             <a:p>
               <a:r>
                 <a:rPr lang="zh-CN" altLang="en-US" b="1">
@@ -10499,11 +10440,6 @@
                 </a:rPr>
                 <a:t>项目经验</a:t>
               </a:r>
-              <a:endParaRPr lang="zh-CN" altLang="en-US" b="1">
-                <a:solidFill>
-                  <a:schemeClr val="bg1"/>
-                </a:solidFill>
-              </a:endParaRPr>
             </a:p>
           </p:txBody>
         </p:sp>
@@ -10560,6 +10496,7 @@
           </p:style>
           <p:txBody>
             <a:bodyPr rtlCol="0" anchor="ctr"/>
+            <a:lstStyle/>
             <a:p>
               <a:pPr algn="ctr"/>
               <a:endParaRPr lang="zh-CN" altLang="en-US"/>
@@ -10586,6 +10523,7 @@
             <a:bodyPr wrap="none" rtlCol="0">
               <a:spAutoFit/>
             </a:bodyPr>
+            <a:lstStyle/>
             <a:p>
               <a:pPr algn="l"/>
               <a:r>
@@ -10596,11 +10534,6 @@
                 </a:rPr>
                 <a:t>职业技能</a:t>
               </a:r>
-              <a:endParaRPr lang="zh-CN" altLang="en-US" b="1">
-                <a:solidFill>
-                  <a:schemeClr val="bg1"/>
-                </a:solidFill>
-              </a:endParaRPr>
             </a:p>
           </p:txBody>
         </p:sp>
@@ -10614,7 +10547,7 @@
         <p:spPr>
           <a:xfrm>
             <a:off x="2051050" y="1012825"/>
-            <a:ext cx="5518785" cy="3692525"/>
+            <a:ext cx="5518785" cy="4247317"/>
           </a:xfrm>
           <a:prstGeom prst="rect">
             <a:avLst/>
@@ -10625,6 +10558,7 @@
           <a:bodyPr wrap="square" rtlCol="0">
             <a:spAutoFit/>
           </a:bodyPr>
+          <a:lstStyle/>
           <a:p>
             <a:pPr marL="285750" indent="-285750">
               <a:lnSpc>
@@ -10634,10 +10568,30 @@
               <a:buChar char="l"/>
             </a:pPr>
             <a:r>
-              <a:rPr lang="zh-CN" altLang="en-US" sz="1200"/>
-              <a:t>精通HTML,DIV+CSS布局，熟练掌握javascript脚本语言</a:t>
-            </a:r>
-            <a:endParaRPr lang="zh-CN" altLang="en-US" sz="1200"/>
+              <a:rPr lang="zh-CN" altLang="zh-CN" sz="1200" dirty="0"/>
+              <a:t>熟练使用</a:t>
+            </a:r>
+            <a:r>
+              <a:rPr lang="en-US" altLang="zh-CN" sz="1200" dirty="0"/>
+              <a:t>HTML5+CSS3+Javascript</a:t>
+            </a:r>
+            <a:r>
+              <a:rPr lang="zh-CN" altLang="zh-CN" sz="1200" dirty="0"/>
+              <a:t>技术，能根据</a:t>
+            </a:r>
+            <a:r>
+              <a:rPr lang="en-US" altLang="zh-CN" sz="1200" dirty="0"/>
+              <a:t>UI</a:t>
+            </a:r>
+            <a:r>
+              <a:rPr lang="zh-CN" altLang="zh-CN" sz="1200" dirty="0"/>
+              <a:t>出图快速实现前端页面和动态效果和交互</a:t>
+            </a:r>
+            <a:r>
+              <a:rPr lang="zh-CN" altLang="zh-CN" sz="1200" dirty="0" smtClean="0"/>
+              <a:t>逻辑</a:t>
+            </a:r>
+            <a:endParaRPr lang="en-US" altLang="zh-CN" sz="1200" dirty="0" smtClean="0"/>
           </a:p>
           <a:p>
             <a:pPr marL="285750" indent="-285750">
@@ -10648,10 +10602,83 @@
               <a:buChar char="l"/>
             </a:pPr>
             <a:r>
-              <a:rPr lang="zh-CN" altLang="en-US" sz="1200"/>
-              <a:t>熟练使用jQuery,Bootstrap、AmazeUI、MUI、less等框架</a:t>
-            </a:r>
-            <a:endParaRPr lang="zh-CN" altLang="en-US" sz="1200"/>
+              <a:rPr lang="zh-CN" altLang="zh-CN" sz="1200" dirty="0"/>
+              <a:t>熟练掌握浏览器兼容解决方案，移动端自适应，</a:t>
+            </a:r>
+            <a:r>
+              <a:rPr lang="en-US" altLang="zh-CN" sz="1200" dirty="0"/>
+              <a:t>Rem</a:t>
+            </a:r>
+            <a:r>
+              <a:rPr lang="zh-CN" altLang="zh-CN" sz="1200" dirty="0"/>
+              <a:t>适配，媒体查询等，能较好的在多平台呈现页面设计</a:t>
+            </a:r>
+            <a:r>
+              <a:rPr lang="zh-CN" altLang="zh-CN" sz="1200" dirty="0" smtClean="0"/>
+              <a:t>效果</a:t>
+            </a:r>
+            <a:endParaRPr lang="en-US" altLang="zh-CN" sz="1200" dirty="0" smtClean="0"/>
+          </a:p>
+          <a:p>
+            <a:pPr marL="285750" lvl="0" indent="-285750">
+              <a:lnSpc>
+                <a:spcPct val="150000"/>
+              </a:lnSpc>
+              <a:buFont typeface="Wingdings" panose="05000000000000000000" charset="0"/>
+              <a:buChar char="l"/>
+            </a:pPr>
+            <a:r>
+              <a:rPr lang="zh-CN" altLang="zh-CN" sz="1200" dirty="0"/>
+              <a:t>熟练</a:t>
+            </a:r>
+            <a:r>
+              <a:rPr lang="zh-CN" altLang="zh-CN" sz="1200" dirty="0"/>
+              <a:t>使用</a:t>
+            </a:r>
+            <a:r>
+              <a:rPr lang="en-US" altLang="zh-CN" sz="1200" dirty="0" err="1"/>
+              <a:t>jQuery,Bootstrap</a:t>
+            </a:r>
+            <a:r>
+              <a:rPr lang="zh-CN" altLang="zh-CN" sz="1200" dirty="0"/>
+              <a:t>、</a:t>
+            </a:r>
+            <a:r>
+              <a:rPr lang="en-US" altLang="zh-CN" sz="1200" dirty="0" err="1"/>
+              <a:t>AmazeUI</a:t>
+            </a:r>
+            <a:r>
+              <a:rPr lang="zh-CN" altLang="zh-CN" sz="1200" dirty="0"/>
+              <a:t>、</a:t>
+            </a:r>
+            <a:r>
+              <a:rPr lang="en-US" altLang="zh-CN" sz="1200" dirty="0"/>
+              <a:t>MUI</a:t>
+            </a:r>
+            <a:r>
+              <a:rPr lang="zh-CN" altLang="zh-CN" sz="1200" dirty="0"/>
+              <a:t>、</a:t>
+            </a:r>
+            <a:r>
+              <a:rPr lang="en-US" altLang="zh-CN" sz="1200" dirty="0"/>
+              <a:t>Less</a:t>
+            </a:r>
+            <a:r>
+              <a:rPr lang="zh-CN" altLang="zh-CN" sz="1200" dirty="0"/>
+              <a:t>编译、</a:t>
+            </a:r>
+            <a:r>
+              <a:rPr lang="en-US" altLang="zh-CN" sz="1200" dirty="0"/>
+              <a:t>CSS/JSS </a:t>
+            </a:r>
+            <a:r>
+              <a:rPr lang="en-US" altLang="zh-CN" sz="1200" dirty="0" err="1"/>
+              <a:t>Minifier</a:t>
+            </a:r>
+            <a:r>
+              <a:rPr lang="zh-CN" altLang="zh-CN" sz="1200" dirty="0"/>
+              <a:t>等前端框架和工具</a:t>
+            </a:r>
           </a:p>
           <a:p>
             <a:pPr marL="285750" indent="-285750">
@@ -10662,10 +10689,9 @@
               <a:buChar char="l"/>
             </a:pPr>
             <a:r>
-              <a:rPr lang="zh-CN" altLang="en-US" sz="1200"/>
-              <a:t>熟练使用Angular2.0开发SPA项目，ionic封装WebApp等</a:t>
-            </a:r>
-            <a:endParaRPr lang="zh-CN" altLang="en-US" sz="1200"/>
+              <a:rPr lang="zh-CN" altLang="en-US" sz="1200" dirty="0" smtClean="0"/>
+              <a:t>熟练使用.Net 平台的ASP.NET&amp;ASP.NET Core开发Web项目</a:t>
+            </a:r>
           </a:p>
           <a:p>
             <a:pPr marL="285750" indent="-285750">
@@ -10676,10 +10702,9 @@
               <a:buChar char="l"/>
             </a:pPr>
             <a:r>
-              <a:rPr lang="zh-CN" altLang="en-US" sz="1200"/>
-              <a:t>熟练使用.Net 平台的ASP.NET&amp;ASP.NET Core开发Web项目</a:t>
-            </a:r>
-            <a:endParaRPr lang="zh-CN" altLang="en-US" sz="1200"/>
+              <a:rPr lang="zh-CN" altLang="en-US" sz="1200" dirty="0" smtClean="0"/>
+              <a:t>熟练使用.Net 平台WinForm,.NET Core 开发PC项目</a:t>
+            </a:r>
           </a:p>
           <a:p>
             <a:pPr marL="285750" indent="-285750">
@@ -10690,10 +10715,9 @@
               <a:buChar char="l"/>
             </a:pPr>
             <a:r>
-              <a:rPr lang="zh-CN" altLang="en-US" sz="1200"/>
-              <a:t>熟练使用.Net 平台WinForm,.NET Core 开发PC项目</a:t>
-            </a:r>
-            <a:endParaRPr lang="zh-CN" altLang="en-US" sz="1200"/>
+              <a:rPr lang="zh-CN" altLang="en-US" sz="1200" dirty="0" smtClean="0"/>
+              <a:t>熟练掌握C#编程语言，了解C,Python,JAVA等编程语言</a:t>
+            </a:r>
           </a:p>
           <a:p>
             <a:pPr marL="285750" indent="-285750">
@@ -10704,10 +10728,9 @@
               <a:buChar char="l"/>
             </a:pPr>
             <a:r>
-              <a:rPr lang="zh-CN" altLang="en-US" sz="1200"/>
-              <a:t>熟练掌握C#编程语言，了解C,Python,JAVA等编程语言</a:t>
-            </a:r>
-            <a:endParaRPr lang="zh-CN" altLang="en-US" sz="1200"/>
+              <a:rPr lang="zh-CN" altLang="en-US" sz="1200" dirty="0" smtClean="0"/>
+              <a:t>熟练使用Git，svn等版本管理工具</a:t>
+            </a:r>
           </a:p>
           <a:p>
             <a:pPr marL="285750" indent="-285750">
@@ -10718,10 +10741,9 @@
               <a:buChar char="l"/>
             </a:pPr>
             <a:r>
-              <a:rPr lang="zh-CN" altLang="en-US" sz="1200"/>
-              <a:t>熟练使用Git，svn等版本管理工具</a:t>
-            </a:r>
-            <a:endParaRPr lang="zh-CN" altLang="en-US" sz="1200"/>
+              <a:rPr lang="zh-CN" altLang="en-US" sz="1200" dirty="0" smtClean="0"/>
+              <a:t>能熟练使用EF6，EFCore等开发数据接口</a:t>
+            </a:r>
           </a:p>
           <a:p>
             <a:pPr marL="285750" indent="-285750">
@@ -10732,10 +10754,9 @@
               <a:buChar char="l"/>
             </a:pPr>
             <a:r>
-              <a:rPr lang="zh-CN" altLang="en-US" sz="1200"/>
-              <a:t>能熟练使用EF6，EFCore等开发数据接口</a:t>
-            </a:r>
-            <a:endParaRPr lang="zh-CN" altLang="en-US" sz="1200"/>
+              <a:rPr lang="zh-CN" altLang="en-US" sz="1200" dirty="0" smtClean="0"/>
+              <a:t>能熟练利用微软的SQL Server进行开发，了解Oracle,MySql</a:t>
+            </a:r>
           </a:p>
           <a:p>
             <a:pPr marL="285750" indent="-285750">
@@ -10746,10 +10767,9 @@
               <a:buChar char="l"/>
             </a:pPr>
             <a:r>
-              <a:rPr lang="zh-CN" altLang="en-US" sz="1200"/>
-              <a:t>能熟练利用微软的SQL Server进行开发，了解Oracle,MySql</a:t>
-            </a:r>
-            <a:endParaRPr lang="zh-CN" altLang="en-US" sz="1200"/>
+              <a:rPr lang="zh-CN" altLang="en-US" sz="1200" dirty="0" smtClean="0"/>
+              <a:t>能熟练使用.Net 平台的.Net FrameWork,IIS等进行网站开发</a:t>
+            </a:r>
           </a:p>
           <a:p>
             <a:pPr marL="285750" indent="-285750">
@@ -10760,10 +10780,9 @@
               <a:buChar char="l"/>
             </a:pPr>
             <a:r>
-              <a:rPr lang="zh-CN" altLang="en-US" sz="1200"/>
-              <a:t>能熟练使用.Net 平台的.Net FrameWork,IIS等进行网站开发</a:t>
-            </a:r>
-            <a:endParaRPr lang="zh-CN" altLang="en-US" sz="1200"/>
+              <a:rPr lang="zh-CN" altLang="en-US" sz="1200" dirty="0" smtClean="0"/>
+              <a:t>能独立担当产品的前端开发以及界面设计、切图、标注工作</a:t>
+            </a:r>
           </a:p>
           <a:p>
             <a:pPr marL="285750" indent="-285750">
@@ -10774,38 +10793,9 @@
               <a:buChar char="l"/>
             </a:pPr>
             <a:r>
-              <a:rPr lang="zh-CN" altLang="en-US" sz="1200"/>
-              <a:t>能独立担当产品的前端开发以及界面设计、切图、标注工作</a:t>
-            </a:r>
-            <a:endParaRPr lang="zh-CN" altLang="en-US" sz="1200"/>
-          </a:p>
-          <a:p>
-            <a:pPr marL="285750" indent="-285750">
-              <a:lnSpc>
-                <a:spcPct val="150000"/>
-              </a:lnSpc>
-              <a:buFont typeface="Wingdings" panose="05000000000000000000" charset="0"/>
-              <a:buChar char="l"/>
-            </a:pPr>
-            <a:r>
-              <a:rPr lang="zh-CN" altLang="en-US" sz="1200"/>
+              <a:rPr lang="zh-CN" altLang="en-US" sz="1200" dirty="0" smtClean="0"/>
               <a:t>熟练掌握移动端开发规范，响应式布局及浏览器兼容性解决方案</a:t>
             </a:r>
-            <a:endParaRPr lang="zh-CN" altLang="en-US" sz="1200"/>
-          </a:p>
-          <a:p>
-            <a:pPr marL="285750" indent="-285750">
-              <a:lnSpc>
-                <a:spcPct val="150000"/>
-              </a:lnSpc>
-              <a:buFont typeface="Wingdings" panose="05000000000000000000" charset="0"/>
-              <a:buChar char="l"/>
-            </a:pPr>
-            <a:r>
-              <a:rPr lang="zh-CN" altLang="en-US" sz="1200"/>
-              <a:t>熟练掌握PS、AI，AE、DW、AxureRP,Mockplus等设计软件</a:t>
-            </a:r>
-            <a:endParaRPr lang="zh-CN" altLang="en-US" sz="1200"/>
           </a:p>
         </p:txBody>
       </p:sp>
@@ -10829,19 +10819,18 @@
           <a:bodyPr wrap="square" rtlCol="0">
             <a:spAutoFit/>
           </a:bodyPr>
+          <a:lstStyle/>
           <a:p>
             <a:r>
               <a:rPr lang="zh-CN" altLang="en-US" sz="1200" b="1"/>
               <a:t>星之痕-个人站           </a:t>
             </a:r>
-            <a:endParaRPr lang="zh-CN" altLang="en-US" sz="1200" b="1"/>
           </a:p>
           <a:p>
             <a:r>
               <a:rPr lang="zh-CN" altLang="en-US" sz="1200"/>
               <a:t>www.xingzhihen.com</a:t>
             </a:r>
-            <a:endParaRPr lang="zh-CN" altLang="en-US" sz="1200"/>
           </a:p>
         </p:txBody>
       </p:sp>
@@ -10865,6 +10854,7 @@
           <a:bodyPr wrap="square" rtlCol="0">
             <a:spAutoFit/>
           </a:bodyPr>
+          <a:lstStyle/>
           <a:p>
             <a:r>
               <a:rPr lang="zh-CN" altLang="en-US" sz="1200" b="1"/>
@@ -10874,7 +10864,6 @@
               <a:rPr lang="zh-CN" altLang="en-US" sz="1200"/>
               <a:t>H5+C3+Javascript</a:t>
             </a:r>
-            <a:endParaRPr lang="zh-CN" altLang="en-US" sz="1200"/>
           </a:p>
         </p:txBody>
       </p:sp>
@@ -10898,6 +10887,7 @@
           <a:bodyPr wrap="square" rtlCol="0">
             <a:spAutoFit/>
           </a:bodyPr>
+          <a:lstStyle/>
           <a:p>
             <a:r>
               <a:rPr lang="zh-CN" altLang="en-US" sz="1200" b="1"/>
@@ -10907,7 +10897,6 @@
               <a:rPr lang="zh-CN" altLang="en-US" sz="1200"/>
               <a:t>利用HTML+C3和Javascript，Jquery等技术，写出来的一个个人站。全页面使用了响应式开发，利用淘宝适配方案，将clientWidth分成10rem，动态设置了视口大小，可以完美兼容移动端。</a:t>
             </a:r>
-            <a:endParaRPr lang="zh-CN" altLang="en-US" sz="1200"/>
           </a:p>
         </p:txBody>
       </p:sp>
@@ -10931,33 +10920,30 @@
           <a:bodyPr wrap="square" rtlCol="0">
             <a:spAutoFit/>
           </a:bodyPr>
+          <a:lstStyle/>
           <a:p>
             <a:r>
               <a:rPr lang="zh-CN" altLang="en-US" sz="1200" b="1"/>
               <a:t>职责：</a:t>
             </a:r>
-            <a:endParaRPr lang="zh-CN" altLang="en-US" sz="1200" b="1"/>
           </a:p>
           <a:p>
             <a:r>
               <a:rPr lang="zh-CN" altLang="en-US" sz="1200"/>
               <a:t>1、负责网站页面的界面设计，响应式设计</a:t>
             </a:r>
-            <a:endParaRPr lang="zh-CN" altLang="en-US" sz="1200"/>
           </a:p>
           <a:p>
             <a:r>
               <a:rPr lang="zh-CN" altLang="en-US" sz="1200"/>
               <a:t>2、用H5+C3构建网站框架</a:t>
             </a:r>
-            <a:endParaRPr lang="zh-CN" altLang="en-US" sz="1200"/>
           </a:p>
           <a:p>
             <a:r>
               <a:rPr lang="zh-CN" altLang="en-US" sz="1200"/>
               <a:t>3、响应式开发，完美适配移动端</a:t>
             </a:r>
-            <a:endParaRPr lang="zh-CN" altLang="en-US" sz="1200"/>
           </a:p>
         </p:txBody>
       </p:sp>
@@ -10999,6 +10985,7 @@
         </p:style>
         <p:txBody>
           <a:bodyPr rtlCol="0" anchor="ctr"/>
+          <a:lstStyle/>
           <a:p>
             <a:pPr algn="ctr"/>
             <a:endParaRPr lang="zh-CN" altLang="en-US"/>
@@ -11025,6 +11012,7 @@
           <a:bodyPr wrap="square" rtlCol="0">
             <a:spAutoFit/>
           </a:bodyPr>
+          <a:lstStyle/>
           <a:p>
             <a:r>
               <a:rPr lang="zh-CN" altLang="en-US" sz="1200" b="1"/>
@@ -11034,7 +11022,6 @@
               <a:rPr lang="zh-CN" altLang="en-US" sz="1200"/>
               <a:t>首页、LOGO、Menu菜单、Nav导航、aside侧边栏等</a:t>
             </a:r>
-            <a:endParaRPr lang="zh-CN" altLang="en-US" sz="1200"/>
           </a:p>
         </p:txBody>
       </p:sp>
@@ -11076,6 +11063,7 @@
         </p:style>
         <p:txBody>
           <a:bodyPr rtlCol="0" anchor="ctr"/>
+          <a:lstStyle/>
           <a:p>
             <a:pPr algn="ctr"/>
             <a:endParaRPr lang="zh-CN" altLang="en-US"/>
@@ -11120,6 +11108,7 @@
         </p:style>
         <p:txBody>
           <a:bodyPr rtlCol="0" anchor="ctr"/>
+          <a:lstStyle/>
           <a:p>
             <a:pPr algn="ctr"/>
             <a:endParaRPr lang="zh-CN" altLang="en-US"/>
@@ -11164,6 +11153,7 @@
         </p:style>
         <p:txBody>
           <a:bodyPr rtlCol="0" anchor="ctr"/>
+          <a:lstStyle/>
           <a:p>
             <a:pPr algn="ctr"/>
             <a:endParaRPr lang="zh-CN" altLang="en-US"/>
@@ -11190,12 +11180,12 @@
           <a:bodyPr wrap="none" rtlCol="0">
             <a:spAutoFit/>
           </a:bodyPr>
+          <a:lstStyle/>
           <a:p>
             <a:r>
               <a:rPr lang="en-US" altLang="zh-CN" sz="1400"/>
               <a:t>-------------------------------------------------------------------------------------------------------------------</a:t>
             </a:r>
-            <a:endParaRPr lang="en-US" altLang="zh-CN" sz="1400"/>
           </a:p>
         </p:txBody>
       </p:sp>
@@ -11219,19 +11209,18 @@
           <a:bodyPr wrap="square" rtlCol="0">
             <a:spAutoFit/>
           </a:bodyPr>
+          <a:lstStyle/>
           <a:p>
             <a:r>
               <a:rPr lang="zh-CN" altLang="en-US" sz="1200" b="1"/>
               <a:t>大宗商品         </a:t>
             </a:r>
-            <a:endParaRPr lang="zh-CN" altLang="en-US" sz="1200" b="1"/>
           </a:p>
           <a:p>
             <a:r>
               <a:rPr lang="zh-CN" altLang="en-US" sz="1200"/>
               <a:t>2017.2-2017.3</a:t>
             </a:r>
-            <a:endParaRPr lang="zh-CN" altLang="en-US" sz="1200"/>
           </a:p>
         </p:txBody>
       </p:sp>
@@ -11255,6 +11244,7 @@
           <a:bodyPr wrap="square" rtlCol="0">
             <a:spAutoFit/>
           </a:bodyPr>
+          <a:lstStyle/>
           <a:p>
             <a:r>
               <a:rPr lang="zh-CN" altLang="en-US" sz="1200" b="1"/>
@@ -11264,7 +11254,6 @@
               <a:rPr lang="zh-CN" altLang="en-US" sz="1200"/>
               <a:t>DHTML+Jquery</a:t>
             </a:r>
-            <a:endParaRPr lang="zh-CN" altLang="en-US" sz="1200"/>
           </a:p>
           <a:p>
             <a:r>
@@ -11275,49 +11264,42 @@
               <a:rPr lang="zh-CN" altLang="en-US" sz="1200"/>
               <a:t>首页、产品中心、联系我们、文件下载、新闻内容等其他子页面</a:t>
             </a:r>
-            <a:endParaRPr lang="zh-CN" altLang="en-US" sz="1200"/>
           </a:p>
           <a:p>
             <a:r>
               <a:rPr lang="zh-CN" altLang="en-US" sz="1200"/>
               <a:t>介绍：此网站是针对小中商务型企业网站专门开发的，一款轻量级网站。五大模块（首页，联系我们，产品中心，新闻资讯，文件下载）极为方便网站管理和维护，节省运营成本，同时更能很好的展示企业形象，吸引潜在客户流量。</a:t>
             </a:r>
-            <a:endParaRPr lang="zh-CN" altLang="en-US" sz="1200"/>
           </a:p>
           <a:p>
             <a:r>
               <a:rPr lang="zh-CN" altLang="en-US" sz="1200" b="1"/>
               <a:t>职责：</a:t>
             </a:r>
-            <a:endParaRPr lang="zh-CN" altLang="en-US" sz="1200" b="1"/>
           </a:p>
           <a:p>
             <a:r>
               <a:rPr lang="zh-CN" altLang="en-US" sz="1200"/>
               <a:t>1、负责网站页面的界面设计</a:t>
             </a:r>
-            <a:endParaRPr lang="zh-CN" altLang="en-US" sz="1200"/>
           </a:p>
           <a:p>
             <a:r>
               <a:rPr lang="zh-CN" altLang="en-US" sz="1200"/>
               <a:t>2、构建网站框架</a:t>
             </a:r>
-            <a:endParaRPr lang="zh-CN" altLang="en-US" sz="1200"/>
           </a:p>
           <a:p>
             <a:r>
               <a:rPr lang="zh-CN" altLang="en-US" sz="1200"/>
               <a:t>3、用HTML+CSS写出静态页面（兼容主流浏览器）</a:t>
             </a:r>
-            <a:endParaRPr lang="zh-CN" altLang="en-US" sz="1200"/>
           </a:p>
           <a:p>
             <a:r>
               <a:rPr lang="zh-CN" altLang="en-US" sz="1200"/>
               <a:t>4、配合其他开发人员完善前端开发标准</a:t>
             </a:r>
-            <a:endParaRPr lang="zh-CN" altLang="en-US" sz="1200"/>
           </a:p>
         </p:txBody>
       </p:sp>
@@ -11401,6 +11383,7 @@
           </p:style>
           <p:txBody>
             <a:bodyPr rtlCol="0" anchor="ctr"/>
+            <a:lstStyle/>
             <a:p>
               <a:pPr algn="ctr"/>
               <a:endParaRPr lang="zh-CN" altLang="en-US"/>
@@ -11427,20 +11410,16 @@
             <a:bodyPr wrap="none" rtlCol="0">
               <a:spAutoFit/>
             </a:bodyPr>
+            <a:lstStyle/>
             <a:p>
               <a:r>
-                <a:rPr lang="zh-CN" altLang="en-US" b="1">
+                <a:rPr lang="zh-CN" altLang="en-US" b="1" dirty="0">
                   <a:solidFill>
                     <a:schemeClr val="bg1"/>
                   </a:solidFill>
                 </a:rPr>
                 <a:t>自我评价</a:t>
               </a:r>
-              <a:endParaRPr lang="zh-CN" altLang="en-US" b="1">
-                <a:solidFill>
-                  <a:schemeClr val="bg1"/>
-                </a:solidFill>
-              </a:endParaRPr>
             </a:p>
           </p:txBody>
         </p:sp>
@@ -11465,19 +11444,18 @@
           <a:bodyPr wrap="square" rtlCol="0">
             <a:spAutoFit/>
           </a:bodyPr>
+          <a:lstStyle/>
           <a:p>
             <a:r>
               <a:rPr lang="zh-CN" altLang="en-US" sz="1200" b="1"/>
               <a:t>趣闻猎奇-APP</a:t>
             </a:r>
-            <a:endParaRPr lang="zh-CN" altLang="en-US" sz="1200" b="1"/>
           </a:p>
           <a:p>
             <a:r>
               <a:rPr lang="zh-CN" altLang="en-US" sz="1200"/>
               <a:t>2016.07-2016.09</a:t>
             </a:r>
-            <a:endParaRPr lang="zh-CN" altLang="en-US" sz="1200"/>
           </a:p>
         </p:txBody>
       </p:sp>
@@ -11501,6 +11479,7 @@
           <a:bodyPr wrap="square" rtlCol="0">
             <a:spAutoFit/>
           </a:bodyPr>
+          <a:lstStyle/>
           <a:p>
             <a:r>
               <a:rPr lang="zh-CN" altLang="en-US" sz="1200" b="1"/>
@@ -11510,56 +11489,48 @@
               <a:rPr lang="zh-CN" altLang="en-US" sz="1200"/>
               <a:t>引导页、个人资料、评论、趣闻猎奇等其他子页面</a:t>
             </a:r>
-            <a:endParaRPr lang="zh-CN" altLang="en-US" sz="1200"/>
           </a:p>
           <a:p>
             <a:r>
               <a:rPr lang="zh-CN" altLang="en-US" sz="1200"/>
               <a:t>介绍：以趣闻热点、猎奇资讯、热点头条为主题的资讯整个类APP。以资讯推介为主，同时整合了一些社交功能，以增加用户黏性。</a:t>
             </a:r>
-            <a:endParaRPr lang="zh-CN" altLang="en-US" sz="1200"/>
           </a:p>
           <a:p>
             <a:r>
               <a:rPr lang="zh-CN" altLang="en-US" sz="1200" b="1"/>
               <a:t>职责：</a:t>
             </a:r>
-            <a:endParaRPr lang="zh-CN" altLang="en-US" sz="1200" b="1"/>
           </a:p>
           <a:p>
             <a:r>
               <a:rPr lang="zh-CN" altLang="en-US" sz="1200"/>
               <a:t>1、负责网站页面的界面设计</a:t>
             </a:r>
-            <a:endParaRPr lang="zh-CN" altLang="en-US" sz="1200"/>
           </a:p>
           <a:p>
             <a:r>
               <a:rPr lang="zh-CN" altLang="en-US" sz="1200"/>
               <a:t>2、构建网站框架</a:t>
             </a:r>
-            <a:endParaRPr lang="zh-CN" altLang="en-US" sz="1200"/>
           </a:p>
           <a:p>
             <a:r>
               <a:rPr lang="zh-CN" altLang="en-US" sz="1200"/>
               <a:t>3、用HTML+CSS写出静态页面（兼容主流浏览器）</a:t>
             </a:r>
-            <a:endParaRPr lang="zh-CN" altLang="en-US" sz="1200"/>
           </a:p>
           <a:p>
             <a:r>
               <a:rPr lang="zh-CN" altLang="en-US" sz="1200"/>
               <a:t>4、配合其他开发人员完善前端开发标准</a:t>
             </a:r>
-            <a:endParaRPr lang="zh-CN" altLang="en-US" sz="1200"/>
           </a:p>
           <a:p>
             <a:r>
               <a:rPr lang="zh-CN" altLang="en-US" sz="1200"/>
               <a:t>5、与后台开发人员交接部分业务逻辑和数据交互模块</a:t>
             </a:r>
-            <a:endParaRPr lang="zh-CN" altLang="en-US" sz="1200"/>
           </a:p>
         </p:txBody>
       </p:sp>
@@ -11583,19 +11554,18 @@
           <a:bodyPr wrap="square" rtlCol="0">
             <a:spAutoFit/>
           </a:bodyPr>
+          <a:lstStyle/>
           <a:p>
             <a:r>
               <a:rPr lang="zh-CN" altLang="en-US" sz="1200" b="1"/>
               <a:t>BestStore</a:t>
             </a:r>
-            <a:endParaRPr lang="zh-CN" altLang="en-US" sz="1200" b="1"/>
           </a:p>
           <a:p>
             <a:r>
               <a:rPr lang="zh-CN" altLang="en-US" sz="1200"/>
               <a:t>2017.8-2017.10</a:t>
             </a:r>
-            <a:endParaRPr lang="zh-CN" altLang="en-US" sz="1200"/>
           </a:p>
         </p:txBody>
       </p:sp>
@@ -11619,6 +11589,7 @@
           <a:bodyPr wrap="square" rtlCol="0">
             <a:spAutoFit/>
           </a:bodyPr>
+          <a:lstStyle/>
           <a:p>
             <a:r>
               <a:rPr lang="zh-CN" altLang="en-US" sz="1200" b="1"/>
@@ -11628,7 +11599,6 @@
               <a:rPr lang="zh-CN" altLang="en-US" sz="1200"/>
               <a:t>ASP.NET CORE 2.0,EF CORE 2.0,Razer,Jquery,javascript</a:t>
             </a:r>
-            <a:endParaRPr lang="zh-CN" altLang="en-US" sz="1200"/>
           </a:p>
           <a:p>
             <a:r>
@@ -11639,7 +11609,6 @@
               <a:rPr lang="zh-CN" altLang="en-US" sz="1200"/>
               <a:t>首页、新品上市</a:t>
             </a:r>
-            <a:endParaRPr lang="zh-CN" altLang="en-US" sz="1200"/>
           </a:p>
           <a:p>
             <a:r>
@@ -11650,21 +11619,18 @@
               <a:rPr lang="zh-CN" altLang="en-US" sz="1200"/>
               <a:t>一个基于ASP.Net Core 2.0 开发的在线商城网站</a:t>
             </a:r>
-            <a:endParaRPr lang="zh-CN" altLang="en-US" sz="1200"/>
           </a:p>
           <a:p>
             <a:r>
               <a:rPr lang="zh-CN" altLang="en-US" sz="1200" b="1"/>
               <a:t>源码查看地址：</a:t>
             </a:r>
-            <a:endParaRPr lang="zh-CN" altLang="en-US" sz="1200" b="1"/>
           </a:p>
           <a:p>
             <a:r>
               <a:rPr lang="zh-CN" altLang="en-US" sz="1200"/>
               <a:t>http://xingzhihen.visualstudio.com</a:t>
             </a:r>
-            <a:endParaRPr lang="zh-CN" altLang="en-US" sz="1200"/>
           </a:p>
         </p:txBody>
       </p:sp>
@@ -11688,19 +11654,18 @@
           <a:bodyPr wrap="square" rtlCol="0">
             <a:spAutoFit/>
           </a:bodyPr>
+          <a:lstStyle/>
           <a:p>
             <a:r>
               <a:rPr lang="zh-CN" altLang="en-US" sz="1200" b="1"/>
               <a:t>C/S软件（安多餐饮管理软件）</a:t>
             </a:r>
-            <a:endParaRPr lang="zh-CN" altLang="en-US" sz="1200" b="1"/>
           </a:p>
           <a:p>
             <a:r>
               <a:rPr lang="zh-CN" altLang="en-US" sz="1200"/>
               <a:t>2013.04-2014.06</a:t>
             </a:r>
-            <a:endParaRPr lang="zh-CN" altLang="en-US" sz="1200"/>
           </a:p>
         </p:txBody>
       </p:sp>
@@ -11724,6 +11689,7 @@
           <a:bodyPr wrap="square" rtlCol="0">
             <a:spAutoFit/>
           </a:bodyPr>
+          <a:lstStyle/>
           <a:p>
             <a:r>
               <a:rPr lang="zh-CN" altLang="en-US" sz="1200" b="1"/>
@@ -11733,7 +11699,6 @@
               <a:rPr lang="zh-CN" altLang="en-US" sz="1200"/>
               <a:t>.Net Framework 3.5/VS 2008+SQL Server 200</a:t>
             </a:r>
-            <a:endParaRPr lang="zh-CN" altLang="en-US" sz="1200"/>
           </a:p>
           <a:p>
             <a:r>
@@ -11744,42 +11709,36 @@
               <a:rPr lang="zh-CN" altLang="en-US" sz="1200"/>
               <a:t>点单、开台、收银、打印、仓储、无线（点单，开台，催菜）、会员，菜品以及财务管理、营销数据分析、报表等</a:t>
             </a:r>
-            <a:endParaRPr lang="zh-CN" altLang="en-US" sz="1200"/>
           </a:p>
           <a:p>
             <a:r>
               <a:rPr lang="zh-CN" altLang="en-US" sz="1200"/>
               <a:t>介绍：结合餐饮行业流行管理工作模式，模拟餐饮店工作流程将点单，收银，后厨下单，乃至店铺，会员，仓储等管理流程全部映射成为可视的信息化管理系统，即C/S架构的餐饮管理软件-安多。全套软件下来二十几个大模块，一百多个小模块，映射的数据库表（table）多达二百多张。</a:t>
             </a:r>
-            <a:endParaRPr lang="zh-CN" altLang="en-US" sz="1200"/>
           </a:p>
           <a:p>
             <a:r>
               <a:rPr lang="zh-CN" altLang="en-US" sz="1200" b="1"/>
               <a:t>职责：</a:t>
             </a:r>
-            <a:endParaRPr lang="zh-CN" altLang="en-US" sz="1200" b="1"/>
           </a:p>
           <a:p>
             <a:r>
               <a:rPr lang="zh-CN" altLang="en-US" sz="1200"/>
               <a:t>1、调查需求分析：陪同产品经理驻店观察营业流程，与店长，收银员，营业员，及其他店内工作人员探讨流水，业务，管理等详细的工作细节，将调查结果（对象）模拟成数据表格，构建数据结构。</a:t>
             </a:r>
-            <a:endParaRPr lang="zh-CN" altLang="en-US" sz="1200"/>
           </a:p>
           <a:p>
             <a:r>
               <a:rPr lang="zh-CN" altLang="en-US" sz="1200"/>
               <a:t>2、参与数据模型（model）建立：将分析出来的数据表格（EXCEL表格），映射进Server2008，搭建软件实体数据库。</a:t>
             </a:r>
-            <a:endParaRPr lang="zh-CN" altLang="en-US" sz="1200"/>
           </a:p>
           <a:p>
             <a:r>
               <a:rPr lang="zh-CN" altLang="en-US" sz="1200"/>
               <a:t>3、参与SVN协同开发：Model数据结构调整，View和Control分开协同进行，我主要负责View视图层的设计。</a:t>
             </a:r>
-            <a:endParaRPr lang="zh-CN" altLang="en-US" sz="1200"/>
           </a:p>
         </p:txBody>
       </p:sp>
@@ -11803,12 +11762,12 @@
           <a:bodyPr wrap="square" rtlCol="0">
             <a:spAutoFit/>
           </a:bodyPr>
+          <a:lstStyle/>
           <a:p>
             <a:r>
               <a:rPr lang="en-US" altLang="zh-CN" sz="1400"/>
               <a:t>----------------------------------------------------------------------------------------------------------------------</a:t>
             </a:r>
-            <a:endParaRPr lang="en-US" altLang="zh-CN" sz="1400"/>
           </a:p>
         </p:txBody>
       </p:sp>
@@ -11832,6 +11791,7 @@
           <a:bodyPr wrap="square" rtlCol="0">
             <a:spAutoFit/>
           </a:bodyPr>
+          <a:lstStyle/>
           <a:p>
             <a:r>
               <a:rPr lang="zh-CN" altLang="en-US" sz="1200"/>
@@ -11841,7 +11801,6 @@
               <a:rPr lang="zh-CN" altLang="en-US"/>
               <a:t>。</a:t>
             </a:r>
-            <a:endParaRPr lang="zh-CN" altLang="en-US"/>
           </a:p>
         </p:txBody>
       </p:sp>
@@ -11897,6 +11856,7 @@
           </p:style>
           <p:txBody>
             <a:bodyPr rtlCol="0" anchor="ctr"/>
+            <a:lstStyle/>
             <a:p>
               <a:pPr algn="ctr"/>
               <a:endParaRPr lang="zh-CN" altLang="en-US"/>
@@ -11923,6 +11883,7 @@
             <a:bodyPr wrap="none" rtlCol="0">
               <a:spAutoFit/>
             </a:bodyPr>
+            <a:lstStyle/>
             <a:p>
               <a:r>
                 <a:rPr lang="zh-CN" altLang="en-US" b="1">
@@ -11932,11 +11893,6 @@
                 </a:rPr>
                 <a:t>兴趣爱好</a:t>
               </a:r>
-              <a:endParaRPr lang="zh-CN" altLang="en-US" b="1">
-                <a:solidFill>
-                  <a:schemeClr val="bg1"/>
-                </a:solidFill>
-              </a:endParaRPr>
             </a:p>
           </p:txBody>
         </p:sp>
@@ -11961,13 +11917,13 @@
           <a:bodyPr wrap="square" rtlCol="0">
             <a:spAutoFit/>
           </a:bodyPr>
+          <a:lstStyle/>
           <a:p>
             <a:pPr algn="l"/>
             <a:r>
               <a:rPr lang="zh-CN" altLang="en-US" sz="1200"/>
               <a:t>喜欢逛论坛，浏览国外网站，与同行交流技术心得；此外爱好旅游、爬山、摄影、读书、听演唱会和看话剧。</a:t>
             </a:r>
-            <a:endParaRPr lang="zh-CN" altLang="en-US" sz="1200"/>
           </a:p>
         </p:txBody>
       </p:sp>
@@ -11983,267 +11939,7 @@
 </file>
 
 <file path=ppt/tags/tag1.xml><?xml version="1.0" encoding="utf-8"?>
-<p:tagLst xmlns:p="http://schemas.openxmlformats.org/presentationml/2006/main">
-  <p:tag name="KSO_WM_UNIT_HIGHLIGHT" val="0"/>
-  <p:tag name="KSO_WM_UNIT_COMPATIBLE" val="0"/>
-  <p:tag name="KSO_WM_UNIT_DIAGRAM_ISNUMVISUAL" val="0"/>
-  <p:tag name="KSO_WM_UNIT_DIAGRAM_ISREFERUNIT" val="0"/>
-  <p:tag name="KSO_WM_UNIT_ID" val="_1**"/>
-  <p:tag name="KSO_WM_UNIT_LAYERLEVEL" val="1"/>
-  <p:tag name="KSO_WM_TAG_VERSION" val="1.0"/>
-  <p:tag name="KSO_WM_BEAUTIFY_FLAG" val="#wm#"/>
-</p:tagLst>
-</file>
-
-<file path=ppt/tags/tag10.xml><?xml version="1.0" encoding="utf-8"?>
-<p:tagLst xmlns:p="http://schemas.openxmlformats.org/presentationml/2006/main">
-  <p:tag name="KSO_WM_UNIT_HIGHLIGHT" val="0"/>
-  <p:tag name="KSO_WM_UNIT_COMPATIBLE" val="0"/>
-  <p:tag name="KSO_WM_UNIT_DIAGRAM_ISNUMVISUAL" val="0"/>
-  <p:tag name="KSO_WM_UNIT_DIAGRAM_ISREFERUNIT" val="0"/>
-  <p:tag name="KSO_WM_UNIT_ID" val="_2**"/>
-  <p:tag name="KSO_WM_UNIT_LAYERLEVEL" val="1"/>
-  <p:tag name="KSO_WM_TAG_VERSION" val="1.0"/>
-  <p:tag name="KSO_WM_BEAUTIFY_FLAG" val="#wm#"/>
-</p:tagLst>
-</file>
-
-<file path=ppt/tags/tag100.xml><?xml version="1.0" encoding="utf-8"?>
-<p:tagLst xmlns:p="http://schemas.openxmlformats.org/presentationml/2006/main">
-  <p:tag name="KSO_WM_UNIT_HIGHLIGHT" val="0"/>
-  <p:tag name="KSO_WM_UNIT_COMPATIBLE" val="0"/>
-  <p:tag name="KSO_WM_UNIT_DIAGRAM_ISNUMVISUAL" val="0"/>
-  <p:tag name="KSO_WM_UNIT_DIAGRAM_ISREFERUNIT" val="0"/>
-  <p:tag name="KSO_WM_UNIT_ID" val="_8**"/>
-  <p:tag name="KSO_WM_UNIT_LAYERLEVEL" val="1"/>
-  <p:tag name="KSO_WM_TAG_VERSION" val="1.0"/>
-  <p:tag name="KSO_WM_BEAUTIFY_FLAG" val="#wm#"/>
-</p:tagLst>
-</file>
-
-<file path=ppt/tags/tag101.xml><?xml version="1.0" encoding="utf-8"?>
-<p:tagLst xmlns:p="http://schemas.openxmlformats.org/presentationml/2006/main">
-  <p:tag name="KSO_WM_UNIT_HIGHLIGHT" val="0"/>
-  <p:tag name="KSO_WM_UNIT_COMPATIBLE" val="0"/>
-  <p:tag name="KSO_WM_UNIT_DIAGRAM_ISNUMVISUAL" val="0"/>
-  <p:tag name="KSO_WM_UNIT_DIAGRAM_ISREFERUNIT" val="0"/>
-  <p:tag name="KSO_WM_UNIT_ID" val="_8**"/>
-  <p:tag name="KSO_WM_UNIT_LAYERLEVEL" val="1"/>
-  <p:tag name="KSO_WM_TAG_VERSION" val="1.0"/>
-  <p:tag name="KSO_WM_BEAUTIFY_FLAG" val="#wm#"/>
-</p:tagLst>
-</file>
-
-<file path=ppt/tags/tag102.xml><?xml version="1.0" encoding="utf-8"?>
-<p:tagLst xmlns:p="http://schemas.openxmlformats.org/presentationml/2006/main">
-  <p:tag name="KSO_WM_UNIT_HIGHLIGHT" val="0"/>
-  <p:tag name="KSO_WM_UNIT_COMPATIBLE" val="0"/>
-  <p:tag name="KSO_WM_UNIT_DIAGRAM_ISNUMVISUAL" val="0"/>
-  <p:tag name="KSO_WM_UNIT_DIAGRAM_ISREFERUNIT" val="0"/>
-  <p:tag name="KSO_WM_UNIT_ID" val="_8**"/>
-  <p:tag name="KSO_WM_UNIT_LAYERLEVEL" val="1"/>
-  <p:tag name="KSO_WM_TAG_VERSION" val="1.0"/>
-  <p:tag name="KSO_WM_BEAUTIFY_FLAG" val="#wm#"/>
-</p:tagLst>
-</file>
-
-<file path=ppt/tags/tag103.xml><?xml version="1.0" encoding="utf-8"?>
-<p:tagLst xmlns:p="http://schemas.openxmlformats.org/presentationml/2006/main">
-  <p:tag name="KSO_WM_UNIT_HIGHLIGHT" val="0"/>
-  <p:tag name="KSO_WM_UNIT_COMPATIBLE" val="0"/>
-  <p:tag name="KSO_WM_UNIT_DIAGRAM_ISNUMVISUAL" val="0"/>
-  <p:tag name="KSO_WM_UNIT_DIAGRAM_ISREFERUNIT" val="0"/>
-  <p:tag name="KSO_WM_UNIT_ID" val="_8**"/>
-  <p:tag name="KSO_WM_UNIT_LAYERLEVEL" val="1"/>
-  <p:tag name="KSO_WM_TAG_VERSION" val="1.0"/>
-  <p:tag name="KSO_WM_BEAUTIFY_FLAG" val="#wm#"/>
-</p:tagLst>
-</file>
-
-<file path=ppt/tags/tag104.xml><?xml version="1.0" encoding="utf-8"?>
-<p:tagLst xmlns:p="http://schemas.openxmlformats.org/presentationml/2006/main">
-  <p:tag name="KSO_WM_UNIT_HIGHLIGHT" val="0"/>
-  <p:tag name="KSO_WM_UNIT_COMPATIBLE" val="0"/>
-  <p:tag name="KSO_WM_UNIT_DIAGRAM_ISNUMVISUAL" val="0"/>
-  <p:tag name="KSO_WM_UNIT_DIAGRAM_ISREFERUNIT" val="0"/>
-  <p:tag name="KSO_WM_UNIT_ID" val="_9**"/>
-  <p:tag name="KSO_WM_UNIT_LAYERLEVEL" val="1"/>
-  <p:tag name="KSO_WM_TAG_VERSION" val="1.0"/>
-  <p:tag name="KSO_WM_BEAUTIFY_FLAG" val="#wm#"/>
-</p:tagLst>
-</file>
-
-<file path=ppt/tags/tag105.xml><?xml version="1.0" encoding="utf-8"?>
-<p:tagLst xmlns:p="http://schemas.openxmlformats.org/presentationml/2006/main">
-  <p:tag name="KSO_WM_UNIT_HIGHLIGHT" val="0"/>
-  <p:tag name="KSO_WM_UNIT_COMPATIBLE" val="0"/>
-  <p:tag name="KSO_WM_UNIT_DIAGRAM_ISNUMVISUAL" val="0"/>
-  <p:tag name="KSO_WM_UNIT_DIAGRAM_ISREFERUNIT" val="0"/>
-  <p:tag name="KSO_WM_UNIT_ID" val="_9**"/>
-  <p:tag name="KSO_WM_UNIT_LAYERLEVEL" val="1"/>
-  <p:tag name="KSO_WM_TAG_VERSION" val="1.0"/>
-  <p:tag name="KSO_WM_BEAUTIFY_FLAG" val="#wm#"/>
-</p:tagLst>
-</file>
-
-<file path=ppt/tags/tag106.xml><?xml version="1.0" encoding="utf-8"?>
-<p:tagLst xmlns:p="http://schemas.openxmlformats.org/presentationml/2006/main">
-  <p:tag name="KSO_WM_UNIT_HIGHLIGHT" val="0"/>
-  <p:tag name="KSO_WM_UNIT_COMPATIBLE" val="0"/>
-  <p:tag name="KSO_WM_UNIT_DIAGRAM_ISNUMVISUAL" val="0"/>
-  <p:tag name="KSO_WM_UNIT_DIAGRAM_ISREFERUNIT" val="0"/>
-  <p:tag name="KSO_WM_UNIT_ID" val="_9**"/>
-  <p:tag name="KSO_WM_UNIT_LAYERLEVEL" val="1"/>
-  <p:tag name="KSO_WM_TAG_VERSION" val="1.0"/>
-  <p:tag name="KSO_WM_BEAUTIFY_FLAG" val="#wm#"/>
-</p:tagLst>
-</file>
-
-<file path=ppt/tags/tag107.xml><?xml version="1.0" encoding="utf-8"?>
-<p:tagLst xmlns:p="http://schemas.openxmlformats.org/presentationml/2006/main">
-  <p:tag name="KSO_WM_UNIT_HIGHLIGHT" val="0"/>
-  <p:tag name="KSO_WM_UNIT_COMPATIBLE" val="0"/>
-  <p:tag name="KSO_WM_UNIT_DIAGRAM_ISNUMVISUAL" val="0"/>
-  <p:tag name="KSO_WM_UNIT_DIAGRAM_ISREFERUNIT" val="0"/>
-  <p:tag name="KSO_WM_UNIT_ID" val="_9**"/>
-  <p:tag name="KSO_WM_UNIT_LAYERLEVEL" val="1"/>
-  <p:tag name="KSO_WM_TAG_VERSION" val="1.0"/>
-  <p:tag name="KSO_WM_BEAUTIFY_FLAG" val="#wm#"/>
-</p:tagLst>
-</file>
-
-<file path=ppt/tags/tag108.xml><?xml version="1.0" encoding="utf-8"?>
-<p:tagLst xmlns:p="http://schemas.openxmlformats.org/presentationml/2006/main">
-  <p:tag name="KSO_WM_UNIT_HIGHLIGHT" val="0"/>
-  <p:tag name="KSO_WM_UNIT_COMPATIBLE" val="0"/>
-  <p:tag name="KSO_WM_UNIT_DIAGRAM_ISNUMVISUAL" val="0"/>
-  <p:tag name="KSO_WM_UNIT_DIAGRAM_ISREFERUNIT" val="0"/>
-  <p:tag name="KSO_WM_UNIT_ID" val="_9**"/>
-  <p:tag name="KSO_WM_UNIT_LAYERLEVEL" val="1"/>
-  <p:tag name="KSO_WM_TAG_VERSION" val="1.0"/>
-  <p:tag name="KSO_WM_BEAUTIFY_FLAG" val="#wm#"/>
-</p:tagLst>
-</file>
-
-<file path=ppt/tags/tag109.xml><?xml version="1.0" encoding="utf-8"?>
-<p:tagLst xmlns:p="http://schemas.openxmlformats.org/presentationml/2006/main">
-  <p:tag name="KSO_WM_UNIT_HIGHLIGHT" val="0"/>
-  <p:tag name="KSO_WM_UNIT_COMPATIBLE" val="0"/>
-  <p:tag name="KSO_WM_UNIT_DIAGRAM_ISNUMVISUAL" val="0"/>
-  <p:tag name="KSO_WM_UNIT_DIAGRAM_ISREFERUNIT" val="0"/>
-  <p:tag name="KSO_WM_UNIT_ID" val="_10**"/>
-  <p:tag name="KSO_WM_UNIT_LAYERLEVEL" val="1"/>
-  <p:tag name="KSO_WM_TAG_VERSION" val="1.0"/>
-  <p:tag name="KSO_WM_BEAUTIFY_FLAG" val="#wm#"/>
-</p:tagLst>
-</file>
-
-<file path=ppt/tags/tag11.xml><?xml version="1.0" encoding="utf-8"?>
-<p:tagLst xmlns:p="http://schemas.openxmlformats.org/presentationml/2006/main">
-  <p:tag name="KSO_WM_UNIT_HIGHLIGHT" val="0"/>
-  <p:tag name="KSO_WM_UNIT_COMPATIBLE" val="0"/>
-  <p:tag name="KSO_WM_UNIT_DIAGRAM_ISNUMVISUAL" val="0"/>
-  <p:tag name="KSO_WM_UNIT_DIAGRAM_ISREFERUNIT" val="0"/>
-  <p:tag name="KSO_WM_UNIT_ID" val="_3**"/>
-  <p:tag name="KSO_WM_UNIT_LAYERLEVEL" val="1"/>
-  <p:tag name="KSO_WM_TAG_VERSION" val="1.0"/>
-  <p:tag name="KSO_WM_BEAUTIFY_FLAG" val="#wm#"/>
-</p:tagLst>
-</file>
-
-<file path=ppt/tags/tag110.xml><?xml version="1.0" encoding="utf-8"?>
-<p:tagLst xmlns:p="http://schemas.openxmlformats.org/presentationml/2006/main">
-  <p:tag name="KSO_WM_UNIT_HIGHLIGHT" val="0"/>
-  <p:tag name="KSO_WM_UNIT_COMPATIBLE" val="0"/>
-  <p:tag name="KSO_WM_UNIT_DIAGRAM_ISNUMVISUAL" val="0"/>
-  <p:tag name="KSO_WM_UNIT_DIAGRAM_ISREFERUNIT" val="0"/>
-  <p:tag name="KSO_WM_UNIT_ID" val="_10**"/>
-  <p:tag name="KSO_WM_UNIT_LAYERLEVEL" val="1"/>
-  <p:tag name="KSO_WM_TAG_VERSION" val="1.0"/>
-  <p:tag name="KSO_WM_BEAUTIFY_FLAG" val="#wm#"/>
-</p:tagLst>
-</file>
-
-<file path=ppt/tags/tag111.xml><?xml version="1.0" encoding="utf-8"?>
-<p:tagLst xmlns:p="http://schemas.openxmlformats.org/presentationml/2006/main">
-  <p:tag name="KSO_WM_UNIT_HIGHLIGHT" val="0"/>
-  <p:tag name="KSO_WM_UNIT_COMPATIBLE" val="0"/>
-  <p:tag name="KSO_WM_UNIT_DIAGRAM_ISNUMVISUAL" val="0"/>
-  <p:tag name="KSO_WM_UNIT_DIAGRAM_ISREFERUNIT" val="0"/>
-  <p:tag name="KSO_WM_UNIT_ID" val="_10**"/>
-  <p:tag name="KSO_WM_UNIT_LAYERLEVEL" val="1"/>
-  <p:tag name="KSO_WM_TAG_VERSION" val="1.0"/>
-  <p:tag name="KSO_WM_BEAUTIFY_FLAG" val="#wm#"/>
-</p:tagLst>
-</file>
-
-<file path=ppt/tags/tag112.xml><?xml version="1.0" encoding="utf-8"?>
-<p:tagLst xmlns:p="http://schemas.openxmlformats.org/presentationml/2006/main">
-  <p:tag name="KSO_WM_UNIT_HIGHLIGHT" val="0"/>
-  <p:tag name="KSO_WM_UNIT_COMPATIBLE" val="0"/>
-  <p:tag name="KSO_WM_UNIT_DIAGRAM_ISNUMVISUAL" val="0"/>
-  <p:tag name="KSO_WM_UNIT_DIAGRAM_ISREFERUNIT" val="0"/>
-  <p:tag name="KSO_WM_UNIT_ID" val="_10**"/>
-  <p:tag name="KSO_WM_UNIT_LAYERLEVEL" val="1"/>
-  <p:tag name="KSO_WM_TAG_VERSION" val="1.0"/>
-  <p:tag name="KSO_WM_BEAUTIFY_FLAG" val="#wm#"/>
-</p:tagLst>
-</file>
-
-<file path=ppt/tags/tag113.xml><?xml version="1.0" encoding="utf-8"?>
-<p:tagLst xmlns:p="http://schemas.openxmlformats.org/presentationml/2006/main">
-  <p:tag name="KSO_WM_UNIT_HIGHLIGHT" val="0"/>
-  <p:tag name="KSO_WM_UNIT_COMPATIBLE" val="0"/>
-  <p:tag name="KSO_WM_UNIT_DIAGRAM_ISNUMVISUAL" val="0"/>
-  <p:tag name="KSO_WM_UNIT_DIAGRAM_ISREFERUNIT" val="0"/>
-  <p:tag name="KSO_WM_UNIT_ID" val="_11**"/>
-  <p:tag name="KSO_WM_UNIT_LAYERLEVEL" val="1"/>
-  <p:tag name="KSO_WM_TAG_VERSION" val="1.0"/>
-  <p:tag name="KSO_WM_BEAUTIFY_FLAG" val="#wm#"/>
-</p:tagLst>
-</file>
-
-<file path=ppt/tags/tag114.xml><?xml version="1.0" encoding="utf-8"?>
-<p:tagLst xmlns:p="http://schemas.openxmlformats.org/presentationml/2006/main">
-  <p:tag name="KSO_WM_UNIT_HIGHLIGHT" val="0"/>
-  <p:tag name="KSO_WM_UNIT_COMPATIBLE" val="0"/>
-  <p:tag name="KSO_WM_UNIT_DIAGRAM_ISNUMVISUAL" val="0"/>
-  <p:tag name="KSO_WM_UNIT_DIAGRAM_ISREFERUNIT" val="0"/>
-  <p:tag name="KSO_WM_UNIT_ID" val="_11**"/>
-  <p:tag name="KSO_WM_UNIT_LAYERLEVEL" val="1"/>
-  <p:tag name="KSO_WM_TAG_VERSION" val="1.0"/>
-  <p:tag name="KSO_WM_BEAUTIFY_FLAG" val="#wm#"/>
-</p:tagLst>
-</file>
-
-<file path=ppt/tags/tag115.xml><?xml version="1.0" encoding="utf-8"?>
-<p:tagLst xmlns:p="http://schemas.openxmlformats.org/presentationml/2006/main">
-  <p:tag name="KSO_WM_UNIT_HIGHLIGHT" val="0"/>
-  <p:tag name="KSO_WM_UNIT_COMPATIBLE" val="0"/>
-  <p:tag name="KSO_WM_UNIT_DIAGRAM_ISNUMVISUAL" val="0"/>
-  <p:tag name="KSO_WM_UNIT_DIAGRAM_ISREFERUNIT" val="0"/>
-  <p:tag name="KSO_WM_UNIT_ID" val="_11**"/>
-  <p:tag name="KSO_WM_UNIT_LAYERLEVEL" val="1"/>
-  <p:tag name="KSO_WM_TAG_VERSION" val="1.0"/>
-  <p:tag name="KSO_WM_BEAUTIFY_FLAG" val="#wm#"/>
-</p:tagLst>
-</file>
-
-<file path=ppt/tags/tag116.xml><?xml version="1.0" encoding="utf-8"?>
-<p:tagLst xmlns:p="http://schemas.openxmlformats.org/presentationml/2006/main">
-  <p:tag name="KSO_WM_UNIT_HIGHLIGHT" val="0"/>
-  <p:tag name="KSO_WM_UNIT_COMPATIBLE" val="0"/>
-  <p:tag name="KSO_WM_UNIT_DIAGRAM_ISNUMVISUAL" val="0"/>
-  <p:tag name="KSO_WM_UNIT_DIAGRAM_ISREFERUNIT" val="0"/>
-  <p:tag name="KSO_WM_UNIT_ID" val="_11**"/>
-  <p:tag name="KSO_WM_UNIT_LAYERLEVEL" val="1"/>
-  <p:tag name="KSO_WM_TAG_VERSION" val="1.0"/>
-  <p:tag name="KSO_WM_BEAUTIFY_FLAG" val="#wm#"/>
-</p:tagLst>
-</file>
-
-<file path=ppt/tags/tag117.xml><?xml version="1.0" encoding="utf-8"?>
-<p:tagLst xmlns:p="http://schemas.openxmlformats.org/presentationml/2006/main">
+<p:tagLst xmlns:a="http://schemas.openxmlformats.org/drawingml/2006/main" xmlns:r="http://schemas.openxmlformats.org/officeDocument/2006/relationships" xmlns:p="http://schemas.openxmlformats.org/presentationml/2006/main">
   <p:tag name="KSO_WM_UNIT_HIGHLIGHT" val="0"/>
   <p:tag name="KSO_WM_UNIT_COMPATIBLE" val="0"/>
   <p:tag name="KSO_WM_UNIT_DIAGRAM_ISNUMVISUAL" val="0"/>
@@ -12257,86 +11953,346 @@
 </p:tagLst>
 </file>
 
-<file path=ppt/tags/tag118.xml><?xml version="1.0" encoding="utf-8"?>
-<p:tagLst xmlns:p="http://schemas.openxmlformats.org/presentationml/2006/main">
+<file path=ppt/tags/tag10.xml><?xml version="1.0" encoding="utf-8"?>
+<p:tagLst xmlns:a="http://schemas.openxmlformats.org/drawingml/2006/main" xmlns:r="http://schemas.openxmlformats.org/officeDocument/2006/relationships" xmlns:p="http://schemas.openxmlformats.org/presentationml/2006/main">
   <p:tag name="KSO_WM_UNIT_HIGHLIGHT" val="0"/>
   <p:tag name="KSO_WM_UNIT_COMPATIBLE" val="0"/>
   <p:tag name="KSO_WM_UNIT_DIAGRAM_ISNUMVISUAL" val="0"/>
   <p:tag name="KSO_WM_UNIT_DIAGRAM_ISREFERUNIT" val="0"/>
-  <p:tag name="KSO_WM_UNIT_ID" val="_0**"/>
+  <p:tag name="KSO_WM_UNIT_ID" val="_1**"/>
   <p:tag name="KSO_WM_UNIT_LAYERLEVEL" val="1"/>
   <p:tag name="KSO_WM_TAG_VERSION" val="1.0"/>
   <p:tag name="KSO_WM_BEAUTIFY_FLAG" val="#wm#"/>
-  <p:tag name="KSO_WM_TEMPLATE_CATEGORY" val="custom"/>
-  <p:tag name="KSO_WM_TEMPLATE_INDEX" val="20187308"/>
 </p:tagLst>
 </file>
 
-<file path=ppt/tags/tag119.xml><?xml version="1.0" encoding="utf-8"?>
-<p:tagLst xmlns:p="http://schemas.openxmlformats.org/presentationml/2006/main">
+<file path=ppt/tags/tag100.xml><?xml version="1.0" encoding="utf-8"?>
+<p:tagLst xmlns:a="http://schemas.openxmlformats.org/drawingml/2006/main" xmlns:r="http://schemas.openxmlformats.org/officeDocument/2006/relationships" xmlns:p="http://schemas.openxmlformats.org/presentationml/2006/main">
   <p:tag name="KSO_WM_UNIT_HIGHLIGHT" val="0"/>
   <p:tag name="KSO_WM_UNIT_COMPATIBLE" val="0"/>
   <p:tag name="KSO_WM_UNIT_DIAGRAM_ISNUMVISUAL" val="0"/>
   <p:tag name="KSO_WM_UNIT_DIAGRAM_ISREFERUNIT" val="0"/>
-  <p:tag name="KSO_WM_UNIT_ID" val="_0**"/>
+  <p:tag name="KSO_WM_UNIT_ID" val="_6**"/>
   <p:tag name="KSO_WM_UNIT_LAYERLEVEL" val="1"/>
   <p:tag name="KSO_WM_TAG_VERSION" val="1.0"/>
   <p:tag name="KSO_WM_BEAUTIFY_FLAG" val="#wm#"/>
 </p:tagLst>
 </file>
 
-<file path=ppt/tags/tag12.xml><?xml version="1.0" encoding="utf-8"?>
-<p:tagLst xmlns:p="http://schemas.openxmlformats.org/presentationml/2006/main">
+<file path=ppt/tags/tag101.xml><?xml version="1.0" encoding="utf-8"?>
+<p:tagLst xmlns:a="http://schemas.openxmlformats.org/drawingml/2006/main" xmlns:r="http://schemas.openxmlformats.org/officeDocument/2006/relationships" xmlns:p="http://schemas.openxmlformats.org/presentationml/2006/main">
   <p:tag name="KSO_WM_UNIT_HIGHLIGHT" val="0"/>
   <p:tag name="KSO_WM_UNIT_COMPATIBLE" val="0"/>
   <p:tag name="KSO_WM_UNIT_DIAGRAM_ISNUMVISUAL" val="0"/>
   <p:tag name="KSO_WM_UNIT_DIAGRAM_ISREFERUNIT" val="0"/>
-  <p:tag name="KSO_WM_UNIT_ID" val="_3**"/>
+  <p:tag name="KSO_WM_UNIT_ID" val="_7**"/>
   <p:tag name="KSO_WM_UNIT_LAYERLEVEL" val="1"/>
   <p:tag name="KSO_WM_TAG_VERSION" val="1.0"/>
   <p:tag name="KSO_WM_BEAUTIFY_FLAG" val="#wm#"/>
 </p:tagLst>
 </file>
 
-<file path=ppt/tags/tag120.xml><?xml version="1.0" encoding="utf-8"?>
-<p:tagLst xmlns:p="http://schemas.openxmlformats.org/presentationml/2006/main">
+<file path=ppt/tags/tag102.xml><?xml version="1.0" encoding="utf-8"?>
+<p:tagLst xmlns:a="http://schemas.openxmlformats.org/drawingml/2006/main" xmlns:r="http://schemas.openxmlformats.org/officeDocument/2006/relationships" xmlns:p="http://schemas.openxmlformats.org/presentationml/2006/main">
   <p:tag name="KSO_WM_UNIT_HIGHLIGHT" val="0"/>
   <p:tag name="KSO_WM_UNIT_COMPATIBLE" val="0"/>
   <p:tag name="KSO_WM_UNIT_DIAGRAM_ISNUMVISUAL" val="0"/>
   <p:tag name="KSO_WM_UNIT_DIAGRAM_ISREFERUNIT" val="0"/>
-  <p:tag name="KSO_WM_UNIT_ID" val="_0**"/>
+  <p:tag name="KSO_WM_UNIT_ID" val="_7**"/>
   <p:tag name="KSO_WM_UNIT_LAYERLEVEL" val="1"/>
   <p:tag name="KSO_WM_TAG_VERSION" val="1.0"/>
   <p:tag name="KSO_WM_BEAUTIFY_FLAG" val="#wm#"/>
 </p:tagLst>
 </file>
 
-<file path=ppt/tags/tag121.xml><?xml version="1.0" encoding="utf-8"?>
-<p:tagLst xmlns:p="http://schemas.openxmlformats.org/presentationml/2006/main">
+<file path=ppt/tags/tag103.xml><?xml version="1.0" encoding="utf-8"?>
+<p:tagLst xmlns:a="http://schemas.openxmlformats.org/drawingml/2006/main" xmlns:r="http://schemas.openxmlformats.org/officeDocument/2006/relationships" xmlns:p="http://schemas.openxmlformats.org/presentationml/2006/main">
   <p:tag name="KSO_WM_UNIT_HIGHLIGHT" val="0"/>
   <p:tag name="KSO_WM_UNIT_COMPATIBLE" val="0"/>
   <p:tag name="KSO_WM_UNIT_DIAGRAM_ISNUMVISUAL" val="0"/>
   <p:tag name="KSO_WM_UNIT_DIAGRAM_ISREFERUNIT" val="0"/>
-  <p:tag name="KSO_WM_UNIT_ID" val="_0**"/>
+  <p:tag name="KSO_WM_UNIT_ID" val="_7**"/>
   <p:tag name="KSO_WM_UNIT_LAYERLEVEL" val="1"/>
   <p:tag name="KSO_WM_TAG_VERSION" val="1.0"/>
   <p:tag name="KSO_WM_BEAUTIFY_FLAG" val="#wm#"/>
 </p:tagLst>
 </file>
 
-<file path=ppt/tags/tag122.xml><?xml version="1.0" encoding="utf-8"?>
-<p:tagLst xmlns:p="http://schemas.openxmlformats.org/presentationml/2006/main">
-  <p:tag name="KSO_WM_TEMPLATE_THUMBS_INDEX" val="1、2、3、6、8、10、11、12、15"/>
-  <p:tag name="KSO_WM_TEMPLATE_SUBCATEGORY" val="0"/>
+<file path=ppt/tags/tag104.xml><?xml version="1.0" encoding="utf-8"?>
+<p:tagLst xmlns:a="http://schemas.openxmlformats.org/drawingml/2006/main" xmlns:r="http://schemas.openxmlformats.org/officeDocument/2006/relationships" xmlns:p="http://schemas.openxmlformats.org/presentationml/2006/main">
+  <p:tag name="KSO_WM_UNIT_HIGHLIGHT" val="0"/>
+  <p:tag name="KSO_WM_UNIT_COMPATIBLE" val="0"/>
+  <p:tag name="KSO_WM_UNIT_DIAGRAM_ISNUMVISUAL" val="0"/>
+  <p:tag name="KSO_WM_UNIT_DIAGRAM_ISREFERUNIT" val="0"/>
+  <p:tag name="KSO_WM_UNIT_ID" val="_8**"/>
+  <p:tag name="KSO_WM_UNIT_LAYERLEVEL" val="1"/>
   <p:tag name="KSO_WM_TAG_VERSION" val="1.0"/>
   <p:tag name="KSO_WM_BEAUTIFY_FLAG" val="#wm#"/>
-  <p:tag name="KSO_WM_TEMPLATE_CATEGORY" val="custom"/>
-  <p:tag name="KSO_WM_TEMPLATE_INDEX" val="20187308"/>
 </p:tagLst>
 </file>
 
+<file path=ppt/tags/tag105.xml><?xml version="1.0" encoding="utf-8"?>
+<p:tagLst xmlns:a="http://schemas.openxmlformats.org/drawingml/2006/main" xmlns:r="http://schemas.openxmlformats.org/officeDocument/2006/relationships" xmlns:p="http://schemas.openxmlformats.org/presentationml/2006/main">
+  <p:tag name="KSO_WM_UNIT_HIGHLIGHT" val="0"/>
+  <p:tag name="KSO_WM_UNIT_COMPATIBLE" val="0"/>
+  <p:tag name="KSO_WM_UNIT_DIAGRAM_ISNUMVISUAL" val="0"/>
+  <p:tag name="KSO_WM_UNIT_DIAGRAM_ISREFERUNIT" val="0"/>
+  <p:tag name="KSO_WM_UNIT_ID" val="_8**"/>
+  <p:tag name="KSO_WM_UNIT_LAYERLEVEL" val="1"/>
+  <p:tag name="KSO_WM_TAG_VERSION" val="1.0"/>
+  <p:tag name="KSO_WM_BEAUTIFY_FLAG" val="#wm#"/>
+</p:tagLst>
+</file>
+
+<file path=ppt/tags/tag106.xml><?xml version="1.0" encoding="utf-8"?>
+<p:tagLst xmlns:a="http://schemas.openxmlformats.org/drawingml/2006/main" xmlns:r="http://schemas.openxmlformats.org/officeDocument/2006/relationships" xmlns:p="http://schemas.openxmlformats.org/presentationml/2006/main">
+  <p:tag name="KSO_WM_UNIT_HIGHLIGHT" val="0"/>
+  <p:tag name="KSO_WM_UNIT_COMPATIBLE" val="0"/>
+  <p:tag name="KSO_WM_UNIT_DIAGRAM_ISNUMVISUAL" val="0"/>
+  <p:tag name="KSO_WM_UNIT_DIAGRAM_ISREFERUNIT" val="0"/>
+  <p:tag name="KSO_WM_UNIT_ID" val="_8**"/>
+  <p:tag name="KSO_WM_UNIT_LAYERLEVEL" val="1"/>
+  <p:tag name="KSO_WM_TAG_VERSION" val="1.0"/>
+  <p:tag name="KSO_WM_BEAUTIFY_FLAG" val="#wm#"/>
+</p:tagLst>
+</file>
+
+<file path=ppt/tags/tag107.xml><?xml version="1.0" encoding="utf-8"?>
+<p:tagLst xmlns:a="http://schemas.openxmlformats.org/drawingml/2006/main" xmlns:r="http://schemas.openxmlformats.org/officeDocument/2006/relationships" xmlns:p="http://schemas.openxmlformats.org/presentationml/2006/main">
+  <p:tag name="KSO_WM_UNIT_HIGHLIGHT" val="0"/>
+  <p:tag name="KSO_WM_UNIT_COMPATIBLE" val="0"/>
+  <p:tag name="KSO_WM_UNIT_DIAGRAM_ISNUMVISUAL" val="0"/>
+  <p:tag name="KSO_WM_UNIT_DIAGRAM_ISREFERUNIT" val="0"/>
+  <p:tag name="KSO_WM_UNIT_ID" val="_8**"/>
+  <p:tag name="KSO_WM_UNIT_LAYERLEVEL" val="1"/>
+  <p:tag name="KSO_WM_TAG_VERSION" val="1.0"/>
+  <p:tag name="KSO_WM_BEAUTIFY_FLAG" val="#wm#"/>
+</p:tagLst>
+</file>
+
+<file path=ppt/tags/tag108.xml><?xml version="1.0" encoding="utf-8"?>
+<p:tagLst xmlns:a="http://schemas.openxmlformats.org/drawingml/2006/main" xmlns:r="http://schemas.openxmlformats.org/officeDocument/2006/relationships" xmlns:p="http://schemas.openxmlformats.org/presentationml/2006/main">
+  <p:tag name="KSO_WM_UNIT_HIGHLIGHT" val="0"/>
+  <p:tag name="KSO_WM_UNIT_COMPATIBLE" val="0"/>
+  <p:tag name="KSO_WM_UNIT_DIAGRAM_ISNUMVISUAL" val="0"/>
+  <p:tag name="KSO_WM_UNIT_DIAGRAM_ISREFERUNIT" val="0"/>
+  <p:tag name="KSO_WM_UNIT_ID" val="_8**"/>
+  <p:tag name="KSO_WM_UNIT_LAYERLEVEL" val="1"/>
+  <p:tag name="KSO_WM_TAG_VERSION" val="1.0"/>
+  <p:tag name="KSO_WM_BEAUTIFY_FLAG" val="#wm#"/>
+</p:tagLst>
+</file>
+
+<file path=ppt/tags/tag109.xml><?xml version="1.0" encoding="utf-8"?>
+<p:tagLst xmlns:a="http://schemas.openxmlformats.org/drawingml/2006/main" xmlns:r="http://schemas.openxmlformats.org/officeDocument/2006/relationships" xmlns:p="http://schemas.openxmlformats.org/presentationml/2006/main">
+  <p:tag name="KSO_WM_UNIT_HIGHLIGHT" val="0"/>
+  <p:tag name="KSO_WM_UNIT_COMPATIBLE" val="0"/>
+  <p:tag name="KSO_WM_UNIT_DIAGRAM_ISNUMVISUAL" val="0"/>
+  <p:tag name="KSO_WM_UNIT_DIAGRAM_ISREFERUNIT" val="0"/>
+  <p:tag name="KSO_WM_UNIT_ID" val="_8**"/>
+  <p:tag name="KSO_WM_UNIT_LAYERLEVEL" val="1"/>
+  <p:tag name="KSO_WM_TAG_VERSION" val="1.0"/>
+  <p:tag name="KSO_WM_BEAUTIFY_FLAG" val="#wm#"/>
+</p:tagLst>
+</file>
+
+<file path=ppt/tags/tag11.xml><?xml version="1.0" encoding="utf-8"?>
+<p:tagLst xmlns:a="http://schemas.openxmlformats.org/drawingml/2006/main" xmlns:r="http://schemas.openxmlformats.org/officeDocument/2006/relationships" xmlns:p="http://schemas.openxmlformats.org/presentationml/2006/main">
+  <p:tag name="KSO_WM_UNIT_HIGHLIGHT" val="0"/>
+  <p:tag name="KSO_WM_UNIT_COMPATIBLE" val="0"/>
+  <p:tag name="KSO_WM_UNIT_DIAGRAM_ISNUMVISUAL" val="0"/>
+  <p:tag name="KSO_WM_UNIT_DIAGRAM_ISREFERUNIT" val="0"/>
+  <p:tag name="KSO_WM_UNIT_ID" val="_1**"/>
+  <p:tag name="KSO_WM_UNIT_LAYERLEVEL" val="1"/>
+  <p:tag name="KSO_WM_TAG_VERSION" val="1.0"/>
+  <p:tag name="KSO_WM_BEAUTIFY_FLAG" val="#wm#"/>
+</p:tagLst>
+</file>
+
+<file path=ppt/tags/tag110.xml><?xml version="1.0" encoding="utf-8"?>
+<p:tagLst xmlns:a="http://schemas.openxmlformats.org/drawingml/2006/main" xmlns:r="http://schemas.openxmlformats.org/officeDocument/2006/relationships" xmlns:p="http://schemas.openxmlformats.org/presentationml/2006/main">
+  <p:tag name="KSO_WM_UNIT_HIGHLIGHT" val="0"/>
+  <p:tag name="KSO_WM_UNIT_COMPATIBLE" val="0"/>
+  <p:tag name="KSO_WM_UNIT_DIAGRAM_ISNUMVISUAL" val="0"/>
+  <p:tag name="KSO_WM_UNIT_DIAGRAM_ISREFERUNIT" val="0"/>
+  <p:tag name="KSO_WM_UNIT_ID" val="_9**"/>
+  <p:tag name="KSO_WM_UNIT_LAYERLEVEL" val="1"/>
+  <p:tag name="KSO_WM_TAG_VERSION" val="1.0"/>
+  <p:tag name="KSO_WM_BEAUTIFY_FLAG" val="#wm#"/>
+</p:tagLst>
+</file>
+
+<file path=ppt/tags/tag111.xml><?xml version="1.0" encoding="utf-8"?>
+<p:tagLst xmlns:a="http://schemas.openxmlformats.org/drawingml/2006/main" xmlns:r="http://schemas.openxmlformats.org/officeDocument/2006/relationships" xmlns:p="http://schemas.openxmlformats.org/presentationml/2006/main">
+  <p:tag name="KSO_WM_UNIT_HIGHLIGHT" val="0"/>
+  <p:tag name="KSO_WM_UNIT_COMPATIBLE" val="0"/>
+  <p:tag name="KSO_WM_UNIT_DIAGRAM_ISNUMVISUAL" val="0"/>
+  <p:tag name="KSO_WM_UNIT_DIAGRAM_ISREFERUNIT" val="0"/>
+  <p:tag name="KSO_WM_UNIT_ID" val="_9**"/>
+  <p:tag name="KSO_WM_UNIT_LAYERLEVEL" val="1"/>
+  <p:tag name="KSO_WM_TAG_VERSION" val="1.0"/>
+  <p:tag name="KSO_WM_BEAUTIFY_FLAG" val="#wm#"/>
+</p:tagLst>
+</file>
+
+<file path=ppt/tags/tag112.xml><?xml version="1.0" encoding="utf-8"?>
+<p:tagLst xmlns:a="http://schemas.openxmlformats.org/drawingml/2006/main" xmlns:r="http://schemas.openxmlformats.org/officeDocument/2006/relationships" xmlns:p="http://schemas.openxmlformats.org/presentationml/2006/main">
+  <p:tag name="KSO_WM_UNIT_HIGHLIGHT" val="0"/>
+  <p:tag name="KSO_WM_UNIT_COMPATIBLE" val="0"/>
+  <p:tag name="KSO_WM_UNIT_DIAGRAM_ISNUMVISUAL" val="0"/>
+  <p:tag name="KSO_WM_UNIT_DIAGRAM_ISREFERUNIT" val="0"/>
+  <p:tag name="KSO_WM_UNIT_ID" val="_9**"/>
+  <p:tag name="KSO_WM_UNIT_LAYERLEVEL" val="1"/>
+  <p:tag name="KSO_WM_TAG_VERSION" val="1.0"/>
+  <p:tag name="KSO_WM_BEAUTIFY_FLAG" val="#wm#"/>
+</p:tagLst>
+</file>
+
+<file path=ppt/tags/tag113.xml><?xml version="1.0" encoding="utf-8"?>
+<p:tagLst xmlns:a="http://schemas.openxmlformats.org/drawingml/2006/main" xmlns:r="http://schemas.openxmlformats.org/officeDocument/2006/relationships" xmlns:p="http://schemas.openxmlformats.org/presentationml/2006/main">
+  <p:tag name="KSO_WM_UNIT_HIGHLIGHT" val="0"/>
+  <p:tag name="KSO_WM_UNIT_COMPATIBLE" val="0"/>
+  <p:tag name="KSO_WM_UNIT_DIAGRAM_ISNUMVISUAL" val="0"/>
+  <p:tag name="KSO_WM_UNIT_DIAGRAM_ISREFERUNIT" val="0"/>
+  <p:tag name="KSO_WM_UNIT_ID" val="_9**"/>
+  <p:tag name="KSO_WM_UNIT_LAYERLEVEL" val="1"/>
+  <p:tag name="KSO_WM_TAG_VERSION" val="1.0"/>
+  <p:tag name="KSO_WM_BEAUTIFY_FLAG" val="#wm#"/>
+</p:tagLst>
+</file>
+
+<file path=ppt/tags/tag114.xml><?xml version="1.0" encoding="utf-8"?>
+<p:tagLst xmlns:a="http://schemas.openxmlformats.org/drawingml/2006/main" xmlns:r="http://schemas.openxmlformats.org/officeDocument/2006/relationships" xmlns:p="http://schemas.openxmlformats.org/presentationml/2006/main">
+  <p:tag name="KSO_WM_UNIT_HIGHLIGHT" val="0"/>
+  <p:tag name="KSO_WM_UNIT_COMPATIBLE" val="0"/>
+  <p:tag name="KSO_WM_UNIT_DIAGRAM_ISNUMVISUAL" val="0"/>
+  <p:tag name="KSO_WM_UNIT_DIAGRAM_ISREFERUNIT" val="0"/>
+  <p:tag name="KSO_WM_UNIT_ID" val="_9**"/>
+  <p:tag name="KSO_WM_UNIT_LAYERLEVEL" val="1"/>
+  <p:tag name="KSO_WM_TAG_VERSION" val="1.0"/>
+  <p:tag name="KSO_WM_BEAUTIFY_FLAG" val="#wm#"/>
+</p:tagLst>
+</file>
+
+<file path=ppt/tags/tag115.xml><?xml version="1.0" encoding="utf-8"?>
+<p:tagLst xmlns:a="http://schemas.openxmlformats.org/drawingml/2006/main" xmlns:r="http://schemas.openxmlformats.org/officeDocument/2006/relationships" xmlns:p="http://schemas.openxmlformats.org/presentationml/2006/main">
+  <p:tag name="KSO_WM_UNIT_HIGHLIGHT" val="0"/>
+  <p:tag name="KSO_WM_UNIT_COMPATIBLE" val="0"/>
+  <p:tag name="KSO_WM_UNIT_DIAGRAM_ISNUMVISUAL" val="0"/>
+  <p:tag name="KSO_WM_UNIT_DIAGRAM_ISREFERUNIT" val="0"/>
+  <p:tag name="KSO_WM_UNIT_ID" val="_10**"/>
+  <p:tag name="KSO_WM_UNIT_LAYERLEVEL" val="1"/>
+  <p:tag name="KSO_WM_TAG_VERSION" val="1.0"/>
+  <p:tag name="KSO_WM_BEAUTIFY_FLAG" val="#wm#"/>
+</p:tagLst>
+</file>
+
+<file path=ppt/tags/tag116.xml><?xml version="1.0" encoding="utf-8"?>
+<p:tagLst xmlns:a="http://schemas.openxmlformats.org/drawingml/2006/main" xmlns:r="http://schemas.openxmlformats.org/officeDocument/2006/relationships" xmlns:p="http://schemas.openxmlformats.org/presentationml/2006/main">
+  <p:tag name="KSO_WM_UNIT_HIGHLIGHT" val="0"/>
+  <p:tag name="KSO_WM_UNIT_COMPATIBLE" val="0"/>
+  <p:tag name="KSO_WM_UNIT_DIAGRAM_ISNUMVISUAL" val="0"/>
+  <p:tag name="KSO_WM_UNIT_DIAGRAM_ISREFERUNIT" val="0"/>
+  <p:tag name="KSO_WM_UNIT_ID" val="_10**"/>
+  <p:tag name="KSO_WM_UNIT_LAYERLEVEL" val="1"/>
+  <p:tag name="KSO_WM_TAG_VERSION" val="1.0"/>
+  <p:tag name="KSO_WM_BEAUTIFY_FLAG" val="#wm#"/>
+</p:tagLst>
+</file>
+
+<file path=ppt/tags/tag117.xml><?xml version="1.0" encoding="utf-8"?>
+<p:tagLst xmlns:a="http://schemas.openxmlformats.org/drawingml/2006/main" xmlns:r="http://schemas.openxmlformats.org/officeDocument/2006/relationships" xmlns:p="http://schemas.openxmlformats.org/presentationml/2006/main">
+  <p:tag name="KSO_WM_UNIT_HIGHLIGHT" val="0"/>
+  <p:tag name="KSO_WM_UNIT_COMPATIBLE" val="0"/>
+  <p:tag name="KSO_WM_UNIT_DIAGRAM_ISNUMVISUAL" val="0"/>
+  <p:tag name="KSO_WM_UNIT_DIAGRAM_ISREFERUNIT" val="0"/>
+  <p:tag name="KSO_WM_UNIT_ID" val="_10**"/>
+  <p:tag name="KSO_WM_UNIT_LAYERLEVEL" val="1"/>
+  <p:tag name="KSO_WM_TAG_VERSION" val="1.0"/>
+  <p:tag name="KSO_WM_BEAUTIFY_FLAG" val="#wm#"/>
+</p:tagLst>
+</file>
+
+<file path=ppt/tags/tag118.xml><?xml version="1.0" encoding="utf-8"?>
+<p:tagLst xmlns:a="http://schemas.openxmlformats.org/drawingml/2006/main" xmlns:r="http://schemas.openxmlformats.org/officeDocument/2006/relationships" xmlns:p="http://schemas.openxmlformats.org/presentationml/2006/main">
+  <p:tag name="KSO_WM_UNIT_HIGHLIGHT" val="0"/>
+  <p:tag name="KSO_WM_UNIT_COMPATIBLE" val="0"/>
+  <p:tag name="KSO_WM_UNIT_DIAGRAM_ISNUMVISUAL" val="0"/>
+  <p:tag name="KSO_WM_UNIT_DIAGRAM_ISREFERUNIT" val="0"/>
+  <p:tag name="KSO_WM_UNIT_ID" val="_10**"/>
+  <p:tag name="KSO_WM_UNIT_LAYERLEVEL" val="1"/>
+  <p:tag name="KSO_WM_TAG_VERSION" val="1.0"/>
+  <p:tag name="KSO_WM_BEAUTIFY_FLAG" val="#wm#"/>
+</p:tagLst>
+</file>
+
+<file path=ppt/tags/tag119.xml><?xml version="1.0" encoding="utf-8"?>
+<p:tagLst xmlns:a="http://schemas.openxmlformats.org/drawingml/2006/main" xmlns:r="http://schemas.openxmlformats.org/officeDocument/2006/relationships" xmlns:p="http://schemas.openxmlformats.org/presentationml/2006/main">
+  <p:tag name="KSO_WM_UNIT_HIGHLIGHT" val="0"/>
+  <p:tag name="KSO_WM_UNIT_COMPATIBLE" val="0"/>
+  <p:tag name="KSO_WM_UNIT_DIAGRAM_ISNUMVISUAL" val="0"/>
+  <p:tag name="KSO_WM_UNIT_DIAGRAM_ISREFERUNIT" val="0"/>
+  <p:tag name="KSO_WM_UNIT_ID" val="_11**"/>
+  <p:tag name="KSO_WM_UNIT_LAYERLEVEL" val="1"/>
+  <p:tag name="KSO_WM_TAG_VERSION" val="1.0"/>
+  <p:tag name="KSO_WM_BEAUTIFY_FLAG" val="#wm#"/>
+</p:tagLst>
+</file>
+
+<file path=ppt/tags/tag12.xml><?xml version="1.0" encoding="utf-8"?>
+<p:tagLst xmlns:a="http://schemas.openxmlformats.org/drawingml/2006/main" xmlns:r="http://schemas.openxmlformats.org/officeDocument/2006/relationships" xmlns:p="http://schemas.openxmlformats.org/presentationml/2006/main">
+  <p:tag name="KSO_WM_UNIT_HIGHLIGHT" val="0"/>
+  <p:tag name="KSO_WM_UNIT_COMPATIBLE" val="0"/>
+  <p:tag name="KSO_WM_UNIT_DIAGRAM_ISNUMVISUAL" val="0"/>
+  <p:tag name="KSO_WM_UNIT_DIAGRAM_ISREFERUNIT" val="0"/>
+  <p:tag name="KSO_WM_UNIT_ID" val="_2**"/>
+  <p:tag name="KSO_WM_UNIT_LAYERLEVEL" val="1"/>
+  <p:tag name="KSO_WM_TAG_VERSION" val="1.0"/>
+  <p:tag name="KSO_WM_BEAUTIFY_FLAG" val="#wm#"/>
+</p:tagLst>
+</file>
+
+<file path=ppt/tags/tag120.xml><?xml version="1.0" encoding="utf-8"?>
+<p:tagLst xmlns:a="http://schemas.openxmlformats.org/drawingml/2006/main" xmlns:r="http://schemas.openxmlformats.org/officeDocument/2006/relationships" xmlns:p="http://schemas.openxmlformats.org/presentationml/2006/main">
+  <p:tag name="KSO_WM_UNIT_HIGHLIGHT" val="0"/>
+  <p:tag name="KSO_WM_UNIT_COMPATIBLE" val="0"/>
+  <p:tag name="KSO_WM_UNIT_DIAGRAM_ISNUMVISUAL" val="0"/>
+  <p:tag name="KSO_WM_UNIT_DIAGRAM_ISREFERUNIT" val="0"/>
+  <p:tag name="KSO_WM_UNIT_ID" val="_11**"/>
+  <p:tag name="KSO_WM_UNIT_LAYERLEVEL" val="1"/>
+  <p:tag name="KSO_WM_TAG_VERSION" val="1.0"/>
+  <p:tag name="KSO_WM_BEAUTIFY_FLAG" val="#wm#"/>
+</p:tagLst>
+</file>
+
+<file path=ppt/tags/tag121.xml><?xml version="1.0" encoding="utf-8"?>
+<p:tagLst xmlns:a="http://schemas.openxmlformats.org/drawingml/2006/main" xmlns:r="http://schemas.openxmlformats.org/officeDocument/2006/relationships" xmlns:p="http://schemas.openxmlformats.org/presentationml/2006/main">
+  <p:tag name="KSO_WM_UNIT_HIGHLIGHT" val="0"/>
+  <p:tag name="KSO_WM_UNIT_COMPATIBLE" val="0"/>
+  <p:tag name="KSO_WM_UNIT_DIAGRAM_ISNUMVISUAL" val="0"/>
+  <p:tag name="KSO_WM_UNIT_DIAGRAM_ISREFERUNIT" val="0"/>
+  <p:tag name="KSO_WM_UNIT_ID" val="_11**"/>
+  <p:tag name="KSO_WM_UNIT_LAYERLEVEL" val="1"/>
+  <p:tag name="KSO_WM_TAG_VERSION" val="1.0"/>
+  <p:tag name="KSO_WM_BEAUTIFY_FLAG" val="#wm#"/>
+</p:tagLst>
+</file>
+
+<file path=ppt/tags/tag122.xml><?xml version="1.0" encoding="utf-8"?>
+<p:tagLst xmlns:a="http://schemas.openxmlformats.org/drawingml/2006/main" xmlns:r="http://schemas.openxmlformats.org/officeDocument/2006/relationships" xmlns:p="http://schemas.openxmlformats.org/presentationml/2006/main">
+  <p:tag name="KSO_WM_UNIT_HIGHLIGHT" val="0"/>
+  <p:tag name="KSO_WM_UNIT_COMPATIBLE" val="0"/>
+  <p:tag name="KSO_WM_UNIT_DIAGRAM_ISNUMVISUAL" val="0"/>
+  <p:tag name="KSO_WM_UNIT_DIAGRAM_ISREFERUNIT" val="0"/>
+  <p:tag name="KSO_WM_UNIT_ID" val="_11**"/>
+  <p:tag name="KSO_WM_UNIT_LAYERLEVEL" val="1"/>
+  <p:tag name="KSO_WM_TAG_VERSION" val="1.0"/>
+  <p:tag name="KSO_WM_BEAUTIFY_FLAG" val="#wm#"/>
+</p:tagLst>
+</file>
+
 <file path=ppt/tags/tag123.xml><?xml version="1.0" encoding="utf-8"?>
-<p:tagLst xmlns:p="http://schemas.openxmlformats.org/presentationml/2006/main">
+<p:tagLst xmlns:a="http://schemas.openxmlformats.org/drawingml/2006/main" xmlns:r="http://schemas.openxmlformats.org/officeDocument/2006/relationships" xmlns:p="http://schemas.openxmlformats.org/presentationml/2006/main">
   <p:tag name="KSO_WM_TEMPLATE_THUMBS_INDEX" val="1、2、3、6、8、10、11、12、15"/>
   <p:tag name="KSO_WM_SLIDE_ID" val="custom20187308_1"/>
   <p:tag name="KSO_WM_TEMPLATE_SUBCATEGORY" val="0"/>
@@ -12354,7 +12310,7 @@
 </file>
 
 <file path=ppt/tags/tag124.xml><?xml version="1.0" encoding="utf-8"?>
-<p:tagLst xmlns:p="http://schemas.openxmlformats.org/presentationml/2006/main">
+<p:tagLst xmlns:a="http://schemas.openxmlformats.org/drawingml/2006/main" xmlns:r="http://schemas.openxmlformats.org/officeDocument/2006/relationships" xmlns:p="http://schemas.openxmlformats.org/presentationml/2006/main">
   <p:tag name="KSO_WM_TEMPLATE_THUMBS_INDEX" val="1、2、3、6、8、10、11、12、15"/>
   <p:tag name="KSO_WM_SLIDE_ID" val="custom20187308_1"/>
   <p:tag name="KSO_WM_TEMPLATE_SUBCATEGORY" val="0"/>
@@ -12372,7 +12328,7 @@
 </file>
 
 <file path=ppt/tags/tag125.xml><?xml version="1.0" encoding="utf-8"?>
-<p:tagLst xmlns:p="http://schemas.openxmlformats.org/presentationml/2006/main">
+<p:tagLst xmlns:a="http://schemas.openxmlformats.org/drawingml/2006/main" xmlns:r="http://schemas.openxmlformats.org/officeDocument/2006/relationships" xmlns:p="http://schemas.openxmlformats.org/presentationml/2006/main">
   <p:tag name="KSO_WM_TEMPLATE_THUMBS_INDEX" val="1、2、3、6、8、10、11、12、15"/>
   <p:tag name="KSO_WM_SLIDE_ID" val="custom20187308_1"/>
   <p:tag name="KSO_WM_TEMPLATE_SUBCATEGORY" val="0"/>
@@ -12390,7 +12346,59 @@
 </file>
 
 <file path=ppt/tags/tag13.xml><?xml version="1.0" encoding="utf-8"?>
-<p:tagLst xmlns:p="http://schemas.openxmlformats.org/presentationml/2006/main">
+<p:tagLst xmlns:a="http://schemas.openxmlformats.org/drawingml/2006/main" xmlns:r="http://schemas.openxmlformats.org/officeDocument/2006/relationships" xmlns:p="http://schemas.openxmlformats.org/presentationml/2006/main">
+  <p:tag name="KSO_WM_UNIT_HIGHLIGHT" val="0"/>
+  <p:tag name="KSO_WM_UNIT_COMPATIBLE" val="0"/>
+  <p:tag name="KSO_WM_UNIT_DIAGRAM_ISNUMVISUAL" val="0"/>
+  <p:tag name="KSO_WM_UNIT_DIAGRAM_ISREFERUNIT" val="0"/>
+  <p:tag name="KSO_WM_UNIT_ID" val="_2**"/>
+  <p:tag name="KSO_WM_UNIT_LAYERLEVEL" val="1"/>
+  <p:tag name="KSO_WM_TAG_VERSION" val="1.0"/>
+  <p:tag name="KSO_WM_BEAUTIFY_FLAG" val="#wm#"/>
+</p:tagLst>
+</file>
+
+<file path=ppt/tags/tag14.xml><?xml version="1.0" encoding="utf-8"?>
+<p:tagLst xmlns:a="http://schemas.openxmlformats.org/drawingml/2006/main" xmlns:r="http://schemas.openxmlformats.org/officeDocument/2006/relationships" xmlns:p="http://schemas.openxmlformats.org/presentationml/2006/main">
+  <p:tag name="KSO_WM_UNIT_HIGHLIGHT" val="0"/>
+  <p:tag name="KSO_WM_UNIT_COMPATIBLE" val="0"/>
+  <p:tag name="KSO_WM_UNIT_DIAGRAM_ISNUMVISUAL" val="0"/>
+  <p:tag name="KSO_WM_UNIT_DIAGRAM_ISREFERUNIT" val="0"/>
+  <p:tag name="KSO_WM_UNIT_ID" val="_2**"/>
+  <p:tag name="KSO_WM_UNIT_LAYERLEVEL" val="1"/>
+  <p:tag name="KSO_WM_TAG_VERSION" val="1.0"/>
+  <p:tag name="KSO_WM_BEAUTIFY_FLAG" val="#wm#"/>
+</p:tagLst>
+</file>
+
+<file path=ppt/tags/tag15.xml><?xml version="1.0" encoding="utf-8"?>
+<p:tagLst xmlns:a="http://schemas.openxmlformats.org/drawingml/2006/main" xmlns:r="http://schemas.openxmlformats.org/officeDocument/2006/relationships" xmlns:p="http://schemas.openxmlformats.org/presentationml/2006/main">
+  <p:tag name="KSO_WM_UNIT_HIGHLIGHT" val="0"/>
+  <p:tag name="KSO_WM_UNIT_COMPATIBLE" val="0"/>
+  <p:tag name="KSO_WM_UNIT_DIAGRAM_ISNUMVISUAL" val="0"/>
+  <p:tag name="KSO_WM_UNIT_DIAGRAM_ISREFERUNIT" val="0"/>
+  <p:tag name="KSO_WM_UNIT_ID" val="_2**"/>
+  <p:tag name="KSO_WM_UNIT_LAYERLEVEL" val="1"/>
+  <p:tag name="KSO_WM_TAG_VERSION" val="1.0"/>
+  <p:tag name="KSO_WM_BEAUTIFY_FLAG" val="#wm#"/>
+</p:tagLst>
+</file>
+
+<file path=ppt/tags/tag16.xml><?xml version="1.0" encoding="utf-8"?>
+<p:tagLst xmlns:a="http://schemas.openxmlformats.org/drawingml/2006/main" xmlns:r="http://schemas.openxmlformats.org/officeDocument/2006/relationships" xmlns:p="http://schemas.openxmlformats.org/presentationml/2006/main">
+  <p:tag name="KSO_WM_UNIT_HIGHLIGHT" val="0"/>
+  <p:tag name="KSO_WM_UNIT_COMPATIBLE" val="0"/>
+  <p:tag name="KSO_WM_UNIT_DIAGRAM_ISNUMVISUAL" val="0"/>
+  <p:tag name="KSO_WM_UNIT_DIAGRAM_ISREFERUNIT" val="0"/>
+  <p:tag name="KSO_WM_UNIT_ID" val="_2**"/>
+  <p:tag name="KSO_WM_UNIT_LAYERLEVEL" val="1"/>
+  <p:tag name="KSO_WM_TAG_VERSION" val="1.0"/>
+  <p:tag name="KSO_WM_BEAUTIFY_FLAG" val="#wm#"/>
+</p:tagLst>
+</file>
+
+<file path=ppt/tags/tag17.xml><?xml version="1.0" encoding="utf-8"?>
+<p:tagLst xmlns:a="http://schemas.openxmlformats.org/drawingml/2006/main" xmlns:r="http://schemas.openxmlformats.org/officeDocument/2006/relationships" xmlns:p="http://schemas.openxmlformats.org/presentationml/2006/main">
   <p:tag name="KSO_WM_UNIT_HIGHLIGHT" val="0"/>
   <p:tag name="KSO_WM_UNIT_COMPATIBLE" val="0"/>
   <p:tag name="KSO_WM_UNIT_DIAGRAM_ISNUMVISUAL" val="0"/>
@@ -12402,8 +12410,8 @@
 </p:tagLst>
 </file>
 
-<file path=ppt/tags/tag14.xml><?xml version="1.0" encoding="utf-8"?>
-<p:tagLst xmlns:p="http://schemas.openxmlformats.org/presentationml/2006/main">
+<file path=ppt/tags/tag18.xml><?xml version="1.0" encoding="utf-8"?>
+<p:tagLst xmlns:a="http://schemas.openxmlformats.org/drawingml/2006/main" xmlns:r="http://schemas.openxmlformats.org/officeDocument/2006/relationships" xmlns:p="http://schemas.openxmlformats.org/presentationml/2006/main">
   <p:tag name="KSO_WM_UNIT_HIGHLIGHT" val="0"/>
   <p:tag name="KSO_WM_UNIT_COMPATIBLE" val="0"/>
   <p:tag name="KSO_WM_UNIT_DIAGRAM_ISNUMVISUAL" val="0"/>
@@ -12415,8 +12423,8 @@
 </p:tagLst>
 </file>
 
-<file path=ppt/tags/tag15.xml><?xml version="1.0" encoding="utf-8"?>
-<p:tagLst xmlns:p="http://schemas.openxmlformats.org/presentationml/2006/main">
+<file path=ppt/tags/tag19.xml><?xml version="1.0" encoding="utf-8"?>
+<p:tagLst xmlns:a="http://schemas.openxmlformats.org/drawingml/2006/main" xmlns:r="http://schemas.openxmlformats.org/officeDocument/2006/relationships" xmlns:p="http://schemas.openxmlformats.org/presentationml/2006/main">
   <p:tag name="KSO_WM_UNIT_HIGHLIGHT" val="0"/>
   <p:tag name="KSO_WM_UNIT_COMPATIBLE" val="0"/>
   <p:tag name="KSO_WM_UNIT_DIAGRAM_ISNUMVISUAL" val="0"/>
@@ -12428,580 +12436,8 @@
 </p:tagLst>
 </file>
 
-<file path=ppt/tags/tag16.xml><?xml version="1.0" encoding="utf-8"?>
-<p:tagLst xmlns:p="http://schemas.openxmlformats.org/presentationml/2006/main">
-  <p:tag name="KSO_WM_UNIT_HIGHLIGHT" val="0"/>
-  <p:tag name="KSO_WM_UNIT_COMPATIBLE" val="0"/>
-  <p:tag name="KSO_WM_UNIT_DIAGRAM_ISNUMVISUAL" val="0"/>
-  <p:tag name="KSO_WM_UNIT_DIAGRAM_ISREFERUNIT" val="0"/>
-  <p:tag name="KSO_WM_UNIT_ID" val="_4**"/>
-  <p:tag name="KSO_WM_UNIT_LAYERLEVEL" val="1"/>
-  <p:tag name="KSO_WM_TAG_VERSION" val="1.0"/>
-  <p:tag name="KSO_WM_BEAUTIFY_FLAG" val="#wm#"/>
-</p:tagLst>
-</file>
-
-<file path=ppt/tags/tag17.xml><?xml version="1.0" encoding="utf-8"?>
-<p:tagLst xmlns:p="http://schemas.openxmlformats.org/presentationml/2006/main">
-  <p:tag name="KSO_WM_UNIT_HIGHLIGHT" val="0"/>
-  <p:tag name="KSO_WM_UNIT_COMPATIBLE" val="0"/>
-  <p:tag name="KSO_WM_UNIT_DIAGRAM_ISNUMVISUAL" val="0"/>
-  <p:tag name="KSO_WM_UNIT_DIAGRAM_ISREFERUNIT" val="0"/>
-  <p:tag name="KSO_WM_UNIT_ID" val="_4**"/>
-  <p:tag name="KSO_WM_UNIT_LAYERLEVEL" val="1"/>
-  <p:tag name="KSO_WM_TAG_VERSION" val="1.0"/>
-  <p:tag name="KSO_WM_BEAUTIFY_FLAG" val="#wm#"/>
-</p:tagLst>
-</file>
-
-<file path=ppt/tags/tag18.xml><?xml version="1.0" encoding="utf-8"?>
-<p:tagLst xmlns:p="http://schemas.openxmlformats.org/presentationml/2006/main">
-  <p:tag name="KSO_WM_UNIT_HIGHLIGHT" val="0"/>
-  <p:tag name="KSO_WM_UNIT_COMPATIBLE" val="0"/>
-  <p:tag name="KSO_WM_UNIT_DIAGRAM_ISNUMVISUAL" val="0"/>
-  <p:tag name="KSO_WM_UNIT_DIAGRAM_ISREFERUNIT" val="0"/>
-  <p:tag name="KSO_WM_UNIT_ID" val="_4**"/>
-  <p:tag name="KSO_WM_UNIT_LAYERLEVEL" val="1"/>
-  <p:tag name="KSO_WM_TAG_VERSION" val="1.0"/>
-  <p:tag name="KSO_WM_BEAUTIFY_FLAG" val="#wm#"/>
-</p:tagLst>
-</file>
-
-<file path=ppt/tags/tag19.xml><?xml version="1.0" encoding="utf-8"?>
-<p:tagLst xmlns:p="http://schemas.openxmlformats.org/presentationml/2006/main">
-  <p:tag name="KSO_WM_UNIT_HIGHLIGHT" val="0"/>
-  <p:tag name="KSO_WM_UNIT_COMPATIBLE" val="0"/>
-  <p:tag name="KSO_WM_UNIT_DIAGRAM_ISNUMVISUAL" val="0"/>
-  <p:tag name="KSO_WM_UNIT_DIAGRAM_ISREFERUNIT" val="0"/>
-  <p:tag name="KSO_WM_UNIT_ID" val="_4**"/>
-  <p:tag name="KSO_WM_UNIT_LAYERLEVEL" val="1"/>
-  <p:tag name="KSO_WM_TAG_VERSION" val="1.0"/>
-  <p:tag name="KSO_WM_BEAUTIFY_FLAG" val="#wm#"/>
-</p:tagLst>
-</file>
-
 <file path=ppt/tags/tag2.xml><?xml version="1.0" encoding="utf-8"?>
-<p:tagLst xmlns:p="http://schemas.openxmlformats.org/presentationml/2006/main">
-  <p:tag name="KSO_WM_UNIT_HIGHLIGHT" val="0"/>
-  <p:tag name="KSO_WM_UNIT_COMPATIBLE" val="0"/>
-  <p:tag name="KSO_WM_UNIT_DIAGRAM_ISNUMVISUAL" val="0"/>
-  <p:tag name="KSO_WM_UNIT_DIAGRAM_ISREFERUNIT" val="0"/>
-  <p:tag name="KSO_WM_UNIT_ID" val="_1**"/>
-  <p:tag name="KSO_WM_UNIT_LAYERLEVEL" val="1"/>
-  <p:tag name="KSO_WM_TAG_VERSION" val="1.0"/>
-  <p:tag name="KSO_WM_BEAUTIFY_FLAG" val="#wm#"/>
-</p:tagLst>
-</file>
-
-<file path=ppt/tags/tag20.xml><?xml version="1.0" encoding="utf-8"?>
-<p:tagLst xmlns:p="http://schemas.openxmlformats.org/presentationml/2006/main">
-  <p:tag name="KSO_WM_UNIT_HIGHLIGHT" val="0"/>
-  <p:tag name="KSO_WM_UNIT_COMPATIBLE" val="0"/>
-  <p:tag name="KSO_WM_UNIT_DIAGRAM_ISNUMVISUAL" val="0"/>
-  <p:tag name="KSO_WM_UNIT_DIAGRAM_ISREFERUNIT" val="0"/>
-  <p:tag name="KSO_WM_UNIT_ID" val="_4**"/>
-  <p:tag name="KSO_WM_UNIT_LAYERLEVEL" val="1"/>
-  <p:tag name="KSO_WM_TAG_VERSION" val="1.0"/>
-  <p:tag name="KSO_WM_BEAUTIFY_FLAG" val="#wm#"/>
-</p:tagLst>
-</file>
-
-<file path=ppt/tags/tag21.xml><?xml version="1.0" encoding="utf-8"?>
-<p:tagLst xmlns:p="http://schemas.openxmlformats.org/presentationml/2006/main">
-  <p:tag name="KSO_WM_UNIT_HIGHLIGHT" val="0"/>
-  <p:tag name="KSO_WM_UNIT_COMPATIBLE" val="0"/>
-  <p:tag name="KSO_WM_UNIT_DIAGRAM_ISNUMVISUAL" val="0"/>
-  <p:tag name="KSO_WM_UNIT_DIAGRAM_ISREFERUNIT" val="0"/>
-  <p:tag name="KSO_WM_UNIT_ID" val="_4**"/>
-  <p:tag name="KSO_WM_UNIT_LAYERLEVEL" val="1"/>
-  <p:tag name="KSO_WM_TAG_VERSION" val="1.0"/>
-  <p:tag name="KSO_WM_BEAUTIFY_FLAG" val="#wm#"/>
-</p:tagLst>
-</file>
-
-<file path=ppt/tags/tag22.xml><?xml version="1.0" encoding="utf-8"?>
-<p:tagLst xmlns:p="http://schemas.openxmlformats.org/presentationml/2006/main">
-  <p:tag name="KSO_WM_UNIT_HIGHLIGHT" val="0"/>
-  <p:tag name="KSO_WM_UNIT_COMPATIBLE" val="0"/>
-  <p:tag name="KSO_WM_UNIT_DIAGRAM_ISNUMVISUAL" val="0"/>
-  <p:tag name="KSO_WM_UNIT_DIAGRAM_ISREFERUNIT" val="0"/>
-  <p:tag name="KSO_WM_UNIT_ID" val="_5**"/>
-  <p:tag name="KSO_WM_UNIT_LAYERLEVEL" val="1"/>
-  <p:tag name="KSO_WM_TAG_VERSION" val="1.0"/>
-  <p:tag name="KSO_WM_BEAUTIFY_FLAG" val="#wm#"/>
-</p:tagLst>
-</file>
-
-<file path=ppt/tags/tag23.xml><?xml version="1.0" encoding="utf-8"?>
-<p:tagLst xmlns:p="http://schemas.openxmlformats.org/presentationml/2006/main">
-  <p:tag name="KSO_WM_UNIT_HIGHLIGHT" val="0"/>
-  <p:tag name="KSO_WM_UNIT_COMPATIBLE" val="0"/>
-  <p:tag name="KSO_WM_UNIT_DIAGRAM_ISNUMVISUAL" val="0"/>
-  <p:tag name="KSO_WM_UNIT_DIAGRAM_ISREFERUNIT" val="0"/>
-  <p:tag name="KSO_WM_UNIT_ID" val="_5**"/>
-  <p:tag name="KSO_WM_UNIT_LAYERLEVEL" val="1"/>
-  <p:tag name="KSO_WM_TAG_VERSION" val="1.0"/>
-  <p:tag name="KSO_WM_BEAUTIFY_FLAG" val="#wm#"/>
-</p:tagLst>
-</file>
-
-<file path=ppt/tags/tag24.xml><?xml version="1.0" encoding="utf-8"?>
-<p:tagLst xmlns:p="http://schemas.openxmlformats.org/presentationml/2006/main">
-  <p:tag name="KSO_WM_UNIT_HIGHLIGHT" val="0"/>
-  <p:tag name="KSO_WM_UNIT_COMPATIBLE" val="0"/>
-  <p:tag name="KSO_WM_UNIT_DIAGRAM_ISNUMVISUAL" val="0"/>
-  <p:tag name="KSO_WM_UNIT_DIAGRAM_ISREFERUNIT" val="0"/>
-  <p:tag name="KSO_WM_UNIT_ID" val="_5**"/>
-  <p:tag name="KSO_WM_UNIT_LAYERLEVEL" val="1"/>
-  <p:tag name="KSO_WM_TAG_VERSION" val="1.0"/>
-  <p:tag name="KSO_WM_BEAUTIFY_FLAG" val="#wm#"/>
-</p:tagLst>
-</file>
-
-<file path=ppt/tags/tag25.xml><?xml version="1.0" encoding="utf-8"?>
-<p:tagLst xmlns:p="http://schemas.openxmlformats.org/presentationml/2006/main">
-  <p:tag name="KSO_WM_UNIT_HIGHLIGHT" val="0"/>
-  <p:tag name="KSO_WM_UNIT_COMPATIBLE" val="0"/>
-  <p:tag name="KSO_WM_UNIT_DIAGRAM_ISNUMVISUAL" val="0"/>
-  <p:tag name="KSO_WM_UNIT_DIAGRAM_ISREFERUNIT" val="0"/>
-  <p:tag name="KSO_WM_UNIT_ID" val="_5**"/>
-  <p:tag name="KSO_WM_UNIT_LAYERLEVEL" val="1"/>
-  <p:tag name="KSO_WM_TAG_VERSION" val="1.0"/>
-  <p:tag name="KSO_WM_BEAUTIFY_FLAG" val="#wm#"/>
-</p:tagLst>
-</file>
-
-<file path=ppt/tags/tag26.xml><?xml version="1.0" encoding="utf-8"?>
-<p:tagLst xmlns:p="http://schemas.openxmlformats.org/presentationml/2006/main">
-  <p:tag name="KSO_WM_UNIT_HIGHLIGHT" val="0"/>
-  <p:tag name="KSO_WM_UNIT_COMPATIBLE" val="0"/>
-  <p:tag name="KSO_WM_UNIT_DIAGRAM_ISNUMVISUAL" val="0"/>
-  <p:tag name="KSO_WM_UNIT_DIAGRAM_ISREFERUNIT" val="0"/>
-  <p:tag name="KSO_WM_UNIT_ID" val="_5**"/>
-  <p:tag name="KSO_WM_UNIT_LAYERLEVEL" val="1"/>
-  <p:tag name="KSO_WM_TAG_VERSION" val="1.0"/>
-  <p:tag name="KSO_WM_BEAUTIFY_FLAG" val="#wm#"/>
-</p:tagLst>
-</file>
-
-<file path=ppt/tags/tag27.xml><?xml version="1.0" encoding="utf-8"?>
-<p:tagLst xmlns:p="http://schemas.openxmlformats.org/presentationml/2006/main">
-  <p:tag name="KSO_WM_UNIT_HIGHLIGHT" val="0"/>
-  <p:tag name="KSO_WM_UNIT_COMPATIBLE" val="0"/>
-  <p:tag name="KSO_WM_UNIT_DIAGRAM_ISNUMVISUAL" val="0"/>
-  <p:tag name="KSO_WM_UNIT_DIAGRAM_ISREFERUNIT" val="0"/>
-  <p:tag name="KSO_WM_UNIT_ID" val="_5**"/>
-  <p:tag name="KSO_WM_UNIT_LAYERLEVEL" val="1"/>
-  <p:tag name="KSO_WM_TAG_VERSION" val="1.0"/>
-  <p:tag name="KSO_WM_BEAUTIFY_FLAG" val="#wm#"/>
-</p:tagLst>
-</file>
-
-<file path=ppt/tags/tag28.xml><?xml version="1.0" encoding="utf-8"?>
-<p:tagLst xmlns:p="http://schemas.openxmlformats.org/presentationml/2006/main">
-  <p:tag name="KSO_WM_UNIT_HIGHLIGHT" val="0"/>
-  <p:tag name="KSO_WM_UNIT_COMPATIBLE" val="0"/>
-  <p:tag name="KSO_WM_UNIT_DIAGRAM_ISNUMVISUAL" val="0"/>
-  <p:tag name="KSO_WM_UNIT_DIAGRAM_ISREFERUNIT" val="0"/>
-  <p:tag name="KSO_WM_UNIT_ID" val="_5**"/>
-  <p:tag name="KSO_WM_UNIT_LAYERLEVEL" val="1"/>
-  <p:tag name="KSO_WM_TAG_VERSION" val="1.0"/>
-  <p:tag name="KSO_WM_BEAUTIFY_FLAG" val="#wm#"/>
-</p:tagLst>
-</file>
-
-<file path=ppt/tags/tag29.xml><?xml version="1.0" encoding="utf-8"?>
-<p:tagLst xmlns:p="http://schemas.openxmlformats.org/presentationml/2006/main">
-  <p:tag name="KSO_WM_UNIT_HIGHLIGHT" val="0"/>
-  <p:tag name="KSO_WM_UNIT_COMPATIBLE" val="0"/>
-  <p:tag name="KSO_WM_UNIT_DIAGRAM_ISNUMVISUAL" val="0"/>
-  <p:tag name="KSO_WM_UNIT_DIAGRAM_ISREFERUNIT" val="0"/>
-  <p:tag name="KSO_WM_UNIT_ID" val="_5**"/>
-  <p:tag name="KSO_WM_UNIT_LAYERLEVEL" val="1"/>
-  <p:tag name="KSO_WM_TAG_VERSION" val="1.0"/>
-  <p:tag name="KSO_WM_BEAUTIFY_FLAG" val="#wm#"/>
-</p:tagLst>
-</file>
-
-<file path=ppt/tags/tag3.xml><?xml version="1.0" encoding="utf-8"?>
-<p:tagLst xmlns:p="http://schemas.openxmlformats.org/presentationml/2006/main">
-  <p:tag name="KSO_WM_UNIT_HIGHLIGHT" val="0"/>
-  <p:tag name="KSO_WM_UNIT_COMPATIBLE" val="0"/>
-  <p:tag name="KSO_WM_UNIT_DIAGRAM_ISNUMVISUAL" val="0"/>
-  <p:tag name="KSO_WM_UNIT_DIAGRAM_ISREFERUNIT" val="0"/>
-  <p:tag name="KSO_WM_UNIT_ID" val="_1**"/>
-  <p:tag name="KSO_WM_UNIT_LAYERLEVEL" val="1"/>
-  <p:tag name="KSO_WM_TAG_VERSION" val="1.0"/>
-  <p:tag name="KSO_WM_BEAUTIFY_FLAG" val="#wm#"/>
-</p:tagLst>
-</file>
-
-<file path=ppt/tags/tag30.xml><?xml version="1.0" encoding="utf-8"?>
-<p:tagLst xmlns:p="http://schemas.openxmlformats.org/presentationml/2006/main">
-  <p:tag name="KSO_WM_UNIT_HIGHLIGHT" val="0"/>
-  <p:tag name="KSO_WM_UNIT_COMPATIBLE" val="0"/>
-  <p:tag name="KSO_WM_UNIT_DIAGRAM_ISNUMVISUAL" val="0"/>
-  <p:tag name="KSO_WM_UNIT_DIAGRAM_ISREFERUNIT" val="0"/>
-  <p:tag name="KSO_WM_UNIT_ID" val="_6**"/>
-  <p:tag name="KSO_WM_UNIT_LAYERLEVEL" val="1"/>
-  <p:tag name="KSO_WM_TAG_VERSION" val="1.0"/>
-  <p:tag name="KSO_WM_BEAUTIFY_FLAG" val="#wm#"/>
-</p:tagLst>
-</file>
-
-<file path=ppt/tags/tag31.xml><?xml version="1.0" encoding="utf-8"?>
-<p:tagLst xmlns:p="http://schemas.openxmlformats.org/presentationml/2006/main">
-  <p:tag name="KSO_WM_UNIT_HIGHLIGHT" val="0"/>
-  <p:tag name="KSO_WM_UNIT_COMPATIBLE" val="0"/>
-  <p:tag name="KSO_WM_UNIT_DIAGRAM_ISNUMVISUAL" val="0"/>
-  <p:tag name="KSO_WM_UNIT_DIAGRAM_ISREFERUNIT" val="0"/>
-  <p:tag name="KSO_WM_UNIT_ID" val="_6**"/>
-  <p:tag name="KSO_WM_UNIT_LAYERLEVEL" val="1"/>
-  <p:tag name="KSO_WM_TAG_VERSION" val="1.0"/>
-  <p:tag name="KSO_WM_BEAUTIFY_FLAG" val="#wm#"/>
-</p:tagLst>
-</file>
-
-<file path=ppt/tags/tag32.xml><?xml version="1.0" encoding="utf-8"?>
-<p:tagLst xmlns:p="http://schemas.openxmlformats.org/presentationml/2006/main">
-  <p:tag name="KSO_WM_UNIT_HIGHLIGHT" val="0"/>
-  <p:tag name="KSO_WM_UNIT_COMPATIBLE" val="0"/>
-  <p:tag name="KSO_WM_UNIT_DIAGRAM_ISNUMVISUAL" val="0"/>
-  <p:tag name="KSO_WM_UNIT_DIAGRAM_ISREFERUNIT" val="0"/>
-  <p:tag name="KSO_WM_UNIT_ID" val="_6**"/>
-  <p:tag name="KSO_WM_UNIT_LAYERLEVEL" val="1"/>
-  <p:tag name="KSO_WM_TAG_VERSION" val="1.0"/>
-  <p:tag name="KSO_WM_BEAUTIFY_FLAG" val="#wm#"/>
-</p:tagLst>
-</file>
-
-<file path=ppt/tags/tag33.xml><?xml version="1.0" encoding="utf-8"?>
-<p:tagLst xmlns:p="http://schemas.openxmlformats.org/presentationml/2006/main">
-  <p:tag name="KSO_WM_UNIT_HIGHLIGHT" val="0"/>
-  <p:tag name="KSO_WM_UNIT_COMPATIBLE" val="0"/>
-  <p:tag name="KSO_WM_UNIT_DIAGRAM_ISNUMVISUAL" val="0"/>
-  <p:tag name="KSO_WM_UNIT_DIAGRAM_ISREFERUNIT" val="0"/>
-  <p:tag name="KSO_WM_UNIT_ID" val="_6**"/>
-  <p:tag name="KSO_WM_UNIT_LAYERLEVEL" val="1"/>
-  <p:tag name="KSO_WM_TAG_VERSION" val="1.0"/>
-  <p:tag name="KSO_WM_BEAUTIFY_FLAG" val="#wm#"/>
-</p:tagLst>
-</file>
-
-<file path=ppt/tags/tag34.xml><?xml version="1.0" encoding="utf-8"?>
-<p:tagLst xmlns:p="http://schemas.openxmlformats.org/presentationml/2006/main">
-  <p:tag name="KSO_WM_UNIT_HIGHLIGHT" val="0"/>
-  <p:tag name="KSO_WM_UNIT_COMPATIBLE" val="0"/>
-  <p:tag name="KSO_WM_UNIT_DIAGRAM_ISNUMVISUAL" val="0"/>
-  <p:tag name="KSO_WM_UNIT_DIAGRAM_ISREFERUNIT" val="0"/>
-  <p:tag name="KSO_WM_UNIT_ID" val="_7**"/>
-  <p:tag name="KSO_WM_UNIT_LAYERLEVEL" val="1"/>
-  <p:tag name="KSO_WM_TAG_VERSION" val="1.0"/>
-  <p:tag name="KSO_WM_BEAUTIFY_FLAG" val="#wm#"/>
-</p:tagLst>
-</file>
-
-<file path=ppt/tags/tag35.xml><?xml version="1.0" encoding="utf-8"?>
-<p:tagLst xmlns:p="http://schemas.openxmlformats.org/presentationml/2006/main">
-  <p:tag name="KSO_WM_UNIT_HIGHLIGHT" val="0"/>
-  <p:tag name="KSO_WM_UNIT_COMPATIBLE" val="0"/>
-  <p:tag name="KSO_WM_UNIT_DIAGRAM_ISNUMVISUAL" val="0"/>
-  <p:tag name="KSO_WM_UNIT_DIAGRAM_ISREFERUNIT" val="0"/>
-  <p:tag name="KSO_WM_UNIT_ID" val="_7**"/>
-  <p:tag name="KSO_WM_UNIT_LAYERLEVEL" val="1"/>
-  <p:tag name="KSO_WM_TAG_VERSION" val="1.0"/>
-  <p:tag name="KSO_WM_BEAUTIFY_FLAG" val="#wm#"/>
-</p:tagLst>
-</file>
-
-<file path=ppt/tags/tag36.xml><?xml version="1.0" encoding="utf-8"?>
-<p:tagLst xmlns:p="http://schemas.openxmlformats.org/presentationml/2006/main">
-  <p:tag name="KSO_WM_UNIT_HIGHLIGHT" val="0"/>
-  <p:tag name="KSO_WM_UNIT_COMPATIBLE" val="0"/>
-  <p:tag name="KSO_WM_UNIT_DIAGRAM_ISNUMVISUAL" val="0"/>
-  <p:tag name="KSO_WM_UNIT_DIAGRAM_ISREFERUNIT" val="0"/>
-  <p:tag name="KSO_WM_UNIT_ID" val="_7**"/>
-  <p:tag name="KSO_WM_UNIT_LAYERLEVEL" val="1"/>
-  <p:tag name="KSO_WM_TAG_VERSION" val="1.0"/>
-  <p:tag name="KSO_WM_BEAUTIFY_FLAG" val="#wm#"/>
-</p:tagLst>
-</file>
-
-<file path=ppt/tags/tag37.xml><?xml version="1.0" encoding="utf-8"?>
-<p:tagLst xmlns:p="http://schemas.openxmlformats.org/presentationml/2006/main">
-  <p:tag name="KSO_WM_UNIT_HIGHLIGHT" val="0"/>
-  <p:tag name="KSO_WM_UNIT_COMPATIBLE" val="0"/>
-  <p:tag name="KSO_WM_UNIT_DIAGRAM_ISNUMVISUAL" val="0"/>
-  <p:tag name="KSO_WM_UNIT_DIAGRAM_ISREFERUNIT" val="0"/>
-  <p:tag name="KSO_WM_UNIT_ID" val="_8**"/>
-  <p:tag name="KSO_WM_UNIT_LAYERLEVEL" val="1"/>
-  <p:tag name="KSO_WM_TAG_VERSION" val="1.0"/>
-  <p:tag name="KSO_WM_BEAUTIFY_FLAG" val="#wm#"/>
-</p:tagLst>
-</file>
-
-<file path=ppt/tags/tag38.xml><?xml version="1.0" encoding="utf-8"?>
-<p:tagLst xmlns:p="http://schemas.openxmlformats.org/presentationml/2006/main">
-  <p:tag name="KSO_WM_UNIT_HIGHLIGHT" val="0"/>
-  <p:tag name="KSO_WM_UNIT_COMPATIBLE" val="0"/>
-  <p:tag name="KSO_WM_UNIT_DIAGRAM_ISNUMVISUAL" val="0"/>
-  <p:tag name="KSO_WM_UNIT_DIAGRAM_ISREFERUNIT" val="0"/>
-  <p:tag name="KSO_WM_UNIT_ID" val="_8**"/>
-  <p:tag name="KSO_WM_UNIT_LAYERLEVEL" val="1"/>
-  <p:tag name="KSO_WM_TAG_VERSION" val="1.0"/>
-  <p:tag name="KSO_WM_BEAUTIFY_FLAG" val="#wm#"/>
-</p:tagLst>
-</file>
-
-<file path=ppt/tags/tag39.xml><?xml version="1.0" encoding="utf-8"?>
-<p:tagLst xmlns:p="http://schemas.openxmlformats.org/presentationml/2006/main">
-  <p:tag name="KSO_WM_UNIT_HIGHLIGHT" val="0"/>
-  <p:tag name="KSO_WM_UNIT_COMPATIBLE" val="0"/>
-  <p:tag name="KSO_WM_UNIT_DIAGRAM_ISNUMVISUAL" val="0"/>
-  <p:tag name="KSO_WM_UNIT_DIAGRAM_ISREFERUNIT" val="0"/>
-  <p:tag name="KSO_WM_UNIT_ID" val="_8**"/>
-  <p:tag name="KSO_WM_UNIT_LAYERLEVEL" val="1"/>
-  <p:tag name="KSO_WM_TAG_VERSION" val="1.0"/>
-  <p:tag name="KSO_WM_BEAUTIFY_FLAG" val="#wm#"/>
-</p:tagLst>
-</file>
-
-<file path=ppt/tags/tag4.xml><?xml version="1.0" encoding="utf-8"?>
-<p:tagLst xmlns:p="http://schemas.openxmlformats.org/presentationml/2006/main">
-  <p:tag name="KSO_WM_UNIT_HIGHLIGHT" val="0"/>
-  <p:tag name="KSO_WM_UNIT_COMPATIBLE" val="0"/>
-  <p:tag name="KSO_WM_UNIT_DIAGRAM_ISNUMVISUAL" val="0"/>
-  <p:tag name="KSO_WM_UNIT_DIAGRAM_ISREFERUNIT" val="0"/>
-  <p:tag name="KSO_WM_UNIT_ID" val="_1**"/>
-  <p:tag name="KSO_WM_UNIT_LAYERLEVEL" val="1"/>
-  <p:tag name="KSO_WM_TAG_VERSION" val="1.0"/>
-  <p:tag name="KSO_WM_BEAUTIFY_FLAG" val="#wm#"/>
-</p:tagLst>
-</file>
-
-<file path=ppt/tags/tag40.xml><?xml version="1.0" encoding="utf-8"?>
-<p:tagLst xmlns:p="http://schemas.openxmlformats.org/presentationml/2006/main">
-  <p:tag name="KSO_WM_UNIT_HIGHLIGHT" val="0"/>
-  <p:tag name="KSO_WM_UNIT_COMPATIBLE" val="0"/>
-  <p:tag name="KSO_WM_UNIT_DIAGRAM_ISNUMVISUAL" val="0"/>
-  <p:tag name="KSO_WM_UNIT_DIAGRAM_ISREFERUNIT" val="0"/>
-  <p:tag name="KSO_WM_UNIT_ID" val="_8**"/>
-  <p:tag name="KSO_WM_UNIT_LAYERLEVEL" val="1"/>
-  <p:tag name="KSO_WM_TAG_VERSION" val="1.0"/>
-  <p:tag name="KSO_WM_BEAUTIFY_FLAG" val="#wm#"/>
-</p:tagLst>
-</file>
-
-<file path=ppt/tags/tag41.xml><?xml version="1.0" encoding="utf-8"?>
-<p:tagLst xmlns:p="http://schemas.openxmlformats.org/presentationml/2006/main">
-  <p:tag name="KSO_WM_UNIT_HIGHLIGHT" val="0"/>
-  <p:tag name="KSO_WM_UNIT_COMPATIBLE" val="0"/>
-  <p:tag name="KSO_WM_UNIT_DIAGRAM_ISNUMVISUAL" val="0"/>
-  <p:tag name="KSO_WM_UNIT_DIAGRAM_ISREFERUNIT" val="0"/>
-  <p:tag name="KSO_WM_UNIT_ID" val="_8**"/>
-  <p:tag name="KSO_WM_UNIT_LAYERLEVEL" val="1"/>
-  <p:tag name="KSO_WM_TAG_VERSION" val="1.0"/>
-  <p:tag name="KSO_WM_BEAUTIFY_FLAG" val="#wm#"/>
-</p:tagLst>
-</file>
-
-<file path=ppt/tags/tag42.xml><?xml version="1.0" encoding="utf-8"?>
-<p:tagLst xmlns:p="http://schemas.openxmlformats.org/presentationml/2006/main">
-  <p:tag name="KSO_WM_UNIT_HIGHLIGHT" val="0"/>
-  <p:tag name="KSO_WM_UNIT_COMPATIBLE" val="0"/>
-  <p:tag name="KSO_WM_UNIT_DIAGRAM_ISNUMVISUAL" val="0"/>
-  <p:tag name="KSO_WM_UNIT_DIAGRAM_ISREFERUNIT" val="0"/>
-  <p:tag name="KSO_WM_UNIT_ID" val="_8**"/>
-  <p:tag name="KSO_WM_UNIT_LAYERLEVEL" val="1"/>
-  <p:tag name="KSO_WM_TAG_VERSION" val="1.0"/>
-  <p:tag name="KSO_WM_BEAUTIFY_FLAG" val="#wm#"/>
-</p:tagLst>
-</file>
-
-<file path=ppt/tags/tag43.xml><?xml version="1.0" encoding="utf-8"?>
-<p:tagLst xmlns:p="http://schemas.openxmlformats.org/presentationml/2006/main">
-  <p:tag name="KSO_WM_UNIT_HIGHLIGHT" val="0"/>
-  <p:tag name="KSO_WM_UNIT_COMPATIBLE" val="0"/>
-  <p:tag name="KSO_WM_UNIT_DIAGRAM_ISNUMVISUAL" val="0"/>
-  <p:tag name="KSO_WM_UNIT_DIAGRAM_ISREFERUNIT" val="0"/>
-  <p:tag name="KSO_WM_UNIT_ID" val="_9**"/>
-  <p:tag name="KSO_WM_UNIT_LAYERLEVEL" val="1"/>
-  <p:tag name="KSO_WM_TAG_VERSION" val="1.0"/>
-  <p:tag name="KSO_WM_BEAUTIFY_FLAG" val="#wm#"/>
-</p:tagLst>
-</file>
-
-<file path=ppt/tags/tag44.xml><?xml version="1.0" encoding="utf-8"?>
-<p:tagLst xmlns:p="http://schemas.openxmlformats.org/presentationml/2006/main">
-  <p:tag name="KSO_WM_UNIT_HIGHLIGHT" val="0"/>
-  <p:tag name="KSO_WM_UNIT_COMPATIBLE" val="0"/>
-  <p:tag name="KSO_WM_UNIT_DIAGRAM_ISNUMVISUAL" val="0"/>
-  <p:tag name="KSO_WM_UNIT_DIAGRAM_ISREFERUNIT" val="0"/>
-  <p:tag name="KSO_WM_UNIT_ID" val="_9**"/>
-  <p:tag name="KSO_WM_UNIT_LAYERLEVEL" val="1"/>
-  <p:tag name="KSO_WM_TAG_VERSION" val="1.0"/>
-  <p:tag name="KSO_WM_BEAUTIFY_FLAG" val="#wm#"/>
-</p:tagLst>
-</file>
-
-<file path=ppt/tags/tag45.xml><?xml version="1.0" encoding="utf-8"?>
-<p:tagLst xmlns:p="http://schemas.openxmlformats.org/presentationml/2006/main">
-  <p:tag name="KSO_WM_UNIT_HIGHLIGHT" val="0"/>
-  <p:tag name="KSO_WM_UNIT_COMPATIBLE" val="0"/>
-  <p:tag name="KSO_WM_UNIT_DIAGRAM_ISNUMVISUAL" val="0"/>
-  <p:tag name="KSO_WM_UNIT_DIAGRAM_ISREFERUNIT" val="0"/>
-  <p:tag name="KSO_WM_UNIT_ID" val="_9**"/>
-  <p:tag name="KSO_WM_UNIT_LAYERLEVEL" val="1"/>
-  <p:tag name="KSO_WM_TAG_VERSION" val="1.0"/>
-  <p:tag name="KSO_WM_BEAUTIFY_FLAG" val="#wm#"/>
-</p:tagLst>
-</file>
-
-<file path=ppt/tags/tag46.xml><?xml version="1.0" encoding="utf-8"?>
-<p:tagLst xmlns:p="http://schemas.openxmlformats.org/presentationml/2006/main">
-  <p:tag name="KSO_WM_UNIT_HIGHLIGHT" val="0"/>
-  <p:tag name="KSO_WM_UNIT_COMPATIBLE" val="0"/>
-  <p:tag name="KSO_WM_UNIT_DIAGRAM_ISNUMVISUAL" val="0"/>
-  <p:tag name="KSO_WM_UNIT_DIAGRAM_ISREFERUNIT" val="0"/>
-  <p:tag name="KSO_WM_UNIT_ID" val="_9**"/>
-  <p:tag name="KSO_WM_UNIT_LAYERLEVEL" val="1"/>
-  <p:tag name="KSO_WM_TAG_VERSION" val="1.0"/>
-  <p:tag name="KSO_WM_BEAUTIFY_FLAG" val="#wm#"/>
-</p:tagLst>
-</file>
-
-<file path=ppt/tags/tag47.xml><?xml version="1.0" encoding="utf-8"?>
-<p:tagLst xmlns:p="http://schemas.openxmlformats.org/presentationml/2006/main">
-  <p:tag name="KSO_WM_UNIT_HIGHLIGHT" val="0"/>
-  <p:tag name="KSO_WM_UNIT_COMPATIBLE" val="0"/>
-  <p:tag name="KSO_WM_UNIT_DIAGRAM_ISNUMVISUAL" val="0"/>
-  <p:tag name="KSO_WM_UNIT_DIAGRAM_ISREFERUNIT" val="0"/>
-  <p:tag name="KSO_WM_UNIT_ID" val="_9**"/>
-  <p:tag name="KSO_WM_UNIT_LAYERLEVEL" val="1"/>
-  <p:tag name="KSO_WM_TAG_VERSION" val="1.0"/>
-  <p:tag name="KSO_WM_BEAUTIFY_FLAG" val="#wm#"/>
-</p:tagLst>
-</file>
-
-<file path=ppt/tags/tag48.xml><?xml version="1.0" encoding="utf-8"?>
-<p:tagLst xmlns:p="http://schemas.openxmlformats.org/presentationml/2006/main">
-  <p:tag name="KSO_WM_UNIT_HIGHLIGHT" val="0"/>
-  <p:tag name="KSO_WM_UNIT_COMPATIBLE" val="0"/>
-  <p:tag name="KSO_WM_UNIT_DIAGRAM_ISNUMVISUAL" val="0"/>
-  <p:tag name="KSO_WM_UNIT_DIAGRAM_ISREFERUNIT" val="0"/>
-  <p:tag name="KSO_WM_UNIT_ID" val="_10**"/>
-  <p:tag name="KSO_WM_UNIT_LAYERLEVEL" val="1"/>
-  <p:tag name="KSO_WM_TAG_VERSION" val="1.0"/>
-  <p:tag name="KSO_WM_BEAUTIFY_FLAG" val="#wm#"/>
-</p:tagLst>
-</file>
-
-<file path=ppt/tags/tag49.xml><?xml version="1.0" encoding="utf-8"?>
-<p:tagLst xmlns:p="http://schemas.openxmlformats.org/presentationml/2006/main">
-  <p:tag name="KSO_WM_UNIT_HIGHLIGHT" val="0"/>
-  <p:tag name="KSO_WM_UNIT_COMPATIBLE" val="0"/>
-  <p:tag name="KSO_WM_UNIT_DIAGRAM_ISNUMVISUAL" val="0"/>
-  <p:tag name="KSO_WM_UNIT_DIAGRAM_ISREFERUNIT" val="0"/>
-  <p:tag name="KSO_WM_UNIT_ID" val="_10**"/>
-  <p:tag name="KSO_WM_UNIT_LAYERLEVEL" val="1"/>
-  <p:tag name="KSO_WM_TAG_VERSION" val="1.0"/>
-  <p:tag name="KSO_WM_BEAUTIFY_FLAG" val="#wm#"/>
-</p:tagLst>
-</file>
-
-<file path=ppt/tags/tag5.xml><?xml version="1.0" encoding="utf-8"?>
-<p:tagLst xmlns:p="http://schemas.openxmlformats.org/presentationml/2006/main">
-  <p:tag name="KSO_WM_UNIT_HIGHLIGHT" val="0"/>
-  <p:tag name="KSO_WM_UNIT_COMPATIBLE" val="0"/>
-  <p:tag name="KSO_WM_UNIT_DIAGRAM_ISNUMVISUAL" val="0"/>
-  <p:tag name="KSO_WM_UNIT_DIAGRAM_ISREFERUNIT" val="0"/>
-  <p:tag name="KSO_WM_UNIT_ID" val="_1**"/>
-  <p:tag name="KSO_WM_UNIT_LAYERLEVEL" val="1"/>
-  <p:tag name="KSO_WM_TAG_VERSION" val="1.0"/>
-  <p:tag name="KSO_WM_BEAUTIFY_FLAG" val="#wm#"/>
-</p:tagLst>
-</file>
-
-<file path=ppt/tags/tag50.xml><?xml version="1.0" encoding="utf-8"?>
-<p:tagLst xmlns:p="http://schemas.openxmlformats.org/presentationml/2006/main">
-  <p:tag name="KSO_WM_UNIT_HIGHLIGHT" val="0"/>
-  <p:tag name="KSO_WM_UNIT_COMPATIBLE" val="0"/>
-  <p:tag name="KSO_WM_UNIT_DIAGRAM_ISNUMVISUAL" val="0"/>
-  <p:tag name="KSO_WM_UNIT_DIAGRAM_ISREFERUNIT" val="0"/>
-  <p:tag name="KSO_WM_UNIT_ID" val="_10**"/>
-  <p:tag name="KSO_WM_UNIT_LAYERLEVEL" val="1"/>
-  <p:tag name="KSO_WM_TAG_VERSION" val="1.0"/>
-  <p:tag name="KSO_WM_BEAUTIFY_FLAG" val="#wm#"/>
-</p:tagLst>
-</file>
-
-<file path=ppt/tags/tag51.xml><?xml version="1.0" encoding="utf-8"?>
-<p:tagLst xmlns:p="http://schemas.openxmlformats.org/presentationml/2006/main">
-  <p:tag name="KSO_WM_UNIT_HIGHLIGHT" val="0"/>
-  <p:tag name="KSO_WM_UNIT_COMPATIBLE" val="0"/>
-  <p:tag name="KSO_WM_UNIT_DIAGRAM_ISNUMVISUAL" val="0"/>
-  <p:tag name="KSO_WM_UNIT_DIAGRAM_ISREFERUNIT" val="0"/>
-  <p:tag name="KSO_WM_UNIT_ID" val="_10**"/>
-  <p:tag name="KSO_WM_UNIT_LAYERLEVEL" val="1"/>
-  <p:tag name="KSO_WM_TAG_VERSION" val="1.0"/>
-  <p:tag name="KSO_WM_BEAUTIFY_FLAG" val="#wm#"/>
-</p:tagLst>
-</file>
-
-<file path=ppt/tags/tag52.xml><?xml version="1.0" encoding="utf-8"?>
-<p:tagLst xmlns:p="http://schemas.openxmlformats.org/presentationml/2006/main">
-  <p:tag name="KSO_WM_UNIT_HIGHLIGHT" val="0"/>
-  <p:tag name="KSO_WM_UNIT_COMPATIBLE" val="0"/>
-  <p:tag name="KSO_WM_UNIT_DIAGRAM_ISNUMVISUAL" val="0"/>
-  <p:tag name="KSO_WM_UNIT_DIAGRAM_ISREFERUNIT" val="0"/>
-  <p:tag name="KSO_WM_UNIT_ID" val="_11**"/>
-  <p:tag name="KSO_WM_UNIT_LAYERLEVEL" val="1"/>
-  <p:tag name="KSO_WM_TAG_VERSION" val="1.0"/>
-  <p:tag name="KSO_WM_BEAUTIFY_FLAG" val="#wm#"/>
-</p:tagLst>
-</file>
-
-<file path=ppt/tags/tag53.xml><?xml version="1.0" encoding="utf-8"?>
-<p:tagLst xmlns:p="http://schemas.openxmlformats.org/presentationml/2006/main">
-  <p:tag name="KSO_WM_UNIT_HIGHLIGHT" val="0"/>
-  <p:tag name="KSO_WM_UNIT_COMPATIBLE" val="0"/>
-  <p:tag name="KSO_WM_UNIT_DIAGRAM_ISNUMVISUAL" val="0"/>
-  <p:tag name="KSO_WM_UNIT_DIAGRAM_ISREFERUNIT" val="0"/>
-  <p:tag name="KSO_WM_UNIT_ID" val="_11**"/>
-  <p:tag name="KSO_WM_UNIT_LAYERLEVEL" val="1"/>
-  <p:tag name="KSO_WM_TAG_VERSION" val="1.0"/>
-  <p:tag name="KSO_WM_BEAUTIFY_FLAG" val="#wm#"/>
-</p:tagLst>
-</file>
-
-<file path=ppt/tags/tag54.xml><?xml version="1.0" encoding="utf-8"?>
-<p:tagLst xmlns:p="http://schemas.openxmlformats.org/presentationml/2006/main">
-  <p:tag name="KSO_WM_UNIT_HIGHLIGHT" val="0"/>
-  <p:tag name="KSO_WM_UNIT_COMPATIBLE" val="0"/>
-  <p:tag name="KSO_WM_UNIT_DIAGRAM_ISNUMVISUAL" val="0"/>
-  <p:tag name="KSO_WM_UNIT_DIAGRAM_ISREFERUNIT" val="0"/>
-  <p:tag name="KSO_WM_UNIT_ID" val="_11**"/>
-  <p:tag name="KSO_WM_UNIT_LAYERLEVEL" val="1"/>
-  <p:tag name="KSO_WM_TAG_VERSION" val="1.0"/>
-  <p:tag name="KSO_WM_BEAUTIFY_FLAG" val="#wm#"/>
-</p:tagLst>
-</file>
-
-<file path=ppt/tags/tag55.xml><?xml version="1.0" encoding="utf-8"?>
-<p:tagLst xmlns:p="http://schemas.openxmlformats.org/presentationml/2006/main">
-  <p:tag name="KSO_WM_UNIT_HIGHLIGHT" val="0"/>
-  <p:tag name="KSO_WM_UNIT_COMPATIBLE" val="0"/>
-  <p:tag name="KSO_WM_UNIT_DIAGRAM_ISNUMVISUAL" val="0"/>
-  <p:tag name="KSO_WM_UNIT_DIAGRAM_ISREFERUNIT" val="0"/>
-  <p:tag name="KSO_WM_UNIT_ID" val="_11**"/>
-  <p:tag name="KSO_WM_UNIT_LAYERLEVEL" val="1"/>
-  <p:tag name="KSO_WM_TAG_VERSION" val="1.0"/>
-  <p:tag name="KSO_WM_BEAUTIFY_FLAG" val="#wm#"/>
-</p:tagLst>
-</file>
-
-<file path=ppt/tags/tag56.xml><?xml version="1.0" encoding="utf-8"?>
-<p:tagLst xmlns:p="http://schemas.openxmlformats.org/presentationml/2006/main">
+<p:tagLst xmlns:a="http://schemas.openxmlformats.org/drawingml/2006/main" xmlns:r="http://schemas.openxmlformats.org/officeDocument/2006/relationships" xmlns:p="http://schemas.openxmlformats.org/presentationml/2006/main">
   <p:tag name="KSO_WM_UNIT_HIGHLIGHT" val="0"/>
   <p:tag name="KSO_WM_UNIT_COMPATIBLE" val="0"/>
   <p:tag name="KSO_WM_UNIT_DIAGRAM_ISNUMVISUAL" val="0"/>
@@ -13015,8 +12451,604 @@
 </p:tagLst>
 </file>
 
+<file path=ppt/tags/tag20.xml><?xml version="1.0" encoding="utf-8"?>
+<p:tagLst xmlns:a="http://schemas.openxmlformats.org/drawingml/2006/main" xmlns:r="http://schemas.openxmlformats.org/officeDocument/2006/relationships" xmlns:p="http://schemas.openxmlformats.org/presentationml/2006/main">
+  <p:tag name="KSO_WM_UNIT_HIGHLIGHT" val="0"/>
+  <p:tag name="KSO_WM_UNIT_COMPATIBLE" val="0"/>
+  <p:tag name="KSO_WM_UNIT_DIAGRAM_ISNUMVISUAL" val="0"/>
+  <p:tag name="KSO_WM_UNIT_DIAGRAM_ISREFERUNIT" val="0"/>
+  <p:tag name="KSO_WM_UNIT_ID" val="_3**"/>
+  <p:tag name="KSO_WM_UNIT_LAYERLEVEL" val="1"/>
+  <p:tag name="KSO_WM_TAG_VERSION" val="1.0"/>
+  <p:tag name="KSO_WM_BEAUTIFY_FLAG" val="#wm#"/>
+</p:tagLst>
+</file>
+
+<file path=ppt/tags/tag21.xml><?xml version="1.0" encoding="utf-8"?>
+<p:tagLst xmlns:a="http://schemas.openxmlformats.org/drawingml/2006/main" xmlns:r="http://schemas.openxmlformats.org/officeDocument/2006/relationships" xmlns:p="http://schemas.openxmlformats.org/presentationml/2006/main">
+  <p:tag name="KSO_WM_UNIT_HIGHLIGHT" val="0"/>
+  <p:tag name="KSO_WM_UNIT_COMPATIBLE" val="0"/>
+  <p:tag name="KSO_WM_UNIT_DIAGRAM_ISNUMVISUAL" val="0"/>
+  <p:tag name="KSO_WM_UNIT_DIAGRAM_ISREFERUNIT" val="0"/>
+  <p:tag name="KSO_WM_UNIT_ID" val="_3**"/>
+  <p:tag name="KSO_WM_UNIT_LAYERLEVEL" val="1"/>
+  <p:tag name="KSO_WM_TAG_VERSION" val="1.0"/>
+  <p:tag name="KSO_WM_BEAUTIFY_FLAG" val="#wm#"/>
+</p:tagLst>
+</file>
+
+<file path=ppt/tags/tag22.xml><?xml version="1.0" encoding="utf-8"?>
+<p:tagLst xmlns:a="http://schemas.openxmlformats.org/drawingml/2006/main" xmlns:r="http://schemas.openxmlformats.org/officeDocument/2006/relationships" xmlns:p="http://schemas.openxmlformats.org/presentationml/2006/main">
+  <p:tag name="KSO_WM_UNIT_HIGHLIGHT" val="0"/>
+  <p:tag name="KSO_WM_UNIT_COMPATIBLE" val="0"/>
+  <p:tag name="KSO_WM_UNIT_DIAGRAM_ISNUMVISUAL" val="0"/>
+  <p:tag name="KSO_WM_UNIT_DIAGRAM_ISREFERUNIT" val="0"/>
+  <p:tag name="KSO_WM_UNIT_ID" val="_4**"/>
+  <p:tag name="KSO_WM_UNIT_LAYERLEVEL" val="1"/>
+  <p:tag name="KSO_WM_TAG_VERSION" val="1.0"/>
+  <p:tag name="KSO_WM_BEAUTIFY_FLAG" val="#wm#"/>
+</p:tagLst>
+</file>
+
+<file path=ppt/tags/tag23.xml><?xml version="1.0" encoding="utf-8"?>
+<p:tagLst xmlns:a="http://schemas.openxmlformats.org/drawingml/2006/main" xmlns:r="http://schemas.openxmlformats.org/officeDocument/2006/relationships" xmlns:p="http://schemas.openxmlformats.org/presentationml/2006/main">
+  <p:tag name="KSO_WM_UNIT_HIGHLIGHT" val="0"/>
+  <p:tag name="KSO_WM_UNIT_COMPATIBLE" val="0"/>
+  <p:tag name="KSO_WM_UNIT_DIAGRAM_ISNUMVISUAL" val="0"/>
+  <p:tag name="KSO_WM_UNIT_DIAGRAM_ISREFERUNIT" val="0"/>
+  <p:tag name="KSO_WM_UNIT_ID" val="_4**"/>
+  <p:tag name="KSO_WM_UNIT_LAYERLEVEL" val="1"/>
+  <p:tag name="KSO_WM_TAG_VERSION" val="1.0"/>
+  <p:tag name="KSO_WM_BEAUTIFY_FLAG" val="#wm#"/>
+</p:tagLst>
+</file>
+
+<file path=ppt/tags/tag24.xml><?xml version="1.0" encoding="utf-8"?>
+<p:tagLst xmlns:a="http://schemas.openxmlformats.org/drawingml/2006/main" xmlns:r="http://schemas.openxmlformats.org/officeDocument/2006/relationships" xmlns:p="http://schemas.openxmlformats.org/presentationml/2006/main">
+  <p:tag name="KSO_WM_UNIT_HIGHLIGHT" val="0"/>
+  <p:tag name="KSO_WM_UNIT_COMPATIBLE" val="0"/>
+  <p:tag name="KSO_WM_UNIT_DIAGRAM_ISNUMVISUAL" val="0"/>
+  <p:tag name="KSO_WM_UNIT_DIAGRAM_ISREFERUNIT" val="0"/>
+  <p:tag name="KSO_WM_UNIT_ID" val="_4**"/>
+  <p:tag name="KSO_WM_UNIT_LAYERLEVEL" val="1"/>
+  <p:tag name="KSO_WM_TAG_VERSION" val="1.0"/>
+  <p:tag name="KSO_WM_BEAUTIFY_FLAG" val="#wm#"/>
+</p:tagLst>
+</file>
+
+<file path=ppt/tags/tag25.xml><?xml version="1.0" encoding="utf-8"?>
+<p:tagLst xmlns:a="http://schemas.openxmlformats.org/drawingml/2006/main" xmlns:r="http://schemas.openxmlformats.org/officeDocument/2006/relationships" xmlns:p="http://schemas.openxmlformats.org/presentationml/2006/main">
+  <p:tag name="KSO_WM_UNIT_HIGHLIGHT" val="0"/>
+  <p:tag name="KSO_WM_UNIT_COMPATIBLE" val="0"/>
+  <p:tag name="KSO_WM_UNIT_DIAGRAM_ISNUMVISUAL" val="0"/>
+  <p:tag name="KSO_WM_UNIT_DIAGRAM_ISREFERUNIT" val="0"/>
+  <p:tag name="KSO_WM_UNIT_ID" val="_4**"/>
+  <p:tag name="KSO_WM_UNIT_LAYERLEVEL" val="1"/>
+  <p:tag name="KSO_WM_TAG_VERSION" val="1.0"/>
+  <p:tag name="KSO_WM_BEAUTIFY_FLAG" val="#wm#"/>
+</p:tagLst>
+</file>
+
+<file path=ppt/tags/tag26.xml><?xml version="1.0" encoding="utf-8"?>
+<p:tagLst xmlns:a="http://schemas.openxmlformats.org/drawingml/2006/main" xmlns:r="http://schemas.openxmlformats.org/officeDocument/2006/relationships" xmlns:p="http://schemas.openxmlformats.org/presentationml/2006/main">
+  <p:tag name="KSO_WM_UNIT_HIGHLIGHT" val="0"/>
+  <p:tag name="KSO_WM_UNIT_COMPATIBLE" val="0"/>
+  <p:tag name="KSO_WM_UNIT_DIAGRAM_ISNUMVISUAL" val="0"/>
+  <p:tag name="KSO_WM_UNIT_DIAGRAM_ISREFERUNIT" val="0"/>
+  <p:tag name="KSO_WM_UNIT_ID" val="_4**"/>
+  <p:tag name="KSO_WM_UNIT_LAYERLEVEL" val="1"/>
+  <p:tag name="KSO_WM_TAG_VERSION" val="1.0"/>
+  <p:tag name="KSO_WM_BEAUTIFY_FLAG" val="#wm#"/>
+</p:tagLst>
+</file>
+
+<file path=ppt/tags/tag27.xml><?xml version="1.0" encoding="utf-8"?>
+<p:tagLst xmlns:a="http://schemas.openxmlformats.org/drawingml/2006/main" xmlns:r="http://schemas.openxmlformats.org/officeDocument/2006/relationships" xmlns:p="http://schemas.openxmlformats.org/presentationml/2006/main">
+  <p:tag name="KSO_WM_UNIT_HIGHLIGHT" val="0"/>
+  <p:tag name="KSO_WM_UNIT_COMPATIBLE" val="0"/>
+  <p:tag name="KSO_WM_UNIT_DIAGRAM_ISNUMVISUAL" val="0"/>
+  <p:tag name="KSO_WM_UNIT_DIAGRAM_ISREFERUNIT" val="0"/>
+  <p:tag name="KSO_WM_UNIT_ID" val="_4**"/>
+  <p:tag name="KSO_WM_UNIT_LAYERLEVEL" val="1"/>
+  <p:tag name="KSO_WM_TAG_VERSION" val="1.0"/>
+  <p:tag name="KSO_WM_BEAUTIFY_FLAG" val="#wm#"/>
+</p:tagLst>
+</file>
+
+<file path=ppt/tags/tag28.xml><?xml version="1.0" encoding="utf-8"?>
+<p:tagLst xmlns:a="http://schemas.openxmlformats.org/drawingml/2006/main" xmlns:r="http://schemas.openxmlformats.org/officeDocument/2006/relationships" xmlns:p="http://schemas.openxmlformats.org/presentationml/2006/main">
+  <p:tag name="KSO_WM_UNIT_HIGHLIGHT" val="0"/>
+  <p:tag name="KSO_WM_UNIT_COMPATIBLE" val="0"/>
+  <p:tag name="KSO_WM_UNIT_DIAGRAM_ISNUMVISUAL" val="0"/>
+  <p:tag name="KSO_WM_UNIT_DIAGRAM_ISREFERUNIT" val="0"/>
+  <p:tag name="KSO_WM_UNIT_ID" val="_5**"/>
+  <p:tag name="KSO_WM_UNIT_LAYERLEVEL" val="1"/>
+  <p:tag name="KSO_WM_TAG_VERSION" val="1.0"/>
+  <p:tag name="KSO_WM_BEAUTIFY_FLAG" val="#wm#"/>
+</p:tagLst>
+</file>
+
+<file path=ppt/tags/tag29.xml><?xml version="1.0" encoding="utf-8"?>
+<p:tagLst xmlns:a="http://schemas.openxmlformats.org/drawingml/2006/main" xmlns:r="http://schemas.openxmlformats.org/officeDocument/2006/relationships" xmlns:p="http://schemas.openxmlformats.org/presentationml/2006/main">
+  <p:tag name="KSO_WM_UNIT_HIGHLIGHT" val="0"/>
+  <p:tag name="KSO_WM_UNIT_COMPATIBLE" val="0"/>
+  <p:tag name="KSO_WM_UNIT_DIAGRAM_ISNUMVISUAL" val="0"/>
+  <p:tag name="KSO_WM_UNIT_DIAGRAM_ISREFERUNIT" val="0"/>
+  <p:tag name="KSO_WM_UNIT_ID" val="_5**"/>
+  <p:tag name="KSO_WM_UNIT_LAYERLEVEL" val="1"/>
+  <p:tag name="KSO_WM_TAG_VERSION" val="1.0"/>
+  <p:tag name="KSO_WM_BEAUTIFY_FLAG" val="#wm#"/>
+</p:tagLst>
+</file>
+
+<file path=ppt/tags/tag3.xml><?xml version="1.0" encoding="utf-8"?>
+<p:tagLst xmlns:a="http://schemas.openxmlformats.org/drawingml/2006/main" xmlns:r="http://schemas.openxmlformats.org/officeDocument/2006/relationships" xmlns:p="http://schemas.openxmlformats.org/presentationml/2006/main">
+  <p:tag name="KSO_WM_UNIT_HIGHLIGHT" val="0"/>
+  <p:tag name="KSO_WM_UNIT_COMPATIBLE" val="0"/>
+  <p:tag name="KSO_WM_UNIT_DIAGRAM_ISNUMVISUAL" val="0"/>
+  <p:tag name="KSO_WM_UNIT_DIAGRAM_ISREFERUNIT" val="0"/>
+  <p:tag name="KSO_WM_UNIT_ID" val="_0**"/>
+  <p:tag name="KSO_WM_UNIT_LAYERLEVEL" val="1"/>
+  <p:tag name="KSO_WM_TAG_VERSION" val="1.0"/>
+  <p:tag name="KSO_WM_BEAUTIFY_FLAG" val="#wm#"/>
+</p:tagLst>
+</file>
+
+<file path=ppt/tags/tag30.xml><?xml version="1.0" encoding="utf-8"?>
+<p:tagLst xmlns:a="http://schemas.openxmlformats.org/drawingml/2006/main" xmlns:r="http://schemas.openxmlformats.org/officeDocument/2006/relationships" xmlns:p="http://schemas.openxmlformats.org/presentationml/2006/main">
+  <p:tag name="KSO_WM_UNIT_HIGHLIGHT" val="0"/>
+  <p:tag name="KSO_WM_UNIT_COMPATIBLE" val="0"/>
+  <p:tag name="KSO_WM_UNIT_DIAGRAM_ISNUMVISUAL" val="0"/>
+  <p:tag name="KSO_WM_UNIT_DIAGRAM_ISREFERUNIT" val="0"/>
+  <p:tag name="KSO_WM_UNIT_ID" val="_5**"/>
+  <p:tag name="KSO_WM_UNIT_LAYERLEVEL" val="1"/>
+  <p:tag name="KSO_WM_TAG_VERSION" val="1.0"/>
+  <p:tag name="KSO_WM_BEAUTIFY_FLAG" val="#wm#"/>
+</p:tagLst>
+</file>
+
+<file path=ppt/tags/tag31.xml><?xml version="1.0" encoding="utf-8"?>
+<p:tagLst xmlns:a="http://schemas.openxmlformats.org/drawingml/2006/main" xmlns:r="http://schemas.openxmlformats.org/officeDocument/2006/relationships" xmlns:p="http://schemas.openxmlformats.org/presentationml/2006/main">
+  <p:tag name="KSO_WM_UNIT_HIGHLIGHT" val="0"/>
+  <p:tag name="KSO_WM_UNIT_COMPATIBLE" val="0"/>
+  <p:tag name="KSO_WM_UNIT_DIAGRAM_ISNUMVISUAL" val="0"/>
+  <p:tag name="KSO_WM_UNIT_DIAGRAM_ISREFERUNIT" val="0"/>
+  <p:tag name="KSO_WM_UNIT_ID" val="_5**"/>
+  <p:tag name="KSO_WM_UNIT_LAYERLEVEL" val="1"/>
+  <p:tag name="KSO_WM_TAG_VERSION" val="1.0"/>
+  <p:tag name="KSO_WM_BEAUTIFY_FLAG" val="#wm#"/>
+</p:tagLst>
+</file>
+
+<file path=ppt/tags/tag32.xml><?xml version="1.0" encoding="utf-8"?>
+<p:tagLst xmlns:a="http://schemas.openxmlformats.org/drawingml/2006/main" xmlns:r="http://schemas.openxmlformats.org/officeDocument/2006/relationships" xmlns:p="http://schemas.openxmlformats.org/presentationml/2006/main">
+  <p:tag name="KSO_WM_UNIT_HIGHLIGHT" val="0"/>
+  <p:tag name="KSO_WM_UNIT_COMPATIBLE" val="0"/>
+  <p:tag name="KSO_WM_UNIT_DIAGRAM_ISNUMVISUAL" val="0"/>
+  <p:tag name="KSO_WM_UNIT_DIAGRAM_ISREFERUNIT" val="0"/>
+  <p:tag name="KSO_WM_UNIT_ID" val="_5**"/>
+  <p:tag name="KSO_WM_UNIT_LAYERLEVEL" val="1"/>
+  <p:tag name="KSO_WM_TAG_VERSION" val="1.0"/>
+  <p:tag name="KSO_WM_BEAUTIFY_FLAG" val="#wm#"/>
+</p:tagLst>
+</file>
+
+<file path=ppt/tags/tag33.xml><?xml version="1.0" encoding="utf-8"?>
+<p:tagLst xmlns:a="http://schemas.openxmlformats.org/drawingml/2006/main" xmlns:r="http://schemas.openxmlformats.org/officeDocument/2006/relationships" xmlns:p="http://schemas.openxmlformats.org/presentationml/2006/main">
+  <p:tag name="KSO_WM_UNIT_HIGHLIGHT" val="0"/>
+  <p:tag name="KSO_WM_UNIT_COMPATIBLE" val="0"/>
+  <p:tag name="KSO_WM_UNIT_DIAGRAM_ISNUMVISUAL" val="0"/>
+  <p:tag name="KSO_WM_UNIT_DIAGRAM_ISREFERUNIT" val="0"/>
+  <p:tag name="KSO_WM_UNIT_ID" val="_5**"/>
+  <p:tag name="KSO_WM_UNIT_LAYERLEVEL" val="1"/>
+  <p:tag name="KSO_WM_TAG_VERSION" val="1.0"/>
+  <p:tag name="KSO_WM_BEAUTIFY_FLAG" val="#wm#"/>
+</p:tagLst>
+</file>
+
+<file path=ppt/tags/tag34.xml><?xml version="1.0" encoding="utf-8"?>
+<p:tagLst xmlns:a="http://schemas.openxmlformats.org/drawingml/2006/main" xmlns:r="http://schemas.openxmlformats.org/officeDocument/2006/relationships" xmlns:p="http://schemas.openxmlformats.org/presentationml/2006/main">
+  <p:tag name="KSO_WM_UNIT_HIGHLIGHT" val="0"/>
+  <p:tag name="KSO_WM_UNIT_COMPATIBLE" val="0"/>
+  <p:tag name="KSO_WM_UNIT_DIAGRAM_ISNUMVISUAL" val="0"/>
+  <p:tag name="KSO_WM_UNIT_DIAGRAM_ISREFERUNIT" val="0"/>
+  <p:tag name="KSO_WM_UNIT_ID" val="_5**"/>
+  <p:tag name="KSO_WM_UNIT_LAYERLEVEL" val="1"/>
+  <p:tag name="KSO_WM_TAG_VERSION" val="1.0"/>
+  <p:tag name="KSO_WM_BEAUTIFY_FLAG" val="#wm#"/>
+</p:tagLst>
+</file>
+
+<file path=ppt/tags/tag35.xml><?xml version="1.0" encoding="utf-8"?>
+<p:tagLst xmlns:a="http://schemas.openxmlformats.org/drawingml/2006/main" xmlns:r="http://schemas.openxmlformats.org/officeDocument/2006/relationships" xmlns:p="http://schemas.openxmlformats.org/presentationml/2006/main">
+  <p:tag name="KSO_WM_UNIT_HIGHLIGHT" val="0"/>
+  <p:tag name="KSO_WM_UNIT_COMPATIBLE" val="0"/>
+  <p:tag name="KSO_WM_UNIT_DIAGRAM_ISNUMVISUAL" val="0"/>
+  <p:tag name="KSO_WM_UNIT_DIAGRAM_ISREFERUNIT" val="0"/>
+  <p:tag name="KSO_WM_UNIT_ID" val="_5**"/>
+  <p:tag name="KSO_WM_UNIT_LAYERLEVEL" val="1"/>
+  <p:tag name="KSO_WM_TAG_VERSION" val="1.0"/>
+  <p:tag name="KSO_WM_BEAUTIFY_FLAG" val="#wm#"/>
+</p:tagLst>
+</file>
+
+<file path=ppt/tags/tag36.xml><?xml version="1.0" encoding="utf-8"?>
+<p:tagLst xmlns:a="http://schemas.openxmlformats.org/drawingml/2006/main" xmlns:r="http://schemas.openxmlformats.org/officeDocument/2006/relationships" xmlns:p="http://schemas.openxmlformats.org/presentationml/2006/main">
+  <p:tag name="KSO_WM_UNIT_HIGHLIGHT" val="0"/>
+  <p:tag name="KSO_WM_UNIT_COMPATIBLE" val="0"/>
+  <p:tag name="KSO_WM_UNIT_DIAGRAM_ISNUMVISUAL" val="0"/>
+  <p:tag name="KSO_WM_UNIT_DIAGRAM_ISREFERUNIT" val="0"/>
+  <p:tag name="KSO_WM_UNIT_ID" val="_6**"/>
+  <p:tag name="KSO_WM_UNIT_LAYERLEVEL" val="1"/>
+  <p:tag name="KSO_WM_TAG_VERSION" val="1.0"/>
+  <p:tag name="KSO_WM_BEAUTIFY_FLAG" val="#wm#"/>
+</p:tagLst>
+</file>
+
+<file path=ppt/tags/tag37.xml><?xml version="1.0" encoding="utf-8"?>
+<p:tagLst xmlns:a="http://schemas.openxmlformats.org/drawingml/2006/main" xmlns:r="http://schemas.openxmlformats.org/officeDocument/2006/relationships" xmlns:p="http://schemas.openxmlformats.org/presentationml/2006/main">
+  <p:tag name="KSO_WM_UNIT_HIGHLIGHT" val="0"/>
+  <p:tag name="KSO_WM_UNIT_COMPATIBLE" val="0"/>
+  <p:tag name="KSO_WM_UNIT_DIAGRAM_ISNUMVISUAL" val="0"/>
+  <p:tag name="KSO_WM_UNIT_DIAGRAM_ISREFERUNIT" val="0"/>
+  <p:tag name="KSO_WM_UNIT_ID" val="_6**"/>
+  <p:tag name="KSO_WM_UNIT_LAYERLEVEL" val="1"/>
+  <p:tag name="KSO_WM_TAG_VERSION" val="1.0"/>
+  <p:tag name="KSO_WM_BEAUTIFY_FLAG" val="#wm#"/>
+</p:tagLst>
+</file>
+
+<file path=ppt/tags/tag38.xml><?xml version="1.0" encoding="utf-8"?>
+<p:tagLst xmlns:a="http://schemas.openxmlformats.org/drawingml/2006/main" xmlns:r="http://schemas.openxmlformats.org/officeDocument/2006/relationships" xmlns:p="http://schemas.openxmlformats.org/presentationml/2006/main">
+  <p:tag name="KSO_WM_UNIT_HIGHLIGHT" val="0"/>
+  <p:tag name="KSO_WM_UNIT_COMPATIBLE" val="0"/>
+  <p:tag name="KSO_WM_UNIT_DIAGRAM_ISNUMVISUAL" val="0"/>
+  <p:tag name="KSO_WM_UNIT_DIAGRAM_ISREFERUNIT" val="0"/>
+  <p:tag name="KSO_WM_UNIT_ID" val="_6**"/>
+  <p:tag name="KSO_WM_UNIT_LAYERLEVEL" val="1"/>
+  <p:tag name="KSO_WM_TAG_VERSION" val="1.0"/>
+  <p:tag name="KSO_WM_BEAUTIFY_FLAG" val="#wm#"/>
+</p:tagLst>
+</file>
+
+<file path=ppt/tags/tag39.xml><?xml version="1.0" encoding="utf-8"?>
+<p:tagLst xmlns:a="http://schemas.openxmlformats.org/drawingml/2006/main" xmlns:r="http://schemas.openxmlformats.org/officeDocument/2006/relationships" xmlns:p="http://schemas.openxmlformats.org/presentationml/2006/main">
+  <p:tag name="KSO_WM_UNIT_HIGHLIGHT" val="0"/>
+  <p:tag name="KSO_WM_UNIT_COMPATIBLE" val="0"/>
+  <p:tag name="KSO_WM_UNIT_DIAGRAM_ISNUMVISUAL" val="0"/>
+  <p:tag name="KSO_WM_UNIT_DIAGRAM_ISREFERUNIT" val="0"/>
+  <p:tag name="KSO_WM_UNIT_ID" val="_6**"/>
+  <p:tag name="KSO_WM_UNIT_LAYERLEVEL" val="1"/>
+  <p:tag name="KSO_WM_TAG_VERSION" val="1.0"/>
+  <p:tag name="KSO_WM_BEAUTIFY_FLAG" val="#wm#"/>
+</p:tagLst>
+</file>
+
+<file path=ppt/tags/tag4.xml><?xml version="1.0" encoding="utf-8"?>
+<p:tagLst xmlns:a="http://schemas.openxmlformats.org/drawingml/2006/main" xmlns:r="http://schemas.openxmlformats.org/officeDocument/2006/relationships" xmlns:p="http://schemas.openxmlformats.org/presentationml/2006/main">
+  <p:tag name="KSO_WM_UNIT_HIGHLIGHT" val="0"/>
+  <p:tag name="KSO_WM_UNIT_COMPATIBLE" val="0"/>
+  <p:tag name="KSO_WM_UNIT_DIAGRAM_ISNUMVISUAL" val="0"/>
+  <p:tag name="KSO_WM_UNIT_DIAGRAM_ISREFERUNIT" val="0"/>
+  <p:tag name="KSO_WM_UNIT_ID" val="_0**"/>
+  <p:tag name="KSO_WM_UNIT_LAYERLEVEL" val="1"/>
+  <p:tag name="KSO_WM_TAG_VERSION" val="1.0"/>
+  <p:tag name="KSO_WM_BEAUTIFY_FLAG" val="#wm#"/>
+</p:tagLst>
+</file>
+
+<file path=ppt/tags/tag40.xml><?xml version="1.0" encoding="utf-8"?>
+<p:tagLst xmlns:a="http://schemas.openxmlformats.org/drawingml/2006/main" xmlns:r="http://schemas.openxmlformats.org/officeDocument/2006/relationships" xmlns:p="http://schemas.openxmlformats.org/presentationml/2006/main">
+  <p:tag name="KSO_WM_UNIT_HIGHLIGHT" val="0"/>
+  <p:tag name="KSO_WM_UNIT_COMPATIBLE" val="0"/>
+  <p:tag name="KSO_WM_UNIT_DIAGRAM_ISNUMVISUAL" val="0"/>
+  <p:tag name="KSO_WM_UNIT_DIAGRAM_ISREFERUNIT" val="0"/>
+  <p:tag name="KSO_WM_UNIT_ID" val="_7**"/>
+  <p:tag name="KSO_WM_UNIT_LAYERLEVEL" val="1"/>
+  <p:tag name="KSO_WM_TAG_VERSION" val="1.0"/>
+  <p:tag name="KSO_WM_BEAUTIFY_FLAG" val="#wm#"/>
+</p:tagLst>
+</file>
+
+<file path=ppt/tags/tag41.xml><?xml version="1.0" encoding="utf-8"?>
+<p:tagLst xmlns:a="http://schemas.openxmlformats.org/drawingml/2006/main" xmlns:r="http://schemas.openxmlformats.org/officeDocument/2006/relationships" xmlns:p="http://schemas.openxmlformats.org/presentationml/2006/main">
+  <p:tag name="KSO_WM_UNIT_HIGHLIGHT" val="0"/>
+  <p:tag name="KSO_WM_UNIT_COMPATIBLE" val="0"/>
+  <p:tag name="KSO_WM_UNIT_DIAGRAM_ISNUMVISUAL" val="0"/>
+  <p:tag name="KSO_WM_UNIT_DIAGRAM_ISREFERUNIT" val="0"/>
+  <p:tag name="KSO_WM_UNIT_ID" val="_7**"/>
+  <p:tag name="KSO_WM_UNIT_LAYERLEVEL" val="1"/>
+  <p:tag name="KSO_WM_TAG_VERSION" val="1.0"/>
+  <p:tag name="KSO_WM_BEAUTIFY_FLAG" val="#wm#"/>
+</p:tagLst>
+</file>
+
+<file path=ppt/tags/tag42.xml><?xml version="1.0" encoding="utf-8"?>
+<p:tagLst xmlns:a="http://schemas.openxmlformats.org/drawingml/2006/main" xmlns:r="http://schemas.openxmlformats.org/officeDocument/2006/relationships" xmlns:p="http://schemas.openxmlformats.org/presentationml/2006/main">
+  <p:tag name="KSO_WM_UNIT_HIGHLIGHT" val="0"/>
+  <p:tag name="KSO_WM_UNIT_COMPATIBLE" val="0"/>
+  <p:tag name="KSO_WM_UNIT_DIAGRAM_ISNUMVISUAL" val="0"/>
+  <p:tag name="KSO_WM_UNIT_DIAGRAM_ISREFERUNIT" val="0"/>
+  <p:tag name="KSO_WM_UNIT_ID" val="_7**"/>
+  <p:tag name="KSO_WM_UNIT_LAYERLEVEL" val="1"/>
+  <p:tag name="KSO_WM_TAG_VERSION" val="1.0"/>
+  <p:tag name="KSO_WM_BEAUTIFY_FLAG" val="#wm#"/>
+</p:tagLst>
+</file>
+
+<file path=ppt/tags/tag43.xml><?xml version="1.0" encoding="utf-8"?>
+<p:tagLst xmlns:a="http://schemas.openxmlformats.org/drawingml/2006/main" xmlns:r="http://schemas.openxmlformats.org/officeDocument/2006/relationships" xmlns:p="http://schemas.openxmlformats.org/presentationml/2006/main">
+  <p:tag name="KSO_WM_UNIT_HIGHLIGHT" val="0"/>
+  <p:tag name="KSO_WM_UNIT_COMPATIBLE" val="0"/>
+  <p:tag name="KSO_WM_UNIT_DIAGRAM_ISNUMVISUAL" val="0"/>
+  <p:tag name="KSO_WM_UNIT_DIAGRAM_ISREFERUNIT" val="0"/>
+  <p:tag name="KSO_WM_UNIT_ID" val="_8**"/>
+  <p:tag name="KSO_WM_UNIT_LAYERLEVEL" val="1"/>
+  <p:tag name="KSO_WM_TAG_VERSION" val="1.0"/>
+  <p:tag name="KSO_WM_BEAUTIFY_FLAG" val="#wm#"/>
+</p:tagLst>
+</file>
+
+<file path=ppt/tags/tag44.xml><?xml version="1.0" encoding="utf-8"?>
+<p:tagLst xmlns:a="http://schemas.openxmlformats.org/drawingml/2006/main" xmlns:r="http://schemas.openxmlformats.org/officeDocument/2006/relationships" xmlns:p="http://schemas.openxmlformats.org/presentationml/2006/main">
+  <p:tag name="KSO_WM_UNIT_HIGHLIGHT" val="0"/>
+  <p:tag name="KSO_WM_UNIT_COMPATIBLE" val="0"/>
+  <p:tag name="KSO_WM_UNIT_DIAGRAM_ISNUMVISUAL" val="0"/>
+  <p:tag name="KSO_WM_UNIT_DIAGRAM_ISREFERUNIT" val="0"/>
+  <p:tag name="KSO_WM_UNIT_ID" val="_8**"/>
+  <p:tag name="KSO_WM_UNIT_LAYERLEVEL" val="1"/>
+  <p:tag name="KSO_WM_TAG_VERSION" val="1.0"/>
+  <p:tag name="KSO_WM_BEAUTIFY_FLAG" val="#wm#"/>
+</p:tagLst>
+</file>
+
+<file path=ppt/tags/tag45.xml><?xml version="1.0" encoding="utf-8"?>
+<p:tagLst xmlns:a="http://schemas.openxmlformats.org/drawingml/2006/main" xmlns:r="http://schemas.openxmlformats.org/officeDocument/2006/relationships" xmlns:p="http://schemas.openxmlformats.org/presentationml/2006/main">
+  <p:tag name="KSO_WM_UNIT_HIGHLIGHT" val="0"/>
+  <p:tag name="KSO_WM_UNIT_COMPATIBLE" val="0"/>
+  <p:tag name="KSO_WM_UNIT_DIAGRAM_ISNUMVISUAL" val="0"/>
+  <p:tag name="KSO_WM_UNIT_DIAGRAM_ISREFERUNIT" val="0"/>
+  <p:tag name="KSO_WM_UNIT_ID" val="_8**"/>
+  <p:tag name="KSO_WM_UNIT_LAYERLEVEL" val="1"/>
+  <p:tag name="KSO_WM_TAG_VERSION" val="1.0"/>
+  <p:tag name="KSO_WM_BEAUTIFY_FLAG" val="#wm#"/>
+</p:tagLst>
+</file>
+
+<file path=ppt/tags/tag46.xml><?xml version="1.0" encoding="utf-8"?>
+<p:tagLst xmlns:a="http://schemas.openxmlformats.org/drawingml/2006/main" xmlns:r="http://schemas.openxmlformats.org/officeDocument/2006/relationships" xmlns:p="http://schemas.openxmlformats.org/presentationml/2006/main">
+  <p:tag name="KSO_WM_UNIT_HIGHLIGHT" val="0"/>
+  <p:tag name="KSO_WM_UNIT_COMPATIBLE" val="0"/>
+  <p:tag name="KSO_WM_UNIT_DIAGRAM_ISNUMVISUAL" val="0"/>
+  <p:tag name="KSO_WM_UNIT_DIAGRAM_ISREFERUNIT" val="0"/>
+  <p:tag name="KSO_WM_UNIT_ID" val="_8**"/>
+  <p:tag name="KSO_WM_UNIT_LAYERLEVEL" val="1"/>
+  <p:tag name="KSO_WM_TAG_VERSION" val="1.0"/>
+  <p:tag name="KSO_WM_BEAUTIFY_FLAG" val="#wm#"/>
+</p:tagLst>
+</file>
+
+<file path=ppt/tags/tag47.xml><?xml version="1.0" encoding="utf-8"?>
+<p:tagLst xmlns:a="http://schemas.openxmlformats.org/drawingml/2006/main" xmlns:r="http://schemas.openxmlformats.org/officeDocument/2006/relationships" xmlns:p="http://schemas.openxmlformats.org/presentationml/2006/main">
+  <p:tag name="KSO_WM_UNIT_HIGHLIGHT" val="0"/>
+  <p:tag name="KSO_WM_UNIT_COMPATIBLE" val="0"/>
+  <p:tag name="KSO_WM_UNIT_DIAGRAM_ISNUMVISUAL" val="0"/>
+  <p:tag name="KSO_WM_UNIT_DIAGRAM_ISREFERUNIT" val="0"/>
+  <p:tag name="KSO_WM_UNIT_ID" val="_8**"/>
+  <p:tag name="KSO_WM_UNIT_LAYERLEVEL" val="1"/>
+  <p:tag name="KSO_WM_TAG_VERSION" val="1.0"/>
+  <p:tag name="KSO_WM_BEAUTIFY_FLAG" val="#wm#"/>
+</p:tagLst>
+</file>
+
+<file path=ppt/tags/tag48.xml><?xml version="1.0" encoding="utf-8"?>
+<p:tagLst xmlns:a="http://schemas.openxmlformats.org/drawingml/2006/main" xmlns:r="http://schemas.openxmlformats.org/officeDocument/2006/relationships" xmlns:p="http://schemas.openxmlformats.org/presentationml/2006/main">
+  <p:tag name="KSO_WM_UNIT_HIGHLIGHT" val="0"/>
+  <p:tag name="KSO_WM_UNIT_COMPATIBLE" val="0"/>
+  <p:tag name="KSO_WM_UNIT_DIAGRAM_ISNUMVISUAL" val="0"/>
+  <p:tag name="KSO_WM_UNIT_DIAGRAM_ISREFERUNIT" val="0"/>
+  <p:tag name="KSO_WM_UNIT_ID" val="_8**"/>
+  <p:tag name="KSO_WM_UNIT_LAYERLEVEL" val="1"/>
+  <p:tag name="KSO_WM_TAG_VERSION" val="1.0"/>
+  <p:tag name="KSO_WM_BEAUTIFY_FLAG" val="#wm#"/>
+</p:tagLst>
+</file>
+
+<file path=ppt/tags/tag49.xml><?xml version="1.0" encoding="utf-8"?>
+<p:tagLst xmlns:a="http://schemas.openxmlformats.org/drawingml/2006/main" xmlns:r="http://schemas.openxmlformats.org/officeDocument/2006/relationships" xmlns:p="http://schemas.openxmlformats.org/presentationml/2006/main">
+  <p:tag name="KSO_WM_UNIT_HIGHLIGHT" val="0"/>
+  <p:tag name="KSO_WM_UNIT_COMPATIBLE" val="0"/>
+  <p:tag name="KSO_WM_UNIT_DIAGRAM_ISNUMVISUAL" val="0"/>
+  <p:tag name="KSO_WM_UNIT_DIAGRAM_ISREFERUNIT" val="0"/>
+  <p:tag name="KSO_WM_UNIT_ID" val="_9**"/>
+  <p:tag name="KSO_WM_UNIT_LAYERLEVEL" val="1"/>
+  <p:tag name="KSO_WM_TAG_VERSION" val="1.0"/>
+  <p:tag name="KSO_WM_BEAUTIFY_FLAG" val="#wm#"/>
+</p:tagLst>
+</file>
+
+<file path=ppt/tags/tag5.xml><?xml version="1.0" encoding="utf-8"?>
+<p:tagLst xmlns:a="http://schemas.openxmlformats.org/drawingml/2006/main" xmlns:r="http://schemas.openxmlformats.org/officeDocument/2006/relationships" xmlns:p="http://schemas.openxmlformats.org/presentationml/2006/main">
+  <p:tag name="KSO_WM_UNIT_HIGHLIGHT" val="0"/>
+  <p:tag name="KSO_WM_UNIT_COMPATIBLE" val="0"/>
+  <p:tag name="KSO_WM_UNIT_DIAGRAM_ISNUMVISUAL" val="0"/>
+  <p:tag name="KSO_WM_UNIT_DIAGRAM_ISREFERUNIT" val="0"/>
+  <p:tag name="KSO_WM_UNIT_ID" val="_0**"/>
+  <p:tag name="KSO_WM_UNIT_LAYERLEVEL" val="1"/>
+  <p:tag name="KSO_WM_TAG_VERSION" val="1.0"/>
+  <p:tag name="KSO_WM_BEAUTIFY_FLAG" val="#wm#"/>
+</p:tagLst>
+</file>
+
+<file path=ppt/tags/tag50.xml><?xml version="1.0" encoding="utf-8"?>
+<p:tagLst xmlns:a="http://schemas.openxmlformats.org/drawingml/2006/main" xmlns:r="http://schemas.openxmlformats.org/officeDocument/2006/relationships" xmlns:p="http://schemas.openxmlformats.org/presentationml/2006/main">
+  <p:tag name="KSO_WM_UNIT_HIGHLIGHT" val="0"/>
+  <p:tag name="KSO_WM_UNIT_COMPATIBLE" val="0"/>
+  <p:tag name="KSO_WM_UNIT_DIAGRAM_ISNUMVISUAL" val="0"/>
+  <p:tag name="KSO_WM_UNIT_DIAGRAM_ISREFERUNIT" val="0"/>
+  <p:tag name="KSO_WM_UNIT_ID" val="_9**"/>
+  <p:tag name="KSO_WM_UNIT_LAYERLEVEL" val="1"/>
+  <p:tag name="KSO_WM_TAG_VERSION" val="1.0"/>
+  <p:tag name="KSO_WM_BEAUTIFY_FLAG" val="#wm#"/>
+</p:tagLst>
+</file>
+
+<file path=ppt/tags/tag51.xml><?xml version="1.0" encoding="utf-8"?>
+<p:tagLst xmlns:a="http://schemas.openxmlformats.org/drawingml/2006/main" xmlns:r="http://schemas.openxmlformats.org/officeDocument/2006/relationships" xmlns:p="http://schemas.openxmlformats.org/presentationml/2006/main">
+  <p:tag name="KSO_WM_UNIT_HIGHLIGHT" val="0"/>
+  <p:tag name="KSO_WM_UNIT_COMPATIBLE" val="0"/>
+  <p:tag name="KSO_WM_UNIT_DIAGRAM_ISNUMVISUAL" val="0"/>
+  <p:tag name="KSO_WM_UNIT_DIAGRAM_ISREFERUNIT" val="0"/>
+  <p:tag name="KSO_WM_UNIT_ID" val="_9**"/>
+  <p:tag name="KSO_WM_UNIT_LAYERLEVEL" val="1"/>
+  <p:tag name="KSO_WM_TAG_VERSION" val="1.0"/>
+  <p:tag name="KSO_WM_BEAUTIFY_FLAG" val="#wm#"/>
+</p:tagLst>
+</file>
+
+<file path=ppt/tags/tag52.xml><?xml version="1.0" encoding="utf-8"?>
+<p:tagLst xmlns:a="http://schemas.openxmlformats.org/drawingml/2006/main" xmlns:r="http://schemas.openxmlformats.org/officeDocument/2006/relationships" xmlns:p="http://schemas.openxmlformats.org/presentationml/2006/main">
+  <p:tag name="KSO_WM_UNIT_HIGHLIGHT" val="0"/>
+  <p:tag name="KSO_WM_UNIT_COMPATIBLE" val="0"/>
+  <p:tag name="KSO_WM_UNIT_DIAGRAM_ISNUMVISUAL" val="0"/>
+  <p:tag name="KSO_WM_UNIT_DIAGRAM_ISREFERUNIT" val="0"/>
+  <p:tag name="KSO_WM_UNIT_ID" val="_9**"/>
+  <p:tag name="KSO_WM_UNIT_LAYERLEVEL" val="1"/>
+  <p:tag name="KSO_WM_TAG_VERSION" val="1.0"/>
+  <p:tag name="KSO_WM_BEAUTIFY_FLAG" val="#wm#"/>
+</p:tagLst>
+</file>
+
+<file path=ppt/tags/tag53.xml><?xml version="1.0" encoding="utf-8"?>
+<p:tagLst xmlns:a="http://schemas.openxmlformats.org/drawingml/2006/main" xmlns:r="http://schemas.openxmlformats.org/officeDocument/2006/relationships" xmlns:p="http://schemas.openxmlformats.org/presentationml/2006/main">
+  <p:tag name="KSO_WM_UNIT_HIGHLIGHT" val="0"/>
+  <p:tag name="KSO_WM_UNIT_COMPATIBLE" val="0"/>
+  <p:tag name="KSO_WM_UNIT_DIAGRAM_ISNUMVISUAL" val="0"/>
+  <p:tag name="KSO_WM_UNIT_DIAGRAM_ISREFERUNIT" val="0"/>
+  <p:tag name="KSO_WM_UNIT_ID" val="_9**"/>
+  <p:tag name="KSO_WM_UNIT_LAYERLEVEL" val="1"/>
+  <p:tag name="KSO_WM_TAG_VERSION" val="1.0"/>
+  <p:tag name="KSO_WM_BEAUTIFY_FLAG" val="#wm#"/>
+</p:tagLst>
+</file>
+
+<file path=ppt/tags/tag54.xml><?xml version="1.0" encoding="utf-8"?>
+<p:tagLst xmlns:a="http://schemas.openxmlformats.org/drawingml/2006/main" xmlns:r="http://schemas.openxmlformats.org/officeDocument/2006/relationships" xmlns:p="http://schemas.openxmlformats.org/presentationml/2006/main">
+  <p:tag name="KSO_WM_UNIT_HIGHLIGHT" val="0"/>
+  <p:tag name="KSO_WM_UNIT_COMPATIBLE" val="0"/>
+  <p:tag name="KSO_WM_UNIT_DIAGRAM_ISNUMVISUAL" val="0"/>
+  <p:tag name="KSO_WM_UNIT_DIAGRAM_ISREFERUNIT" val="0"/>
+  <p:tag name="KSO_WM_UNIT_ID" val="_10**"/>
+  <p:tag name="KSO_WM_UNIT_LAYERLEVEL" val="1"/>
+  <p:tag name="KSO_WM_TAG_VERSION" val="1.0"/>
+  <p:tag name="KSO_WM_BEAUTIFY_FLAG" val="#wm#"/>
+</p:tagLst>
+</file>
+
+<file path=ppt/tags/tag55.xml><?xml version="1.0" encoding="utf-8"?>
+<p:tagLst xmlns:a="http://schemas.openxmlformats.org/drawingml/2006/main" xmlns:r="http://schemas.openxmlformats.org/officeDocument/2006/relationships" xmlns:p="http://schemas.openxmlformats.org/presentationml/2006/main">
+  <p:tag name="KSO_WM_UNIT_HIGHLIGHT" val="0"/>
+  <p:tag name="KSO_WM_UNIT_COMPATIBLE" val="0"/>
+  <p:tag name="KSO_WM_UNIT_DIAGRAM_ISNUMVISUAL" val="0"/>
+  <p:tag name="KSO_WM_UNIT_DIAGRAM_ISREFERUNIT" val="0"/>
+  <p:tag name="KSO_WM_UNIT_ID" val="_10**"/>
+  <p:tag name="KSO_WM_UNIT_LAYERLEVEL" val="1"/>
+  <p:tag name="KSO_WM_TAG_VERSION" val="1.0"/>
+  <p:tag name="KSO_WM_BEAUTIFY_FLAG" val="#wm#"/>
+</p:tagLst>
+</file>
+
+<file path=ppt/tags/tag56.xml><?xml version="1.0" encoding="utf-8"?>
+<p:tagLst xmlns:a="http://schemas.openxmlformats.org/drawingml/2006/main" xmlns:r="http://schemas.openxmlformats.org/officeDocument/2006/relationships" xmlns:p="http://schemas.openxmlformats.org/presentationml/2006/main">
+  <p:tag name="KSO_WM_UNIT_HIGHLIGHT" val="0"/>
+  <p:tag name="KSO_WM_UNIT_COMPATIBLE" val="0"/>
+  <p:tag name="KSO_WM_UNIT_DIAGRAM_ISNUMVISUAL" val="0"/>
+  <p:tag name="KSO_WM_UNIT_DIAGRAM_ISREFERUNIT" val="0"/>
+  <p:tag name="KSO_WM_UNIT_ID" val="_10**"/>
+  <p:tag name="KSO_WM_UNIT_LAYERLEVEL" val="1"/>
+  <p:tag name="KSO_WM_TAG_VERSION" val="1.0"/>
+  <p:tag name="KSO_WM_BEAUTIFY_FLAG" val="#wm#"/>
+</p:tagLst>
+</file>
+
 <file path=ppt/tags/tag57.xml><?xml version="1.0" encoding="utf-8"?>
-<p:tagLst xmlns:p="http://schemas.openxmlformats.org/presentationml/2006/main">
+<p:tagLst xmlns:a="http://schemas.openxmlformats.org/drawingml/2006/main" xmlns:r="http://schemas.openxmlformats.org/officeDocument/2006/relationships" xmlns:p="http://schemas.openxmlformats.org/presentationml/2006/main">
+  <p:tag name="KSO_WM_UNIT_HIGHLIGHT" val="0"/>
+  <p:tag name="KSO_WM_UNIT_COMPATIBLE" val="0"/>
+  <p:tag name="KSO_WM_UNIT_DIAGRAM_ISNUMVISUAL" val="0"/>
+  <p:tag name="KSO_WM_UNIT_DIAGRAM_ISREFERUNIT" val="0"/>
+  <p:tag name="KSO_WM_UNIT_ID" val="_10**"/>
+  <p:tag name="KSO_WM_UNIT_LAYERLEVEL" val="1"/>
+  <p:tag name="KSO_WM_TAG_VERSION" val="1.0"/>
+  <p:tag name="KSO_WM_BEAUTIFY_FLAG" val="#wm#"/>
+</p:tagLst>
+</file>
+
+<file path=ppt/tags/tag58.xml><?xml version="1.0" encoding="utf-8"?>
+<p:tagLst xmlns:a="http://schemas.openxmlformats.org/drawingml/2006/main" xmlns:r="http://schemas.openxmlformats.org/officeDocument/2006/relationships" xmlns:p="http://schemas.openxmlformats.org/presentationml/2006/main">
+  <p:tag name="KSO_WM_UNIT_HIGHLIGHT" val="0"/>
+  <p:tag name="KSO_WM_UNIT_COMPATIBLE" val="0"/>
+  <p:tag name="KSO_WM_UNIT_DIAGRAM_ISNUMVISUAL" val="0"/>
+  <p:tag name="KSO_WM_UNIT_DIAGRAM_ISREFERUNIT" val="0"/>
+  <p:tag name="KSO_WM_UNIT_ID" val="_11**"/>
+  <p:tag name="KSO_WM_UNIT_LAYERLEVEL" val="1"/>
+  <p:tag name="KSO_WM_TAG_VERSION" val="1.0"/>
+  <p:tag name="KSO_WM_BEAUTIFY_FLAG" val="#wm#"/>
+</p:tagLst>
+</file>
+
+<file path=ppt/tags/tag59.xml><?xml version="1.0" encoding="utf-8"?>
+<p:tagLst xmlns:a="http://schemas.openxmlformats.org/drawingml/2006/main" xmlns:r="http://schemas.openxmlformats.org/officeDocument/2006/relationships" xmlns:p="http://schemas.openxmlformats.org/presentationml/2006/main">
+  <p:tag name="KSO_WM_UNIT_HIGHLIGHT" val="0"/>
+  <p:tag name="KSO_WM_UNIT_COMPATIBLE" val="0"/>
+  <p:tag name="KSO_WM_UNIT_DIAGRAM_ISNUMVISUAL" val="0"/>
+  <p:tag name="KSO_WM_UNIT_DIAGRAM_ISREFERUNIT" val="0"/>
+  <p:tag name="KSO_WM_UNIT_ID" val="_11**"/>
+  <p:tag name="KSO_WM_UNIT_LAYERLEVEL" val="1"/>
+  <p:tag name="KSO_WM_TAG_VERSION" val="1.0"/>
+  <p:tag name="KSO_WM_BEAUTIFY_FLAG" val="#wm#"/>
+</p:tagLst>
+</file>
+
+<file path=ppt/tags/tag6.xml><?xml version="1.0" encoding="utf-8"?>
+<p:tagLst xmlns:a="http://schemas.openxmlformats.org/drawingml/2006/main" xmlns:r="http://schemas.openxmlformats.org/officeDocument/2006/relationships" xmlns:p="http://schemas.openxmlformats.org/presentationml/2006/main">
+  <p:tag name="KSO_WM_TEMPLATE_THUMBS_INDEX" val="1、2、3、6、8、10、11、12、15"/>
+  <p:tag name="KSO_WM_TEMPLATE_SUBCATEGORY" val="0"/>
+  <p:tag name="KSO_WM_TAG_VERSION" val="1.0"/>
+  <p:tag name="KSO_WM_BEAUTIFY_FLAG" val="#wm#"/>
+  <p:tag name="KSO_WM_TEMPLATE_CATEGORY" val="custom"/>
+  <p:tag name="KSO_WM_TEMPLATE_INDEX" val="20187308"/>
+</p:tagLst>
+</file>
+
+<file path=ppt/tags/tag60.xml><?xml version="1.0" encoding="utf-8"?>
+<p:tagLst xmlns:a="http://schemas.openxmlformats.org/drawingml/2006/main" xmlns:r="http://schemas.openxmlformats.org/officeDocument/2006/relationships" xmlns:p="http://schemas.openxmlformats.org/presentationml/2006/main">
+  <p:tag name="KSO_WM_UNIT_HIGHLIGHT" val="0"/>
+  <p:tag name="KSO_WM_UNIT_COMPATIBLE" val="0"/>
+  <p:tag name="KSO_WM_UNIT_DIAGRAM_ISNUMVISUAL" val="0"/>
+  <p:tag name="KSO_WM_UNIT_DIAGRAM_ISREFERUNIT" val="0"/>
+  <p:tag name="KSO_WM_UNIT_ID" val="_11**"/>
+  <p:tag name="KSO_WM_UNIT_LAYERLEVEL" val="1"/>
+  <p:tag name="KSO_WM_TAG_VERSION" val="1.0"/>
+  <p:tag name="KSO_WM_BEAUTIFY_FLAG" val="#wm#"/>
+</p:tagLst>
+</file>
+
+<file path=ppt/tags/tag61.xml><?xml version="1.0" encoding="utf-8"?>
+<p:tagLst xmlns:a="http://schemas.openxmlformats.org/drawingml/2006/main" xmlns:r="http://schemas.openxmlformats.org/officeDocument/2006/relationships" xmlns:p="http://schemas.openxmlformats.org/presentationml/2006/main">
+  <p:tag name="KSO_WM_UNIT_HIGHLIGHT" val="0"/>
+  <p:tag name="KSO_WM_UNIT_COMPATIBLE" val="0"/>
+  <p:tag name="KSO_WM_UNIT_DIAGRAM_ISNUMVISUAL" val="0"/>
+  <p:tag name="KSO_WM_UNIT_DIAGRAM_ISREFERUNIT" val="0"/>
+  <p:tag name="KSO_WM_UNIT_ID" val="_11**"/>
+  <p:tag name="KSO_WM_UNIT_LAYERLEVEL" val="1"/>
+  <p:tag name="KSO_WM_TAG_VERSION" val="1.0"/>
+  <p:tag name="KSO_WM_BEAUTIFY_FLAG" val="#wm#"/>
+</p:tagLst>
+</file>
+
+<file path=ppt/tags/tag62.xml><?xml version="1.0" encoding="utf-8"?>
+<p:tagLst xmlns:a="http://schemas.openxmlformats.org/drawingml/2006/main" xmlns:r="http://schemas.openxmlformats.org/officeDocument/2006/relationships" xmlns:p="http://schemas.openxmlformats.org/presentationml/2006/main">
   <p:tag name="KSO_WM_UNIT_HIGHLIGHT" val="0"/>
   <p:tag name="KSO_WM_UNIT_COMPATIBLE" val="0"/>
   <p:tag name="KSO_WM_UNIT_DIAGRAM_ISNUMVISUAL" val="0"/>
@@ -13030,8 +13062,23 @@
 </p:tagLst>
 </file>
 
-<file path=ppt/tags/tag58.xml><?xml version="1.0" encoding="utf-8"?>
-<p:tagLst xmlns:p="http://schemas.openxmlformats.org/presentationml/2006/main">
+<file path=ppt/tags/tag63.xml><?xml version="1.0" encoding="utf-8"?>
+<p:tagLst xmlns:a="http://schemas.openxmlformats.org/drawingml/2006/main" xmlns:r="http://schemas.openxmlformats.org/officeDocument/2006/relationships" xmlns:p="http://schemas.openxmlformats.org/presentationml/2006/main">
+  <p:tag name="KSO_WM_UNIT_HIGHLIGHT" val="0"/>
+  <p:tag name="KSO_WM_UNIT_COMPATIBLE" val="0"/>
+  <p:tag name="KSO_WM_UNIT_DIAGRAM_ISNUMVISUAL" val="0"/>
+  <p:tag name="KSO_WM_UNIT_DIAGRAM_ISREFERUNIT" val="0"/>
+  <p:tag name="KSO_WM_UNIT_ID" val="_0**"/>
+  <p:tag name="KSO_WM_UNIT_LAYERLEVEL" val="1"/>
+  <p:tag name="KSO_WM_TAG_VERSION" val="1.0"/>
+  <p:tag name="KSO_WM_BEAUTIFY_FLAG" val="#wm#"/>
+  <p:tag name="KSO_WM_TEMPLATE_CATEGORY" val="custom"/>
+  <p:tag name="KSO_WM_TEMPLATE_INDEX" val="20187308"/>
+</p:tagLst>
+</file>
+
+<file path=ppt/tags/tag64.xml><?xml version="1.0" encoding="utf-8"?>
+<p:tagLst xmlns:a="http://schemas.openxmlformats.org/drawingml/2006/main" xmlns:r="http://schemas.openxmlformats.org/officeDocument/2006/relationships" xmlns:p="http://schemas.openxmlformats.org/presentationml/2006/main">
   <p:tag name="KSO_WM_UNIT_HIGHLIGHT" val="0"/>
   <p:tag name="KSO_WM_UNIT_COMPATIBLE" val="0"/>
   <p:tag name="KSO_WM_UNIT_DIAGRAM_ISNUMVISUAL" val="0"/>
@@ -13043,8 +13090,8 @@
 </p:tagLst>
 </file>
 
-<file path=ppt/tags/tag59.xml><?xml version="1.0" encoding="utf-8"?>
-<p:tagLst xmlns:p="http://schemas.openxmlformats.org/presentationml/2006/main">
+<file path=ppt/tags/tag65.xml><?xml version="1.0" encoding="utf-8"?>
+<p:tagLst xmlns:a="http://schemas.openxmlformats.org/drawingml/2006/main" xmlns:r="http://schemas.openxmlformats.org/officeDocument/2006/relationships" xmlns:p="http://schemas.openxmlformats.org/presentationml/2006/main">
   <p:tag name="KSO_WM_UNIT_HIGHLIGHT" val="0"/>
   <p:tag name="KSO_WM_UNIT_COMPATIBLE" val="0"/>
   <p:tag name="KSO_WM_UNIT_DIAGRAM_ISNUMVISUAL" val="0"/>
@@ -13056,8 +13103,110 @@
 </p:tagLst>
 </file>
 
-<file path=ppt/tags/tag6.xml><?xml version="1.0" encoding="utf-8"?>
-<p:tagLst xmlns:p="http://schemas.openxmlformats.org/presentationml/2006/main">
+<file path=ppt/tags/tag66.xml><?xml version="1.0" encoding="utf-8"?>
+<p:tagLst xmlns:a="http://schemas.openxmlformats.org/drawingml/2006/main" xmlns:r="http://schemas.openxmlformats.org/officeDocument/2006/relationships" xmlns:p="http://schemas.openxmlformats.org/presentationml/2006/main">
+  <p:tag name="KSO_WM_UNIT_HIGHLIGHT" val="0"/>
+  <p:tag name="KSO_WM_UNIT_COMPATIBLE" val="0"/>
+  <p:tag name="KSO_WM_UNIT_DIAGRAM_ISNUMVISUAL" val="0"/>
+  <p:tag name="KSO_WM_UNIT_DIAGRAM_ISREFERUNIT" val="0"/>
+  <p:tag name="KSO_WM_UNIT_ID" val="_0**"/>
+  <p:tag name="KSO_WM_UNIT_LAYERLEVEL" val="1"/>
+  <p:tag name="KSO_WM_TAG_VERSION" val="1.0"/>
+  <p:tag name="KSO_WM_BEAUTIFY_FLAG" val="#wm#"/>
+</p:tagLst>
+</file>
+
+<file path=ppt/tags/tag67.xml><?xml version="1.0" encoding="utf-8"?>
+<p:tagLst xmlns:a="http://schemas.openxmlformats.org/drawingml/2006/main" xmlns:r="http://schemas.openxmlformats.org/officeDocument/2006/relationships" xmlns:p="http://schemas.openxmlformats.org/presentationml/2006/main">
+  <p:tag name="KSO_WM_TEMPLATE_THUMBS_INDEX" val="1、2、3、6、8、10、11、12、15"/>
+  <p:tag name="KSO_WM_TEMPLATE_SUBCATEGORY" val="0"/>
+  <p:tag name="KSO_WM_TAG_VERSION" val="1.0"/>
+  <p:tag name="KSO_WM_BEAUTIFY_FLAG" val="#wm#"/>
+  <p:tag name="KSO_WM_TEMPLATE_CATEGORY" val="custom"/>
+  <p:tag name="KSO_WM_TEMPLATE_INDEX" val="20187308"/>
+</p:tagLst>
+</file>
+
+<file path=ppt/tags/tag68.xml><?xml version="1.0" encoding="utf-8"?>
+<p:tagLst xmlns:a="http://schemas.openxmlformats.org/drawingml/2006/main" xmlns:r="http://schemas.openxmlformats.org/officeDocument/2006/relationships" xmlns:p="http://schemas.openxmlformats.org/presentationml/2006/main">
+  <p:tag name="KSO_WM_UNIT_HIGHLIGHT" val="0"/>
+  <p:tag name="KSO_WM_UNIT_COMPATIBLE" val="0"/>
+  <p:tag name="KSO_WM_UNIT_DIAGRAM_ISNUMVISUAL" val="0"/>
+  <p:tag name="KSO_WM_UNIT_DIAGRAM_ISREFERUNIT" val="0"/>
+  <p:tag name="KSO_WM_UNIT_ID" val="_1**"/>
+  <p:tag name="KSO_WM_UNIT_LAYERLEVEL" val="1"/>
+  <p:tag name="KSO_WM_TAG_VERSION" val="1.0"/>
+  <p:tag name="KSO_WM_BEAUTIFY_FLAG" val="#wm#"/>
+</p:tagLst>
+</file>
+
+<file path=ppt/tags/tag69.xml><?xml version="1.0" encoding="utf-8"?>
+<p:tagLst xmlns:a="http://schemas.openxmlformats.org/drawingml/2006/main" xmlns:r="http://schemas.openxmlformats.org/officeDocument/2006/relationships" xmlns:p="http://schemas.openxmlformats.org/presentationml/2006/main">
+  <p:tag name="KSO_WM_UNIT_HIGHLIGHT" val="0"/>
+  <p:tag name="KSO_WM_UNIT_COMPATIBLE" val="0"/>
+  <p:tag name="KSO_WM_UNIT_DIAGRAM_ISNUMVISUAL" val="0"/>
+  <p:tag name="KSO_WM_UNIT_DIAGRAM_ISREFERUNIT" val="0"/>
+  <p:tag name="KSO_WM_UNIT_ID" val="_1**"/>
+  <p:tag name="KSO_WM_UNIT_LAYERLEVEL" val="1"/>
+  <p:tag name="KSO_WM_TAG_VERSION" val="1.0"/>
+  <p:tag name="KSO_WM_BEAUTIFY_FLAG" val="#wm#"/>
+</p:tagLst>
+</file>
+
+<file path=ppt/tags/tag7.xml><?xml version="1.0" encoding="utf-8"?>
+<p:tagLst xmlns:a="http://schemas.openxmlformats.org/drawingml/2006/main" xmlns:r="http://schemas.openxmlformats.org/officeDocument/2006/relationships" xmlns:p="http://schemas.openxmlformats.org/presentationml/2006/main">
+  <p:tag name="KSO_WM_UNIT_HIGHLIGHT" val="0"/>
+  <p:tag name="KSO_WM_UNIT_COMPATIBLE" val="0"/>
+  <p:tag name="KSO_WM_UNIT_DIAGRAM_ISNUMVISUAL" val="0"/>
+  <p:tag name="KSO_WM_UNIT_DIAGRAM_ISREFERUNIT" val="0"/>
+  <p:tag name="KSO_WM_UNIT_ID" val="_1**"/>
+  <p:tag name="KSO_WM_UNIT_LAYERLEVEL" val="1"/>
+  <p:tag name="KSO_WM_TAG_VERSION" val="1.0"/>
+  <p:tag name="KSO_WM_BEAUTIFY_FLAG" val="#wm#"/>
+</p:tagLst>
+</file>
+
+<file path=ppt/tags/tag70.xml><?xml version="1.0" encoding="utf-8"?>
+<p:tagLst xmlns:a="http://schemas.openxmlformats.org/drawingml/2006/main" xmlns:r="http://schemas.openxmlformats.org/officeDocument/2006/relationships" xmlns:p="http://schemas.openxmlformats.org/presentationml/2006/main">
+  <p:tag name="KSO_WM_UNIT_HIGHLIGHT" val="0"/>
+  <p:tag name="KSO_WM_UNIT_COMPATIBLE" val="0"/>
+  <p:tag name="KSO_WM_UNIT_DIAGRAM_ISNUMVISUAL" val="0"/>
+  <p:tag name="KSO_WM_UNIT_DIAGRAM_ISREFERUNIT" val="0"/>
+  <p:tag name="KSO_WM_UNIT_ID" val="_1**"/>
+  <p:tag name="KSO_WM_UNIT_LAYERLEVEL" val="1"/>
+  <p:tag name="KSO_WM_TAG_VERSION" val="1.0"/>
+  <p:tag name="KSO_WM_BEAUTIFY_FLAG" val="#wm#"/>
+</p:tagLst>
+</file>
+
+<file path=ppt/tags/tag71.xml><?xml version="1.0" encoding="utf-8"?>
+<p:tagLst xmlns:a="http://schemas.openxmlformats.org/drawingml/2006/main" xmlns:r="http://schemas.openxmlformats.org/officeDocument/2006/relationships" xmlns:p="http://schemas.openxmlformats.org/presentationml/2006/main">
+  <p:tag name="KSO_WM_UNIT_HIGHLIGHT" val="0"/>
+  <p:tag name="KSO_WM_UNIT_COMPATIBLE" val="0"/>
+  <p:tag name="KSO_WM_UNIT_DIAGRAM_ISNUMVISUAL" val="0"/>
+  <p:tag name="KSO_WM_UNIT_DIAGRAM_ISREFERUNIT" val="0"/>
+  <p:tag name="KSO_WM_UNIT_ID" val="_1**"/>
+  <p:tag name="KSO_WM_UNIT_LAYERLEVEL" val="1"/>
+  <p:tag name="KSO_WM_TAG_VERSION" val="1.0"/>
+  <p:tag name="KSO_WM_BEAUTIFY_FLAG" val="#wm#"/>
+</p:tagLst>
+</file>
+
+<file path=ppt/tags/tag72.xml><?xml version="1.0" encoding="utf-8"?>
+<p:tagLst xmlns:a="http://schemas.openxmlformats.org/drawingml/2006/main" xmlns:r="http://schemas.openxmlformats.org/officeDocument/2006/relationships" xmlns:p="http://schemas.openxmlformats.org/presentationml/2006/main">
+  <p:tag name="KSO_WM_UNIT_HIGHLIGHT" val="0"/>
+  <p:tag name="KSO_WM_UNIT_COMPATIBLE" val="0"/>
+  <p:tag name="KSO_WM_UNIT_DIAGRAM_ISNUMVISUAL" val="0"/>
+  <p:tag name="KSO_WM_UNIT_DIAGRAM_ISREFERUNIT" val="0"/>
+  <p:tag name="KSO_WM_UNIT_ID" val="_1**"/>
+  <p:tag name="KSO_WM_UNIT_LAYERLEVEL" val="1"/>
+  <p:tag name="KSO_WM_TAG_VERSION" val="1.0"/>
+  <p:tag name="KSO_WM_BEAUTIFY_FLAG" val="#wm#"/>
+</p:tagLst>
+</file>
+
+<file path=ppt/tags/tag73.xml><?xml version="1.0" encoding="utf-8"?>
+<p:tagLst xmlns:a="http://schemas.openxmlformats.org/drawingml/2006/main" xmlns:r="http://schemas.openxmlformats.org/officeDocument/2006/relationships" xmlns:p="http://schemas.openxmlformats.org/presentationml/2006/main">
   <p:tag name="KSO_WM_UNIT_HIGHLIGHT" val="0"/>
   <p:tag name="KSO_WM_UNIT_COMPATIBLE" val="0"/>
   <p:tag name="KSO_WM_UNIT_DIAGRAM_ISNUMVISUAL" val="0"/>
@@ -13069,32 +13218,86 @@
 </p:tagLst>
 </file>
 
-<file path=ppt/tags/tag60.xml><?xml version="1.0" encoding="utf-8"?>
-<p:tagLst xmlns:p="http://schemas.openxmlformats.org/presentationml/2006/main">
+<file path=ppt/tags/tag74.xml><?xml version="1.0" encoding="utf-8"?>
+<p:tagLst xmlns:a="http://schemas.openxmlformats.org/drawingml/2006/main" xmlns:r="http://schemas.openxmlformats.org/officeDocument/2006/relationships" xmlns:p="http://schemas.openxmlformats.org/presentationml/2006/main">
   <p:tag name="KSO_WM_UNIT_HIGHLIGHT" val="0"/>
   <p:tag name="KSO_WM_UNIT_COMPATIBLE" val="0"/>
   <p:tag name="KSO_WM_UNIT_DIAGRAM_ISNUMVISUAL" val="0"/>
   <p:tag name="KSO_WM_UNIT_DIAGRAM_ISREFERUNIT" val="0"/>
-  <p:tag name="KSO_WM_UNIT_ID" val="_0**"/>
+  <p:tag name="KSO_WM_UNIT_ID" val="_2**"/>
   <p:tag name="KSO_WM_UNIT_LAYERLEVEL" val="1"/>
   <p:tag name="KSO_WM_TAG_VERSION" val="1.0"/>
   <p:tag name="KSO_WM_BEAUTIFY_FLAG" val="#wm#"/>
 </p:tagLst>
 </file>
 
-<file path=ppt/tags/tag61.xml><?xml version="1.0" encoding="utf-8"?>
-<p:tagLst xmlns:p="http://schemas.openxmlformats.org/presentationml/2006/main">
-  <p:tag name="KSO_WM_TEMPLATE_THUMBS_INDEX" val="1、2、3、6、8、10、11、12、15"/>
-  <p:tag name="KSO_WM_TEMPLATE_SUBCATEGORY" val="0"/>
+<file path=ppt/tags/tag75.xml><?xml version="1.0" encoding="utf-8"?>
+<p:tagLst xmlns:a="http://schemas.openxmlformats.org/drawingml/2006/main" xmlns:r="http://schemas.openxmlformats.org/officeDocument/2006/relationships" xmlns:p="http://schemas.openxmlformats.org/presentationml/2006/main">
+  <p:tag name="KSO_WM_UNIT_HIGHLIGHT" val="0"/>
+  <p:tag name="KSO_WM_UNIT_COMPATIBLE" val="0"/>
+  <p:tag name="KSO_WM_UNIT_DIAGRAM_ISNUMVISUAL" val="0"/>
+  <p:tag name="KSO_WM_UNIT_DIAGRAM_ISREFERUNIT" val="0"/>
+  <p:tag name="KSO_WM_UNIT_ID" val="_2**"/>
+  <p:tag name="KSO_WM_UNIT_LAYERLEVEL" val="1"/>
   <p:tag name="KSO_WM_TAG_VERSION" val="1.0"/>
   <p:tag name="KSO_WM_BEAUTIFY_FLAG" val="#wm#"/>
-  <p:tag name="KSO_WM_TEMPLATE_CATEGORY" val="custom"/>
-  <p:tag name="KSO_WM_TEMPLATE_INDEX" val="20187308"/>
 </p:tagLst>
 </file>
 
-<file path=ppt/tags/tag62.xml><?xml version="1.0" encoding="utf-8"?>
-<p:tagLst xmlns:p="http://schemas.openxmlformats.org/presentationml/2006/main">
+<file path=ppt/tags/tag76.xml><?xml version="1.0" encoding="utf-8"?>
+<p:tagLst xmlns:a="http://schemas.openxmlformats.org/drawingml/2006/main" xmlns:r="http://schemas.openxmlformats.org/officeDocument/2006/relationships" xmlns:p="http://schemas.openxmlformats.org/presentationml/2006/main">
+  <p:tag name="KSO_WM_UNIT_HIGHLIGHT" val="0"/>
+  <p:tag name="KSO_WM_UNIT_COMPATIBLE" val="0"/>
+  <p:tag name="KSO_WM_UNIT_DIAGRAM_ISNUMVISUAL" val="0"/>
+  <p:tag name="KSO_WM_UNIT_DIAGRAM_ISREFERUNIT" val="0"/>
+  <p:tag name="KSO_WM_UNIT_ID" val="_2**"/>
+  <p:tag name="KSO_WM_UNIT_LAYERLEVEL" val="1"/>
+  <p:tag name="KSO_WM_TAG_VERSION" val="1.0"/>
+  <p:tag name="KSO_WM_BEAUTIFY_FLAG" val="#wm#"/>
+</p:tagLst>
+</file>
+
+<file path=ppt/tags/tag77.xml><?xml version="1.0" encoding="utf-8"?>
+<p:tagLst xmlns:a="http://schemas.openxmlformats.org/drawingml/2006/main" xmlns:r="http://schemas.openxmlformats.org/officeDocument/2006/relationships" xmlns:p="http://schemas.openxmlformats.org/presentationml/2006/main">
+  <p:tag name="KSO_WM_UNIT_HIGHLIGHT" val="0"/>
+  <p:tag name="KSO_WM_UNIT_COMPATIBLE" val="0"/>
+  <p:tag name="KSO_WM_UNIT_DIAGRAM_ISNUMVISUAL" val="0"/>
+  <p:tag name="KSO_WM_UNIT_DIAGRAM_ISREFERUNIT" val="0"/>
+  <p:tag name="KSO_WM_UNIT_ID" val="_2**"/>
+  <p:tag name="KSO_WM_UNIT_LAYERLEVEL" val="1"/>
+  <p:tag name="KSO_WM_TAG_VERSION" val="1.0"/>
+  <p:tag name="KSO_WM_BEAUTIFY_FLAG" val="#wm#"/>
+</p:tagLst>
+</file>
+
+<file path=ppt/tags/tag78.xml><?xml version="1.0" encoding="utf-8"?>
+<p:tagLst xmlns:a="http://schemas.openxmlformats.org/drawingml/2006/main" xmlns:r="http://schemas.openxmlformats.org/officeDocument/2006/relationships" xmlns:p="http://schemas.openxmlformats.org/presentationml/2006/main">
+  <p:tag name="KSO_WM_UNIT_HIGHLIGHT" val="0"/>
+  <p:tag name="KSO_WM_UNIT_COMPATIBLE" val="0"/>
+  <p:tag name="KSO_WM_UNIT_DIAGRAM_ISNUMVISUAL" val="0"/>
+  <p:tag name="KSO_WM_UNIT_DIAGRAM_ISREFERUNIT" val="0"/>
+  <p:tag name="KSO_WM_UNIT_ID" val="_3**"/>
+  <p:tag name="KSO_WM_UNIT_LAYERLEVEL" val="1"/>
+  <p:tag name="KSO_WM_TAG_VERSION" val="1.0"/>
+  <p:tag name="KSO_WM_BEAUTIFY_FLAG" val="#wm#"/>
+</p:tagLst>
+</file>
+
+<file path=ppt/tags/tag79.xml><?xml version="1.0" encoding="utf-8"?>
+<p:tagLst xmlns:a="http://schemas.openxmlformats.org/drawingml/2006/main" xmlns:r="http://schemas.openxmlformats.org/officeDocument/2006/relationships" xmlns:p="http://schemas.openxmlformats.org/presentationml/2006/main">
+  <p:tag name="KSO_WM_UNIT_HIGHLIGHT" val="0"/>
+  <p:tag name="KSO_WM_UNIT_COMPATIBLE" val="0"/>
+  <p:tag name="KSO_WM_UNIT_DIAGRAM_ISNUMVISUAL" val="0"/>
+  <p:tag name="KSO_WM_UNIT_DIAGRAM_ISREFERUNIT" val="0"/>
+  <p:tag name="KSO_WM_UNIT_ID" val="_3**"/>
+  <p:tag name="KSO_WM_UNIT_LAYERLEVEL" val="1"/>
+  <p:tag name="KSO_WM_TAG_VERSION" val="1.0"/>
+  <p:tag name="KSO_WM_BEAUTIFY_FLAG" val="#wm#"/>
+</p:tagLst>
+</file>
+
+<file path=ppt/tags/tag8.xml><?xml version="1.0" encoding="utf-8"?>
+<p:tagLst xmlns:a="http://schemas.openxmlformats.org/drawingml/2006/main" xmlns:r="http://schemas.openxmlformats.org/officeDocument/2006/relationships" xmlns:p="http://schemas.openxmlformats.org/presentationml/2006/main">
   <p:tag name="KSO_WM_UNIT_HIGHLIGHT" val="0"/>
   <p:tag name="KSO_WM_UNIT_COMPATIBLE" val="0"/>
   <p:tag name="KSO_WM_UNIT_DIAGRAM_ISNUMVISUAL" val="0"/>
@@ -13106,8 +13309,138 @@
 </p:tagLst>
 </file>
 
-<file path=ppt/tags/tag63.xml><?xml version="1.0" encoding="utf-8"?>
-<p:tagLst xmlns:p="http://schemas.openxmlformats.org/presentationml/2006/main">
+<file path=ppt/tags/tag80.xml><?xml version="1.0" encoding="utf-8"?>
+<p:tagLst xmlns:a="http://schemas.openxmlformats.org/drawingml/2006/main" xmlns:r="http://schemas.openxmlformats.org/officeDocument/2006/relationships" xmlns:p="http://schemas.openxmlformats.org/presentationml/2006/main">
+  <p:tag name="KSO_WM_UNIT_HIGHLIGHT" val="0"/>
+  <p:tag name="KSO_WM_UNIT_COMPATIBLE" val="0"/>
+  <p:tag name="KSO_WM_UNIT_DIAGRAM_ISNUMVISUAL" val="0"/>
+  <p:tag name="KSO_WM_UNIT_DIAGRAM_ISREFERUNIT" val="0"/>
+  <p:tag name="KSO_WM_UNIT_ID" val="_3**"/>
+  <p:tag name="KSO_WM_UNIT_LAYERLEVEL" val="1"/>
+  <p:tag name="KSO_WM_TAG_VERSION" val="1.0"/>
+  <p:tag name="KSO_WM_BEAUTIFY_FLAG" val="#wm#"/>
+</p:tagLst>
+</file>
+
+<file path=ppt/tags/tag81.xml><?xml version="1.0" encoding="utf-8"?>
+<p:tagLst xmlns:a="http://schemas.openxmlformats.org/drawingml/2006/main" xmlns:r="http://schemas.openxmlformats.org/officeDocument/2006/relationships" xmlns:p="http://schemas.openxmlformats.org/presentationml/2006/main">
+  <p:tag name="KSO_WM_UNIT_HIGHLIGHT" val="0"/>
+  <p:tag name="KSO_WM_UNIT_COMPATIBLE" val="0"/>
+  <p:tag name="KSO_WM_UNIT_DIAGRAM_ISNUMVISUAL" val="0"/>
+  <p:tag name="KSO_WM_UNIT_DIAGRAM_ISREFERUNIT" val="0"/>
+  <p:tag name="KSO_WM_UNIT_ID" val="_3**"/>
+  <p:tag name="KSO_WM_UNIT_LAYERLEVEL" val="1"/>
+  <p:tag name="KSO_WM_TAG_VERSION" val="1.0"/>
+  <p:tag name="KSO_WM_BEAUTIFY_FLAG" val="#wm#"/>
+</p:tagLst>
+</file>
+
+<file path=ppt/tags/tag82.xml><?xml version="1.0" encoding="utf-8"?>
+<p:tagLst xmlns:a="http://schemas.openxmlformats.org/drawingml/2006/main" xmlns:r="http://schemas.openxmlformats.org/officeDocument/2006/relationships" xmlns:p="http://schemas.openxmlformats.org/presentationml/2006/main">
+  <p:tag name="KSO_WM_UNIT_HIGHLIGHT" val="0"/>
+  <p:tag name="KSO_WM_UNIT_COMPATIBLE" val="0"/>
+  <p:tag name="KSO_WM_UNIT_DIAGRAM_ISNUMVISUAL" val="0"/>
+  <p:tag name="KSO_WM_UNIT_DIAGRAM_ISREFERUNIT" val="0"/>
+  <p:tag name="KSO_WM_UNIT_ID" val="_3**"/>
+  <p:tag name="KSO_WM_UNIT_LAYERLEVEL" val="1"/>
+  <p:tag name="KSO_WM_TAG_VERSION" val="1.0"/>
+  <p:tag name="KSO_WM_BEAUTIFY_FLAG" val="#wm#"/>
+</p:tagLst>
+</file>
+
+<file path=ppt/tags/tag83.xml><?xml version="1.0" encoding="utf-8"?>
+<p:tagLst xmlns:a="http://schemas.openxmlformats.org/drawingml/2006/main" xmlns:r="http://schemas.openxmlformats.org/officeDocument/2006/relationships" xmlns:p="http://schemas.openxmlformats.org/presentationml/2006/main">
+  <p:tag name="KSO_WM_UNIT_HIGHLIGHT" val="0"/>
+  <p:tag name="KSO_WM_UNIT_COMPATIBLE" val="0"/>
+  <p:tag name="KSO_WM_UNIT_DIAGRAM_ISNUMVISUAL" val="0"/>
+  <p:tag name="KSO_WM_UNIT_DIAGRAM_ISREFERUNIT" val="0"/>
+  <p:tag name="KSO_WM_UNIT_ID" val="_4**"/>
+  <p:tag name="KSO_WM_UNIT_LAYERLEVEL" val="1"/>
+  <p:tag name="KSO_WM_TAG_VERSION" val="1.0"/>
+  <p:tag name="KSO_WM_BEAUTIFY_FLAG" val="#wm#"/>
+</p:tagLst>
+</file>
+
+<file path=ppt/tags/tag84.xml><?xml version="1.0" encoding="utf-8"?>
+<p:tagLst xmlns:a="http://schemas.openxmlformats.org/drawingml/2006/main" xmlns:r="http://schemas.openxmlformats.org/officeDocument/2006/relationships" xmlns:p="http://schemas.openxmlformats.org/presentationml/2006/main">
+  <p:tag name="KSO_WM_UNIT_HIGHLIGHT" val="0"/>
+  <p:tag name="KSO_WM_UNIT_COMPATIBLE" val="0"/>
+  <p:tag name="KSO_WM_UNIT_DIAGRAM_ISNUMVISUAL" val="0"/>
+  <p:tag name="KSO_WM_UNIT_DIAGRAM_ISREFERUNIT" val="0"/>
+  <p:tag name="KSO_WM_UNIT_ID" val="_4**"/>
+  <p:tag name="KSO_WM_UNIT_LAYERLEVEL" val="1"/>
+  <p:tag name="KSO_WM_TAG_VERSION" val="1.0"/>
+  <p:tag name="KSO_WM_BEAUTIFY_FLAG" val="#wm#"/>
+</p:tagLst>
+</file>
+
+<file path=ppt/tags/tag85.xml><?xml version="1.0" encoding="utf-8"?>
+<p:tagLst xmlns:a="http://schemas.openxmlformats.org/drawingml/2006/main" xmlns:r="http://schemas.openxmlformats.org/officeDocument/2006/relationships" xmlns:p="http://schemas.openxmlformats.org/presentationml/2006/main">
+  <p:tag name="KSO_WM_UNIT_HIGHLIGHT" val="0"/>
+  <p:tag name="KSO_WM_UNIT_COMPATIBLE" val="0"/>
+  <p:tag name="KSO_WM_UNIT_DIAGRAM_ISNUMVISUAL" val="0"/>
+  <p:tag name="KSO_WM_UNIT_DIAGRAM_ISREFERUNIT" val="0"/>
+  <p:tag name="KSO_WM_UNIT_ID" val="_4**"/>
+  <p:tag name="KSO_WM_UNIT_LAYERLEVEL" val="1"/>
+  <p:tag name="KSO_WM_TAG_VERSION" val="1.0"/>
+  <p:tag name="KSO_WM_BEAUTIFY_FLAG" val="#wm#"/>
+</p:tagLst>
+</file>
+
+<file path=ppt/tags/tag86.xml><?xml version="1.0" encoding="utf-8"?>
+<p:tagLst xmlns:a="http://schemas.openxmlformats.org/drawingml/2006/main" xmlns:r="http://schemas.openxmlformats.org/officeDocument/2006/relationships" xmlns:p="http://schemas.openxmlformats.org/presentationml/2006/main">
+  <p:tag name="KSO_WM_UNIT_HIGHLIGHT" val="0"/>
+  <p:tag name="KSO_WM_UNIT_COMPATIBLE" val="0"/>
+  <p:tag name="KSO_WM_UNIT_DIAGRAM_ISNUMVISUAL" val="0"/>
+  <p:tag name="KSO_WM_UNIT_DIAGRAM_ISREFERUNIT" val="0"/>
+  <p:tag name="KSO_WM_UNIT_ID" val="_4**"/>
+  <p:tag name="KSO_WM_UNIT_LAYERLEVEL" val="1"/>
+  <p:tag name="KSO_WM_TAG_VERSION" val="1.0"/>
+  <p:tag name="KSO_WM_BEAUTIFY_FLAG" val="#wm#"/>
+</p:tagLst>
+</file>
+
+<file path=ppt/tags/tag87.xml><?xml version="1.0" encoding="utf-8"?>
+<p:tagLst xmlns:a="http://schemas.openxmlformats.org/drawingml/2006/main" xmlns:r="http://schemas.openxmlformats.org/officeDocument/2006/relationships" xmlns:p="http://schemas.openxmlformats.org/presentationml/2006/main">
+  <p:tag name="KSO_WM_UNIT_HIGHLIGHT" val="0"/>
+  <p:tag name="KSO_WM_UNIT_COMPATIBLE" val="0"/>
+  <p:tag name="KSO_WM_UNIT_DIAGRAM_ISNUMVISUAL" val="0"/>
+  <p:tag name="KSO_WM_UNIT_DIAGRAM_ISREFERUNIT" val="0"/>
+  <p:tag name="KSO_WM_UNIT_ID" val="_4**"/>
+  <p:tag name="KSO_WM_UNIT_LAYERLEVEL" val="1"/>
+  <p:tag name="KSO_WM_TAG_VERSION" val="1.0"/>
+  <p:tag name="KSO_WM_BEAUTIFY_FLAG" val="#wm#"/>
+</p:tagLst>
+</file>
+
+<file path=ppt/tags/tag88.xml><?xml version="1.0" encoding="utf-8"?>
+<p:tagLst xmlns:a="http://schemas.openxmlformats.org/drawingml/2006/main" xmlns:r="http://schemas.openxmlformats.org/officeDocument/2006/relationships" xmlns:p="http://schemas.openxmlformats.org/presentationml/2006/main">
+  <p:tag name="KSO_WM_UNIT_HIGHLIGHT" val="0"/>
+  <p:tag name="KSO_WM_UNIT_COMPATIBLE" val="0"/>
+  <p:tag name="KSO_WM_UNIT_DIAGRAM_ISNUMVISUAL" val="0"/>
+  <p:tag name="KSO_WM_UNIT_DIAGRAM_ISREFERUNIT" val="0"/>
+  <p:tag name="KSO_WM_UNIT_ID" val="_4**"/>
+  <p:tag name="KSO_WM_UNIT_LAYERLEVEL" val="1"/>
+  <p:tag name="KSO_WM_TAG_VERSION" val="1.0"/>
+  <p:tag name="KSO_WM_BEAUTIFY_FLAG" val="#wm#"/>
+</p:tagLst>
+</file>
+
+<file path=ppt/tags/tag89.xml><?xml version="1.0" encoding="utf-8"?>
+<p:tagLst xmlns:a="http://schemas.openxmlformats.org/drawingml/2006/main" xmlns:r="http://schemas.openxmlformats.org/officeDocument/2006/relationships" xmlns:p="http://schemas.openxmlformats.org/presentationml/2006/main">
+  <p:tag name="KSO_WM_UNIT_HIGHLIGHT" val="0"/>
+  <p:tag name="KSO_WM_UNIT_COMPATIBLE" val="0"/>
+  <p:tag name="KSO_WM_UNIT_DIAGRAM_ISNUMVISUAL" val="0"/>
+  <p:tag name="KSO_WM_UNIT_DIAGRAM_ISREFERUNIT" val="0"/>
+  <p:tag name="KSO_WM_UNIT_ID" val="_5**"/>
+  <p:tag name="KSO_WM_UNIT_LAYERLEVEL" val="1"/>
+  <p:tag name="KSO_WM_TAG_VERSION" val="1.0"/>
+  <p:tag name="KSO_WM_BEAUTIFY_FLAG" val="#wm#"/>
+</p:tagLst>
+</file>
+
+<file path=ppt/tags/tag9.xml><?xml version="1.0" encoding="utf-8"?>
+<p:tagLst xmlns:a="http://schemas.openxmlformats.org/drawingml/2006/main" xmlns:r="http://schemas.openxmlformats.org/officeDocument/2006/relationships" xmlns:p="http://schemas.openxmlformats.org/presentationml/2006/main">
   <p:tag name="KSO_WM_UNIT_HIGHLIGHT" val="0"/>
   <p:tag name="KSO_WM_UNIT_COMPATIBLE" val="0"/>
   <p:tag name="KSO_WM_UNIT_DIAGRAM_ISNUMVISUAL" val="0"/>
@@ -13119,281 +13452,8 @@
 </p:tagLst>
 </file>
 
-<file path=ppt/tags/tag64.xml><?xml version="1.0" encoding="utf-8"?>
-<p:tagLst xmlns:p="http://schemas.openxmlformats.org/presentationml/2006/main">
-  <p:tag name="KSO_WM_UNIT_HIGHLIGHT" val="0"/>
-  <p:tag name="KSO_WM_UNIT_COMPATIBLE" val="0"/>
-  <p:tag name="KSO_WM_UNIT_DIAGRAM_ISNUMVISUAL" val="0"/>
-  <p:tag name="KSO_WM_UNIT_DIAGRAM_ISREFERUNIT" val="0"/>
-  <p:tag name="KSO_WM_UNIT_ID" val="_1**"/>
-  <p:tag name="KSO_WM_UNIT_LAYERLEVEL" val="1"/>
-  <p:tag name="KSO_WM_TAG_VERSION" val="1.0"/>
-  <p:tag name="KSO_WM_BEAUTIFY_FLAG" val="#wm#"/>
-</p:tagLst>
-</file>
-
-<file path=ppt/tags/tag65.xml><?xml version="1.0" encoding="utf-8"?>
-<p:tagLst xmlns:p="http://schemas.openxmlformats.org/presentationml/2006/main">
-  <p:tag name="KSO_WM_UNIT_HIGHLIGHT" val="0"/>
-  <p:tag name="KSO_WM_UNIT_COMPATIBLE" val="0"/>
-  <p:tag name="KSO_WM_UNIT_DIAGRAM_ISNUMVISUAL" val="0"/>
-  <p:tag name="KSO_WM_UNIT_DIAGRAM_ISREFERUNIT" val="0"/>
-  <p:tag name="KSO_WM_UNIT_ID" val="_1**"/>
-  <p:tag name="KSO_WM_UNIT_LAYERLEVEL" val="1"/>
-  <p:tag name="KSO_WM_TAG_VERSION" val="1.0"/>
-  <p:tag name="KSO_WM_BEAUTIFY_FLAG" val="#wm#"/>
-</p:tagLst>
-</file>
-
-<file path=ppt/tags/tag66.xml><?xml version="1.0" encoding="utf-8"?>
-<p:tagLst xmlns:p="http://schemas.openxmlformats.org/presentationml/2006/main">
-  <p:tag name="KSO_WM_UNIT_HIGHLIGHT" val="0"/>
-  <p:tag name="KSO_WM_UNIT_COMPATIBLE" val="0"/>
-  <p:tag name="KSO_WM_UNIT_DIAGRAM_ISNUMVISUAL" val="0"/>
-  <p:tag name="KSO_WM_UNIT_DIAGRAM_ISREFERUNIT" val="0"/>
-  <p:tag name="KSO_WM_UNIT_ID" val="_1**"/>
-  <p:tag name="KSO_WM_UNIT_LAYERLEVEL" val="1"/>
-  <p:tag name="KSO_WM_TAG_VERSION" val="1.0"/>
-  <p:tag name="KSO_WM_BEAUTIFY_FLAG" val="#wm#"/>
-</p:tagLst>
-</file>
-
-<file path=ppt/tags/tag67.xml><?xml version="1.0" encoding="utf-8"?>
-<p:tagLst xmlns:p="http://schemas.openxmlformats.org/presentationml/2006/main">
-  <p:tag name="KSO_WM_UNIT_HIGHLIGHT" val="0"/>
-  <p:tag name="KSO_WM_UNIT_COMPATIBLE" val="0"/>
-  <p:tag name="KSO_WM_UNIT_DIAGRAM_ISNUMVISUAL" val="0"/>
-  <p:tag name="KSO_WM_UNIT_DIAGRAM_ISREFERUNIT" val="0"/>
-  <p:tag name="KSO_WM_UNIT_ID" val="_2**"/>
-  <p:tag name="KSO_WM_UNIT_LAYERLEVEL" val="1"/>
-  <p:tag name="KSO_WM_TAG_VERSION" val="1.0"/>
-  <p:tag name="KSO_WM_BEAUTIFY_FLAG" val="#wm#"/>
-</p:tagLst>
-</file>
-
-<file path=ppt/tags/tag68.xml><?xml version="1.0" encoding="utf-8"?>
-<p:tagLst xmlns:p="http://schemas.openxmlformats.org/presentationml/2006/main">
-  <p:tag name="KSO_WM_UNIT_HIGHLIGHT" val="0"/>
-  <p:tag name="KSO_WM_UNIT_COMPATIBLE" val="0"/>
-  <p:tag name="KSO_WM_UNIT_DIAGRAM_ISNUMVISUAL" val="0"/>
-  <p:tag name="KSO_WM_UNIT_DIAGRAM_ISREFERUNIT" val="0"/>
-  <p:tag name="KSO_WM_UNIT_ID" val="_2**"/>
-  <p:tag name="KSO_WM_UNIT_LAYERLEVEL" val="1"/>
-  <p:tag name="KSO_WM_TAG_VERSION" val="1.0"/>
-  <p:tag name="KSO_WM_BEAUTIFY_FLAG" val="#wm#"/>
-</p:tagLst>
-</file>
-
-<file path=ppt/tags/tag69.xml><?xml version="1.0" encoding="utf-8"?>
-<p:tagLst xmlns:p="http://schemas.openxmlformats.org/presentationml/2006/main">
-  <p:tag name="KSO_WM_UNIT_HIGHLIGHT" val="0"/>
-  <p:tag name="KSO_WM_UNIT_COMPATIBLE" val="0"/>
-  <p:tag name="KSO_WM_UNIT_DIAGRAM_ISNUMVISUAL" val="0"/>
-  <p:tag name="KSO_WM_UNIT_DIAGRAM_ISREFERUNIT" val="0"/>
-  <p:tag name="KSO_WM_UNIT_ID" val="_2**"/>
-  <p:tag name="KSO_WM_UNIT_LAYERLEVEL" val="1"/>
-  <p:tag name="KSO_WM_TAG_VERSION" val="1.0"/>
-  <p:tag name="KSO_WM_BEAUTIFY_FLAG" val="#wm#"/>
-</p:tagLst>
-</file>
-
-<file path=ppt/tags/tag7.xml><?xml version="1.0" encoding="utf-8"?>
-<p:tagLst xmlns:p="http://schemas.openxmlformats.org/presentationml/2006/main">
-  <p:tag name="KSO_WM_UNIT_HIGHLIGHT" val="0"/>
-  <p:tag name="KSO_WM_UNIT_COMPATIBLE" val="0"/>
-  <p:tag name="KSO_WM_UNIT_DIAGRAM_ISNUMVISUAL" val="0"/>
-  <p:tag name="KSO_WM_UNIT_DIAGRAM_ISREFERUNIT" val="0"/>
-  <p:tag name="KSO_WM_UNIT_ID" val="_2**"/>
-  <p:tag name="KSO_WM_UNIT_LAYERLEVEL" val="1"/>
-  <p:tag name="KSO_WM_TAG_VERSION" val="1.0"/>
-  <p:tag name="KSO_WM_BEAUTIFY_FLAG" val="#wm#"/>
-</p:tagLst>
-</file>
-
-<file path=ppt/tags/tag70.xml><?xml version="1.0" encoding="utf-8"?>
-<p:tagLst xmlns:p="http://schemas.openxmlformats.org/presentationml/2006/main">
-  <p:tag name="KSO_WM_UNIT_HIGHLIGHT" val="0"/>
-  <p:tag name="KSO_WM_UNIT_COMPATIBLE" val="0"/>
-  <p:tag name="KSO_WM_UNIT_DIAGRAM_ISNUMVISUAL" val="0"/>
-  <p:tag name="KSO_WM_UNIT_DIAGRAM_ISREFERUNIT" val="0"/>
-  <p:tag name="KSO_WM_UNIT_ID" val="_2**"/>
-  <p:tag name="KSO_WM_UNIT_LAYERLEVEL" val="1"/>
-  <p:tag name="KSO_WM_TAG_VERSION" val="1.0"/>
-  <p:tag name="KSO_WM_BEAUTIFY_FLAG" val="#wm#"/>
-</p:tagLst>
-</file>
-
-<file path=ppt/tags/tag71.xml><?xml version="1.0" encoding="utf-8"?>
-<p:tagLst xmlns:p="http://schemas.openxmlformats.org/presentationml/2006/main">
-  <p:tag name="KSO_WM_UNIT_HIGHLIGHT" val="0"/>
-  <p:tag name="KSO_WM_UNIT_COMPATIBLE" val="0"/>
-  <p:tag name="KSO_WM_UNIT_DIAGRAM_ISNUMVISUAL" val="0"/>
-  <p:tag name="KSO_WM_UNIT_DIAGRAM_ISREFERUNIT" val="0"/>
-  <p:tag name="KSO_WM_UNIT_ID" val="_2**"/>
-  <p:tag name="KSO_WM_UNIT_LAYERLEVEL" val="1"/>
-  <p:tag name="KSO_WM_TAG_VERSION" val="1.0"/>
-  <p:tag name="KSO_WM_BEAUTIFY_FLAG" val="#wm#"/>
-</p:tagLst>
-</file>
-
-<file path=ppt/tags/tag72.xml><?xml version="1.0" encoding="utf-8"?>
-<p:tagLst xmlns:p="http://schemas.openxmlformats.org/presentationml/2006/main">
-  <p:tag name="KSO_WM_UNIT_HIGHLIGHT" val="0"/>
-  <p:tag name="KSO_WM_UNIT_COMPATIBLE" val="0"/>
-  <p:tag name="KSO_WM_UNIT_DIAGRAM_ISNUMVISUAL" val="0"/>
-  <p:tag name="KSO_WM_UNIT_DIAGRAM_ISREFERUNIT" val="0"/>
-  <p:tag name="KSO_WM_UNIT_ID" val="_3**"/>
-  <p:tag name="KSO_WM_UNIT_LAYERLEVEL" val="1"/>
-  <p:tag name="KSO_WM_TAG_VERSION" val="1.0"/>
-  <p:tag name="KSO_WM_BEAUTIFY_FLAG" val="#wm#"/>
-</p:tagLst>
-</file>
-
-<file path=ppt/tags/tag73.xml><?xml version="1.0" encoding="utf-8"?>
-<p:tagLst xmlns:p="http://schemas.openxmlformats.org/presentationml/2006/main">
-  <p:tag name="KSO_WM_UNIT_HIGHLIGHT" val="0"/>
-  <p:tag name="KSO_WM_UNIT_COMPATIBLE" val="0"/>
-  <p:tag name="KSO_WM_UNIT_DIAGRAM_ISNUMVISUAL" val="0"/>
-  <p:tag name="KSO_WM_UNIT_DIAGRAM_ISREFERUNIT" val="0"/>
-  <p:tag name="KSO_WM_UNIT_ID" val="_3**"/>
-  <p:tag name="KSO_WM_UNIT_LAYERLEVEL" val="1"/>
-  <p:tag name="KSO_WM_TAG_VERSION" val="1.0"/>
-  <p:tag name="KSO_WM_BEAUTIFY_FLAG" val="#wm#"/>
-</p:tagLst>
-</file>
-
-<file path=ppt/tags/tag74.xml><?xml version="1.0" encoding="utf-8"?>
-<p:tagLst xmlns:p="http://schemas.openxmlformats.org/presentationml/2006/main">
-  <p:tag name="KSO_WM_UNIT_HIGHLIGHT" val="0"/>
-  <p:tag name="KSO_WM_UNIT_COMPATIBLE" val="0"/>
-  <p:tag name="KSO_WM_UNIT_DIAGRAM_ISNUMVISUAL" val="0"/>
-  <p:tag name="KSO_WM_UNIT_DIAGRAM_ISREFERUNIT" val="0"/>
-  <p:tag name="KSO_WM_UNIT_ID" val="_3**"/>
-  <p:tag name="KSO_WM_UNIT_LAYERLEVEL" val="1"/>
-  <p:tag name="KSO_WM_TAG_VERSION" val="1.0"/>
-  <p:tag name="KSO_WM_BEAUTIFY_FLAG" val="#wm#"/>
-</p:tagLst>
-</file>
-
-<file path=ppt/tags/tag75.xml><?xml version="1.0" encoding="utf-8"?>
-<p:tagLst xmlns:p="http://schemas.openxmlformats.org/presentationml/2006/main">
-  <p:tag name="KSO_WM_UNIT_HIGHLIGHT" val="0"/>
-  <p:tag name="KSO_WM_UNIT_COMPATIBLE" val="0"/>
-  <p:tag name="KSO_WM_UNIT_DIAGRAM_ISNUMVISUAL" val="0"/>
-  <p:tag name="KSO_WM_UNIT_DIAGRAM_ISREFERUNIT" val="0"/>
-  <p:tag name="KSO_WM_UNIT_ID" val="_3**"/>
-  <p:tag name="KSO_WM_UNIT_LAYERLEVEL" val="1"/>
-  <p:tag name="KSO_WM_TAG_VERSION" val="1.0"/>
-  <p:tag name="KSO_WM_BEAUTIFY_FLAG" val="#wm#"/>
-</p:tagLst>
-</file>
-
-<file path=ppt/tags/tag76.xml><?xml version="1.0" encoding="utf-8"?>
-<p:tagLst xmlns:p="http://schemas.openxmlformats.org/presentationml/2006/main">
-  <p:tag name="KSO_WM_UNIT_HIGHLIGHT" val="0"/>
-  <p:tag name="KSO_WM_UNIT_COMPATIBLE" val="0"/>
-  <p:tag name="KSO_WM_UNIT_DIAGRAM_ISNUMVISUAL" val="0"/>
-  <p:tag name="KSO_WM_UNIT_DIAGRAM_ISREFERUNIT" val="0"/>
-  <p:tag name="KSO_WM_UNIT_ID" val="_3**"/>
-  <p:tag name="KSO_WM_UNIT_LAYERLEVEL" val="1"/>
-  <p:tag name="KSO_WM_TAG_VERSION" val="1.0"/>
-  <p:tag name="KSO_WM_BEAUTIFY_FLAG" val="#wm#"/>
-</p:tagLst>
-</file>
-
-<file path=ppt/tags/tag77.xml><?xml version="1.0" encoding="utf-8"?>
-<p:tagLst xmlns:p="http://schemas.openxmlformats.org/presentationml/2006/main">
-  <p:tag name="KSO_WM_UNIT_HIGHLIGHT" val="0"/>
-  <p:tag name="KSO_WM_UNIT_COMPATIBLE" val="0"/>
-  <p:tag name="KSO_WM_UNIT_DIAGRAM_ISNUMVISUAL" val="0"/>
-  <p:tag name="KSO_WM_UNIT_DIAGRAM_ISREFERUNIT" val="0"/>
-  <p:tag name="KSO_WM_UNIT_ID" val="_4**"/>
-  <p:tag name="KSO_WM_UNIT_LAYERLEVEL" val="1"/>
-  <p:tag name="KSO_WM_TAG_VERSION" val="1.0"/>
-  <p:tag name="KSO_WM_BEAUTIFY_FLAG" val="#wm#"/>
-</p:tagLst>
-</file>
-
-<file path=ppt/tags/tag78.xml><?xml version="1.0" encoding="utf-8"?>
-<p:tagLst xmlns:p="http://schemas.openxmlformats.org/presentationml/2006/main">
-  <p:tag name="KSO_WM_UNIT_HIGHLIGHT" val="0"/>
-  <p:tag name="KSO_WM_UNIT_COMPATIBLE" val="0"/>
-  <p:tag name="KSO_WM_UNIT_DIAGRAM_ISNUMVISUAL" val="0"/>
-  <p:tag name="KSO_WM_UNIT_DIAGRAM_ISREFERUNIT" val="0"/>
-  <p:tag name="KSO_WM_UNIT_ID" val="_4**"/>
-  <p:tag name="KSO_WM_UNIT_LAYERLEVEL" val="1"/>
-  <p:tag name="KSO_WM_TAG_VERSION" val="1.0"/>
-  <p:tag name="KSO_WM_BEAUTIFY_FLAG" val="#wm#"/>
-</p:tagLst>
-</file>
-
-<file path=ppt/tags/tag79.xml><?xml version="1.0" encoding="utf-8"?>
-<p:tagLst xmlns:p="http://schemas.openxmlformats.org/presentationml/2006/main">
-  <p:tag name="KSO_WM_UNIT_HIGHLIGHT" val="0"/>
-  <p:tag name="KSO_WM_UNIT_COMPATIBLE" val="0"/>
-  <p:tag name="KSO_WM_UNIT_DIAGRAM_ISNUMVISUAL" val="0"/>
-  <p:tag name="KSO_WM_UNIT_DIAGRAM_ISREFERUNIT" val="0"/>
-  <p:tag name="KSO_WM_UNIT_ID" val="_4**"/>
-  <p:tag name="KSO_WM_UNIT_LAYERLEVEL" val="1"/>
-  <p:tag name="KSO_WM_TAG_VERSION" val="1.0"/>
-  <p:tag name="KSO_WM_BEAUTIFY_FLAG" val="#wm#"/>
-</p:tagLst>
-</file>
-
-<file path=ppt/tags/tag8.xml><?xml version="1.0" encoding="utf-8"?>
-<p:tagLst xmlns:p="http://schemas.openxmlformats.org/presentationml/2006/main">
-  <p:tag name="KSO_WM_UNIT_HIGHLIGHT" val="0"/>
-  <p:tag name="KSO_WM_UNIT_COMPATIBLE" val="0"/>
-  <p:tag name="KSO_WM_UNIT_DIAGRAM_ISNUMVISUAL" val="0"/>
-  <p:tag name="KSO_WM_UNIT_DIAGRAM_ISREFERUNIT" val="0"/>
-  <p:tag name="KSO_WM_UNIT_ID" val="_2**"/>
-  <p:tag name="KSO_WM_UNIT_LAYERLEVEL" val="1"/>
-  <p:tag name="KSO_WM_TAG_VERSION" val="1.0"/>
-  <p:tag name="KSO_WM_BEAUTIFY_FLAG" val="#wm#"/>
-</p:tagLst>
-</file>
-
-<file path=ppt/tags/tag80.xml><?xml version="1.0" encoding="utf-8"?>
-<p:tagLst xmlns:p="http://schemas.openxmlformats.org/presentationml/2006/main">
-  <p:tag name="KSO_WM_UNIT_HIGHLIGHT" val="0"/>
-  <p:tag name="KSO_WM_UNIT_COMPATIBLE" val="0"/>
-  <p:tag name="KSO_WM_UNIT_DIAGRAM_ISNUMVISUAL" val="0"/>
-  <p:tag name="KSO_WM_UNIT_DIAGRAM_ISREFERUNIT" val="0"/>
-  <p:tag name="KSO_WM_UNIT_ID" val="_4**"/>
-  <p:tag name="KSO_WM_UNIT_LAYERLEVEL" val="1"/>
-  <p:tag name="KSO_WM_TAG_VERSION" val="1.0"/>
-  <p:tag name="KSO_WM_BEAUTIFY_FLAG" val="#wm#"/>
-</p:tagLst>
-</file>
-
-<file path=ppt/tags/tag81.xml><?xml version="1.0" encoding="utf-8"?>
-<p:tagLst xmlns:p="http://schemas.openxmlformats.org/presentationml/2006/main">
-  <p:tag name="KSO_WM_UNIT_HIGHLIGHT" val="0"/>
-  <p:tag name="KSO_WM_UNIT_COMPATIBLE" val="0"/>
-  <p:tag name="KSO_WM_UNIT_DIAGRAM_ISNUMVISUAL" val="0"/>
-  <p:tag name="KSO_WM_UNIT_DIAGRAM_ISREFERUNIT" val="0"/>
-  <p:tag name="KSO_WM_UNIT_ID" val="_4**"/>
-  <p:tag name="KSO_WM_UNIT_LAYERLEVEL" val="1"/>
-  <p:tag name="KSO_WM_TAG_VERSION" val="1.0"/>
-  <p:tag name="KSO_WM_BEAUTIFY_FLAG" val="#wm#"/>
-</p:tagLst>
-</file>
-
-<file path=ppt/tags/tag82.xml><?xml version="1.0" encoding="utf-8"?>
-<p:tagLst xmlns:p="http://schemas.openxmlformats.org/presentationml/2006/main">
-  <p:tag name="KSO_WM_UNIT_HIGHLIGHT" val="0"/>
-  <p:tag name="KSO_WM_UNIT_COMPATIBLE" val="0"/>
-  <p:tag name="KSO_WM_UNIT_DIAGRAM_ISNUMVISUAL" val="0"/>
-  <p:tag name="KSO_WM_UNIT_DIAGRAM_ISREFERUNIT" val="0"/>
-  <p:tag name="KSO_WM_UNIT_ID" val="_4**"/>
-  <p:tag name="KSO_WM_UNIT_LAYERLEVEL" val="1"/>
-  <p:tag name="KSO_WM_TAG_VERSION" val="1.0"/>
-  <p:tag name="KSO_WM_BEAUTIFY_FLAG" val="#wm#"/>
-</p:tagLst>
-</file>
-
-<file path=ppt/tags/tag83.xml><?xml version="1.0" encoding="utf-8"?>
-<p:tagLst xmlns:p="http://schemas.openxmlformats.org/presentationml/2006/main">
+<file path=ppt/tags/tag90.xml><?xml version="1.0" encoding="utf-8"?>
+<p:tagLst xmlns:a="http://schemas.openxmlformats.org/drawingml/2006/main" xmlns:r="http://schemas.openxmlformats.org/officeDocument/2006/relationships" xmlns:p="http://schemas.openxmlformats.org/presentationml/2006/main">
   <p:tag name="KSO_WM_UNIT_HIGHLIGHT" val="0"/>
   <p:tag name="KSO_WM_UNIT_COMPATIBLE" val="0"/>
   <p:tag name="KSO_WM_UNIT_DIAGRAM_ISNUMVISUAL" val="0"/>
@@ -13405,8 +13465,8 @@
 </p:tagLst>
 </file>
 
-<file path=ppt/tags/tag84.xml><?xml version="1.0" encoding="utf-8"?>
-<p:tagLst xmlns:p="http://schemas.openxmlformats.org/presentationml/2006/main">
+<file path=ppt/tags/tag91.xml><?xml version="1.0" encoding="utf-8"?>
+<p:tagLst xmlns:a="http://schemas.openxmlformats.org/drawingml/2006/main" xmlns:r="http://schemas.openxmlformats.org/officeDocument/2006/relationships" xmlns:p="http://schemas.openxmlformats.org/presentationml/2006/main">
   <p:tag name="KSO_WM_UNIT_HIGHLIGHT" val="0"/>
   <p:tag name="KSO_WM_UNIT_COMPATIBLE" val="0"/>
   <p:tag name="KSO_WM_UNIT_DIAGRAM_ISNUMVISUAL" val="0"/>
@@ -13418,8 +13478,8 @@
 </p:tagLst>
 </file>
 
-<file path=ppt/tags/tag85.xml><?xml version="1.0" encoding="utf-8"?>
-<p:tagLst xmlns:p="http://schemas.openxmlformats.org/presentationml/2006/main">
+<file path=ppt/tags/tag92.xml><?xml version="1.0" encoding="utf-8"?>
+<p:tagLst xmlns:a="http://schemas.openxmlformats.org/drawingml/2006/main" xmlns:r="http://schemas.openxmlformats.org/officeDocument/2006/relationships" xmlns:p="http://schemas.openxmlformats.org/presentationml/2006/main">
   <p:tag name="KSO_WM_UNIT_HIGHLIGHT" val="0"/>
   <p:tag name="KSO_WM_UNIT_COMPATIBLE" val="0"/>
   <p:tag name="KSO_WM_UNIT_DIAGRAM_ISNUMVISUAL" val="0"/>
@@ -13431,8 +13491,8 @@
 </p:tagLst>
 </file>
 
-<file path=ppt/tags/tag86.xml><?xml version="1.0" encoding="utf-8"?>
-<p:tagLst xmlns:p="http://schemas.openxmlformats.org/presentationml/2006/main">
+<file path=ppt/tags/tag93.xml><?xml version="1.0" encoding="utf-8"?>
+<p:tagLst xmlns:a="http://schemas.openxmlformats.org/drawingml/2006/main" xmlns:r="http://schemas.openxmlformats.org/officeDocument/2006/relationships" xmlns:p="http://schemas.openxmlformats.org/presentationml/2006/main">
   <p:tag name="KSO_WM_UNIT_HIGHLIGHT" val="0"/>
   <p:tag name="KSO_WM_UNIT_COMPATIBLE" val="0"/>
   <p:tag name="KSO_WM_UNIT_DIAGRAM_ISNUMVISUAL" val="0"/>
@@ -13444,8 +13504,8 @@
 </p:tagLst>
 </file>
 
-<file path=ppt/tags/tag87.xml><?xml version="1.0" encoding="utf-8"?>
-<p:tagLst xmlns:p="http://schemas.openxmlformats.org/presentationml/2006/main">
+<file path=ppt/tags/tag94.xml><?xml version="1.0" encoding="utf-8"?>
+<p:tagLst xmlns:a="http://schemas.openxmlformats.org/drawingml/2006/main" xmlns:r="http://schemas.openxmlformats.org/officeDocument/2006/relationships" xmlns:p="http://schemas.openxmlformats.org/presentationml/2006/main">
   <p:tag name="KSO_WM_UNIT_HIGHLIGHT" val="0"/>
   <p:tag name="KSO_WM_UNIT_COMPATIBLE" val="0"/>
   <p:tag name="KSO_WM_UNIT_DIAGRAM_ISNUMVISUAL" val="0"/>
@@ -13457,8 +13517,8 @@
 </p:tagLst>
 </file>
 
-<file path=ppt/tags/tag88.xml><?xml version="1.0" encoding="utf-8"?>
-<p:tagLst xmlns:p="http://schemas.openxmlformats.org/presentationml/2006/main">
+<file path=ppt/tags/tag95.xml><?xml version="1.0" encoding="utf-8"?>
+<p:tagLst xmlns:a="http://schemas.openxmlformats.org/drawingml/2006/main" xmlns:r="http://schemas.openxmlformats.org/officeDocument/2006/relationships" xmlns:p="http://schemas.openxmlformats.org/presentationml/2006/main">
   <p:tag name="KSO_WM_UNIT_HIGHLIGHT" val="0"/>
   <p:tag name="KSO_WM_UNIT_COMPATIBLE" val="0"/>
   <p:tag name="KSO_WM_UNIT_DIAGRAM_ISNUMVISUAL" val="0"/>
@@ -13470,8 +13530,8 @@
 </p:tagLst>
 </file>
 
-<file path=ppt/tags/tag89.xml><?xml version="1.0" encoding="utf-8"?>
-<p:tagLst xmlns:p="http://schemas.openxmlformats.org/presentationml/2006/main">
+<file path=ppt/tags/tag96.xml><?xml version="1.0" encoding="utf-8"?>
+<p:tagLst xmlns:a="http://schemas.openxmlformats.org/drawingml/2006/main" xmlns:r="http://schemas.openxmlformats.org/officeDocument/2006/relationships" xmlns:p="http://schemas.openxmlformats.org/presentationml/2006/main">
   <p:tag name="KSO_WM_UNIT_HIGHLIGHT" val="0"/>
   <p:tag name="KSO_WM_UNIT_COMPATIBLE" val="0"/>
   <p:tag name="KSO_WM_UNIT_DIAGRAM_ISNUMVISUAL" val="0"/>
@@ -13483,34 +13543,8 @@
 </p:tagLst>
 </file>
 
-<file path=ppt/tags/tag9.xml><?xml version="1.0" encoding="utf-8"?>
-<p:tagLst xmlns:p="http://schemas.openxmlformats.org/presentationml/2006/main">
-  <p:tag name="KSO_WM_UNIT_HIGHLIGHT" val="0"/>
-  <p:tag name="KSO_WM_UNIT_COMPATIBLE" val="0"/>
-  <p:tag name="KSO_WM_UNIT_DIAGRAM_ISNUMVISUAL" val="0"/>
-  <p:tag name="KSO_WM_UNIT_DIAGRAM_ISREFERUNIT" val="0"/>
-  <p:tag name="KSO_WM_UNIT_ID" val="_2**"/>
-  <p:tag name="KSO_WM_UNIT_LAYERLEVEL" val="1"/>
-  <p:tag name="KSO_WM_TAG_VERSION" val="1.0"/>
-  <p:tag name="KSO_WM_BEAUTIFY_FLAG" val="#wm#"/>
-</p:tagLst>
-</file>
-
-<file path=ppt/tags/tag90.xml><?xml version="1.0" encoding="utf-8"?>
-<p:tagLst xmlns:p="http://schemas.openxmlformats.org/presentationml/2006/main">
-  <p:tag name="KSO_WM_UNIT_HIGHLIGHT" val="0"/>
-  <p:tag name="KSO_WM_UNIT_COMPATIBLE" val="0"/>
-  <p:tag name="KSO_WM_UNIT_DIAGRAM_ISNUMVISUAL" val="0"/>
-  <p:tag name="KSO_WM_UNIT_DIAGRAM_ISREFERUNIT" val="0"/>
-  <p:tag name="KSO_WM_UNIT_ID" val="_5**"/>
-  <p:tag name="KSO_WM_UNIT_LAYERLEVEL" val="1"/>
-  <p:tag name="KSO_WM_TAG_VERSION" val="1.0"/>
-  <p:tag name="KSO_WM_BEAUTIFY_FLAG" val="#wm#"/>
-</p:tagLst>
-</file>
-
-<file path=ppt/tags/tag91.xml><?xml version="1.0" encoding="utf-8"?>
-<p:tagLst xmlns:p="http://schemas.openxmlformats.org/presentationml/2006/main">
+<file path=ppt/tags/tag97.xml><?xml version="1.0" encoding="utf-8"?>
+<p:tagLst xmlns:a="http://schemas.openxmlformats.org/drawingml/2006/main" xmlns:r="http://schemas.openxmlformats.org/officeDocument/2006/relationships" xmlns:p="http://schemas.openxmlformats.org/presentationml/2006/main">
   <p:tag name="KSO_WM_UNIT_HIGHLIGHT" val="0"/>
   <p:tag name="KSO_WM_UNIT_COMPATIBLE" val="0"/>
   <p:tag name="KSO_WM_UNIT_DIAGRAM_ISNUMVISUAL" val="0"/>
@@ -13522,8 +13556,8 @@
 </p:tagLst>
 </file>
 
-<file path=ppt/tags/tag92.xml><?xml version="1.0" encoding="utf-8"?>
-<p:tagLst xmlns:p="http://schemas.openxmlformats.org/presentationml/2006/main">
+<file path=ppt/tags/tag98.xml><?xml version="1.0" encoding="utf-8"?>
+<p:tagLst xmlns:a="http://schemas.openxmlformats.org/drawingml/2006/main" xmlns:r="http://schemas.openxmlformats.org/officeDocument/2006/relationships" xmlns:p="http://schemas.openxmlformats.org/presentationml/2006/main">
   <p:tag name="KSO_WM_UNIT_HIGHLIGHT" val="0"/>
   <p:tag name="KSO_WM_UNIT_COMPATIBLE" val="0"/>
   <p:tag name="KSO_WM_UNIT_DIAGRAM_ISNUMVISUAL" val="0"/>
@@ -13535,91 +13569,13 @@
 </p:tagLst>
 </file>
 
-<file path=ppt/tags/tag93.xml><?xml version="1.0" encoding="utf-8"?>
-<p:tagLst xmlns:p="http://schemas.openxmlformats.org/presentationml/2006/main">
+<file path=ppt/tags/tag99.xml><?xml version="1.0" encoding="utf-8"?>
+<p:tagLst xmlns:a="http://schemas.openxmlformats.org/drawingml/2006/main" xmlns:r="http://schemas.openxmlformats.org/officeDocument/2006/relationships" xmlns:p="http://schemas.openxmlformats.org/presentationml/2006/main">
   <p:tag name="KSO_WM_UNIT_HIGHLIGHT" val="0"/>
   <p:tag name="KSO_WM_UNIT_COMPATIBLE" val="0"/>
   <p:tag name="KSO_WM_UNIT_DIAGRAM_ISNUMVISUAL" val="0"/>
   <p:tag name="KSO_WM_UNIT_DIAGRAM_ISREFERUNIT" val="0"/>
   <p:tag name="KSO_WM_UNIT_ID" val="_6**"/>
-  <p:tag name="KSO_WM_UNIT_LAYERLEVEL" val="1"/>
-  <p:tag name="KSO_WM_TAG_VERSION" val="1.0"/>
-  <p:tag name="KSO_WM_BEAUTIFY_FLAG" val="#wm#"/>
-</p:tagLst>
-</file>
-
-<file path=ppt/tags/tag94.xml><?xml version="1.0" encoding="utf-8"?>
-<p:tagLst xmlns:p="http://schemas.openxmlformats.org/presentationml/2006/main">
-  <p:tag name="KSO_WM_UNIT_HIGHLIGHT" val="0"/>
-  <p:tag name="KSO_WM_UNIT_COMPATIBLE" val="0"/>
-  <p:tag name="KSO_WM_UNIT_DIAGRAM_ISNUMVISUAL" val="0"/>
-  <p:tag name="KSO_WM_UNIT_DIAGRAM_ISREFERUNIT" val="0"/>
-  <p:tag name="KSO_WM_UNIT_ID" val="_6**"/>
-  <p:tag name="KSO_WM_UNIT_LAYERLEVEL" val="1"/>
-  <p:tag name="KSO_WM_TAG_VERSION" val="1.0"/>
-  <p:tag name="KSO_WM_BEAUTIFY_FLAG" val="#wm#"/>
-</p:tagLst>
-</file>
-
-<file path=ppt/tags/tag95.xml><?xml version="1.0" encoding="utf-8"?>
-<p:tagLst xmlns:p="http://schemas.openxmlformats.org/presentationml/2006/main">
-  <p:tag name="KSO_WM_UNIT_HIGHLIGHT" val="0"/>
-  <p:tag name="KSO_WM_UNIT_COMPATIBLE" val="0"/>
-  <p:tag name="KSO_WM_UNIT_DIAGRAM_ISNUMVISUAL" val="0"/>
-  <p:tag name="KSO_WM_UNIT_DIAGRAM_ISREFERUNIT" val="0"/>
-  <p:tag name="KSO_WM_UNIT_ID" val="_7**"/>
-  <p:tag name="KSO_WM_UNIT_LAYERLEVEL" val="1"/>
-  <p:tag name="KSO_WM_TAG_VERSION" val="1.0"/>
-  <p:tag name="KSO_WM_BEAUTIFY_FLAG" val="#wm#"/>
-</p:tagLst>
-</file>
-
-<file path=ppt/tags/tag96.xml><?xml version="1.0" encoding="utf-8"?>
-<p:tagLst xmlns:p="http://schemas.openxmlformats.org/presentationml/2006/main">
-  <p:tag name="KSO_WM_UNIT_HIGHLIGHT" val="0"/>
-  <p:tag name="KSO_WM_UNIT_COMPATIBLE" val="0"/>
-  <p:tag name="KSO_WM_UNIT_DIAGRAM_ISNUMVISUAL" val="0"/>
-  <p:tag name="KSO_WM_UNIT_DIAGRAM_ISREFERUNIT" val="0"/>
-  <p:tag name="KSO_WM_UNIT_ID" val="_7**"/>
-  <p:tag name="KSO_WM_UNIT_LAYERLEVEL" val="1"/>
-  <p:tag name="KSO_WM_TAG_VERSION" val="1.0"/>
-  <p:tag name="KSO_WM_BEAUTIFY_FLAG" val="#wm#"/>
-</p:tagLst>
-</file>
-
-<file path=ppt/tags/tag97.xml><?xml version="1.0" encoding="utf-8"?>
-<p:tagLst xmlns:p="http://schemas.openxmlformats.org/presentationml/2006/main">
-  <p:tag name="KSO_WM_UNIT_HIGHLIGHT" val="0"/>
-  <p:tag name="KSO_WM_UNIT_COMPATIBLE" val="0"/>
-  <p:tag name="KSO_WM_UNIT_DIAGRAM_ISNUMVISUAL" val="0"/>
-  <p:tag name="KSO_WM_UNIT_DIAGRAM_ISREFERUNIT" val="0"/>
-  <p:tag name="KSO_WM_UNIT_ID" val="_7**"/>
-  <p:tag name="KSO_WM_UNIT_LAYERLEVEL" val="1"/>
-  <p:tag name="KSO_WM_TAG_VERSION" val="1.0"/>
-  <p:tag name="KSO_WM_BEAUTIFY_FLAG" val="#wm#"/>
-</p:tagLst>
-</file>
-
-<file path=ppt/tags/tag98.xml><?xml version="1.0" encoding="utf-8"?>
-<p:tagLst xmlns:p="http://schemas.openxmlformats.org/presentationml/2006/main">
-  <p:tag name="KSO_WM_UNIT_HIGHLIGHT" val="0"/>
-  <p:tag name="KSO_WM_UNIT_COMPATIBLE" val="0"/>
-  <p:tag name="KSO_WM_UNIT_DIAGRAM_ISNUMVISUAL" val="0"/>
-  <p:tag name="KSO_WM_UNIT_DIAGRAM_ISREFERUNIT" val="0"/>
-  <p:tag name="KSO_WM_UNIT_ID" val="_8**"/>
-  <p:tag name="KSO_WM_UNIT_LAYERLEVEL" val="1"/>
-  <p:tag name="KSO_WM_TAG_VERSION" val="1.0"/>
-  <p:tag name="KSO_WM_BEAUTIFY_FLAG" val="#wm#"/>
-</p:tagLst>
-</file>
-
-<file path=ppt/tags/tag99.xml><?xml version="1.0" encoding="utf-8"?>
-<p:tagLst xmlns:p="http://schemas.openxmlformats.org/presentationml/2006/main">
-  <p:tag name="KSO_WM_UNIT_HIGHLIGHT" val="0"/>
-  <p:tag name="KSO_WM_UNIT_COMPATIBLE" val="0"/>
-  <p:tag name="KSO_WM_UNIT_DIAGRAM_ISNUMVISUAL" val="0"/>
-  <p:tag name="KSO_WM_UNIT_DIAGRAM_ISREFERUNIT" val="0"/>
-  <p:tag name="KSO_WM_UNIT_ID" val="_8**"/>
   <p:tag name="KSO_WM_UNIT_LAYERLEVEL" val="1"/>
   <p:tag name="KSO_WM_TAG_VERSION" val="1.0"/>
   <p:tag name="KSO_WM_BEAUTIFY_FLAG" val="#wm#"/>
@@ -13817,6 +13773,8 @@
       </a:bgFillStyleLst>
     </a:fmtScheme>
   </a:themeElements>
+  <a:objectDefaults/>
+  <a:extraClrSchemeLst/>
   <a:extLst>
     <a:ext uri="{05A4C25C-085E-4340-85A3-A5531E510DB2}">
       <thm15:themeFamily xmlns:thm15="http://schemas.microsoft.com/office/thememl/2012/main" name="Office Theme" id="{62F939B6-93AF-4DB8-9C6B-D6C7DFDC589F}" vid="{4A3C46E8-61CC-4603-A589-7422A47A8E4A}"/>
@@ -14016,6 +13974,8 @@
       </a:bgFillStyleLst>
     </a:fmtScheme>
   </a:themeElements>
+  <a:objectDefaults/>
+  <a:extraClrSchemeLst/>
   <a:extLst>
     <a:ext uri="{05A4C25C-085E-4340-85A3-A5531E510DB2}">
       <thm15:themeFamily xmlns:thm15="http://schemas.microsoft.com/office/thememl/2012/main" name="Office Theme" id="{62F939B6-93AF-4DB8-9C6B-D6C7DFDC589F}" vid="{4A3C46E8-61CC-4603-A589-7422A47A8E4A}"/>
@@ -14275,6 +14235,8 @@
       </a:bgFillStyleLst>
     </a:fmtScheme>
   </a:themeElements>
+  <a:objectDefaults/>
+  <a:extraClrSchemeLst/>
   <a:extLst>
     <a:ext uri="{05A4C25C-085E-4340-85A3-A5531E510DB2}">
       <thm15:themeFamily xmlns:thm15="http://schemas.microsoft.com/office/thememl/2012/main" name="Office Theme" id="{62F939B6-93AF-4DB8-9C6B-D6C7DFDC589F}" vid="{4A3C46E8-61CC-4603-A589-7422A47A8E4A}"/>
@@ -14534,6 +14496,8 @@
       </a:bgFillStyleLst>
     </a:fmtScheme>
   </a:themeElements>
+  <a:objectDefaults/>
+  <a:extraClrSchemeLst/>
   <a:extLst>
     <a:ext uri="{05A4C25C-085E-4340-85A3-A5531E510DB2}">
       <thm15:themeFamily xmlns:thm15="http://schemas.microsoft.com/office/thememl/2012/main" name="Office Theme" id="{62F939B6-93AF-4DB8-9C6B-D6C7DFDC589F}" vid="{4A3C46E8-61CC-4603-A589-7422A47A8E4A}"/>

--- a/files/个人简历.pptx
+++ b/files/个人简历.pptx
@@ -209,7 +209,7 @@
                 <a:latin typeface="微软雅黑" panose="020B0503020204020204" charset="-122"/>
                 <a:ea typeface="微软雅黑" panose="020B0503020204020204" charset="-122"/>
               </a:rPr>
-              <a:t>2019/5/8</a:t>
+              <a:t>2019/5/19</a:t>
             </a:fld>
             <a:endParaRPr lang="zh-CN" altLang="en-US" smtClean="0">
               <a:latin typeface="微软雅黑" panose="020B0503020204020204" charset="-122"/>
@@ -296,7 +296,7 @@
     </p:spTree>
     <p:extLst>
       <p:ext uri="{BB962C8B-B14F-4D97-AF65-F5344CB8AC3E}">
-        <p14:creationId xmlns:p14="http://schemas.microsoft.com/office/powerpoint/2010/main" val="2936196046"/>
+        <p14:creationId xmlns:p14="http://schemas.microsoft.com/office/powerpoint/2010/main" val="920080412"/>
       </p:ext>
     </p:extLst>
   </p:cSld>
@@ -392,7 +392,7 @@
           <a:p>
             <a:fld id="{1AC49D05-6128-4D0D-A32A-06A5E73B386C}" type="datetimeFigureOut">
               <a:rPr lang="zh-CN" altLang="en-US" smtClean="0"/>
-              <a:t>2019/5/8</a:t>
+              <a:t>2019/5/19</a:t>
             </a:fld>
             <a:endParaRPr lang="zh-CN" altLang="en-US"/>
           </a:p>
@@ -565,7 +565,7 @@
     </p:spTree>
     <p:extLst>
       <p:ext uri="{BB962C8B-B14F-4D97-AF65-F5344CB8AC3E}">
-        <p14:creationId xmlns:p14="http://schemas.microsoft.com/office/powerpoint/2010/main" val="2636669008"/>
+        <p14:creationId xmlns:p14="http://schemas.microsoft.com/office/powerpoint/2010/main" val="1151161718"/>
       </p:ext>
     </p:extLst>
   </p:cSld>
@@ -744,7 +744,7 @@
     </p:spTree>
     <p:extLst>
       <p:ext uri="{BB962C8B-B14F-4D97-AF65-F5344CB8AC3E}">
-        <p14:creationId xmlns:p14="http://schemas.microsoft.com/office/powerpoint/2010/main" val="2942331538"/>
+        <p14:creationId xmlns:p14="http://schemas.microsoft.com/office/powerpoint/2010/main" val="2197206709"/>
       </p:ext>
     </p:extLst>
   </p:cSld>
@@ -781,12 +781,7 @@
             <p:ph type="sldImg"/>
           </p:nvPr>
         </p:nvSpPr>
-        <p:spPr>
-          <a:xfrm>
-            <a:off x="2338388" y="1143000"/>
-            <a:ext cx="2181225" cy="3086100"/>
-          </a:xfrm>
-        </p:spPr>
+        <p:spPr/>
       </p:sp>
       <p:sp>
         <p:nvSpPr>
@@ -833,7 +828,7 @@
     </p:spTree>
     <p:extLst>
       <p:ext uri="{BB962C8B-B14F-4D97-AF65-F5344CB8AC3E}">
-        <p14:creationId xmlns:p14="http://schemas.microsoft.com/office/powerpoint/2010/main" val="3712089035"/>
+        <p14:creationId xmlns:p14="http://schemas.microsoft.com/office/powerpoint/2010/main" val="2744829156"/>
       </p:ext>
     </p:extLst>
   </p:cSld>
@@ -870,12 +865,7 @@
             <p:ph type="sldImg"/>
           </p:nvPr>
         </p:nvSpPr>
-        <p:spPr>
-          <a:xfrm>
-            <a:off x="2338388" y="1143000"/>
-            <a:ext cx="2181225" cy="3086100"/>
-          </a:xfrm>
-        </p:spPr>
+        <p:spPr/>
       </p:sp>
       <p:sp>
         <p:nvSpPr>
@@ -922,7 +912,7 @@
     </p:spTree>
     <p:extLst>
       <p:ext uri="{BB962C8B-B14F-4D97-AF65-F5344CB8AC3E}">
-        <p14:creationId xmlns:p14="http://schemas.microsoft.com/office/powerpoint/2010/main" val="94347097"/>
+        <p14:creationId xmlns:p14="http://schemas.microsoft.com/office/powerpoint/2010/main" val="2835246159"/>
       </p:ext>
     </p:extLst>
   </p:cSld>
@@ -1090,7 +1080,7 @@
           <a:p>
             <a:fld id="{760FBDFE-C587-4B4C-A407-44438C67B59E}" type="datetimeFigureOut">
               <a:rPr lang="zh-CN" altLang="en-US" smtClean="0"/>
-              <a:t>2019/5/8</a:t>
+              <a:t>2019/5/19</a:t>
             </a:fld>
             <a:endParaRPr lang="zh-CN" altLang="en-US"/>
           </a:p>
@@ -1189,7 +1179,7 @@
           <a:p>
             <a:fld id="{760FBDFE-C587-4B4C-A407-44438C67B59E}" type="datetimeFigureOut">
               <a:rPr lang="zh-CN" altLang="en-US" smtClean="0"/>
-              <a:t>2019/5/8</a:t>
+              <a:t>2019/5/19</a:t>
             </a:fld>
             <a:endParaRPr lang="zh-CN" altLang="en-US"/>
           </a:p>
@@ -1398,7 +1388,7 @@
           <a:p>
             <a:fld id="{760FBDFE-C587-4B4C-A407-44438C67B59E}" type="datetimeFigureOut">
               <a:rPr lang="zh-CN" altLang="en-US" smtClean="0"/>
-              <a:t>2019/5/8</a:t>
+              <a:t>2019/5/19</a:t>
             </a:fld>
             <a:endParaRPr lang="zh-CN" altLang="en-US"/>
           </a:p>
@@ -1677,7 +1667,7 @@
           <a:p>
             <a:fld id="{760FBDFE-C587-4B4C-A407-44438C67B59E}" type="datetimeFigureOut">
               <a:rPr lang="zh-CN" altLang="en-US" smtClean="0"/>
-              <a:t>2019/5/8</a:t>
+              <a:t>2019/5/19</a:t>
             </a:fld>
             <a:endParaRPr lang="zh-CN" altLang="en-US"/>
           </a:p>
@@ -2033,7 +2023,7 @@
           <a:p>
             <a:fld id="{760FBDFE-C587-4B4C-A407-44438C67B59E}" type="datetimeFigureOut">
               <a:rPr lang="zh-CN" altLang="en-US" smtClean="0"/>
-              <a:t>2019/5/8</a:t>
+              <a:t>2019/5/19</a:t>
             </a:fld>
             <a:endParaRPr lang="zh-CN" altLang="en-US"/>
           </a:p>
@@ -2307,7 +2297,7 @@
           <a:p>
             <a:fld id="{760FBDFE-C587-4B4C-A407-44438C67B59E}" type="datetimeFigureOut">
               <a:rPr lang="zh-CN" altLang="en-US" smtClean="0"/>
-              <a:t>2019/5/8</a:t>
+              <a:t>2019/5/19</a:t>
             </a:fld>
             <a:endParaRPr lang="zh-CN" altLang="en-US"/>
           </a:p>
@@ -2775,7 +2765,7 @@
           <a:p>
             <a:fld id="{760FBDFE-C587-4B4C-A407-44438C67B59E}" type="datetimeFigureOut">
               <a:rPr lang="zh-CN" altLang="en-US" smtClean="0"/>
-              <a:t>2019/5/8</a:t>
+              <a:t>2019/5/19</a:t>
             </a:fld>
             <a:endParaRPr lang="zh-CN" altLang="en-US"/>
           </a:p>
@@ -3508,7 +3498,7 @@
           <a:p>
             <a:fld id="{760FBDFE-C587-4B4C-A407-44438C67B59E}" type="datetimeFigureOut">
               <a:rPr lang="zh-CN" altLang="en-US" smtClean="0"/>
-              <a:t>2019/5/8</a:t>
+              <a:t>2019/5/19</a:t>
             </a:fld>
             <a:endParaRPr lang="zh-CN" altLang="en-US"/>
           </a:p>
@@ -3654,7 +3644,7 @@
           <a:p>
             <a:fld id="{760FBDFE-C587-4B4C-A407-44438C67B59E}" type="datetimeFigureOut">
               <a:rPr lang="zh-CN" altLang="en-US" smtClean="0"/>
-              <a:t>2019/5/8</a:t>
+              <a:t>2019/5/19</a:t>
             </a:fld>
             <a:endParaRPr lang="zh-CN" altLang="en-US"/>
           </a:p>
@@ -3753,7 +3743,7 @@
           <a:p>
             <a:fld id="{760FBDFE-C587-4B4C-A407-44438C67B59E}" type="datetimeFigureOut">
               <a:rPr lang="zh-CN" altLang="en-US" smtClean="0"/>
-              <a:t>2019/5/8</a:t>
+              <a:t>2019/5/19</a:t>
             </a:fld>
             <a:endParaRPr lang="zh-CN" altLang="en-US"/>
           </a:p>
@@ -4068,7 +4058,7 @@
           <a:p>
             <a:fld id="{9EFD9D74-47D9-4702-A33C-335B63B48DBF}" type="datetimeFigureOut">
               <a:rPr lang="zh-CN" altLang="en-US" smtClean="0"/>
-              <a:t>2019/5/8</a:t>
+              <a:t>2019/5/19</a:t>
             </a:fld>
             <a:endParaRPr lang="zh-CN" altLang="en-US" dirty="0"/>
           </a:p>
@@ -4449,7 +4439,7 @@
           <a:p>
             <a:fld id="{760FBDFE-C587-4B4C-A407-44438C67B59E}" type="datetimeFigureOut">
               <a:rPr lang="zh-CN" altLang="en-US" smtClean="0"/>
-              <a:t>2019/5/8</a:t>
+              <a:t>2019/5/19</a:t>
             </a:fld>
             <a:endParaRPr lang="zh-CN" altLang="en-US"/>
           </a:p>
@@ -4713,7 +4703,7 @@
           <a:p>
             <a:fld id="{760FBDFE-C587-4B4C-A407-44438C67B59E}" type="datetimeFigureOut">
               <a:rPr lang="zh-CN" altLang="en-US" smtClean="0"/>
-              <a:t>2019/5/8</a:t>
+              <a:t>2019/5/19</a:t>
             </a:fld>
             <a:endParaRPr lang="zh-CN" altLang="en-US"/>
           </a:p>
@@ -4812,7 +4802,7 @@
           <a:p>
             <a:fld id="{760FBDFE-C587-4B4C-A407-44438C67B59E}" type="datetimeFigureOut">
               <a:rPr lang="zh-CN" altLang="en-US" smtClean="0"/>
-              <a:t>2019/5/8</a:t>
+              <a:t>2019/5/19</a:t>
             </a:fld>
             <a:endParaRPr lang="zh-CN" altLang="en-US"/>
           </a:p>
@@ -5021,7 +5011,7 @@
           <a:p>
             <a:fld id="{760FBDFE-C587-4B4C-A407-44438C67B59E}" type="datetimeFigureOut">
               <a:rPr lang="zh-CN" altLang="en-US" smtClean="0"/>
-              <a:t>2019/5/8</a:t>
+              <a:t>2019/5/19</a:t>
             </a:fld>
             <a:endParaRPr lang="zh-CN" altLang="en-US"/>
           </a:p>
@@ -5354,7 +5344,7 @@
           <a:p>
             <a:fld id="{760FBDFE-C587-4B4C-A407-44438C67B59E}" type="datetimeFigureOut">
               <a:rPr lang="zh-CN" altLang="en-US" smtClean="0"/>
-              <a:t>2019/5/8</a:t>
+              <a:t>2019/5/19</a:t>
             </a:fld>
             <a:endParaRPr lang="zh-CN" altLang="en-US"/>
           </a:p>
@@ -5822,7 +5812,7 @@
           <a:p>
             <a:fld id="{760FBDFE-C587-4B4C-A407-44438C67B59E}" type="datetimeFigureOut">
               <a:rPr lang="zh-CN" altLang="en-US" smtClean="0"/>
-              <a:t>2019/5/8</a:t>
+              <a:t>2019/5/19</a:t>
             </a:fld>
             <a:endParaRPr lang="zh-CN" altLang="en-US"/>
           </a:p>
@@ -6555,7 +6545,7 @@
           <a:p>
             <a:fld id="{760FBDFE-C587-4B4C-A407-44438C67B59E}" type="datetimeFigureOut">
               <a:rPr lang="zh-CN" altLang="en-US" smtClean="0"/>
-              <a:t>2019/5/8</a:t>
+              <a:t>2019/5/19</a:t>
             </a:fld>
             <a:endParaRPr lang="zh-CN" altLang="en-US"/>
           </a:p>
@@ -6701,7 +6691,7 @@
           <a:p>
             <a:fld id="{760FBDFE-C587-4B4C-A407-44438C67B59E}" type="datetimeFigureOut">
               <a:rPr lang="zh-CN" altLang="en-US" smtClean="0"/>
-              <a:t>2019/5/8</a:t>
+              <a:t>2019/5/19</a:t>
             </a:fld>
             <a:endParaRPr lang="zh-CN" altLang="en-US"/>
           </a:p>
@@ -6800,7 +6790,7 @@
           <a:p>
             <a:fld id="{760FBDFE-C587-4B4C-A407-44438C67B59E}" type="datetimeFigureOut">
               <a:rPr lang="zh-CN" altLang="en-US" smtClean="0"/>
-              <a:t>2019/5/8</a:t>
+              <a:t>2019/5/19</a:t>
             </a:fld>
             <a:endParaRPr lang="zh-CN" altLang="en-US"/>
           </a:p>
@@ -7115,7 +7105,7 @@
           <a:p>
             <a:fld id="{9EFD9D74-47D9-4702-A33C-335B63B48DBF}" type="datetimeFigureOut">
               <a:rPr lang="zh-CN" altLang="en-US" smtClean="0"/>
-              <a:t>2019/5/8</a:t>
+              <a:t>2019/5/19</a:t>
             </a:fld>
             <a:endParaRPr lang="zh-CN" altLang="en-US" dirty="0"/>
           </a:p>
@@ -7404,7 +7394,7 @@
           <a:p>
             <a:fld id="{760FBDFE-C587-4B4C-A407-44438C67B59E}" type="datetimeFigureOut">
               <a:rPr lang="zh-CN" altLang="en-US" smtClean="0"/>
-              <a:t>2019/5/8</a:t>
+              <a:t>2019/5/19</a:t>
             </a:fld>
             <a:endParaRPr lang="zh-CN" altLang="en-US"/>
           </a:p>
@@ -7638,7 +7628,7 @@
           <a:p>
             <a:fld id="{760FBDFE-C587-4B4C-A407-44438C67B59E}" type="datetimeFigureOut">
               <a:rPr lang="zh-CN" altLang="en-US" smtClean="0"/>
-              <a:t>2019/5/8</a:t>
+              <a:t>2019/5/19</a:t>
             </a:fld>
             <a:endParaRPr lang="zh-CN" altLang="en-US"/>
           </a:p>
@@ -8271,7 +8261,7 @@
           <a:p>
             <a:fld id="{760FBDFE-C587-4B4C-A407-44438C67B59E}" type="datetimeFigureOut">
               <a:rPr lang="zh-CN" altLang="en-US" smtClean="0"/>
-              <a:t>2019/5/8</a:t>
+              <a:t>2019/5/19</a:t>
             </a:fld>
             <a:endParaRPr lang="zh-CN" altLang="en-US"/>
           </a:p>
@@ -8757,7 +8747,7 @@
         </p:nvSpPr>
         <p:spPr>
           <a:xfrm>
-            <a:off x="1971040" y="278765"/>
+            <a:off x="1971040" y="445770"/>
             <a:ext cx="2068195" cy="368300"/>
           </a:xfrm>
           <a:prstGeom prst="rect">
@@ -8773,7 +8763,7 @@
           <a:p>
             <a:pPr algn="l"/>
             <a:r>
-              <a:rPr lang="zh-CN" altLang="en-US" b="1" dirty="0">
+              <a:rPr lang="zh-CN" altLang="en-US" b="1">
                 <a:latin typeface="+mn-ea"/>
                 <a:cs typeface="+mn-ea"/>
               </a:rPr>
@@ -8790,8 +8780,8 @@
         </p:nvSpPr>
         <p:spPr>
           <a:xfrm>
-            <a:off x="1971040" y="608330"/>
-            <a:ext cx="2616835" cy="2031325"/>
+            <a:off x="1971040" y="721995"/>
+            <a:ext cx="2616835" cy="1753235"/>
           </a:xfrm>
           <a:prstGeom prst="rect">
             <a:avLst/>
@@ -8811,7 +8801,7 @@
             </a:pPr>
             <a:r>
               <a:rPr lang="zh-CN" altLang="en-US" sz="1200" b="1" dirty="0"/>
-              <a:t>求职意向：Web前端开发工程                        </a:t>
+              <a:t>求职意向：.Net开发工程师                  </a:t>
             </a:r>
           </a:p>
           <a:p>
@@ -8829,11 +8819,11 @@
               <a:t>2</a:t>
             </a:r>
             <a:r>
-              <a:rPr lang="en-US" altLang="zh-CN" sz="1200" b="1" dirty="0" smtClean="0"/>
+              <a:rPr lang="en-US" altLang="zh-CN" sz="1200" b="1" smtClean="0"/>
               <a:t>9</a:t>
             </a:r>
             <a:r>
-              <a:rPr lang="zh-CN" altLang="en-US" sz="1200" b="1" dirty="0"/>
+              <a:rPr lang="zh-CN" altLang="en-US" sz="1200" b="1"/>
               <a:t>		</a:t>
             </a:r>
           </a:p>
@@ -8867,15 +8857,7 @@
             </a:pPr>
             <a:r>
               <a:rPr lang="zh-CN" altLang="en-US" sz="1200" b="1" dirty="0"/>
-              <a:t>邮   </a:t>
-            </a:r>
-            <a:r>
-              <a:rPr lang="zh-CN" altLang="en-US" sz="1200" b="1" dirty="0" smtClean="0"/>
-              <a:t>箱：leeneo</a:t>
-            </a:r>
-            <a:r>
-              <a:rPr lang="zh-CN" altLang="en-US" sz="1200" b="1" dirty="0"/>
-              <a:t>@xingzhihen.com</a:t>
+              <a:t>邮   箱:leeneo@xingzhihen.com</a:t>
             </a:r>
           </a:p>
           <a:p>
@@ -8886,33 +8868,8 @@
             </a:pPr>
             <a:r>
               <a:rPr lang="zh-CN" altLang="en-US" sz="1200" b="1" dirty="0"/>
-              <a:t>地   址：广东</a:t>
-            </a:r>
-            <a:r>
-              <a:rPr lang="zh-CN" altLang="en-US" sz="1200" b="1" dirty="0" smtClean="0"/>
-              <a:t>深圳</a:t>
-            </a:r>
-            <a:endParaRPr lang="en-US" altLang="zh-CN" sz="1200" b="1" dirty="0" smtClean="0"/>
-          </a:p>
-          <a:p>
-            <a:pPr>
-              <a:lnSpc>
-                <a:spcPct val="150000"/>
-              </a:lnSpc>
-            </a:pPr>
-            <a:r>
-              <a:rPr lang="en-US" altLang="zh-CN" sz="1200" b="1" dirty="0" err="1" smtClean="0"/>
-              <a:t>GitHub</a:t>
-            </a:r>
-            <a:r>
-              <a:rPr lang="en-US" altLang="zh-CN" sz="1200" b="1" dirty="0" smtClean="0"/>
-              <a:t>: github.com/</a:t>
-            </a:r>
-            <a:r>
-              <a:rPr lang="en-US" altLang="zh-CN" sz="1200" b="1" dirty="0" err="1" smtClean="0"/>
-              <a:t>leeneo</a:t>
-            </a:r>
-            <a:endParaRPr lang="zh-CN" altLang="en-US" sz="1200" b="1" dirty="0"/>
+              <a:t>地   址：广东深圳</a:t>
+            </a:r>
           </a:p>
         </p:txBody>
       </p:sp>
@@ -8976,7 +8933,7 @@
           <a:lstStyle/>
           <a:p>
             <a:r>
-              <a:rPr lang="en-US" altLang="zh-CN" sz="1400" dirty="0"/>
+              <a:rPr lang="en-US" altLang="zh-CN" sz="1400"/>
               <a:t>-------------------------------------------------------------------------------------------------------------------</a:t>
             </a:r>
           </a:p>
@@ -9050,40 +9007,23 @@
           <a:lstStyle/>
           <a:p>
             <a:r>
-              <a:rPr lang="zh-CN" altLang="en-US" sz="1200" dirty="0" smtClean="0"/>
-              <a:t>2015.9-2017.7    国家开放大学（原中央广播电视大学）英语	大专</a:t>
-            </a:r>
-          </a:p>
-          <a:p>
-            <a:r>
-              <a:rPr lang="zh-CN" altLang="en-US" sz="1200" dirty="0" smtClean="0"/>
-              <a:t>200</a:t>
-            </a:r>
-            <a:r>
-              <a:rPr lang="en-US" altLang="zh-CN" sz="1200" dirty="0" smtClean="0"/>
-              <a:t>4</a:t>
-            </a:r>
-            <a:r>
-              <a:rPr lang="zh-CN" altLang="en-US" sz="1200" dirty="0" smtClean="0"/>
-              <a:t>.9-20</a:t>
-            </a:r>
-            <a:r>
-              <a:rPr lang="en-US" altLang="zh-CN" sz="1200" dirty="0" smtClean="0"/>
-              <a:t>08</a:t>
-            </a:r>
-            <a:r>
-              <a:rPr lang="zh-CN" altLang="en-US" sz="1200" dirty="0" smtClean="0"/>
-              <a:t>.</a:t>
-            </a:r>
-            <a:r>
-              <a:rPr lang="en-US" altLang="zh-CN" sz="1200" dirty="0" smtClean="0"/>
-              <a:t>6</a:t>
-            </a:r>
-            <a:r>
-              <a:rPr lang="zh-CN" altLang="en-US" sz="1200" dirty="0" smtClean="0"/>
-              <a:t>    河南商水县第一高中	                       理科	高中</a:t>
-            </a:r>
-            <a:endParaRPr lang="zh-CN" altLang="en-US" sz="1200" dirty="0"/>
+              <a:rPr lang="zh-CN" altLang="en-US" sz="1200"/>
+              <a:t>2015.9-2017.7     国家开放大学（原中央广播电视大学</a:t>
+            </a:r>
+            <a:r>
+              <a:rPr lang="en-US" altLang="zh-CN" sz="1200"/>
+              <a:t>)</a:t>
+            </a:r>
+            <a:r>
+              <a:rPr lang="zh-CN" altLang="en-US" sz="1200"/>
+              <a:t>    英语	大专</a:t>
+            </a:r>
+          </a:p>
+          <a:p>
+            <a:r>
+              <a:rPr lang="zh-CN" altLang="en-US" sz="1200"/>
+              <a:t>2004.9-2008.6     河南商水县第一高中		     理科	高中</a:t>
+            </a:r>
           </a:p>
         </p:txBody>
       </p:sp>
@@ -9235,23 +9175,11 @@
             <a:lstStyle/>
             <a:p>
               <a:r>
-                <a:rPr lang="zh-CN" altLang="en-US" sz="1200" b="1" dirty="0"/>
-                <a:t>深圳市策城软件有限公司                             </a:t>
+                <a:rPr lang="zh-CN" altLang="en-US" sz="1200" b="1"/>
+                <a:t>深圳市策城软件有限公司                             Net开发工程师 </a:t>
               </a:r>
               <a:r>
-                <a:rPr lang="en-US" altLang="zh-CN" sz="1200" b="1" dirty="0"/>
-                <a:t>.</a:t>
-              </a:r>
-              <a:r>
-                <a:rPr lang="zh-CN" altLang="en-US" sz="1200" b="1" dirty="0" smtClean="0"/>
-                <a:t>Net</a:t>
-              </a:r>
-              <a:r>
-                <a:rPr lang="zh-CN" altLang="en-US" sz="1200" b="1" dirty="0"/>
-                <a:t>开发工程师 </a:t>
-              </a:r>
-              <a:r>
-                <a:rPr lang="zh-CN" altLang="en-US" dirty="0"/>
+                <a:rPr lang="zh-CN" altLang="en-US"/>
                 <a:t>         </a:t>
               </a:r>
             </a:p>
@@ -9338,8 +9266,8 @@
           </p:nvSpPr>
           <p:spPr>
             <a:xfrm>
-              <a:off x="3183" y="6581"/>
-              <a:ext cx="225" cy="225"/>
+              <a:off x="3268" y="6651"/>
+              <a:ext cx="155" cy="155"/>
             </a:xfrm>
             <a:prstGeom prst="teardrop">
               <a:avLst/>
@@ -9387,10 +9315,10 @@
         </p:nvGrpSpPr>
         <p:grpSpPr>
           <a:xfrm>
-            <a:off x="398780" y="5834380"/>
-            <a:ext cx="6730365" cy="2491105"/>
+            <a:off x="398780" y="5967730"/>
+            <a:ext cx="6730365" cy="2306320"/>
             <a:chOff x="613" y="9106"/>
-            <a:chExt cx="10599" cy="3923"/>
+            <a:chExt cx="10599" cy="3632"/>
           </a:xfrm>
         </p:grpSpPr>
         <p:sp>
@@ -9465,8 +9393,8 @@
           </p:nvSpPr>
           <p:spPr>
             <a:xfrm>
-              <a:off x="3603" y="9686"/>
-              <a:ext cx="7576" cy="3343"/>
+              <a:off x="3423" y="9686"/>
+              <a:ext cx="7576" cy="3052"/>
             </a:xfrm>
             <a:prstGeom prst="rect">
               <a:avLst/>
@@ -9487,37 +9415,37 @@
             <a:p>
               <a:r>
                 <a:rPr lang="zh-CN" altLang="en-US" sz="1200"/>
-                <a:t>根据项目原型，对页面布局、用户交互流程、相关视觉元素等进行设计</a:t>
+                <a:t>根据项目原型，对页面布局、用户交互流程、相关视觉元素等进行设计；</a:t>
               </a:r>
             </a:p>
             <a:p>
               <a:r>
                 <a:rPr lang="zh-CN" altLang="en-US" sz="1200"/>
-                <a:t>根据效果图，利用HTML/CSS/JavaScript等前端开发技术进行界面开发</a:t>
+                <a:t>根据效果图，利用HTML/CSS/JavaScript等前端开发技术进行界面开发；</a:t>
               </a:r>
             </a:p>
             <a:p>
               <a:r>
                 <a:rPr lang="zh-CN" altLang="en-US" sz="1200"/>
-                <a:t>持续优化前端代码，提升页面响应速度，兼容主流浏览器，增加交互效果</a:t>
+                <a:t>持续优化前端代码，提升页面响应速度，兼容主流浏览器，增加交互效果；</a:t>
               </a:r>
             </a:p>
             <a:p>
               <a:r>
                 <a:rPr lang="zh-CN" altLang="en-US" sz="1200"/>
-                <a:t>与后端开发工程师协作完成数据交互、动态信息展现等功能</a:t>
+                <a:t>与后端开发工程师协作完成数据交互、动态信息展现等功能；</a:t>
               </a:r>
             </a:p>
             <a:p>
               <a:r>
                 <a:rPr lang="zh-CN" altLang="en-US" sz="1200"/>
-                <a:t>追踪Web前沿技术研究和新技术调研</a:t>
+                <a:t>追踪Web前沿技术研究和新技术调研；</a:t>
               </a:r>
             </a:p>
             <a:p>
               <a:r>
                 <a:rPr lang="zh-CN" altLang="en-US" sz="1200"/>
-                <a:t>对于开发者来说，开发过程是一个不断推敲的过程</a:t>
+                <a:t>对于开发者来说，开发过程是一个不断推敲的过程。</a:t>
               </a:r>
             </a:p>
           </p:txBody>
@@ -9532,9 +9460,9 @@
         <p:grpSpPr>
           <a:xfrm>
             <a:off x="379730" y="8421370"/>
-            <a:ext cx="6748780" cy="1474470"/>
+            <a:ext cx="6653530" cy="1474470"/>
             <a:chOff x="598" y="13232"/>
-            <a:chExt cx="10628" cy="2322"/>
+            <a:chExt cx="10478" cy="2322"/>
           </a:xfrm>
         </p:grpSpPr>
         <p:sp>
@@ -9576,7 +9504,7 @@
           </p:nvSpPr>
           <p:spPr>
             <a:xfrm>
-              <a:off x="3568" y="13666"/>
+              <a:off x="3418" y="13666"/>
               <a:ext cx="7658" cy="1888"/>
             </a:xfrm>
             <a:prstGeom prst="rect">
@@ -9592,31 +9520,31 @@
             <a:p>
               <a:r>
                 <a:rPr lang="zh-CN" altLang="en-US" sz="1200"/>
-                <a:t>参与项目需求分析, 研究项目技术细节，进行系统模块的详细设计</a:t>
+                <a:t>参与项目需求分析, 研究项目技术细节，进行系统模块的详细设计；</a:t>
               </a:r>
             </a:p>
             <a:p>
               <a:r>
                 <a:rPr lang="zh-CN" altLang="en-US" sz="1200"/>
-                <a:t>根据客户需求实现客户端系统架构设计、研发、成型以及后期调试</a:t>
+                <a:t>根据客户需求实现客户端系统架构设计、研发、成型以及后期调试；</a:t>
               </a:r>
             </a:p>
             <a:p>
               <a:r>
                 <a:rPr lang="zh-CN" altLang="en-US" sz="1200"/>
-                <a:t>使用C# winform，ADO.Net，Sql等技术配合其他开发人员，完成相应模块开发</a:t>
+                <a:t>使用C# winform，ADO.Net，Sql等技术配合其他开发人员，完成相应模块开发；</a:t>
               </a:r>
             </a:p>
             <a:p>
               <a:r>
                 <a:rPr lang="zh-CN" altLang="en-US" sz="1200"/>
-                <a:t>负责CS软件的界面设计，数据模型搭建，数据导入等工作</a:t>
+                <a:t>负责CS软件的界面设计，数据模型搭建，数据导入等工作；</a:t>
               </a:r>
             </a:p>
             <a:p>
               <a:r>
                 <a:rPr lang="zh-CN" altLang="en-US" sz="1200"/>
-                <a:t>负责后期软件项目施工，打印账单样式设计，以及人员培训等</a:t>
+                <a:t>负责后期软件项目施工，打印账单样式设计，以及人员培训等。</a:t>
               </a:r>
             </a:p>
           </p:txBody>
@@ -9653,14 +9581,14 @@
       </p:grpSp>
       <p:sp>
         <p:nvSpPr>
-          <p:cNvPr id="58" name="泪滴形 57"/>
+          <p:cNvPr id="2" name="泪滴形 1"/>
           <p:cNvSpPr/>
           <p:nvPr/>
         </p:nvSpPr>
         <p:spPr>
           <a:xfrm>
-            <a:off x="2030730" y="4365625"/>
-            <a:ext cx="142875" cy="142875"/>
+            <a:off x="2078355" y="4401185"/>
+            <a:ext cx="98425" cy="98425"/>
           </a:xfrm>
           <a:prstGeom prst="teardrop">
             <a:avLst/>
@@ -9701,14 +9629,14 @@
       </p:sp>
       <p:sp>
         <p:nvSpPr>
-          <p:cNvPr id="59" name="泪滴形 58"/>
+          <p:cNvPr id="3" name="泪滴形 2"/>
           <p:cNvSpPr/>
           <p:nvPr/>
         </p:nvSpPr>
         <p:spPr>
           <a:xfrm>
-            <a:off x="2030730" y="4717415"/>
-            <a:ext cx="142875" cy="142875"/>
+            <a:off x="2078355" y="4751705"/>
+            <a:ext cx="98425" cy="98425"/>
           </a:xfrm>
           <a:prstGeom prst="teardrop">
             <a:avLst/>
@@ -9749,14 +9677,14 @@
       </p:sp>
       <p:sp>
         <p:nvSpPr>
-          <p:cNvPr id="61" name="泪滴形 60"/>
+          <p:cNvPr id="4" name="泪滴形 3"/>
           <p:cNvSpPr/>
           <p:nvPr/>
         </p:nvSpPr>
         <p:spPr>
           <a:xfrm>
-            <a:off x="2030730" y="5283835"/>
-            <a:ext cx="142875" cy="142875"/>
+            <a:off x="2078355" y="5338445"/>
+            <a:ext cx="98425" cy="98425"/>
           </a:xfrm>
           <a:prstGeom prst="teardrop">
             <a:avLst/>
@@ -9797,14 +9725,14 @@
       </p:sp>
       <p:sp>
         <p:nvSpPr>
-          <p:cNvPr id="62" name="泪滴形 61"/>
+          <p:cNvPr id="5" name="泪滴形 4"/>
           <p:cNvSpPr/>
           <p:nvPr/>
         </p:nvSpPr>
         <p:spPr>
           <a:xfrm>
-            <a:off x="2030730" y="5486400"/>
-            <a:ext cx="142875" cy="142875"/>
+            <a:off x="2078355" y="6411595"/>
+            <a:ext cx="98425" cy="98425"/>
           </a:xfrm>
           <a:prstGeom prst="teardrop">
             <a:avLst/>
@@ -9845,14 +9773,14 @@
       </p:sp>
       <p:sp>
         <p:nvSpPr>
-          <p:cNvPr id="63" name="泪滴形 62"/>
+          <p:cNvPr id="6" name="泪滴形 5"/>
           <p:cNvSpPr/>
           <p:nvPr/>
         </p:nvSpPr>
         <p:spPr>
           <a:xfrm>
-            <a:off x="2049780" y="6301105"/>
-            <a:ext cx="142875" cy="142875"/>
+            <a:off x="2078355" y="7018020"/>
+            <a:ext cx="98425" cy="98425"/>
           </a:xfrm>
           <a:prstGeom prst="teardrop">
             <a:avLst/>
@@ -9893,14 +9821,14 @@
       </p:sp>
       <p:sp>
         <p:nvSpPr>
-          <p:cNvPr id="64" name="泪滴形 63"/>
+          <p:cNvPr id="7" name="泪滴形 6"/>
           <p:cNvSpPr/>
           <p:nvPr/>
         </p:nvSpPr>
         <p:spPr>
           <a:xfrm>
-            <a:off x="2049780" y="6483350"/>
-            <a:ext cx="142875" cy="142875"/>
+            <a:off x="2078355" y="7416165"/>
+            <a:ext cx="98425" cy="98425"/>
           </a:xfrm>
           <a:prstGeom prst="teardrop">
             <a:avLst/>
@@ -9941,14 +9869,14 @@
       </p:sp>
       <p:sp>
         <p:nvSpPr>
-          <p:cNvPr id="65" name="泪滴形 64"/>
+          <p:cNvPr id="9" name="泪滴形 8"/>
           <p:cNvSpPr/>
           <p:nvPr/>
         </p:nvSpPr>
         <p:spPr>
           <a:xfrm>
-            <a:off x="2049780" y="6852285"/>
-            <a:ext cx="142875" cy="142875"/>
+            <a:off x="2078355" y="7719695"/>
+            <a:ext cx="98425" cy="98425"/>
           </a:xfrm>
           <a:prstGeom prst="teardrop">
             <a:avLst/>
@@ -9989,14 +9917,14 @@
       </p:sp>
       <p:sp>
         <p:nvSpPr>
-          <p:cNvPr id="66" name="泪滴形 65"/>
+          <p:cNvPr id="12" name="泪滴形 11"/>
           <p:cNvSpPr/>
           <p:nvPr/>
         </p:nvSpPr>
         <p:spPr>
           <a:xfrm>
-            <a:off x="2049780" y="7192645"/>
-            <a:ext cx="142875" cy="142875"/>
+            <a:off x="2078355" y="7894955"/>
+            <a:ext cx="98425" cy="98425"/>
           </a:xfrm>
           <a:prstGeom prst="teardrop">
             <a:avLst/>
@@ -10037,14 +9965,14 @@
       </p:sp>
       <p:sp>
         <p:nvSpPr>
-          <p:cNvPr id="67" name="泪滴形 66"/>
+          <p:cNvPr id="17" name="泪滴形 16"/>
           <p:cNvSpPr/>
           <p:nvPr/>
         </p:nvSpPr>
         <p:spPr>
           <a:xfrm>
-            <a:off x="2040255" y="7600950"/>
-            <a:ext cx="142875" cy="142875"/>
+            <a:off x="2078355" y="8070850"/>
+            <a:ext cx="98425" cy="98425"/>
           </a:xfrm>
           <a:prstGeom prst="teardrop">
             <a:avLst/>
@@ -10085,14 +10013,14 @@
       </p:sp>
       <p:sp>
         <p:nvSpPr>
-          <p:cNvPr id="70" name="泪滴形 69"/>
+          <p:cNvPr id="19" name="泪滴形 18"/>
           <p:cNvSpPr/>
           <p:nvPr/>
         </p:nvSpPr>
         <p:spPr>
           <a:xfrm>
-            <a:off x="2049780" y="8756650"/>
-            <a:ext cx="142875" cy="142875"/>
+            <a:off x="2078355" y="8819515"/>
+            <a:ext cx="98425" cy="98425"/>
           </a:xfrm>
           <a:prstGeom prst="teardrop">
             <a:avLst/>
@@ -10133,14 +10061,14 @@
       </p:sp>
       <p:sp>
         <p:nvSpPr>
-          <p:cNvPr id="71" name="泪滴形 70"/>
+          <p:cNvPr id="24" name="泪滴形 23"/>
           <p:cNvSpPr/>
           <p:nvPr/>
         </p:nvSpPr>
         <p:spPr>
           <a:xfrm>
-            <a:off x="2049780" y="8956675"/>
-            <a:ext cx="142875" cy="142875"/>
+            <a:off x="2078355" y="9163050"/>
+            <a:ext cx="98425" cy="98425"/>
           </a:xfrm>
           <a:prstGeom prst="teardrop">
             <a:avLst/>
@@ -10181,14 +10109,14 @@
       </p:sp>
       <p:sp>
         <p:nvSpPr>
-          <p:cNvPr id="72" name="泪滴形 71"/>
+          <p:cNvPr id="26" name="泪滴形 25"/>
           <p:cNvSpPr/>
           <p:nvPr/>
         </p:nvSpPr>
         <p:spPr>
           <a:xfrm>
-            <a:off x="2049780" y="9128125"/>
-            <a:ext cx="142875" cy="142875"/>
+            <a:off x="2078355" y="9527540"/>
+            <a:ext cx="98425" cy="98425"/>
           </a:xfrm>
           <a:prstGeom prst="teardrop">
             <a:avLst/>
@@ -10229,14 +10157,14 @@
       </p:sp>
       <p:sp>
         <p:nvSpPr>
-          <p:cNvPr id="73" name="泪滴形 72"/>
+          <p:cNvPr id="27" name="泪滴形 26"/>
           <p:cNvSpPr/>
           <p:nvPr/>
         </p:nvSpPr>
         <p:spPr>
           <a:xfrm>
-            <a:off x="2049780" y="9518650"/>
-            <a:ext cx="142875" cy="142875"/>
+            <a:off x="2078355" y="9727565"/>
+            <a:ext cx="98425" cy="98425"/>
           </a:xfrm>
           <a:prstGeom prst="teardrop">
             <a:avLst/>
@@ -10277,14 +10205,14 @@
       </p:sp>
       <p:sp>
         <p:nvSpPr>
-          <p:cNvPr id="74" name="泪滴形 73"/>
+          <p:cNvPr id="28" name="泪滴形 27"/>
           <p:cNvSpPr/>
           <p:nvPr/>
         </p:nvSpPr>
         <p:spPr>
           <a:xfrm>
-            <a:off x="2049780" y="9690100"/>
-            <a:ext cx="142875" cy="142875"/>
+            <a:off x="2078355" y="8985250"/>
+            <a:ext cx="98425" cy="98425"/>
           </a:xfrm>
           <a:prstGeom prst="teardrop">
             <a:avLst/>
@@ -10359,7 +10287,7 @@
         </p:nvGrpSpPr>
         <p:grpSpPr>
           <a:xfrm>
-            <a:off x="404495" y="5130165"/>
+            <a:off x="404495" y="7473950"/>
             <a:ext cx="1426210" cy="374650"/>
             <a:chOff x="784" y="10167"/>
             <a:chExt cx="2246" cy="590"/>
@@ -10452,7 +10380,7 @@
         </p:nvGrpSpPr>
         <p:grpSpPr>
           <a:xfrm>
-            <a:off x="404495" y="595630"/>
+            <a:off x="404495" y="748030"/>
             <a:ext cx="1426210" cy="374650"/>
             <a:chOff x="784" y="10167"/>
             <a:chExt cx="2246" cy="590"/>
@@ -10546,8 +10474,8 @@
         </p:nvSpPr>
         <p:spPr>
           <a:xfrm>
-            <a:off x="2051050" y="1012825"/>
-            <a:ext cx="5518785" cy="4247317"/>
+            <a:off x="1830705" y="1165225"/>
+            <a:ext cx="5518785" cy="5631180"/>
           </a:xfrm>
           <a:prstGeom prst="rect">
             <a:avLst/>
@@ -10568,30 +10496,9 @@
               <a:buChar char="l"/>
             </a:pPr>
             <a:r>
-              <a:rPr lang="zh-CN" altLang="zh-CN" sz="1200" dirty="0"/>
-              <a:t>熟练使用</a:t>
-            </a:r>
-            <a:r>
-              <a:rPr lang="en-US" altLang="zh-CN" sz="1200" dirty="0"/>
-              <a:t>HTML5+CSS3+Javascript</a:t>
-            </a:r>
-            <a:r>
-              <a:rPr lang="zh-CN" altLang="zh-CN" sz="1200" dirty="0"/>
-              <a:t>技术，能根据</a:t>
-            </a:r>
-            <a:r>
-              <a:rPr lang="en-US" altLang="zh-CN" sz="1200" dirty="0"/>
-              <a:t>UI</a:t>
-            </a:r>
-            <a:r>
-              <a:rPr lang="zh-CN" altLang="zh-CN" sz="1200" dirty="0"/>
-              <a:t>出图快速实现前端页面和动态效果和交互</a:t>
-            </a:r>
-            <a:r>
-              <a:rPr lang="zh-CN" altLang="zh-CN" sz="1200" dirty="0" smtClean="0"/>
-              <a:t>逻辑</a:t>
-            </a:r>
-            <a:endParaRPr lang="en-US" altLang="zh-CN" sz="1200" dirty="0" smtClean="0"/>
+              <a:rPr lang="zh-CN" altLang="en-US" sz="1200"/>
+              <a:t>熟练使用HTML5+CSS3+Javascript技术，能根据UI出图快速实现前端页面和动态效果和交互逻辑</a:t>
+            </a:r>
           </a:p>
           <a:p>
             <a:pPr marL="285750" indent="-285750">
@@ -10602,82 +10509,8 @@
               <a:buChar char="l"/>
             </a:pPr>
             <a:r>
-              <a:rPr lang="zh-CN" altLang="zh-CN" sz="1200" dirty="0"/>
-              <a:t>熟练掌握浏览器兼容解决方案，移动端自适应，</a:t>
-            </a:r>
-            <a:r>
-              <a:rPr lang="en-US" altLang="zh-CN" sz="1200" dirty="0"/>
-              <a:t>Rem</a:t>
-            </a:r>
-            <a:r>
-              <a:rPr lang="zh-CN" altLang="zh-CN" sz="1200" dirty="0"/>
-              <a:t>适配，媒体查询等，能较好的在多平台呈现页面设计</a:t>
-            </a:r>
-            <a:r>
-              <a:rPr lang="zh-CN" altLang="zh-CN" sz="1200" dirty="0" smtClean="0"/>
-              <a:t>效果</a:t>
-            </a:r>
-            <a:endParaRPr lang="en-US" altLang="zh-CN" sz="1200" dirty="0" smtClean="0"/>
-          </a:p>
-          <a:p>
-            <a:pPr marL="285750" lvl="0" indent="-285750">
-              <a:lnSpc>
-                <a:spcPct val="150000"/>
-              </a:lnSpc>
-              <a:buFont typeface="Wingdings" panose="05000000000000000000" charset="0"/>
-              <a:buChar char="l"/>
-            </a:pPr>
-            <a:r>
-              <a:rPr lang="zh-CN" altLang="zh-CN" sz="1200" dirty="0"/>
-              <a:t>熟练</a:t>
-            </a:r>
-            <a:r>
-              <a:rPr lang="zh-CN" altLang="zh-CN" sz="1200" dirty="0"/>
-              <a:t>使用</a:t>
-            </a:r>
-            <a:r>
-              <a:rPr lang="en-US" altLang="zh-CN" sz="1200" dirty="0" err="1"/>
-              <a:t>jQuery,Bootstrap</a:t>
-            </a:r>
-            <a:r>
-              <a:rPr lang="zh-CN" altLang="zh-CN" sz="1200" dirty="0"/>
-              <a:t>、</a:t>
-            </a:r>
-            <a:r>
-              <a:rPr lang="en-US" altLang="zh-CN" sz="1200" dirty="0" err="1"/>
-              <a:t>AmazeUI</a:t>
-            </a:r>
-            <a:r>
-              <a:rPr lang="zh-CN" altLang="zh-CN" sz="1200" dirty="0"/>
-              <a:t>、</a:t>
-            </a:r>
-            <a:r>
-              <a:rPr lang="en-US" altLang="zh-CN" sz="1200" dirty="0"/>
-              <a:t>MUI</a:t>
-            </a:r>
-            <a:r>
-              <a:rPr lang="zh-CN" altLang="zh-CN" sz="1200" dirty="0"/>
-              <a:t>、</a:t>
-            </a:r>
-            <a:r>
-              <a:rPr lang="en-US" altLang="zh-CN" sz="1200" dirty="0"/>
-              <a:t>Less</a:t>
-            </a:r>
-            <a:r>
-              <a:rPr lang="zh-CN" altLang="zh-CN" sz="1200" dirty="0"/>
-              <a:t>编译、</a:t>
-            </a:r>
-            <a:r>
-              <a:rPr lang="en-US" altLang="zh-CN" sz="1200" dirty="0"/>
-              <a:t>CSS/JSS </a:t>
-            </a:r>
-            <a:r>
-              <a:rPr lang="en-US" altLang="zh-CN" sz="1200" dirty="0" err="1"/>
-              <a:t>Minifier</a:t>
-            </a:r>
-            <a:r>
-              <a:rPr lang="zh-CN" altLang="zh-CN" sz="1200" dirty="0"/>
-              <a:t>等前端框架和工具</a:t>
+              <a:rPr lang="zh-CN" altLang="en-US" sz="1200"/>
+              <a:t>熟练掌握浏览器兼容解决方案，移动端自适应，Rem适配，媒体查询等，能较好的在多平台呈现页面设计效果</a:t>
             </a:r>
           </a:p>
           <a:p>
@@ -10689,8 +10522,8 @@
               <a:buChar char="l"/>
             </a:pPr>
             <a:r>
-              <a:rPr lang="zh-CN" altLang="en-US" sz="1200" dirty="0" smtClean="0"/>
-              <a:t>熟练使用.Net 平台的ASP.NET&amp;ASP.NET Core开发Web项目</a:t>
+              <a:rPr lang="zh-CN" altLang="en-US" sz="1200"/>
+              <a:t>熟练使用jQuery,Bootstrap、AmazeUI、MUI、Less编译、CSS/JSS Minifier等前端框架和工具</a:t>
             </a:r>
           </a:p>
           <a:p>
@@ -10702,8 +10535,8 @@
               <a:buChar char="l"/>
             </a:pPr>
             <a:r>
-              <a:rPr lang="zh-CN" altLang="en-US" sz="1200" dirty="0" smtClean="0"/>
-              <a:t>熟练使用.Net 平台WinForm,.NET Core 开发PC项目</a:t>
+              <a:rPr lang="zh-CN" altLang="en-US" sz="1200"/>
+              <a:t>能熟练使用Angular2.0和Typescript技术开发SPA项目</a:t>
             </a:r>
           </a:p>
           <a:p>
@@ -10715,8 +10548,8 @@
               <a:buChar char="l"/>
             </a:pPr>
             <a:r>
-              <a:rPr lang="zh-CN" altLang="en-US" sz="1200" dirty="0" smtClean="0"/>
-              <a:t>熟练掌握C#编程语言，了解C,Python,JAVA等编程语言</a:t>
+              <a:rPr lang="zh-CN" altLang="en-US" sz="1200"/>
+              <a:t>能熟练使用ionic开发和封装Android/IOS端混合式WebApp项目</a:t>
             </a:r>
           </a:p>
           <a:p>
@@ -10728,8 +10561,8 @@
               <a:buChar char="l"/>
             </a:pPr>
             <a:r>
-              <a:rPr lang="zh-CN" altLang="en-US" sz="1200" dirty="0" smtClean="0"/>
-              <a:t>熟练使用Git，svn等版本管理工具</a:t>
+              <a:rPr lang="zh-CN" altLang="en-US" sz="1200"/>
+              <a:t>熟练使用.Net 平台的ASP.NET&amp;ASP.NET Core开发Web项目</a:t>
             </a:r>
           </a:p>
           <a:p>
@@ -10741,8 +10574,8 @@
               <a:buChar char="l"/>
             </a:pPr>
             <a:r>
-              <a:rPr lang="zh-CN" altLang="en-US" sz="1200" dirty="0" smtClean="0"/>
-              <a:t>能熟练使用EF6，EFCore等开发数据接口</a:t>
+              <a:rPr lang="zh-CN" altLang="en-US" sz="1200"/>
+              <a:t>熟练使用.Net 平台WinForm,.NET Core 开发PC项目</a:t>
             </a:r>
           </a:p>
           <a:p>
@@ -10754,8 +10587,8 @@
               <a:buChar char="l"/>
             </a:pPr>
             <a:r>
-              <a:rPr lang="zh-CN" altLang="en-US" sz="1200" dirty="0" smtClean="0"/>
-              <a:t>能熟练利用微软的SQL Server进行开发，了解Oracle,MySql</a:t>
+              <a:rPr lang="zh-CN" altLang="en-US" sz="1200"/>
+              <a:t>熟练掌握C#语言，和面向对象语言的特性使用，比如继承、多态等</a:t>
             </a:r>
           </a:p>
           <a:p>
@@ -10767,8 +10600,8 @@
               <a:buChar char="l"/>
             </a:pPr>
             <a:r>
-              <a:rPr lang="zh-CN" altLang="en-US" sz="1200" dirty="0" smtClean="0"/>
-              <a:t>能熟练使用.Net 平台的.Net FrameWork,IIS等进行网站开发</a:t>
+              <a:rPr lang="zh-CN" altLang="en-US" sz="1200"/>
+              <a:t>能使用C,Python,JAVA等语言编写一些小程序</a:t>
             </a:r>
           </a:p>
           <a:p>
@@ -10780,8 +10613,8 @@
               <a:buChar char="l"/>
             </a:pPr>
             <a:r>
-              <a:rPr lang="zh-CN" altLang="en-US" sz="1200" dirty="0" smtClean="0"/>
-              <a:t>能独立担当产品的前端开发以及界面设计、切图、标注工作</a:t>
+              <a:rPr lang="zh-CN" altLang="en-US" sz="1200"/>
+              <a:t>熟练使用Git，SVN等代码版本管理工具</a:t>
             </a:r>
           </a:p>
           <a:p>
@@ -10793,8 +10626,73 @@
               <a:buChar char="l"/>
             </a:pPr>
             <a:r>
-              <a:rPr lang="zh-CN" altLang="en-US" sz="1200" dirty="0" smtClean="0"/>
+              <a:rPr lang="zh-CN" altLang="en-US" sz="1200"/>
+              <a:t>能熟练使用ADO.NET,EF6，EFCore等框架开发API接口</a:t>
+            </a:r>
+          </a:p>
+          <a:p>
+            <a:pPr marL="285750" indent="-285750">
+              <a:lnSpc>
+                <a:spcPct val="150000"/>
+              </a:lnSpc>
+              <a:buFont typeface="Wingdings" panose="05000000000000000000" charset="0"/>
+              <a:buChar char="l"/>
+            </a:pPr>
+            <a:r>
+              <a:rPr lang="zh-CN" altLang="en-US" sz="1200"/>
+              <a:t>习惯SQL Server 开发平台，熟练使用Profiler等追踪工具，也了解Oracl，MySql等DMS</a:t>
+            </a:r>
+          </a:p>
+          <a:p>
+            <a:pPr marL="285750" indent="-285750">
+              <a:lnSpc>
+                <a:spcPct val="150000"/>
+              </a:lnSpc>
+              <a:buFont typeface="Wingdings" panose="05000000000000000000" charset="0"/>
+              <a:buChar char="l"/>
+            </a:pPr>
+            <a:r>
+              <a:rPr lang="zh-CN" altLang="en-US" sz="1200"/>
+              <a:t>能熟练使用.Net 平台的.Net FrameWork,IIS等进行网站开发</a:t>
+            </a:r>
+          </a:p>
+          <a:p>
+            <a:pPr marL="285750" indent="-285750">
+              <a:lnSpc>
+                <a:spcPct val="150000"/>
+              </a:lnSpc>
+              <a:buFont typeface="Wingdings" panose="05000000000000000000" charset="0"/>
+              <a:buChar char="l"/>
+            </a:pPr>
+            <a:r>
+              <a:rPr lang="zh-CN" altLang="en-US" sz="1200"/>
+              <a:t>能独立担当产品的前端开发以及界面设计、切图、标注工作</a:t>
+            </a:r>
+          </a:p>
+          <a:p>
+            <a:pPr marL="285750" indent="-285750">
+              <a:lnSpc>
+                <a:spcPct val="150000"/>
+              </a:lnSpc>
+              <a:buFont typeface="Wingdings" panose="05000000000000000000" charset="0"/>
+              <a:buChar char="l"/>
+            </a:pPr>
+            <a:r>
+              <a:rPr lang="zh-CN" altLang="en-US" sz="1200"/>
               <a:t>熟练掌握移动端开发规范，响应式布局及浏览器兼容性解决方案</a:t>
+            </a:r>
+          </a:p>
+          <a:p>
+            <a:pPr marL="285750" indent="-285750">
+              <a:lnSpc>
+                <a:spcPct val="150000"/>
+              </a:lnSpc>
+              <a:buFont typeface="Wingdings" panose="05000000000000000000" charset="0"/>
+              <a:buChar char="l"/>
+            </a:pPr>
+            <a:r>
+              <a:rPr lang="zh-CN" altLang="en-US" sz="1200"/>
+              <a:t>熟练掌握PS、AI，AE、DW、AxureRP,Mockplus等设计软件</a:t>
             </a:r>
           </a:p>
         </p:txBody>
@@ -10807,8 +10705,8 @@
         </p:nvSpPr>
         <p:spPr>
           <a:xfrm>
-            <a:off x="339725" y="5641975"/>
-            <a:ext cx="1820545" cy="460375"/>
+            <a:off x="302895" y="7985760"/>
+            <a:ext cx="2248535" cy="460375"/>
           </a:xfrm>
           <a:prstGeom prst="rect">
             <a:avLst/>
@@ -10823,340 +10721,18 @@
           <a:p>
             <a:r>
               <a:rPr lang="zh-CN" altLang="en-US" sz="1200" b="1"/>
-              <a:t>星之痕-个人站           </a:t>
-            </a:r>
-          </a:p>
-          <a:p>
-            <a:r>
-              <a:rPr lang="zh-CN" altLang="en-US" sz="1200"/>
-              <a:t>www.xingzhihen.com</a:t>
-            </a:r>
-          </a:p>
-        </p:txBody>
-      </p:sp>
-      <p:sp>
-        <p:nvSpPr>
-          <p:cNvPr id="22" name="文本框 21"/>
-          <p:cNvSpPr txBox="1"/>
-          <p:nvPr/>
-        </p:nvSpPr>
-        <p:spPr>
-          <a:xfrm>
-            <a:off x="2265045" y="5661025"/>
-            <a:ext cx="4677410" cy="275590"/>
-          </a:xfrm>
-          <a:prstGeom prst="rect">
-            <a:avLst/>
-          </a:prstGeom>
-          <a:noFill/>
-        </p:spPr>
-        <p:txBody>
-          <a:bodyPr wrap="square" rtlCol="0">
-            <a:spAutoFit/>
-          </a:bodyPr>
-          <a:lstStyle/>
+              <a:t>售后系统公众号版本</a:t>
+            </a:r>
+          </a:p>
           <a:p>
             <a:r>
               <a:rPr lang="zh-CN" altLang="en-US" sz="1200" b="1"/>
-              <a:t>语言：</a:t>
-            </a:r>
-            <a:r>
-              <a:rPr lang="zh-CN" altLang="en-US" sz="1200"/>
-              <a:t>H5+C3+Javascript</a:t>
-            </a:r>
-          </a:p>
-        </p:txBody>
-      </p:sp>
-      <p:sp>
-        <p:nvSpPr>
-          <p:cNvPr id="24" name="文本框 23"/>
-          <p:cNvSpPr txBox="1"/>
-          <p:nvPr/>
-        </p:nvSpPr>
-        <p:spPr>
-          <a:xfrm>
-            <a:off x="2255520" y="6069330"/>
-            <a:ext cx="4677410" cy="829945"/>
-          </a:xfrm>
-          <a:prstGeom prst="rect">
-            <a:avLst/>
-          </a:prstGeom>
-          <a:noFill/>
-        </p:spPr>
-        <p:txBody>
-          <a:bodyPr wrap="square" rtlCol="0">
-            <a:spAutoFit/>
-          </a:bodyPr>
-          <a:lstStyle/>
-          <a:p>
-            <a:r>
-              <a:rPr lang="zh-CN" altLang="en-US" sz="1200" b="1"/>
-              <a:t>介绍：</a:t>
-            </a:r>
-            <a:r>
-              <a:rPr lang="zh-CN" altLang="en-US" sz="1200"/>
-              <a:t>利用HTML+C3和Javascript，Jquery等技术，写出来的一个个人站。全页面使用了响应式开发，利用淘宝适配方案，将clientWidth分成10rem，动态设置了视口大小，可以完美兼容移动端。</a:t>
-            </a:r>
-          </a:p>
-        </p:txBody>
-      </p:sp>
-      <p:sp>
-        <p:nvSpPr>
-          <p:cNvPr id="26" name="文本框 25"/>
-          <p:cNvSpPr txBox="1"/>
-          <p:nvPr/>
-        </p:nvSpPr>
-        <p:spPr>
-          <a:xfrm>
-            <a:off x="2265045" y="6876415"/>
-            <a:ext cx="4677410" cy="829945"/>
-          </a:xfrm>
-          <a:prstGeom prst="rect">
-            <a:avLst/>
-          </a:prstGeom>
-          <a:noFill/>
-        </p:spPr>
-        <p:txBody>
-          <a:bodyPr wrap="square" rtlCol="0">
-            <a:spAutoFit/>
-          </a:bodyPr>
-          <a:lstStyle/>
-          <a:p>
-            <a:r>
-              <a:rPr lang="zh-CN" altLang="en-US" sz="1200" b="1"/>
-              <a:t>职责：</a:t>
-            </a:r>
-          </a:p>
-          <a:p>
-            <a:r>
-              <a:rPr lang="zh-CN" altLang="en-US" sz="1200"/>
-              <a:t>1、负责网站页面的界面设计，响应式设计</a:t>
-            </a:r>
-          </a:p>
-          <a:p>
-            <a:r>
-              <a:rPr lang="zh-CN" altLang="en-US" sz="1200"/>
-              <a:t>2、用H5+C3构建网站框架</a:t>
-            </a:r>
-          </a:p>
-          <a:p>
-            <a:r>
-              <a:rPr lang="zh-CN" altLang="en-US" sz="1200"/>
-              <a:t>3、响应式开发，完美适配移动端</a:t>
-            </a:r>
-          </a:p>
-        </p:txBody>
-      </p:sp>
-      <p:sp>
-        <p:nvSpPr>
-          <p:cNvPr id="29" name="椭圆 28"/>
-          <p:cNvSpPr/>
-          <p:nvPr/>
-        </p:nvSpPr>
-        <p:spPr>
-          <a:xfrm>
-            <a:off x="2143125" y="5761355"/>
-            <a:ext cx="76200" cy="76200"/>
-          </a:xfrm>
-          <a:prstGeom prst="ellipse">
-            <a:avLst/>
-          </a:prstGeom>
-          <a:solidFill>
-            <a:schemeClr val="tx2">
-              <a:lumMod val="50000"/>
-            </a:schemeClr>
-          </a:solidFill>
-        </p:spPr>
-        <p:style>
-          <a:lnRef idx="2">
-            <a:schemeClr val="accent1">
-              <a:shade val="50000"/>
-            </a:schemeClr>
-          </a:lnRef>
-          <a:fillRef idx="1">
-            <a:schemeClr val="accent1"/>
-          </a:fillRef>
-          <a:effectRef idx="0">
-            <a:schemeClr val="accent1"/>
-          </a:effectRef>
-          <a:fontRef idx="minor">
-            <a:schemeClr val="lt1"/>
-          </a:fontRef>
-        </p:style>
-        <p:txBody>
-          <a:bodyPr rtlCol="0" anchor="ctr"/>
-          <a:lstStyle/>
-          <a:p>
-            <a:pPr algn="ctr"/>
-            <a:endParaRPr lang="zh-CN" altLang="en-US"/>
-          </a:p>
-        </p:txBody>
-      </p:sp>
-      <p:sp>
-        <p:nvSpPr>
-          <p:cNvPr id="32" name="文本框 31"/>
-          <p:cNvSpPr txBox="1"/>
-          <p:nvPr/>
-        </p:nvSpPr>
-        <p:spPr>
-          <a:xfrm>
-            <a:off x="2255520" y="5841365"/>
-            <a:ext cx="5504815" cy="275590"/>
-          </a:xfrm>
-          <a:prstGeom prst="rect">
-            <a:avLst/>
-          </a:prstGeom>
-          <a:noFill/>
-        </p:spPr>
-        <p:txBody>
-          <a:bodyPr wrap="square" rtlCol="0">
-            <a:spAutoFit/>
-          </a:bodyPr>
-          <a:lstStyle/>
-          <a:p>
-            <a:r>
-              <a:rPr lang="zh-CN" altLang="en-US" sz="1200" b="1"/>
-              <a:t>功能：</a:t>
-            </a:r>
-            <a:r>
-              <a:rPr lang="zh-CN" altLang="en-US" sz="1200"/>
-              <a:t>首页、LOGO、Menu菜单、Nav导航、aside侧边栏等</a:t>
-            </a:r>
-          </a:p>
-        </p:txBody>
-      </p:sp>
-      <p:sp>
-        <p:nvSpPr>
-          <p:cNvPr id="33" name="椭圆 32"/>
-          <p:cNvSpPr/>
-          <p:nvPr/>
-        </p:nvSpPr>
-        <p:spPr>
-          <a:xfrm>
-            <a:off x="2136775" y="5935980"/>
-            <a:ext cx="76200" cy="76200"/>
-          </a:xfrm>
-          <a:prstGeom prst="ellipse">
-            <a:avLst/>
-          </a:prstGeom>
-          <a:solidFill>
-            <a:schemeClr val="tx2">
-              <a:lumMod val="50000"/>
-            </a:schemeClr>
-          </a:solidFill>
-        </p:spPr>
-        <p:style>
-          <a:lnRef idx="2">
-            <a:schemeClr val="accent1">
-              <a:shade val="50000"/>
-            </a:schemeClr>
-          </a:lnRef>
-          <a:fillRef idx="1">
-            <a:schemeClr val="accent1"/>
-          </a:fillRef>
-          <a:effectRef idx="0">
-            <a:schemeClr val="accent1"/>
-          </a:effectRef>
-          <a:fontRef idx="minor">
-            <a:schemeClr val="lt1"/>
-          </a:fontRef>
-        </p:style>
-        <p:txBody>
-          <a:bodyPr rtlCol="0" anchor="ctr"/>
-          <a:lstStyle/>
-          <a:p>
-            <a:pPr algn="ctr"/>
-            <a:endParaRPr lang="zh-CN" altLang="en-US"/>
-          </a:p>
-        </p:txBody>
-      </p:sp>
-      <p:sp>
-        <p:nvSpPr>
-          <p:cNvPr id="34" name="椭圆 33"/>
-          <p:cNvSpPr/>
-          <p:nvPr/>
-        </p:nvSpPr>
-        <p:spPr>
-          <a:xfrm>
-            <a:off x="2143125" y="6164580"/>
-            <a:ext cx="76200" cy="76200"/>
-          </a:xfrm>
-          <a:prstGeom prst="ellipse">
-            <a:avLst/>
-          </a:prstGeom>
-          <a:solidFill>
-            <a:schemeClr val="tx2">
-              <a:lumMod val="50000"/>
-            </a:schemeClr>
-          </a:solidFill>
-        </p:spPr>
-        <p:style>
-          <a:lnRef idx="2">
-            <a:schemeClr val="accent1">
-              <a:shade val="50000"/>
-            </a:schemeClr>
-          </a:lnRef>
-          <a:fillRef idx="1">
-            <a:schemeClr val="accent1"/>
-          </a:fillRef>
-          <a:effectRef idx="0">
-            <a:schemeClr val="accent1"/>
-          </a:effectRef>
-          <a:fontRef idx="minor">
-            <a:schemeClr val="lt1"/>
-          </a:fontRef>
-        </p:style>
-        <p:txBody>
-          <a:bodyPr rtlCol="0" anchor="ctr"/>
-          <a:lstStyle/>
-          <a:p>
-            <a:pPr algn="ctr"/>
-            <a:endParaRPr lang="zh-CN" altLang="en-US"/>
-          </a:p>
-        </p:txBody>
-      </p:sp>
-      <p:sp>
-        <p:nvSpPr>
-          <p:cNvPr id="35" name="椭圆 34"/>
-          <p:cNvSpPr/>
-          <p:nvPr/>
-        </p:nvSpPr>
-        <p:spPr>
-          <a:xfrm>
-            <a:off x="2127250" y="6981190"/>
-            <a:ext cx="76200" cy="76200"/>
-          </a:xfrm>
-          <a:prstGeom prst="ellipse">
-            <a:avLst/>
-          </a:prstGeom>
-          <a:solidFill>
-            <a:schemeClr val="tx2">
-              <a:lumMod val="50000"/>
-            </a:schemeClr>
-          </a:solidFill>
-        </p:spPr>
-        <p:style>
-          <a:lnRef idx="2">
-            <a:schemeClr val="accent1">
-              <a:shade val="50000"/>
-            </a:schemeClr>
-          </a:lnRef>
-          <a:fillRef idx="1">
-            <a:schemeClr val="accent1"/>
-          </a:fillRef>
-          <a:effectRef idx="0">
-            <a:schemeClr val="accent1"/>
-          </a:effectRef>
-          <a:fontRef idx="minor">
-            <a:schemeClr val="lt1"/>
-          </a:fontRef>
-        </p:style>
-        <p:txBody>
-          <a:bodyPr rtlCol="0" anchor="ctr"/>
-          <a:lstStyle/>
-          <a:p>
-            <a:pPr algn="ctr"/>
-            <a:endParaRPr lang="zh-CN" altLang="en-US"/>
+              <a:t>公众号：</a:t>
+            </a:r>
+            <a:r>
+              <a:rPr lang="zh-CN" altLang="en-US" sz="800" b="1"/>
+              <a:t>ccas.cchmis.com</a:t>
+            </a:r>
           </a:p>
         </p:txBody>
       </p:sp>
@@ -11168,7 +10744,7 @@
         </p:nvSpPr>
         <p:spPr>
           <a:xfrm>
-            <a:off x="330200" y="4710430"/>
+            <a:off x="404495" y="6882130"/>
             <a:ext cx="6974205" cy="306705"/>
           </a:xfrm>
           <a:prstGeom prst="rect">
@@ -11191,14 +10767,14 @@
       </p:sp>
       <p:sp>
         <p:nvSpPr>
-          <p:cNvPr id="37" name="文本框 36"/>
+          <p:cNvPr id="40" name="文本框 39"/>
           <p:cNvSpPr txBox="1"/>
           <p:nvPr/>
         </p:nvSpPr>
         <p:spPr>
           <a:xfrm>
-            <a:off x="392430" y="7706360"/>
-            <a:ext cx="1820545" cy="460375"/>
+            <a:off x="2004060" y="7985760"/>
+            <a:ext cx="5172075" cy="1753235"/>
           </a:xfrm>
           <a:prstGeom prst="rect">
             <a:avLst/>
@@ -11213,46 +10789,11 @@
           <a:p>
             <a:r>
               <a:rPr lang="zh-CN" altLang="en-US" sz="1200" b="1"/>
-              <a:t>大宗商品         </a:t>
-            </a:r>
-          </a:p>
-          <a:p>
+              <a:t>平台：</a:t>
+            </a:r>
             <a:r>
               <a:rPr lang="zh-CN" altLang="en-US" sz="1200"/>
-              <a:t>2017.2-2017.3</a:t>
-            </a:r>
-          </a:p>
-        </p:txBody>
-      </p:sp>
-      <p:sp>
-        <p:nvSpPr>
-          <p:cNvPr id="40" name="文本框 39"/>
-          <p:cNvSpPr txBox="1"/>
-          <p:nvPr/>
-        </p:nvSpPr>
-        <p:spPr>
-          <a:xfrm>
-            <a:off x="2296795" y="7901305"/>
-            <a:ext cx="5172075" cy="2122805"/>
-          </a:xfrm>
-          <a:prstGeom prst="rect">
-            <a:avLst/>
-          </a:prstGeom>
-          <a:noFill/>
-        </p:spPr>
-        <p:txBody>
-          <a:bodyPr wrap="square" rtlCol="0">
-            <a:spAutoFit/>
-          </a:bodyPr>
-          <a:lstStyle/>
-          <a:p>
-            <a:r>
-              <a:rPr lang="zh-CN" altLang="en-US" sz="1200" b="1"/>
-              <a:t>语言：</a:t>
-            </a:r>
-            <a:r>
-              <a:rPr lang="zh-CN" altLang="en-US" sz="1200"/>
-              <a:t>DHTML+Jquery</a:t>
+              <a:t>SQL Server 2008 R2+.Net Core 2.1</a:t>
             </a:r>
           </a:p>
           <a:p>
@@ -11262,13 +10803,7 @@
             </a:r>
             <a:r>
               <a:rPr lang="zh-CN" altLang="en-US" sz="1200"/>
-              <a:t>首页、产品中心、联系我们、文件下载、新闻内容等其他子页面</a:t>
-            </a:r>
-          </a:p>
-          <a:p>
-            <a:r>
-              <a:rPr lang="zh-CN" altLang="en-US" sz="1200"/>
-              <a:t>介绍：此网站是针对小中商务型企业网站专门开发的，一款轻量级网站。五大模块（首页，联系我们，产品中心，新闻资讯，文件下载）极为方便网站管理和维护，节省运营成本，同时更能很好的展示企业形象，吸引潜在客户流量。</a:t>
+              <a:t>售后系统移动端的实现，主要功能是方便客户在手机端向售后系统提交问题。在原.net4.5版本的基础上由笔者独自完成了.net core版本的迭代式开发。</a:t>
             </a:r>
           </a:p>
           <a:p>
@@ -11279,26 +10814,42 @@
           </a:p>
           <a:p>
             <a:r>
+              <a:rPr lang="en-US" altLang="zh-CN" sz="1200"/>
+              <a:t>1</a:t>
+            </a:r>
+            <a:r>
               <a:rPr lang="zh-CN" altLang="en-US" sz="1200"/>
-              <a:t>1、负责网站页面的界面设计</a:t>
-            </a:r>
-          </a:p>
-          <a:p>
+              <a:t>、添加微信授权，授权免登录功能；</a:t>
+            </a:r>
+          </a:p>
+          <a:p>
+            <a:r>
+              <a:rPr lang="en-US" altLang="zh-CN" sz="1200"/>
+              <a:t>2</a:t>
+            </a:r>
             <a:r>
               <a:rPr lang="zh-CN" altLang="en-US" sz="1200"/>
-              <a:t>2、构建网站框架</a:t>
-            </a:r>
-          </a:p>
-          <a:p>
+              <a:t>、添加公共基础类库；完善提交问题功能，开发查看附件功能；</a:t>
+            </a:r>
+          </a:p>
+          <a:p>
+            <a:r>
+              <a:rPr lang="en-US" altLang="zh-CN" sz="1200"/>
+              <a:t>3</a:t>
+            </a:r>
             <a:r>
               <a:rPr lang="zh-CN" altLang="en-US" sz="1200"/>
-              <a:t>3、用HTML+CSS写出静态页面（兼容主流浏览器）</a:t>
-            </a:r>
-          </a:p>
-          <a:p>
+              <a:t>、开发新客户员工绑定功能；</a:t>
+            </a:r>
+          </a:p>
+          <a:p>
+            <a:r>
+              <a:rPr lang="en-US" altLang="zh-CN" sz="1200"/>
+              <a:t>4</a:t>
+            </a:r>
             <a:r>
               <a:rPr lang="zh-CN" altLang="en-US" sz="1200"/>
-              <a:t>4、配合其他开发人员完善前端开发标准</a:t>
+              <a:t>、添加短信验证功能；添加图片上传功能等。</a:t>
             </a:r>
           </a:p>
         </p:txBody>
@@ -11339,7 +10890,7 @@
         </p:nvGrpSpPr>
         <p:grpSpPr>
           <a:xfrm>
-            <a:off x="322580" y="7675880"/>
+            <a:off x="271145" y="8295005"/>
             <a:ext cx="1426210" cy="374650"/>
             <a:chOff x="784" y="10167"/>
             <a:chExt cx="2246" cy="590"/>
@@ -11413,7 +10964,7 @@
             <a:lstStyle/>
             <a:p>
               <a:r>
-                <a:rPr lang="zh-CN" altLang="en-US" b="1" dirty="0">
+                <a:rPr lang="zh-CN" altLang="en-US" b="1">
                   <a:solidFill>
                     <a:schemeClr val="bg1"/>
                   </a:solidFill>
@@ -11426,331 +10977,13 @@
       </p:grpSp>
       <p:sp>
         <p:nvSpPr>
-          <p:cNvPr id="37" name="文本框 36"/>
-          <p:cNvSpPr txBox="1"/>
-          <p:nvPr/>
-        </p:nvSpPr>
-        <p:spPr>
-          <a:xfrm>
-            <a:off x="252095" y="1278255"/>
-            <a:ext cx="1820545" cy="460375"/>
-          </a:xfrm>
-          <a:prstGeom prst="rect">
-            <a:avLst/>
-          </a:prstGeom>
-          <a:noFill/>
-        </p:spPr>
-        <p:txBody>
-          <a:bodyPr wrap="square" rtlCol="0">
-            <a:spAutoFit/>
-          </a:bodyPr>
-          <a:lstStyle/>
-          <a:p>
-            <a:r>
-              <a:rPr lang="zh-CN" altLang="en-US" sz="1200" b="1"/>
-              <a:t>趣闻猎奇-APP</a:t>
-            </a:r>
-          </a:p>
-          <a:p>
-            <a:r>
-              <a:rPr lang="zh-CN" altLang="en-US" sz="1200"/>
-              <a:t>2016.07-2016.09</a:t>
-            </a:r>
-          </a:p>
-        </p:txBody>
-      </p:sp>
-      <p:sp>
-        <p:nvSpPr>
-          <p:cNvPr id="40" name="文本框 39"/>
-          <p:cNvSpPr txBox="1"/>
-          <p:nvPr/>
-        </p:nvSpPr>
-        <p:spPr>
-          <a:xfrm>
-            <a:off x="2156460" y="1473200"/>
-            <a:ext cx="5172075" cy="1753235"/>
-          </a:xfrm>
-          <a:prstGeom prst="rect">
-            <a:avLst/>
-          </a:prstGeom>
-          <a:noFill/>
-        </p:spPr>
-        <p:txBody>
-          <a:bodyPr wrap="square" rtlCol="0">
-            <a:spAutoFit/>
-          </a:bodyPr>
-          <a:lstStyle/>
-          <a:p>
-            <a:r>
-              <a:rPr lang="zh-CN" altLang="en-US" sz="1200" b="1"/>
-              <a:t>功能：</a:t>
-            </a:r>
-            <a:r>
-              <a:rPr lang="zh-CN" altLang="en-US" sz="1200"/>
-              <a:t>引导页、个人资料、评论、趣闻猎奇等其他子页面</a:t>
-            </a:r>
-          </a:p>
-          <a:p>
-            <a:r>
-              <a:rPr lang="zh-CN" altLang="en-US" sz="1200"/>
-              <a:t>介绍：以趣闻热点、猎奇资讯、热点头条为主题的资讯整个类APP。以资讯推介为主，同时整合了一些社交功能，以增加用户黏性。</a:t>
-            </a:r>
-          </a:p>
-          <a:p>
-            <a:r>
-              <a:rPr lang="zh-CN" altLang="en-US" sz="1200" b="1"/>
-              <a:t>职责：</a:t>
-            </a:r>
-          </a:p>
-          <a:p>
-            <a:r>
-              <a:rPr lang="zh-CN" altLang="en-US" sz="1200"/>
-              <a:t>1、负责网站页面的界面设计</a:t>
-            </a:r>
-          </a:p>
-          <a:p>
-            <a:r>
-              <a:rPr lang="zh-CN" altLang="en-US" sz="1200"/>
-              <a:t>2、构建网站框架</a:t>
-            </a:r>
-          </a:p>
-          <a:p>
-            <a:r>
-              <a:rPr lang="zh-CN" altLang="en-US" sz="1200"/>
-              <a:t>3、用HTML+CSS写出静态页面（兼容主流浏览器）</a:t>
-            </a:r>
-          </a:p>
-          <a:p>
-            <a:r>
-              <a:rPr lang="zh-CN" altLang="en-US" sz="1200"/>
-              <a:t>4、配合其他开发人员完善前端开发标准</a:t>
-            </a:r>
-          </a:p>
-          <a:p>
-            <a:r>
-              <a:rPr lang="zh-CN" altLang="en-US" sz="1200"/>
-              <a:t>5、与后台开发人员交接部分业务逻辑和数据交互模块</a:t>
-            </a:r>
-          </a:p>
-        </p:txBody>
-      </p:sp>
-      <p:sp>
-        <p:nvSpPr>
-          <p:cNvPr id="6" name="文本框 5"/>
-          <p:cNvSpPr txBox="1"/>
-          <p:nvPr/>
-        </p:nvSpPr>
-        <p:spPr>
-          <a:xfrm>
-            <a:off x="221615" y="3274695"/>
-            <a:ext cx="1820545" cy="460375"/>
-          </a:xfrm>
-          <a:prstGeom prst="rect">
-            <a:avLst/>
-          </a:prstGeom>
-          <a:noFill/>
-        </p:spPr>
-        <p:txBody>
-          <a:bodyPr wrap="square" rtlCol="0">
-            <a:spAutoFit/>
-          </a:bodyPr>
-          <a:lstStyle/>
-          <a:p>
-            <a:r>
-              <a:rPr lang="zh-CN" altLang="en-US" sz="1200" b="1"/>
-              <a:t>BestStore</a:t>
-            </a:r>
-          </a:p>
-          <a:p>
-            <a:r>
-              <a:rPr lang="zh-CN" altLang="en-US" sz="1200"/>
-              <a:t>2017.8-2017.10</a:t>
-            </a:r>
-          </a:p>
-        </p:txBody>
-      </p:sp>
-      <p:sp>
-        <p:nvSpPr>
-          <p:cNvPr id="7" name="文本框 6"/>
-          <p:cNvSpPr txBox="1"/>
-          <p:nvPr/>
-        </p:nvSpPr>
-        <p:spPr>
-          <a:xfrm>
-            <a:off x="2125980" y="3274695"/>
-            <a:ext cx="5172075" cy="1014730"/>
-          </a:xfrm>
-          <a:prstGeom prst="rect">
-            <a:avLst/>
-          </a:prstGeom>
-          <a:noFill/>
-        </p:spPr>
-        <p:txBody>
-          <a:bodyPr wrap="square" rtlCol="0">
-            <a:spAutoFit/>
-          </a:bodyPr>
-          <a:lstStyle/>
-          <a:p>
-            <a:r>
-              <a:rPr lang="zh-CN" altLang="en-US" sz="1200" b="1"/>
-              <a:t>语言：</a:t>
-            </a:r>
-            <a:r>
-              <a:rPr lang="zh-CN" altLang="en-US" sz="1200"/>
-              <a:t>ASP.NET CORE 2.0,EF CORE 2.0,Razer,Jquery,javascript</a:t>
-            </a:r>
-          </a:p>
-          <a:p>
-            <a:r>
-              <a:rPr lang="zh-CN" altLang="en-US" sz="1200" b="1"/>
-              <a:t>功能：</a:t>
-            </a:r>
-            <a:r>
-              <a:rPr lang="zh-CN" altLang="en-US" sz="1200"/>
-              <a:t>首页、新品上市</a:t>
-            </a:r>
-          </a:p>
-          <a:p>
-            <a:r>
-              <a:rPr lang="zh-CN" altLang="en-US" sz="1200" b="1"/>
-              <a:t>介绍：</a:t>
-            </a:r>
-            <a:r>
-              <a:rPr lang="zh-CN" altLang="en-US" sz="1200"/>
-              <a:t>一个基于ASP.Net Core 2.0 开发的在线商城网站</a:t>
-            </a:r>
-          </a:p>
-          <a:p>
-            <a:r>
-              <a:rPr lang="zh-CN" altLang="en-US" sz="1200" b="1"/>
-              <a:t>源码查看地址：</a:t>
-            </a:r>
-          </a:p>
-          <a:p>
-            <a:r>
-              <a:rPr lang="zh-CN" altLang="en-US" sz="1200"/>
-              <a:t>http://xingzhihen.visualstudio.com</a:t>
-            </a:r>
-          </a:p>
-        </p:txBody>
-      </p:sp>
-      <p:sp>
-        <p:nvSpPr>
-          <p:cNvPr id="8" name="文本框 7"/>
-          <p:cNvSpPr txBox="1"/>
-          <p:nvPr/>
-        </p:nvSpPr>
-        <p:spPr>
-          <a:xfrm>
-            <a:off x="221615" y="4363720"/>
-            <a:ext cx="1820545" cy="645160"/>
-          </a:xfrm>
-          <a:prstGeom prst="rect">
-            <a:avLst/>
-          </a:prstGeom>
-          <a:noFill/>
-        </p:spPr>
-        <p:txBody>
-          <a:bodyPr wrap="square" rtlCol="0">
-            <a:spAutoFit/>
-          </a:bodyPr>
-          <a:lstStyle/>
-          <a:p>
-            <a:r>
-              <a:rPr lang="zh-CN" altLang="en-US" sz="1200" b="1"/>
-              <a:t>C/S软件（安多餐饮管理软件）</a:t>
-            </a:r>
-          </a:p>
-          <a:p>
-            <a:r>
-              <a:rPr lang="zh-CN" altLang="en-US" sz="1200"/>
-              <a:t>2013.04-2014.06</a:t>
-            </a:r>
-          </a:p>
-        </p:txBody>
-      </p:sp>
-      <p:sp>
-        <p:nvSpPr>
-          <p:cNvPr id="9" name="文本框 8"/>
-          <p:cNvSpPr txBox="1"/>
-          <p:nvPr/>
-        </p:nvSpPr>
-        <p:spPr>
-          <a:xfrm>
-            <a:off x="2125980" y="4363720"/>
-            <a:ext cx="5172075" cy="2861310"/>
-          </a:xfrm>
-          <a:prstGeom prst="rect">
-            <a:avLst/>
-          </a:prstGeom>
-          <a:noFill/>
-        </p:spPr>
-        <p:txBody>
-          <a:bodyPr wrap="square" rtlCol="0">
-            <a:spAutoFit/>
-          </a:bodyPr>
-          <a:lstStyle/>
-          <a:p>
-            <a:r>
-              <a:rPr lang="zh-CN" altLang="en-US" sz="1200" b="1"/>
-              <a:t>平台：</a:t>
-            </a:r>
-            <a:r>
-              <a:rPr lang="zh-CN" altLang="en-US" sz="1200"/>
-              <a:t>.Net Framework 3.5/VS 2008+SQL Server 200</a:t>
-            </a:r>
-          </a:p>
-          <a:p>
-            <a:r>
-              <a:rPr lang="zh-CN" altLang="en-US" sz="1200" b="1"/>
-              <a:t>功能：</a:t>
-            </a:r>
-            <a:r>
-              <a:rPr lang="zh-CN" altLang="en-US" sz="1200"/>
-              <a:t>点单、开台、收银、打印、仓储、无线（点单，开台，催菜）、会员，菜品以及财务管理、营销数据分析、报表等</a:t>
-            </a:r>
-          </a:p>
-          <a:p>
-            <a:r>
-              <a:rPr lang="zh-CN" altLang="en-US" sz="1200"/>
-              <a:t>介绍：结合餐饮行业流行管理工作模式，模拟餐饮店工作流程将点单，收银，后厨下单，乃至店铺，会员，仓储等管理流程全部映射成为可视的信息化管理系统，即C/S架构的餐饮管理软件-安多。全套软件下来二十几个大模块，一百多个小模块，映射的数据库表（table）多达二百多张。</a:t>
-            </a:r>
-          </a:p>
-          <a:p>
-            <a:r>
-              <a:rPr lang="zh-CN" altLang="en-US" sz="1200" b="1"/>
-              <a:t>职责：</a:t>
-            </a:r>
-          </a:p>
-          <a:p>
-            <a:r>
-              <a:rPr lang="zh-CN" altLang="en-US" sz="1200"/>
-              <a:t>1、调查需求分析：陪同产品经理驻店观察营业流程，与店长，收银员，营业员，及其他店内工作人员探讨流水，业务，管理等详细的工作细节，将调查结果（对象）模拟成数据表格，构建数据结构。</a:t>
-            </a:r>
-          </a:p>
-          <a:p>
-            <a:r>
-              <a:rPr lang="zh-CN" altLang="en-US" sz="1200"/>
-              <a:t>2、参与数据模型（model）建立：将分析出来的数据表格（EXCEL表格），映射进Server2008，搭建软件实体数据库。</a:t>
-            </a:r>
-          </a:p>
-          <a:p>
-            <a:r>
-              <a:rPr lang="zh-CN" altLang="en-US" sz="1200"/>
-              <a:t>3、参与SVN协同开发：Model数据结构调整，View和Control分开协同进行，我主要负责View视图层的设计。</a:t>
-            </a:r>
-          </a:p>
-        </p:txBody>
-      </p:sp>
-      <p:sp>
-        <p:nvSpPr>
           <p:cNvPr id="36" name="文本框 35"/>
           <p:cNvSpPr txBox="1"/>
           <p:nvPr/>
         </p:nvSpPr>
         <p:spPr>
           <a:xfrm>
-            <a:off x="252095" y="7225030"/>
+            <a:off x="200660" y="7958455"/>
             <a:ext cx="7219315" cy="306705"/>
           </a:xfrm>
           <a:prstGeom prst="rect">
@@ -11779,7 +11012,7 @@
         </p:nvSpPr>
         <p:spPr>
           <a:xfrm>
-            <a:off x="2137410" y="8050530"/>
+            <a:off x="1901825" y="8669655"/>
             <a:ext cx="5095875" cy="922020"/>
           </a:xfrm>
           <a:prstGeom prst="rect">
@@ -11812,7 +11045,7 @@
         </p:nvGrpSpPr>
         <p:grpSpPr>
           <a:xfrm>
-            <a:off x="322580" y="8972550"/>
+            <a:off x="271145" y="9591675"/>
             <a:ext cx="1426210" cy="374650"/>
             <a:chOff x="784" y="10167"/>
             <a:chExt cx="2246" cy="590"/>
@@ -11905,7 +11138,7 @@
         </p:nvSpPr>
         <p:spPr>
           <a:xfrm>
-            <a:off x="2156460" y="9266555"/>
+            <a:off x="1972310" y="9895205"/>
             <a:ext cx="4917440" cy="460375"/>
           </a:xfrm>
           <a:prstGeom prst="rect">
@@ -11923,6 +11156,581 @@
             <a:r>
               <a:rPr lang="zh-CN" altLang="en-US" sz="1200"/>
               <a:t>喜欢逛论坛，浏览国外网站，与同行交流技术心得；此外爱好旅游、爬山、摄影、读书、听演唱会和看话剧。</a:t>
+            </a:r>
+          </a:p>
+        </p:txBody>
+      </p:sp>
+      <p:sp>
+        <p:nvSpPr>
+          <p:cNvPr id="3" name="文本框 2"/>
+          <p:cNvSpPr txBox="1"/>
+          <p:nvPr/>
+        </p:nvSpPr>
+        <p:spPr>
+          <a:xfrm>
+            <a:off x="271145" y="432435"/>
+            <a:ext cx="2248535" cy="460375"/>
+          </a:xfrm>
+          <a:prstGeom prst="rect">
+            <a:avLst/>
+          </a:prstGeom>
+          <a:noFill/>
+        </p:spPr>
+        <p:txBody>
+          <a:bodyPr wrap="square" rtlCol="0">
+            <a:spAutoFit/>
+          </a:bodyPr>
+          <a:lstStyle/>
+          <a:p>
+            <a:r>
+              <a:rPr lang="zh-CN" altLang="en-US" sz="1200" b="1"/>
+              <a:t>微信公众号标准版本</a:t>
+            </a:r>
+          </a:p>
+          <a:p>
+            <a:r>
+              <a:rPr lang="zh-CN" altLang="en-US" sz="1200" b="1"/>
+              <a:t>（水疗酒店通用）</a:t>
+            </a:r>
+            <a:endParaRPr lang="zh-CN" altLang="en-US" sz="800" b="1"/>
+          </a:p>
+        </p:txBody>
+      </p:sp>
+      <p:sp>
+        <p:nvSpPr>
+          <p:cNvPr id="10" name="文本框 9"/>
+          <p:cNvSpPr txBox="1"/>
+          <p:nvPr/>
+        </p:nvSpPr>
+        <p:spPr>
+          <a:xfrm>
+            <a:off x="2020570" y="432435"/>
+            <a:ext cx="5172075" cy="2122805"/>
+          </a:xfrm>
+          <a:prstGeom prst="rect">
+            <a:avLst/>
+          </a:prstGeom>
+          <a:noFill/>
+        </p:spPr>
+        <p:txBody>
+          <a:bodyPr wrap="square" rtlCol="0">
+            <a:spAutoFit/>
+          </a:bodyPr>
+          <a:lstStyle/>
+          <a:p>
+            <a:r>
+              <a:rPr lang="zh-CN" altLang="en-US" sz="1200" b="1"/>
+              <a:t>平台：</a:t>
+            </a:r>
+            <a:r>
+              <a:rPr lang="zh-CN" altLang="en-US" sz="1200"/>
+              <a:t>SQL Server 2008 R2+.Net 4.6</a:t>
+            </a:r>
+          </a:p>
+          <a:p>
+            <a:r>
+              <a:rPr lang="zh-CN" altLang="en-US" sz="1200" b="1"/>
+              <a:t>功能：</a:t>
+            </a:r>
+            <a:r>
+              <a:rPr lang="zh-CN" altLang="en-US" sz="1200"/>
+              <a:t>该项目是笔者在原标准版本水疗系统公众号的基础上，整合进酒店系统模块，以使之能适用于水疗加酒店复合系统的复杂应用场景，给公司部署公众号节约了很大成本。</a:t>
+            </a:r>
+          </a:p>
+          <a:p>
+            <a:r>
+              <a:rPr lang="zh-CN" altLang="en-US" sz="1200" b="1"/>
+              <a:t>职责：</a:t>
+            </a:r>
+          </a:p>
+          <a:p>
+            <a:r>
+              <a:rPr lang="en-US" altLang="zh-CN" sz="1200" b="1"/>
+              <a:t>1</a:t>
+            </a:r>
+            <a:r>
+              <a:rPr lang="zh-CN" altLang="en-US" sz="1200" b="1"/>
+              <a:t>、</a:t>
+            </a:r>
+            <a:r>
+              <a:rPr sz="1200"/>
+              <a:t>整合水疗模块和酒店模块，开发水疗和酒店系统都适用的版本；</a:t>
+            </a:r>
+          </a:p>
+          <a:p>
+            <a:r>
+              <a:rPr lang="en-US" sz="1200"/>
+              <a:t>2</a:t>
+            </a:r>
+            <a:r>
+              <a:rPr lang="zh-CN" altLang="en-US" sz="1200"/>
+              <a:t>、</a:t>
+            </a:r>
+            <a:r>
+              <a:rPr sz="1200"/>
+              <a:t>整理可以完美适配水疗和酒店系统数据结构的sql；</a:t>
+            </a:r>
+          </a:p>
+          <a:p>
+            <a:r>
+              <a:rPr lang="zh-CN" sz="1200" b="1"/>
+              <a:t>案例：</a:t>
+            </a:r>
+            <a:endParaRPr lang="zh-CN" sz="1200"/>
+          </a:p>
+          <a:p>
+            <a:r>
+              <a:rPr lang="en-US" altLang="zh-CN" sz="1200"/>
+              <a:t>1</a:t>
+            </a:r>
+            <a:r>
+              <a:rPr lang="zh-CN" altLang="en-US" sz="1200"/>
+              <a:t>、</a:t>
+            </a:r>
+            <a:r>
+              <a:rPr lang="zh-CN" sz="1200"/>
+              <a:t>平顶山市海悦酒店有限公司：hytq.cchmis.com</a:t>
+            </a:r>
+            <a:r>
+              <a:rPr lang="en-US" altLang="zh-CN" sz="1200"/>
+              <a:t>/</a:t>
+            </a:r>
+          </a:p>
+          <a:p>
+            <a:r>
+              <a:rPr lang="en-US" altLang="zh-CN" sz="1200"/>
+              <a:t>2</a:t>
+            </a:r>
+            <a:r>
+              <a:rPr lang="zh-CN" altLang="en-US" sz="1200"/>
+              <a:t>、</a:t>
+            </a:r>
+            <a:r>
+              <a:rPr lang="zh-CN" sz="1200"/>
+              <a:t>佛山市天鹅湖休闲酒店：teh.cchmis.com</a:t>
+            </a:r>
+          </a:p>
+          <a:p>
+            <a:r>
+              <a:rPr lang="en-US" altLang="zh-CN" sz="1200"/>
+              <a:t>3</a:t>
+            </a:r>
+            <a:r>
+              <a:rPr lang="zh-CN" altLang="en-US" sz="1200"/>
+              <a:t>、</a:t>
+            </a:r>
+            <a:r>
+              <a:rPr lang="zh-CN" sz="1200"/>
+              <a:t>广州港岛假日酒店：gdjr.cchmis.com</a:t>
+            </a:r>
+          </a:p>
+        </p:txBody>
+      </p:sp>
+      <p:grpSp>
+        <p:nvGrpSpPr>
+          <p:cNvPr id="23" name="组合 22"/>
+          <p:cNvGrpSpPr/>
+          <p:nvPr/>
+        </p:nvGrpSpPr>
+        <p:grpSpPr>
+          <a:xfrm>
+            <a:off x="271145" y="2555240"/>
+            <a:ext cx="6873240" cy="2306955"/>
+            <a:chOff x="377" y="4151"/>
+            <a:chExt cx="10824" cy="3633"/>
+          </a:xfrm>
+        </p:grpSpPr>
+        <p:sp>
+          <p:nvSpPr>
+            <p:cNvPr id="18" name="文本框 17"/>
+            <p:cNvSpPr txBox="1"/>
+            <p:nvPr/>
+          </p:nvSpPr>
+          <p:spPr>
+            <a:xfrm>
+              <a:off x="377" y="4151"/>
+              <a:ext cx="3541" cy="725"/>
+            </a:xfrm>
+            <a:prstGeom prst="rect">
+              <a:avLst/>
+            </a:prstGeom>
+            <a:noFill/>
+          </p:spPr>
+          <p:txBody>
+            <a:bodyPr wrap="square" rtlCol="0">
+              <a:spAutoFit/>
+            </a:bodyPr>
+            <a:lstStyle/>
+            <a:p>
+              <a:r>
+                <a:rPr lang="zh-CN" altLang="en-US" sz="1200" b="1"/>
+                <a:t>微信公众号标准版本</a:t>
+              </a:r>
+            </a:p>
+            <a:p>
+              <a:r>
+                <a:rPr lang="zh-CN" altLang="en-US" sz="1200" b="1"/>
+                <a:t>（酒店）</a:t>
+              </a:r>
+            </a:p>
+          </p:txBody>
+        </p:sp>
+        <p:sp>
+          <p:nvSpPr>
+            <p:cNvPr id="20" name="文本框 19"/>
+            <p:cNvSpPr txBox="1"/>
+            <p:nvPr/>
+          </p:nvSpPr>
+          <p:spPr>
+            <a:xfrm>
+              <a:off x="3056" y="4151"/>
+              <a:ext cx="8145" cy="3633"/>
+            </a:xfrm>
+            <a:prstGeom prst="rect">
+              <a:avLst/>
+            </a:prstGeom>
+            <a:noFill/>
+          </p:spPr>
+          <p:txBody>
+            <a:bodyPr wrap="square" rtlCol="0">
+              <a:spAutoFit/>
+            </a:bodyPr>
+            <a:lstStyle/>
+            <a:p>
+              <a:r>
+                <a:rPr lang="zh-CN" altLang="en-US" sz="1200" b="1"/>
+                <a:t>平台：</a:t>
+              </a:r>
+              <a:r>
+                <a:rPr lang="zh-CN" altLang="en-US" sz="1200"/>
+                <a:t>SQL Server 2008 R2+.Net 4.5.2</a:t>
+              </a:r>
+            </a:p>
+            <a:p>
+              <a:r>
+                <a:rPr lang="zh-CN" altLang="en-US" sz="1200" b="1"/>
+                <a:t>功能：</a:t>
+              </a:r>
+              <a:r>
+                <a:rPr lang="zh-CN" altLang="en-US" sz="1200"/>
+                <a:t>公司主营的公众号平台项目。与公司自主研发的水疗mis系统可以无缝对接。由笔者参与设计和开发，以水疗数据结构为准，起初主要面向使用水疗系统场景的客户。主要包含：预订模块，票券模块，技师模块，会员模块，在线商城，账单模块，报表模块等</a:t>
+              </a:r>
+            </a:p>
+            <a:p>
+              <a:r>
+                <a:rPr lang="zh-CN" altLang="en-US" sz="1200" b="1"/>
+                <a:t>职责：</a:t>
+              </a:r>
+            </a:p>
+            <a:p>
+              <a:r>
+                <a:rPr lang="en-US" sz="1200"/>
+                <a:t>1</a:t>
+              </a:r>
+              <a:r>
+                <a:rPr lang="zh-CN" altLang="en-US" sz="1200"/>
+                <a:t>、</a:t>
+              </a:r>
+              <a:r>
+                <a:rPr sz="1200"/>
+                <a:t>开发适用酒店系统的模块；</a:t>
+              </a:r>
+            </a:p>
+            <a:p>
+              <a:r>
+                <a:rPr lang="en-US" sz="1200"/>
+                <a:t>2</a:t>
+              </a:r>
+              <a:r>
+                <a:rPr lang="zh-CN" altLang="en-US" sz="1200"/>
+                <a:t>、</a:t>
+              </a:r>
+              <a:r>
+                <a:rPr sz="1200"/>
+                <a:t>开发酒店模块房态报表;</a:t>
+              </a:r>
+            </a:p>
+            <a:p>
+              <a:r>
+                <a:rPr lang="zh-CN" sz="1200" b="1"/>
+                <a:t>案例：</a:t>
+              </a:r>
+              <a:endParaRPr lang="zh-CN" sz="1200"/>
+            </a:p>
+            <a:p>
+              <a:r>
+                <a:rPr lang="en-US" sz="1200"/>
+                <a:t>1</a:t>
+              </a:r>
+              <a:r>
+                <a:rPr lang="zh-CN" altLang="en-US" sz="1200"/>
+                <a:t>、</a:t>
+              </a:r>
+              <a:r>
+                <a:rPr sz="1200"/>
+                <a:t>迈客国际酒店：mkjd.cchmis.com</a:t>
+              </a:r>
+            </a:p>
+            <a:p>
+              <a:r>
+                <a:rPr lang="en-US" sz="1200"/>
+                <a:t>2</a:t>
+              </a:r>
+              <a:r>
+                <a:rPr lang="zh-CN" altLang="en-US" sz="1200"/>
+                <a:t>、</a:t>
+              </a:r>
+              <a:r>
+                <a:rPr sz="1200"/>
+                <a:t>深圳市雅庭海湾国际大酒店：szdfyd.cchmis.com</a:t>
+              </a:r>
+            </a:p>
+            <a:p>
+              <a:r>
+                <a:rPr lang="en-US" sz="1200"/>
+                <a:t>3</a:t>
+              </a:r>
+              <a:r>
+                <a:rPr lang="zh-CN" altLang="en-US" sz="1200"/>
+                <a:t>、</a:t>
+              </a:r>
+              <a:r>
+                <a:rPr sz="1200"/>
+                <a:t>河南星悦酒店：cs.ccspa168.com</a:t>
+              </a:r>
+            </a:p>
+          </p:txBody>
+        </p:sp>
+      </p:grpSp>
+      <p:sp>
+        <p:nvSpPr>
+          <p:cNvPr id="21" name="文本框 20"/>
+          <p:cNvSpPr txBox="1"/>
+          <p:nvPr/>
+        </p:nvSpPr>
+        <p:spPr>
+          <a:xfrm>
+            <a:off x="271145" y="4933315"/>
+            <a:ext cx="2248535" cy="460375"/>
+          </a:xfrm>
+          <a:prstGeom prst="rect">
+            <a:avLst/>
+          </a:prstGeom>
+          <a:noFill/>
+        </p:spPr>
+        <p:txBody>
+          <a:bodyPr wrap="square" rtlCol="0">
+            <a:spAutoFit/>
+          </a:bodyPr>
+          <a:lstStyle/>
+          <a:p>
+            <a:r>
+              <a:rPr lang="zh-CN" altLang="en-US" sz="1200" b="1"/>
+              <a:t>微信公众号标准版本</a:t>
+            </a:r>
+          </a:p>
+          <a:p>
+            <a:r>
+              <a:rPr lang="zh-CN" altLang="en-US" sz="1200" b="1"/>
+              <a:t>（水疗）</a:t>
+            </a:r>
+          </a:p>
+        </p:txBody>
+      </p:sp>
+      <p:sp>
+        <p:nvSpPr>
+          <p:cNvPr id="22" name="文本框 21"/>
+          <p:cNvSpPr txBox="1"/>
+          <p:nvPr/>
+        </p:nvSpPr>
+        <p:spPr>
+          <a:xfrm>
+            <a:off x="1901825" y="4933315"/>
+            <a:ext cx="5172075" cy="2491740"/>
+          </a:xfrm>
+          <a:prstGeom prst="rect">
+            <a:avLst/>
+          </a:prstGeom>
+          <a:noFill/>
+        </p:spPr>
+        <p:txBody>
+          <a:bodyPr wrap="square" rtlCol="0">
+            <a:spAutoFit/>
+          </a:bodyPr>
+          <a:lstStyle/>
+          <a:p>
+            <a:r>
+              <a:rPr lang="zh-CN" altLang="en-US" sz="1200" b="1"/>
+              <a:t>平台：</a:t>
+            </a:r>
+            <a:r>
+              <a:rPr lang="zh-CN" altLang="en-US" sz="1200"/>
+              <a:t>SQL Server 2008 R2+.Net 4.5.2</a:t>
+            </a:r>
+          </a:p>
+          <a:p>
+            <a:r>
+              <a:rPr lang="zh-CN" altLang="en-US" sz="1200" b="1"/>
+              <a:t>功能：</a:t>
+            </a:r>
+            <a:r>
+              <a:rPr lang="zh-CN" altLang="en-US" sz="1200"/>
+              <a:t>公司主营的公众号平台项目。与公司自主研发的水疗mis系统可以无缝对接。由笔者参与设计和开发，以水疗数据结构为准，起初主要面向使用水疗系统场景的客户。主要包含：预订模块，票券模块，技师模块，会员模块，在线商城，账单模块，报表模块等</a:t>
+            </a:r>
+          </a:p>
+          <a:p>
+            <a:r>
+              <a:rPr lang="zh-CN" altLang="en-US" sz="1200" b="1"/>
+              <a:t>职责：</a:t>
+            </a:r>
+          </a:p>
+          <a:p>
+            <a:r>
+              <a:rPr lang="en-US" sz="1200"/>
+              <a:t>1</a:t>
+            </a:r>
+            <a:r>
+              <a:rPr lang="zh-CN" altLang="en-US" sz="1200"/>
+              <a:t>、</a:t>
+            </a:r>
+            <a:r>
+              <a:rPr sz="1200"/>
+              <a:t>添加营收图表和报表模块；</a:t>
+            </a:r>
+          </a:p>
+          <a:p>
+            <a:r>
+              <a:rPr lang="en-US" sz="1200"/>
+              <a:t>2</a:t>
+            </a:r>
+            <a:r>
+              <a:rPr lang="zh-CN" altLang="en-US" sz="1200"/>
+              <a:t>、</a:t>
+            </a:r>
+            <a:r>
+              <a:rPr sz="1200"/>
+              <a:t>添加会员卡模块（办理会员卡，我的会员卡，会员卡充值）；</a:t>
+            </a:r>
+          </a:p>
+          <a:p>
+            <a:r>
+              <a:rPr lang="en-US" sz="1200"/>
+              <a:t>3</a:t>
+            </a:r>
+            <a:r>
+              <a:rPr lang="zh-CN" altLang="en-US" sz="1200"/>
+              <a:t>、</a:t>
+            </a:r>
+            <a:r>
+              <a:rPr sz="1200"/>
+              <a:t>添加微信商城模块（商品展示，购物车，商城订单，下单，支付）；</a:t>
+            </a:r>
+          </a:p>
+          <a:p>
+            <a:r>
+              <a:rPr lang="zh-CN" sz="1200" b="1"/>
+              <a:t>案例：</a:t>
+            </a:r>
+            <a:endParaRPr lang="zh-CN" sz="1200"/>
+          </a:p>
+          <a:p>
+            <a:r>
+              <a:rPr lang="en-US" sz="1200"/>
+              <a:t>1</a:t>
+            </a:r>
+            <a:r>
+              <a:rPr lang="zh-CN" altLang="en-US" sz="1200"/>
+              <a:t>、</a:t>
+            </a:r>
+            <a:r>
+              <a:rPr sz="1200"/>
+              <a:t>海涛水疗会所：dght.cchmis.com</a:t>
+            </a:r>
+          </a:p>
+          <a:p>
+            <a:r>
+              <a:rPr lang="en-US" sz="1200"/>
+              <a:t>2</a:t>
+            </a:r>
+            <a:r>
+              <a:rPr lang="zh-CN" altLang="en-US" sz="1200"/>
+              <a:t>、</a:t>
+            </a:r>
+            <a:r>
+              <a:rPr sz="1200"/>
+              <a:t>世博52度：kmsby.cchmis.com</a:t>
+            </a:r>
+          </a:p>
+          <a:p>
+            <a:r>
+              <a:rPr lang="en-US" sz="1200"/>
+              <a:t>3</a:t>
+            </a:r>
+            <a:r>
+              <a:rPr lang="zh-CN" altLang="en-US" sz="1200"/>
+              <a:t>、</a:t>
+            </a:r>
+            <a:r>
+              <a:rPr sz="1200"/>
+              <a:t>东方雅典国际商务酒店：szdfyd.cchmis.com</a:t>
+            </a:r>
+          </a:p>
+        </p:txBody>
+      </p:sp>
+      <p:sp>
+        <p:nvSpPr>
+          <p:cNvPr id="24" name="文本框 23"/>
+          <p:cNvSpPr txBox="1"/>
+          <p:nvPr/>
+        </p:nvSpPr>
+        <p:spPr>
+          <a:xfrm>
+            <a:off x="328295" y="7425055"/>
+            <a:ext cx="1125220" cy="275590"/>
+          </a:xfrm>
+          <a:prstGeom prst="rect">
+            <a:avLst/>
+          </a:prstGeom>
+          <a:noFill/>
+        </p:spPr>
+        <p:txBody>
+          <a:bodyPr wrap="square" rtlCol="0">
+            <a:spAutoFit/>
+          </a:bodyPr>
+          <a:lstStyle/>
+          <a:p>
+            <a:r>
+              <a:rPr lang="zh-CN" altLang="en-US" sz="1200" b="1"/>
+              <a:t>其他</a:t>
+            </a:r>
+          </a:p>
+        </p:txBody>
+      </p:sp>
+      <p:sp>
+        <p:nvSpPr>
+          <p:cNvPr id="25" name="文本框 24"/>
+          <p:cNvSpPr txBox="1"/>
+          <p:nvPr/>
+        </p:nvSpPr>
+        <p:spPr>
+          <a:xfrm>
+            <a:off x="1901825" y="7425055"/>
+            <a:ext cx="3705225" cy="645160"/>
+          </a:xfrm>
+          <a:prstGeom prst="rect">
+            <a:avLst/>
+          </a:prstGeom>
+          <a:noFill/>
+        </p:spPr>
+        <p:txBody>
+          <a:bodyPr wrap="square" rtlCol="0">
+            <a:spAutoFit/>
+          </a:bodyPr>
+          <a:lstStyle/>
+          <a:p>
+            <a:r>
+              <a:rPr lang="zh-CN" altLang="en-US" sz="1200"/>
+              <a:t>新版本（水疗，酒店，餐饮）微信公众号开发、短信平台接口、报钟器&amp;APP（水疗）接口、客户演示版公众号等。</a:t>
             </a:r>
           </a:p>
         </p:txBody>

--- a/files/个人简历.pptx
+++ b/files/个人简历.pptx
@@ -209,7 +209,7 @@
                 <a:latin typeface="微软雅黑" panose="020B0503020204020204" charset="-122"/>
                 <a:ea typeface="微软雅黑" panose="020B0503020204020204" charset="-122"/>
               </a:rPr>
-              <a:t>2019/5/19</a:t>
+              <a:t>2019-05-22</a:t>
             </a:fld>
             <a:endParaRPr lang="zh-CN" altLang="en-US" smtClean="0">
               <a:latin typeface="微软雅黑" panose="020B0503020204020204" charset="-122"/>
@@ -392,7 +392,7 @@
           <a:p>
             <a:fld id="{1AC49D05-6128-4D0D-A32A-06A5E73B386C}" type="datetimeFigureOut">
               <a:rPr lang="zh-CN" altLang="en-US" smtClean="0"/>
-              <a:t>2019/5/19</a:t>
+              <a:t>2019-05-22</a:t>
             </a:fld>
             <a:endParaRPr lang="zh-CN" altLang="en-US"/>
           </a:p>
@@ -781,7 +781,12 @@
             <p:ph type="sldImg"/>
           </p:nvPr>
         </p:nvSpPr>
-        <p:spPr/>
+        <p:spPr>
+          <a:xfrm>
+            <a:off x="2338388" y="1143000"/>
+            <a:ext cx="2181225" cy="3086100"/>
+          </a:xfrm>
+        </p:spPr>
       </p:sp>
       <p:sp>
         <p:nvSpPr>
@@ -865,7 +870,12 @@
             <p:ph type="sldImg"/>
           </p:nvPr>
         </p:nvSpPr>
-        <p:spPr/>
+        <p:spPr>
+          <a:xfrm>
+            <a:off x="2338388" y="1143000"/>
+            <a:ext cx="2181225" cy="3086100"/>
+          </a:xfrm>
+        </p:spPr>
       </p:sp>
       <p:sp>
         <p:nvSpPr>
@@ -1080,7 +1090,7 @@
           <a:p>
             <a:fld id="{760FBDFE-C587-4B4C-A407-44438C67B59E}" type="datetimeFigureOut">
               <a:rPr lang="zh-CN" altLang="en-US" smtClean="0"/>
-              <a:t>2019/5/19</a:t>
+              <a:t>2019-05-22</a:t>
             </a:fld>
             <a:endParaRPr lang="zh-CN" altLang="en-US"/>
           </a:p>
@@ -1179,7 +1189,7 @@
           <a:p>
             <a:fld id="{760FBDFE-C587-4B4C-A407-44438C67B59E}" type="datetimeFigureOut">
               <a:rPr lang="zh-CN" altLang="en-US" smtClean="0"/>
-              <a:t>2019/5/19</a:t>
+              <a:t>2019-05-22</a:t>
             </a:fld>
             <a:endParaRPr lang="zh-CN" altLang="en-US"/>
           </a:p>
@@ -1388,7 +1398,7 @@
           <a:p>
             <a:fld id="{760FBDFE-C587-4B4C-A407-44438C67B59E}" type="datetimeFigureOut">
               <a:rPr lang="zh-CN" altLang="en-US" smtClean="0"/>
-              <a:t>2019/5/19</a:t>
+              <a:t>2019-05-22</a:t>
             </a:fld>
             <a:endParaRPr lang="zh-CN" altLang="en-US"/>
           </a:p>
@@ -1667,7 +1677,7 @@
           <a:p>
             <a:fld id="{760FBDFE-C587-4B4C-A407-44438C67B59E}" type="datetimeFigureOut">
               <a:rPr lang="zh-CN" altLang="en-US" smtClean="0"/>
-              <a:t>2019/5/19</a:t>
+              <a:t>2019-05-22</a:t>
             </a:fld>
             <a:endParaRPr lang="zh-CN" altLang="en-US"/>
           </a:p>
@@ -2023,7 +2033,7 @@
           <a:p>
             <a:fld id="{760FBDFE-C587-4B4C-A407-44438C67B59E}" type="datetimeFigureOut">
               <a:rPr lang="zh-CN" altLang="en-US" smtClean="0"/>
-              <a:t>2019/5/19</a:t>
+              <a:t>2019-05-22</a:t>
             </a:fld>
             <a:endParaRPr lang="zh-CN" altLang="en-US"/>
           </a:p>
@@ -2297,7 +2307,7 @@
           <a:p>
             <a:fld id="{760FBDFE-C587-4B4C-A407-44438C67B59E}" type="datetimeFigureOut">
               <a:rPr lang="zh-CN" altLang="en-US" smtClean="0"/>
-              <a:t>2019/5/19</a:t>
+              <a:t>2019-05-22</a:t>
             </a:fld>
             <a:endParaRPr lang="zh-CN" altLang="en-US"/>
           </a:p>
@@ -2765,7 +2775,7 @@
           <a:p>
             <a:fld id="{760FBDFE-C587-4B4C-A407-44438C67B59E}" type="datetimeFigureOut">
               <a:rPr lang="zh-CN" altLang="en-US" smtClean="0"/>
-              <a:t>2019/5/19</a:t>
+              <a:t>2019-05-22</a:t>
             </a:fld>
             <a:endParaRPr lang="zh-CN" altLang="en-US"/>
           </a:p>
@@ -3498,7 +3508,7 @@
           <a:p>
             <a:fld id="{760FBDFE-C587-4B4C-A407-44438C67B59E}" type="datetimeFigureOut">
               <a:rPr lang="zh-CN" altLang="en-US" smtClean="0"/>
-              <a:t>2019/5/19</a:t>
+              <a:t>2019-05-22</a:t>
             </a:fld>
             <a:endParaRPr lang="zh-CN" altLang="en-US"/>
           </a:p>
@@ -3644,7 +3654,7 @@
           <a:p>
             <a:fld id="{760FBDFE-C587-4B4C-A407-44438C67B59E}" type="datetimeFigureOut">
               <a:rPr lang="zh-CN" altLang="en-US" smtClean="0"/>
-              <a:t>2019/5/19</a:t>
+              <a:t>2019-05-22</a:t>
             </a:fld>
             <a:endParaRPr lang="zh-CN" altLang="en-US"/>
           </a:p>
@@ -3743,7 +3753,7 @@
           <a:p>
             <a:fld id="{760FBDFE-C587-4B4C-A407-44438C67B59E}" type="datetimeFigureOut">
               <a:rPr lang="zh-CN" altLang="en-US" smtClean="0"/>
-              <a:t>2019/5/19</a:t>
+              <a:t>2019-05-22</a:t>
             </a:fld>
             <a:endParaRPr lang="zh-CN" altLang="en-US"/>
           </a:p>
@@ -4058,7 +4068,7 @@
           <a:p>
             <a:fld id="{9EFD9D74-47D9-4702-A33C-335B63B48DBF}" type="datetimeFigureOut">
               <a:rPr lang="zh-CN" altLang="en-US" smtClean="0"/>
-              <a:t>2019/5/19</a:t>
+              <a:t>2019-05-22</a:t>
             </a:fld>
             <a:endParaRPr lang="zh-CN" altLang="en-US" dirty="0"/>
           </a:p>
@@ -4439,7 +4449,7 @@
           <a:p>
             <a:fld id="{760FBDFE-C587-4B4C-A407-44438C67B59E}" type="datetimeFigureOut">
               <a:rPr lang="zh-CN" altLang="en-US" smtClean="0"/>
-              <a:t>2019/5/19</a:t>
+              <a:t>2019-05-22</a:t>
             </a:fld>
             <a:endParaRPr lang="zh-CN" altLang="en-US"/>
           </a:p>
@@ -4703,7 +4713,7 @@
           <a:p>
             <a:fld id="{760FBDFE-C587-4B4C-A407-44438C67B59E}" type="datetimeFigureOut">
               <a:rPr lang="zh-CN" altLang="en-US" smtClean="0"/>
-              <a:t>2019/5/19</a:t>
+              <a:t>2019-05-22</a:t>
             </a:fld>
             <a:endParaRPr lang="zh-CN" altLang="en-US"/>
           </a:p>
@@ -4802,7 +4812,7 @@
           <a:p>
             <a:fld id="{760FBDFE-C587-4B4C-A407-44438C67B59E}" type="datetimeFigureOut">
               <a:rPr lang="zh-CN" altLang="en-US" smtClean="0"/>
-              <a:t>2019/5/19</a:t>
+              <a:t>2019-05-22</a:t>
             </a:fld>
             <a:endParaRPr lang="zh-CN" altLang="en-US"/>
           </a:p>
@@ -5011,7 +5021,7 @@
           <a:p>
             <a:fld id="{760FBDFE-C587-4B4C-A407-44438C67B59E}" type="datetimeFigureOut">
               <a:rPr lang="zh-CN" altLang="en-US" smtClean="0"/>
-              <a:t>2019/5/19</a:t>
+              <a:t>2019-05-22</a:t>
             </a:fld>
             <a:endParaRPr lang="zh-CN" altLang="en-US"/>
           </a:p>
@@ -5344,7 +5354,7 @@
           <a:p>
             <a:fld id="{760FBDFE-C587-4B4C-A407-44438C67B59E}" type="datetimeFigureOut">
               <a:rPr lang="zh-CN" altLang="en-US" smtClean="0"/>
-              <a:t>2019/5/19</a:t>
+              <a:t>2019-05-22</a:t>
             </a:fld>
             <a:endParaRPr lang="zh-CN" altLang="en-US"/>
           </a:p>
@@ -5812,7 +5822,7 @@
           <a:p>
             <a:fld id="{760FBDFE-C587-4B4C-A407-44438C67B59E}" type="datetimeFigureOut">
               <a:rPr lang="zh-CN" altLang="en-US" smtClean="0"/>
-              <a:t>2019/5/19</a:t>
+              <a:t>2019-05-22</a:t>
             </a:fld>
             <a:endParaRPr lang="zh-CN" altLang="en-US"/>
           </a:p>
@@ -6545,7 +6555,7 @@
           <a:p>
             <a:fld id="{760FBDFE-C587-4B4C-A407-44438C67B59E}" type="datetimeFigureOut">
               <a:rPr lang="zh-CN" altLang="en-US" smtClean="0"/>
-              <a:t>2019/5/19</a:t>
+              <a:t>2019-05-22</a:t>
             </a:fld>
             <a:endParaRPr lang="zh-CN" altLang="en-US"/>
           </a:p>
@@ -6691,7 +6701,7 @@
           <a:p>
             <a:fld id="{760FBDFE-C587-4B4C-A407-44438C67B59E}" type="datetimeFigureOut">
               <a:rPr lang="zh-CN" altLang="en-US" smtClean="0"/>
-              <a:t>2019/5/19</a:t>
+              <a:t>2019-05-22</a:t>
             </a:fld>
             <a:endParaRPr lang="zh-CN" altLang="en-US"/>
           </a:p>
@@ -6790,7 +6800,7 @@
           <a:p>
             <a:fld id="{760FBDFE-C587-4B4C-A407-44438C67B59E}" type="datetimeFigureOut">
               <a:rPr lang="zh-CN" altLang="en-US" smtClean="0"/>
-              <a:t>2019/5/19</a:t>
+              <a:t>2019-05-22</a:t>
             </a:fld>
             <a:endParaRPr lang="zh-CN" altLang="en-US"/>
           </a:p>
@@ -7105,7 +7115,7 @@
           <a:p>
             <a:fld id="{9EFD9D74-47D9-4702-A33C-335B63B48DBF}" type="datetimeFigureOut">
               <a:rPr lang="zh-CN" altLang="en-US" smtClean="0"/>
-              <a:t>2019/5/19</a:t>
+              <a:t>2019-05-22</a:t>
             </a:fld>
             <a:endParaRPr lang="zh-CN" altLang="en-US" dirty="0"/>
           </a:p>
@@ -7394,7 +7404,7 @@
           <a:p>
             <a:fld id="{760FBDFE-C587-4B4C-A407-44438C67B59E}" type="datetimeFigureOut">
               <a:rPr lang="zh-CN" altLang="en-US" smtClean="0"/>
-              <a:t>2019/5/19</a:t>
+              <a:t>2019-05-22</a:t>
             </a:fld>
             <a:endParaRPr lang="zh-CN" altLang="en-US"/>
           </a:p>
@@ -7628,7 +7638,7 @@
           <a:p>
             <a:fld id="{760FBDFE-C587-4B4C-A407-44438C67B59E}" type="datetimeFigureOut">
               <a:rPr lang="zh-CN" altLang="en-US" smtClean="0"/>
-              <a:t>2019/5/19</a:t>
+              <a:t>2019-05-22</a:t>
             </a:fld>
             <a:endParaRPr lang="zh-CN" altLang="en-US"/>
           </a:p>
@@ -8261,7 +8271,7 @@
           <a:p>
             <a:fld id="{760FBDFE-C587-4B4C-A407-44438C67B59E}" type="datetimeFigureOut">
               <a:rPr lang="zh-CN" altLang="en-US" smtClean="0"/>
-              <a:t>2019/5/19</a:t>
+              <a:t>2019-05-22</a:t>
             </a:fld>
             <a:endParaRPr lang="zh-CN" altLang="en-US"/>
           </a:p>
@@ -8747,7 +8757,7 @@
         </p:nvSpPr>
         <p:spPr>
           <a:xfrm>
-            <a:off x="1971040" y="445770"/>
+            <a:off x="2615565" y="206375"/>
             <a:ext cx="2068195" cy="368300"/>
           </a:xfrm>
           <a:prstGeom prst="rect">
@@ -8763,7 +8773,7 @@
           <a:p>
             <a:pPr algn="l"/>
             <a:r>
-              <a:rPr lang="zh-CN" altLang="en-US" b="1">
+              <a:rPr lang="zh-CN" altLang="en-US" b="1" dirty="0">
                 <a:latin typeface="+mn-ea"/>
                 <a:cs typeface="+mn-ea"/>
               </a:rPr>
@@ -8780,8 +8790,8 @@
         </p:nvSpPr>
         <p:spPr>
           <a:xfrm>
-            <a:off x="1971040" y="721995"/>
-            <a:ext cx="2616835" cy="1753235"/>
+            <a:off x="1866900" y="823595"/>
+            <a:ext cx="2616835" cy="2354491"/>
           </a:xfrm>
           <a:prstGeom prst="rect">
             <a:avLst/>
@@ -8801,7 +8811,11 @@
             </a:pPr>
             <a:r>
               <a:rPr lang="zh-CN" altLang="en-US" sz="1200" b="1" dirty="0"/>
-              <a:t>求职意向：.Net开发工程师                  </a:t>
+              <a:t>求职意向：</a:t>
+            </a:r>
+            <a:r>
+              <a:rPr lang="zh-CN" altLang="en-US" sz="1400" b="1" u="sng" dirty="0"/>
+              <a:t>.Net开发工程师                  </a:t>
             </a:r>
           </a:p>
           <a:p>
@@ -8819,11 +8833,11 @@
               <a:t>2</a:t>
             </a:r>
             <a:r>
-              <a:rPr lang="en-US" altLang="zh-CN" sz="1200" b="1" smtClean="0"/>
+              <a:rPr lang="en-US" altLang="zh-CN" sz="1200" b="1" dirty="0" smtClean="0"/>
               <a:t>9</a:t>
             </a:r>
             <a:r>
-              <a:rPr lang="zh-CN" altLang="en-US" sz="1200" b="1"/>
+              <a:rPr lang="zh-CN" altLang="en-US" sz="1200" b="1" dirty="0"/>
               <a:t>		</a:t>
             </a:r>
           </a:p>
@@ -8868,8 +8882,37 @@
             </a:pPr>
             <a:r>
               <a:rPr lang="zh-CN" altLang="en-US" sz="1200" b="1" dirty="0"/>
-              <a:t>地   址：广东深圳</a:t>
-            </a:r>
+              <a:t>地   址：广东</a:t>
+            </a:r>
+            <a:r>
+              <a:rPr lang="zh-CN" altLang="en-US" sz="1200" b="1" dirty="0" smtClean="0"/>
+              <a:t>深圳</a:t>
+            </a:r>
+            <a:endParaRPr lang="en-US" altLang="zh-CN" sz="1200" b="1" dirty="0" smtClean="0"/>
+          </a:p>
+          <a:p>
+            <a:pPr>
+              <a:lnSpc>
+                <a:spcPct val="150000"/>
+              </a:lnSpc>
+            </a:pPr>
+            <a:r>
+              <a:rPr lang="en-US" altLang="zh-CN" sz="1200" b="1" dirty="0"/>
+              <a:t>GitHub: github.com/</a:t>
+            </a:r>
+            <a:r>
+              <a:rPr lang="en-US" altLang="zh-CN" sz="1200" b="1" dirty="0" err="1"/>
+              <a:t>leeneo</a:t>
+            </a:r>
+            <a:endParaRPr lang="zh-CN" altLang="zh-CN" sz="1200" b="1" dirty="0"/>
+          </a:p>
+          <a:p>
+            <a:pPr algn="l">
+              <a:lnSpc>
+                <a:spcPct val="150000"/>
+              </a:lnSpc>
+            </a:pPr>
+            <a:endParaRPr lang="zh-CN" altLang="en-US" sz="1200" b="1" dirty="0"/>
           </a:p>
         </p:txBody>
       </p:sp>
@@ -8897,14 +8940,14 @@
           <a:p>
             <a:pPr algn="ctr"/>
             <a:r>
-              <a:rPr lang="zh-CN" altLang="en-US" sz="2800" b="1"/>
+              <a:rPr lang="zh-CN" altLang="en-US" sz="2800" b="1" dirty="0"/>
               <a:t>个人简历</a:t>
             </a:r>
           </a:p>
           <a:p>
             <a:pPr algn="ctr"/>
             <a:r>
-              <a:rPr lang="zh-CN" altLang="en-US" sz="1600" b="1"/>
+              <a:rPr lang="zh-CN" altLang="en-US" sz="1600" b="1" dirty="0"/>
               <a:t>Personal resume</a:t>
             </a:r>
           </a:p>
@@ -8918,7 +8961,7 @@
         </p:nvSpPr>
         <p:spPr>
           <a:xfrm>
-            <a:off x="124460" y="2401570"/>
+            <a:off x="162559" y="2820581"/>
             <a:ext cx="6974205" cy="306705"/>
           </a:xfrm>
           <a:prstGeom prst="rect">
@@ -8933,7 +8976,7 @@
           <a:lstStyle/>
           <a:p>
             <a:r>
-              <a:rPr lang="en-US" altLang="zh-CN" sz="1400"/>
+              <a:rPr lang="en-US" altLang="zh-CN" sz="1400" dirty="0"/>
               <a:t>-------------------------------------------------------------------------------------------------------------------</a:t>
             </a:r>
           </a:p>
@@ -8941,13 +8984,13 @@
       </p:sp>
       <p:sp>
         <p:nvSpPr>
-          <p:cNvPr id="14" name="圆角矩形 13"/>
+          <p:cNvPr id="18" name="圆角矩形 17"/>
           <p:cNvSpPr/>
           <p:nvPr/>
         </p:nvSpPr>
         <p:spPr>
           <a:xfrm>
-            <a:off x="326390" y="2720975"/>
+            <a:off x="440690" y="3294380"/>
             <a:ext cx="1426210" cy="374650"/>
           </a:xfrm>
           <a:prstGeom prst="roundRect">
@@ -8986,56 +9029,13 @@
       </p:sp>
       <p:sp>
         <p:nvSpPr>
-          <p:cNvPr id="15" name="文本框 14"/>
+          <p:cNvPr id="20" name="文本框 19"/>
           <p:cNvSpPr txBox="1"/>
           <p:nvPr/>
         </p:nvSpPr>
         <p:spPr>
           <a:xfrm>
-            <a:off x="1971040" y="2708275"/>
-            <a:ext cx="5269865" cy="460375"/>
-          </a:xfrm>
-          <a:prstGeom prst="rect">
-            <a:avLst/>
-          </a:prstGeom>
-          <a:noFill/>
-        </p:spPr>
-        <p:txBody>
-          <a:bodyPr wrap="square" rtlCol="0">
-            <a:spAutoFit/>
-          </a:bodyPr>
-          <a:lstStyle/>
-          <a:p>
-            <a:r>
-              <a:rPr lang="zh-CN" altLang="en-US" sz="1200"/>
-              <a:t>2015.9-2017.7     国家开放大学（原中央广播电视大学</a:t>
-            </a:r>
-            <a:r>
-              <a:rPr lang="en-US" altLang="zh-CN" sz="1200"/>
-              <a:t>)</a:t>
-            </a:r>
-            <a:r>
-              <a:rPr lang="zh-CN" altLang="en-US" sz="1200"/>
-              <a:t>    英语	大专</a:t>
-            </a:r>
-          </a:p>
-          <a:p>
-            <a:r>
-              <a:rPr lang="zh-CN" altLang="en-US" sz="1200"/>
-              <a:t>2004.9-2008.6     河南商水县第一高中		     理科	高中</a:t>
-            </a:r>
-          </a:p>
-        </p:txBody>
-      </p:sp>
-      <p:sp>
-        <p:nvSpPr>
-          <p:cNvPr id="16" name="文本框 15"/>
-          <p:cNvSpPr txBox="1"/>
-          <p:nvPr/>
-        </p:nvSpPr>
-        <p:spPr>
-          <a:xfrm>
-            <a:off x="490855" y="2702560"/>
+            <a:off x="605155" y="3294380"/>
             <a:ext cx="1097280" cy="368300"/>
           </a:xfrm>
           <a:prstGeom prst="rect">
@@ -9050,85 +9050,7 @@
           <a:lstStyle/>
           <a:p>
             <a:r>
-              <a:rPr lang="zh-CN" altLang="en-US" b="1">
-                <a:solidFill>
-                  <a:schemeClr val="bg1"/>
-                </a:solidFill>
-              </a:rPr>
-              <a:t>教育背景</a:t>
-            </a:r>
-          </a:p>
-        </p:txBody>
-      </p:sp>
-      <p:sp>
-        <p:nvSpPr>
-          <p:cNvPr id="18" name="圆角矩形 17"/>
-          <p:cNvSpPr/>
-          <p:nvPr/>
-        </p:nvSpPr>
-        <p:spPr>
-          <a:xfrm>
-            <a:off x="335915" y="3233420"/>
-            <a:ext cx="1426210" cy="374650"/>
-          </a:xfrm>
-          <a:prstGeom prst="roundRect">
-            <a:avLst/>
-          </a:prstGeom>
-          <a:solidFill>
-            <a:schemeClr val="accent1">
-              <a:lumMod val="50000"/>
-            </a:schemeClr>
-          </a:solidFill>
-        </p:spPr>
-        <p:style>
-          <a:lnRef idx="2">
-            <a:schemeClr val="accent1">
-              <a:shade val="50000"/>
-            </a:schemeClr>
-          </a:lnRef>
-          <a:fillRef idx="1">
-            <a:schemeClr val="accent1"/>
-          </a:fillRef>
-          <a:effectRef idx="0">
-            <a:schemeClr val="accent1"/>
-          </a:effectRef>
-          <a:fontRef idx="minor">
-            <a:schemeClr val="lt1"/>
-          </a:fontRef>
-        </p:style>
-        <p:txBody>
-          <a:bodyPr rtlCol="0" anchor="ctr"/>
-          <a:lstStyle/>
-          <a:p>
-            <a:pPr algn="ctr"/>
-            <a:endParaRPr lang="zh-CN" altLang="en-US"/>
-          </a:p>
-        </p:txBody>
-      </p:sp>
-      <p:sp>
-        <p:nvSpPr>
-          <p:cNvPr id="20" name="文本框 19"/>
-          <p:cNvSpPr txBox="1"/>
-          <p:nvPr/>
-        </p:nvSpPr>
-        <p:spPr>
-          <a:xfrm>
-            <a:off x="500380" y="3233420"/>
-            <a:ext cx="1097280" cy="368300"/>
-          </a:xfrm>
-          <a:prstGeom prst="rect">
-            <a:avLst/>
-          </a:prstGeom>
-          <a:noFill/>
-        </p:spPr>
-        <p:txBody>
-          <a:bodyPr wrap="none" rtlCol="0">
-            <a:spAutoFit/>
-          </a:bodyPr>
-          <a:lstStyle/>
-          <a:p>
-            <a:r>
-              <a:rPr lang="zh-CN" altLang="en-US" b="1">
+              <a:rPr lang="zh-CN" altLang="en-US" b="1" dirty="0">
                 <a:solidFill>
                   <a:schemeClr val="bg1"/>
                 </a:solidFill>
@@ -9146,7 +9068,7 @@
         </p:nvGrpSpPr>
         <p:grpSpPr>
           <a:xfrm>
-            <a:off x="354965" y="3672840"/>
+            <a:off x="440690" y="3793490"/>
             <a:ext cx="6827520" cy="2185035"/>
             <a:chOff x="529" y="5781"/>
             <a:chExt cx="10752" cy="3441"/>
@@ -9315,7 +9237,7 @@
         </p:nvGrpSpPr>
         <p:grpSpPr>
           <a:xfrm>
-            <a:off x="398780" y="5967730"/>
+            <a:off x="484505" y="6088380"/>
             <a:ext cx="6730365" cy="2306320"/>
             <a:chOff x="613" y="9106"/>
             <a:chExt cx="10599" cy="3632"/>
@@ -9459,7 +9381,7 @@
         </p:nvGrpSpPr>
         <p:grpSpPr>
           <a:xfrm>
-            <a:off x="379730" y="8421370"/>
+            <a:off x="465455" y="8542020"/>
             <a:ext cx="6653530" cy="1474470"/>
             <a:chOff x="598" y="13232"/>
             <a:chExt cx="10478" cy="2322"/>
@@ -9587,7 +9509,7 @@
         </p:nvSpPr>
         <p:spPr>
           <a:xfrm>
-            <a:off x="2078355" y="4401185"/>
+            <a:off x="2164080" y="4521835"/>
             <a:ext cx="98425" cy="98425"/>
           </a:xfrm>
           <a:prstGeom prst="teardrop">
@@ -9635,7 +9557,7 @@
         </p:nvSpPr>
         <p:spPr>
           <a:xfrm>
-            <a:off x="2078355" y="4751705"/>
+            <a:off x="2164080" y="4872355"/>
             <a:ext cx="98425" cy="98425"/>
           </a:xfrm>
           <a:prstGeom prst="teardrop">
@@ -9683,7 +9605,7 @@
         </p:nvSpPr>
         <p:spPr>
           <a:xfrm>
-            <a:off x="2078355" y="5338445"/>
+            <a:off x="2164080" y="5459095"/>
             <a:ext cx="98425" cy="98425"/>
           </a:xfrm>
           <a:prstGeom prst="teardrop">
@@ -9731,7 +9653,7 @@
         </p:nvSpPr>
         <p:spPr>
           <a:xfrm>
-            <a:off x="2078355" y="6411595"/>
+            <a:off x="2164080" y="6532245"/>
             <a:ext cx="98425" cy="98425"/>
           </a:xfrm>
           <a:prstGeom prst="teardrop">
@@ -9779,7 +9701,7 @@
         </p:nvSpPr>
         <p:spPr>
           <a:xfrm>
-            <a:off x="2078355" y="7018020"/>
+            <a:off x="2164080" y="7138670"/>
             <a:ext cx="98425" cy="98425"/>
           </a:xfrm>
           <a:prstGeom prst="teardrop">
@@ -9827,7 +9749,7 @@
         </p:nvSpPr>
         <p:spPr>
           <a:xfrm>
-            <a:off x="2078355" y="7416165"/>
+            <a:off x="2164080" y="7536815"/>
             <a:ext cx="98425" cy="98425"/>
           </a:xfrm>
           <a:prstGeom prst="teardrop">
@@ -9875,7 +9797,7 @@
         </p:nvSpPr>
         <p:spPr>
           <a:xfrm>
-            <a:off x="2078355" y="7719695"/>
+            <a:off x="2164080" y="7840345"/>
             <a:ext cx="98425" cy="98425"/>
           </a:xfrm>
           <a:prstGeom prst="teardrop">
@@ -9923,7 +9845,7 @@
         </p:nvSpPr>
         <p:spPr>
           <a:xfrm>
-            <a:off x="2078355" y="7894955"/>
+            <a:off x="2164080" y="8015605"/>
             <a:ext cx="98425" cy="98425"/>
           </a:xfrm>
           <a:prstGeom prst="teardrop">
@@ -9971,7 +9893,7 @@
         </p:nvSpPr>
         <p:spPr>
           <a:xfrm>
-            <a:off x="2078355" y="8070850"/>
+            <a:off x="2164080" y="8191500"/>
             <a:ext cx="98425" cy="98425"/>
           </a:xfrm>
           <a:prstGeom prst="teardrop">
@@ -10019,7 +9941,7 @@
         </p:nvSpPr>
         <p:spPr>
           <a:xfrm>
-            <a:off x="2078355" y="8819515"/>
+            <a:off x="2164080" y="8940165"/>
             <a:ext cx="98425" cy="98425"/>
           </a:xfrm>
           <a:prstGeom prst="teardrop">
@@ -10067,7 +9989,7 @@
         </p:nvSpPr>
         <p:spPr>
           <a:xfrm>
-            <a:off x="2078355" y="9163050"/>
+            <a:off x="2164080" y="9283700"/>
             <a:ext cx="98425" cy="98425"/>
           </a:xfrm>
           <a:prstGeom prst="teardrop">
@@ -10115,7 +10037,7 @@
         </p:nvSpPr>
         <p:spPr>
           <a:xfrm>
-            <a:off x="2078355" y="9527540"/>
+            <a:off x="2164080" y="9648190"/>
             <a:ext cx="98425" cy="98425"/>
           </a:xfrm>
           <a:prstGeom prst="teardrop">
@@ -10163,7 +10085,7 @@
         </p:nvSpPr>
         <p:spPr>
           <a:xfrm>
-            <a:off x="2078355" y="9727565"/>
+            <a:off x="2164080" y="9848215"/>
             <a:ext cx="98425" cy="98425"/>
           </a:xfrm>
           <a:prstGeom prst="teardrop">
@@ -10211,7 +10133,7 @@
         </p:nvSpPr>
         <p:spPr>
           <a:xfrm>
-            <a:off x="2078355" y="8985250"/>
+            <a:off x="2164080" y="9105900"/>
             <a:ext cx="98425" cy="98425"/>
           </a:xfrm>
           <a:prstGeom prst="teardrop">
@@ -10287,9 +10209,9 @@
         </p:nvGrpSpPr>
         <p:grpSpPr>
           <a:xfrm>
-            <a:off x="404495" y="7473950"/>
+            <a:off x="404495" y="7219950"/>
             <a:ext cx="1426210" cy="374650"/>
-            <a:chOff x="784" y="10167"/>
+            <a:chOff x="784" y="9767"/>
             <a:chExt cx="2246" cy="590"/>
           </a:xfrm>
         </p:grpSpPr>
@@ -10301,7 +10223,7 @@
           </p:nvSpPr>
           <p:spPr>
             <a:xfrm>
-              <a:off x="784" y="10167"/>
+              <a:off x="784" y="9767"/>
               <a:ext cx="2246" cy="590"/>
             </a:xfrm>
             <a:prstGeom prst="roundRect">
@@ -10346,7 +10268,7 @@
           </p:nvSpPr>
           <p:spPr>
             <a:xfrm>
-              <a:off x="1043" y="10167"/>
+              <a:off x="1043" y="9767"/>
               <a:ext cx="1728" cy="580"/>
             </a:xfrm>
             <a:prstGeom prst="rect">
@@ -10361,7 +10283,7 @@
             <a:lstStyle/>
             <a:p>
               <a:r>
-                <a:rPr lang="zh-CN" altLang="en-US" b="1">
+                <a:rPr lang="zh-CN" altLang="en-US" b="1" dirty="0">
                   <a:solidFill>
                     <a:schemeClr val="bg1"/>
                   </a:solidFill>
@@ -10705,8 +10627,8 @@
         </p:nvSpPr>
         <p:spPr>
           <a:xfrm>
-            <a:off x="302895" y="7985760"/>
-            <a:ext cx="2248535" cy="460375"/>
+            <a:off x="302895" y="7773670"/>
+            <a:ext cx="2248535" cy="307777"/>
           </a:xfrm>
           <a:prstGeom prst="rect">
             <a:avLst/>
@@ -10720,19 +10642,37 @@
           <a:lstStyle/>
           <a:p>
             <a:r>
-              <a:rPr lang="zh-CN" altLang="en-US" sz="1200" b="1"/>
-              <a:t>售后系统公众号版本</a:t>
-            </a:r>
-          </a:p>
-          <a:p>
-            <a:r>
-              <a:rPr lang="zh-CN" altLang="en-US" sz="1200" b="1"/>
-              <a:t>公众号：</a:t>
-            </a:r>
-            <a:r>
-              <a:rPr lang="zh-CN" altLang="en-US" sz="800" b="1"/>
-              <a:t>ccas.cchmis.com</a:t>
-            </a:r>
+              <a:rPr lang="zh-CN" altLang="en-US" sz="1400" b="1" dirty="0">
+                <a:latin typeface="+mj-ea"/>
+                <a:ea typeface="+mj-ea"/>
+              </a:rPr>
+              <a:t>公众</a:t>
+            </a:r>
+            <a:r>
+              <a:rPr lang="zh-CN" altLang="en-US" sz="1400" b="1" dirty="0" smtClean="0">
+                <a:latin typeface="+mj-ea"/>
+                <a:ea typeface="+mj-ea"/>
+              </a:rPr>
+              <a:t>号</a:t>
+            </a:r>
+            <a:r>
+              <a:rPr lang="en-US" altLang="zh-CN" sz="1400" b="1" dirty="0" smtClean="0">
+                <a:latin typeface="+mj-ea"/>
+                <a:ea typeface="+mj-ea"/>
+              </a:rPr>
+              <a:t>--</a:t>
+            </a:r>
+            <a:r>
+              <a:rPr lang="zh-CN" altLang="en-US" sz="1400" b="1" dirty="0" smtClean="0">
+                <a:latin typeface="+mj-ea"/>
+                <a:ea typeface="+mj-ea"/>
+              </a:rPr>
+              <a:t>售后系统</a:t>
+            </a:r>
+            <a:endParaRPr lang="zh-CN" altLang="en-US" sz="1400" b="1" dirty="0">
+              <a:latin typeface="+mj-ea"/>
+              <a:ea typeface="+mj-ea"/>
+            </a:endParaRPr>
           </a:p>
         </p:txBody>
       </p:sp>
@@ -10744,7 +10684,7 @@
         </p:nvSpPr>
         <p:spPr>
           <a:xfrm>
-            <a:off x="404495" y="6882130"/>
+            <a:off x="404495" y="6734810"/>
             <a:ext cx="6974205" cy="306705"/>
           </a:xfrm>
           <a:prstGeom prst="rect">
@@ -10759,7 +10699,7 @@
           <a:lstStyle/>
           <a:p>
             <a:r>
-              <a:rPr lang="en-US" altLang="zh-CN" sz="1400"/>
+              <a:rPr lang="en-US" altLang="zh-CN" sz="1400" dirty="0"/>
               <a:t>-------------------------------------------------------------------------------------------------------------------</a:t>
             </a:r>
           </a:p>
@@ -10773,8 +10713,8 @@
         </p:nvSpPr>
         <p:spPr>
           <a:xfrm>
-            <a:off x="2004060" y="7985760"/>
-            <a:ext cx="5172075" cy="1753235"/>
+            <a:off x="2105660" y="7772965"/>
+            <a:ext cx="5172075" cy="2554545"/>
           </a:xfrm>
           <a:prstGeom prst="rect">
             <a:avLst/>
@@ -10788,69 +10728,119 @@
           <a:lstStyle/>
           <a:p>
             <a:r>
-              <a:rPr lang="zh-CN" altLang="en-US" sz="1200" b="1"/>
+              <a:rPr lang="zh-CN" altLang="en-US" sz="1200" b="1" dirty="0"/>
               <a:t>平台：</a:t>
             </a:r>
             <a:r>
-              <a:rPr lang="zh-CN" altLang="en-US" sz="1200"/>
+              <a:rPr lang="zh-CN" altLang="en-US" sz="1200" dirty="0"/>
               <a:t>SQL Server 2008 R2+.Net Core 2.1</a:t>
             </a:r>
           </a:p>
           <a:p>
             <a:r>
-              <a:rPr lang="zh-CN" altLang="en-US" sz="1200" b="1"/>
+              <a:rPr lang="zh-CN" altLang="en-US" sz="1200" b="1" dirty="0"/>
               <a:t>功能：</a:t>
             </a:r>
             <a:r>
-              <a:rPr lang="zh-CN" altLang="en-US" sz="1200"/>
-              <a:t>售后系统移动端的实现，主要功能是方便客户在手机端向售后系统提交问题。在原.net4.5版本的基础上由笔者独自完成了.net core版本的迭代式开发。</a:t>
-            </a:r>
-          </a:p>
-          <a:p>
-            <a:r>
-              <a:rPr lang="zh-CN" altLang="en-US" sz="1200" b="1"/>
+              <a:rPr lang="zh-CN" altLang="en-US" sz="1200" dirty="0"/>
+              <a:t>售后系统移动端的实现，主要功能是方便客户在手机端向售后系统提交问题。在原.net4.5版本的基础上由笔者独自完成了.net core版本的迭代式开发</a:t>
+            </a:r>
+            <a:r>
+              <a:rPr lang="zh-CN" altLang="en-US" sz="1200" dirty="0" smtClean="0"/>
+              <a:t>。</a:t>
+            </a:r>
+            <a:endParaRPr lang="en-US" altLang="zh-CN" sz="1200" dirty="0" smtClean="0"/>
+          </a:p>
+          <a:p>
+            <a:endParaRPr lang="zh-CN" altLang="en-US" sz="1200" dirty="0"/>
+          </a:p>
+          <a:p>
+            <a:r>
+              <a:rPr lang="zh-CN" altLang="en-US" sz="1200" b="1" dirty="0"/>
               <a:t>职责：</a:t>
             </a:r>
           </a:p>
           <a:p>
             <a:r>
-              <a:rPr lang="en-US" altLang="zh-CN" sz="1200"/>
+              <a:rPr lang="en-US" altLang="zh-CN" sz="1200" dirty="0"/>
               <a:t>1</a:t>
             </a:r>
             <a:r>
-              <a:rPr lang="zh-CN" altLang="en-US" sz="1200"/>
+              <a:rPr lang="zh-CN" altLang="en-US" sz="1200" dirty="0"/>
               <a:t>、添加微信授权，授权免登录功能；</a:t>
             </a:r>
           </a:p>
           <a:p>
             <a:r>
-              <a:rPr lang="en-US" altLang="zh-CN" sz="1200"/>
+              <a:rPr lang="en-US" altLang="zh-CN" sz="1200" dirty="0"/>
               <a:t>2</a:t>
             </a:r>
             <a:r>
-              <a:rPr lang="zh-CN" altLang="en-US" sz="1200"/>
+              <a:rPr lang="zh-CN" altLang="en-US" sz="1200" dirty="0"/>
               <a:t>、添加公共基础类库；完善提交问题功能，开发查看附件功能；</a:t>
             </a:r>
           </a:p>
           <a:p>
             <a:r>
-              <a:rPr lang="en-US" altLang="zh-CN" sz="1200"/>
+              <a:rPr lang="en-US" altLang="zh-CN" sz="1200" dirty="0"/>
               <a:t>3</a:t>
             </a:r>
             <a:r>
-              <a:rPr lang="zh-CN" altLang="en-US" sz="1200"/>
+              <a:rPr lang="zh-CN" altLang="en-US" sz="1200" dirty="0"/>
               <a:t>、开发新客户员工绑定功能；</a:t>
             </a:r>
           </a:p>
           <a:p>
             <a:r>
-              <a:rPr lang="en-US" altLang="zh-CN" sz="1200"/>
+              <a:rPr lang="en-US" altLang="zh-CN" sz="1200" dirty="0"/>
               <a:t>4</a:t>
             </a:r>
             <a:r>
-              <a:rPr lang="zh-CN" altLang="en-US" sz="1200"/>
-              <a:t>、添加短信验证功能；添加图片上传功能等。</a:t>
-            </a:r>
+              <a:rPr lang="zh-CN" altLang="en-US" sz="1200" dirty="0"/>
+              <a:t>、添加短信验证功能；添加图片上传功能等</a:t>
+            </a:r>
+            <a:r>
+              <a:rPr lang="zh-CN" altLang="en-US" sz="1200" dirty="0" smtClean="0"/>
+              <a:t>。</a:t>
+            </a:r>
+            <a:endParaRPr lang="en-US" altLang="zh-CN" sz="1200" dirty="0" smtClean="0"/>
+          </a:p>
+          <a:p>
+            <a:endParaRPr lang="en-US" altLang="zh-CN" sz="1200" dirty="0" smtClean="0"/>
+          </a:p>
+          <a:p>
+            <a:r>
+              <a:rPr lang="zh-CN" altLang="en-US" sz="1200" b="1" dirty="0"/>
+              <a:t>案例</a:t>
+            </a:r>
+            <a:r>
+              <a:rPr lang="zh-CN" altLang="en-US" sz="1600" b="1" dirty="0" smtClean="0"/>
+              <a:t>：</a:t>
+            </a:r>
+            <a:endParaRPr lang="en-US" altLang="zh-CN" sz="1600" b="1" dirty="0" smtClean="0"/>
+          </a:p>
+          <a:p>
+            <a:r>
+              <a:rPr lang="zh-CN" altLang="zh-CN" sz="1200" dirty="0" smtClean="0"/>
+              <a:t>策</a:t>
+            </a:r>
+            <a:r>
+              <a:rPr lang="zh-CN" altLang="zh-CN" sz="1200" dirty="0"/>
+              <a:t>城服务：</a:t>
+            </a:r>
+            <a:r>
+              <a:rPr lang="zh-CN" altLang="en-US" sz="1200" b="1" dirty="0" smtClean="0"/>
+              <a:t>ccas</a:t>
+            </a:r>
+            <a:r>
+              <a:rPr lang="zh-CN" altLang="en-US" sz="1200" b="1" dirty="0"/>
+              <a:t>.cchmis.</a:t>
+            </a:r>
+            <a:r>
+              <a:rPr lang="zh-CN" altLang="en-US" sz="1200" b="1" dirty="0" smtClean="0"/>
+              <a:t>com</a:t>
+            </a:r>
+            <a:endParaRPr lang="zh-CN" altLang="en-US" sz="1200" dirty="0"/>
           </a:p>
         </p:txBody>
       </p:sp>
@@ -10890,9 +10880,9 @@
         </p:nvGrpSpPr>
         <p:grpSpPr>
           <a:xfrm>
-            <a:off x="271145" y="8295005"/>
+            <a:off x="271145" y="9151333"/>
             <a:ext cx="1426210" cy="374650"/>
-            <a:chOff x="784" y="10167"/>
+            <a:chOff x="784" y="10132"/>
             <a:chExt cx="2246" cy="590"/>
           </a:xfrm>
         </p:grpSpPr>
@@ -10904,7 +10894,7 @@
           </p:nvSpPr>
           <p:spPr>
             <a:xfrm>
-              <a:off x="784" y="10167"/>
+              <a:off x="784" y="10132"/>
               <a:ext cx="2246" cy="590"/>
             </a:xfrm>
             <a:prstGeom prst="roundRect">
@@ -10949,7 +10939,7 @@
           </p:nvSpPr>
           <p:spPr>
             <a:xfrm>
-              <a:off x="1043" y="10167"/>
+              <a:off x="1043" y="10132"/>
               <a:ext cx="1728" cy="580"/>
             </a:xfrm>
             <a:prstGeom prst="rect">
@@ -10964,7 +10954,7 @@
             <a:lstStyle/>
             <a:p>
               <a:r>
-                <a:rPr lang="zh-CN" altLang="en-US" b="1">
+                <a:rPr lang="zh-CN" altLang="en-US" b="1" dirty="0">
                   <a:solidFill>
                     <a:schemeClr val="bg1"/>
                   </a:solidFill>
@@ -10983,7 +10973,7 @@
         </p:nvSpPr>
         <p:spPr>
           <a:xfrm>
-            <a:off x="200660" y="7958455"/>
+            <a:off x="253365" y="8037691"/>
             <a:ext cx="7219315" cy="306705"/>
           </a:xfrm>
           <a:prstGeom prst="rect">
@@ -10998,7 +10988,7 @@
           <a:lstStyle/>
           <a:p>
             <a:r>
-              <a:rPr lang="en-US" altLang="zh-CN" sz="1400"/>
+              <a:rPr lang="en-US" altLang="zh-CN" sz="1400" dirty="0"/>
               <a:t>----------------------------------------------------------------------------------------------------------------------</a:t>
             </a:r>
           </a:p>
@@ -11012,8 +11002,8 @@
         </p:nvSpPr>
         <p:spPr>
           <a:xfrm>
-            <a:off x="1901825" y="8669655"/>
-            <a:ext cx="5095875" cy="922020"/>
+            <a:off x="1871980" y="9011161"/>
+            <a:ext cx="5095875" cy="830997"/>
           </a:xfrm>
           <a:prstGeom prst="rect">
             <a:avLst/>
@@ -11027,13 +11017,18 @@
           <a:lstStyle/>
           <a:p>
             <a:r>
-              <a:rPr lang="zh-CN" altLang="en-US" sz="1200"/>
-              <a:t>为人诚实稳重，有责任心；工作认真、细致；学习能力及解决问题能力较强；思维活跃，逻辑清晰，善于捕捉细节。能最大限度的用代码实现设计效果；喜好钻研新技术，和用自己所掌握的知识，去实现最终效果。喜欢有挑战性的工作，追求完美</a:t>
-            </a:r>
-            <a:r>
-              <a:rPr lang="zh-CN" altLang="en-US"/>
+              <a:rPr lang="zh-CN" altLang="zh-CN" sz="1200" dirty="0"/>
+              <a:t>为人诚实稳重，有责任心。工作认真、细致。学习能力，解决问题能力强。思维活跃，逻辑清晰，善于捕捉细节。能最大限度的用代码实现设计效果。喜好钻研新技术，和用自己所掌握的知识，去实现最终效果。喜欢有挑战性的工作，追求</a:t>
+            </a:r>
+            <a:r>
+              <a:rPr lang="zh-CN" altLang="zh-CN" sz="1200" dirty="0" smtClean="0"/>
+              <a:t>完美</a:t>
+            </a:r>
+            <a:r>
+              <a:rPr lang="zh-CN" altLang="en-US" sz="1200" dirty="0" smtClean="0"/>
               <a:t>。</a:t>
             </a:r>
+            <a:endParaRPr lang="zh-CN" altLang="en-US" dirty="0"/>
           </a:p>
         </p:txBody>
       </p:sp>
@@ -11045,9 +11040,9 @@
         </p:nvGrpSpPr>
         <p:grpSpPr>
           <a:xfrm>
-            <a:off x="271145" y="9591675"/>
+            <a:off x="271145" y="9975462"/>
             <a:ext cx="1426210" cy="374650"/>
-            <a:chOff x="784" y="10167"/>
+            <a:chOff x="784" y="10489"/>
             <a:chExt cx="2246" cy="590"/>
           </a:xfrm>
         </p:grpSpPr>
@@ -11059,7 +11054,7 @@
           </p:nvSpPr>
           <p:spPr>
             <a:xfrm>
-              <a:off x="784" y="10167"/>
+              <a:off x="784" y="10489"/>
               <a:ext cx="2246" cy="590"/>
             </a:xfrm>
             <a:prstGeom prst="roundRect">
@@ -11104,7 +11099,7 @@
           </p:nvSpPr>
           <p:spPr>
             <a:xfrm>
-              <a:off x="1043" y="10167"/>
+              <a:off x="1043" y="10489"/>
               <a:ext cx="1728" cy="580"/>
             </a:xfrm>
             <a:prstGeom prst="rect">
@@ -11119,7 +11114,7 @@
             <a:lstStyle/>
             <a:p>
               <a:r>
-                <a:rPr lang="zh-CN" altLang="en-US" b="1">
+                <a:rPr lang="zh-CN" altLang="en-US" b="1" dirty="0">
                   <a:solidFill>
                     <a:schemeClr val="bg1"/>
                   </a:solidFill>
@@ -11138,7 +11133,7 @@
         </p:nvSpPr>
         <p:spPr>
           <a:xfrm>
-            <a:off x="1972310" y="9895205"/>
+            <a:off x="1871980" y="9975779"/>
             <a:ext cx="4917440" cy="460375"/>
           </a:xfrm>
           <a:prstGeom prst="rect">
@@ -11154,8 +11149,16 @@
           <a:p>
             <a:pPr algn="l"/>
             <a:r>
-              <a:rPr lang="zh-CN" altLang="en-US" sz="1200"/>
-              <a:t>喜欢逛论坛，浏览国外网站，与同行交流技术心得；此外爱好旅游、爬山、摄影、读书、听演唱会和看话剧。</a:t>
+              <a:rPr lang="zh-CN" altLang="en-US" sz="1200" dirty="0"/>
+              <a:t>喜欢逛论坛，浏览国外网站，与同行交流技术心得；此外爱好旅游、爬山、摄影、</a:t>
+            </a:r>
+            <a:r>
+              <a:rPr lang="zh-CN" altLang="en-US" sz="1200" dirty="0" smtClean="0"/>
+              <a:t>读书</a:t>
+            </a:r>
+            <a:r>
+              <a:rPr lang="zh-CN" altLang="en-US" sz="1200" dirty="0"/>
+              <a:t>。</a:t>
             </a:r>
           </a:p>
         </p:txBody>
@@ -11168,8 +11171,8 @@
         </p:nvSpPr>
         <p:spPr>
           <a:xfrm>
-            <a:off x="271145" y="432435"/>
-            <a:ext cx="2248535" cy="460375"/>
+            <a:off x="271145" y="357822"/>
+            <a:ext cx="2116455" cy="523220"/>
           </a:xfrm>
           <a:prstGeom prst="rect">
             <a:avLst/>
@@ -11183,16 +11186,15 @@
           <a:lstStyle/>
           <a:p>
             <a:r>
-              <a:rPr lang="zh-CN" altLang="en-US" sz="1200" b="1"/>
+              <a:rPr lang="zh-CN" altLang="en-US" sz="1400" b="1" dirty="0"/>
               <a:t>微信公众号标准版本</a:t>
             </a:r>
           </a:p>
           <a:p>
             <a:r>
-              <a:rPr lang="zh-CN" altLang="en-US" sz="1200" b="1"/>
+              <a:rPr lang="zh-CN" altLang="en-US" sz="1400" b="1" dirty="0"/>
               <a:t>（水疗酒店通用）</a:t>
             </a:r>
-            <a:endParaRPr lang="zh-CN" altLang="en-US" sz="800" b="1"/>
           </a:p>
         </p:txBody>
       </p:sp>
@@ -11204,7 +11206,7 @@
         </p:nvSpPr>
         <p:spPr>
           <a:xfrm>
-            <a:off x="2020570" y="432435"/>
+            <a:off x="2063115" y="367842"/>
             <a:ext cx="5172075" cy="2122805"/>
           </a:xfrm>
           <a:prstGeom prst="rect">
@@ -11219,108 +11221,116 @@
           <a:lstStyle/>
           <a:p>
             <a:r>
-              <a:rPr lang="zh-CN" altLang="en-US" sz="1200" b="1"/>
+              <a:rPr lang="zh-CN" altLang="en-US" sz="1200" b="1" dirty="0"/>
               <a:t>平台：</a:t>
             </a:r>
             <a:r>
-              <a:rPr lang="zh-CN" altLang="en-US" sz="1200"/>
+              <a:rPr lang="zh-CN" altLang="en-US" sz="1200" dirty="0"/>
               <a:t>SQL Server 2008 R2+.Net 4.6</a:t>
             </a:r>
           </a:p>
           <a:p>
             <a:r>
-              <a:rPr lang="zh-CN" altLang="en-US" sz="1200" b="1"/>
+              <a:rPr lang="zh-CN" altLang="en-US" sz="1200" b="1" dirty="0"/>
               <a:t>功能：</a:t>
             </a:r>
             <a:r>
-              <a:rPr lang="zh-CN" altLang="en-US" sz="1200"/>
+              <a:rPr lang="zh-CN" altLang="en-US" sz="1200" dirty="0"/>
               <a:t>该项目是笔者在原标准版本水疗系统公众号的基础上，整合进酒店系统模块，以使之能适用于水疗加酒店复合系统的复杂应用场景，给公司部署公众号节约了很大成本。</a:t>
             </a:r>
           </a:p>
           <a:p>
             <a:r>
-              <a:rPr lang="zh-CN" altLang="en-US" sz="1200" b="1"/>
+              <a:rPr lang="zh-CN" altLang="en-US" sz="1200" b="1" dirty="0"/>
               <a:t>职责：</a:t>
             </a:r>
           </a:p>
           <a:p>
             <a:r>
-              <a:rPr lang="en-US" altLang="zh-CN" sz="1200" b="1"/>
+              <a:rPr lang="en-US" altLang="zh-CN" sz="1200" b="1" dirty="0"/>
               <a:t>1</a:t>
             </a:r>
             <a:r>
-              <a:rPr lang="zh-CN" altLang="en-US" sz="1200" b="1"/>
+              <a:rPr lang="zh-CN" altLang="en-US" sz="1200" b="1" dirty="0"/>
               <a:t>、</a:t>
             </a:r>
             <a:r>
-              <a:rPr sz="1200"/>
-              <a:t>整合水疗模块和酒店模块，开发水疗和酒店系统都适用的版本；</a:t>
-            </a:r>
-          </a:p>
-          <a:p>
-            <a:r>
-              <a:rPr lang="en-US" sz="1200"/>
+              <a:rPr sz="1200" dirty="0" err="1"/>
+              <a:t>整合水疗模块和酒店模块，开发水疗和酒店系统都适用的版本</a:t>
+            </a:r>
+            <a:r>
+              <a:rPr sz="1200" dirty="0"/>
+              <a:t>；</a:t>
+            </a:r>
+          </a:p>
+          <a:p>
+            <a:r>
+              <a:rPr lang="en-US" sz="1200" dirty="0"/>
               <a:t>2</a:t>
             </a:r>
             <a:r>
-              <a:rPr lang="zh-CN" altLang="en-US" sz="1200"/>
+              <a:rPr lang="zh-CN" altLang="en-US" sz="1200" dirty="0"/>
               <a:t>、</a:t>
             </a:r>
             <a:r>
-              <a:rPr sz="1200"/>
-              <a:t>整理可以完美适配水疗和酒店系统数据结构的sql；</a:t>
-            </a:r>
-          </a:p>
-          <a:p>
-            <a:r>
-              <a:rPr lang="zh-CN" sz="1200" b="1"/>
+              <a:rPr sz="1200" dirty="0" err="1"/>
+              <a:t>整理可以完美适配水疗和酒店系统数据结构的sql</a:t>
+            </a:r>
+            <a:r>
+              <a:rPr sz="1200" dirty="0"/>
+              <a:t>；</a:t>
+            </a:r>
+          </a:p>
+          <a:p>
+            <a:r>
+              <a:rPr lang="zh-CN" sz="1200" b="1" dirty="0"/>
               <a:t>案例：</a:t>
             </a:r>
-            <a:endParaRPr lang="zh-CN" sz="1200"/>
-          </a:p>
-          <a:p>
-            <a:r>
-              <a:rPr lang="en-US" altLang="zh-CN" sz="1200"/>
+            <a:endParaRPr lang="zh-CN" sz="1200" dirty="0"/>
+          </a:p>
+          <a:p>
+            <a:r>
+              <a:rPr lang="en-US" altLang="zh-CN" sz="1200" dirty="0"/>
               <a:t>1</a:t>
             </a:r>
             <a:r>
-              <a:rPr lang="zh-CN" altLang="en-US" sz="1200"/>
+              <a:rPr lang="zh-CN" altLang="en-US" sz="1200" dirty="0"/>
               <a:t>、</a:t>
             </a:r>
             <a:r>
-              <a:rPr lang="zh-CN" sz="1200"/>
+              <a:rPr lang="zh-CN" sz="1200" dirty="0"/>
               <a:t>平顶山市海悦酒店有限公司：hytq.cchmis.com</a:t>
             </a:r>
             <a:r>
-              <a:rPr lang="en-US" altLang="zh-CN" sz="1200"/>
+              <a:rPr lang="en-US" altLang="zh-CN" sz="1200" dirty="0"/>
               <a:t>/</a:t>
             </a:r>
           </a:p>
           <a:p>
             <a:r>
-              <a:rPr lang="en-US" altLang="zh-CN" sz="1200"/>
+              <a:rPr lang="en-US" altLang="zh-CN" sz="1200" dirty="0"/>
               <a:t>2</a:t>
             </a:r>
             <a:r>
-              <a:rPr lang="zh-CN" altLang="en-US" sz="1200"/>
+              <a:rPr lang="zh-CN" altLang="en-US" sz="1200" dirty="0"/>
               <a:t>、</a:t>
             </a:r>
             <a:r>
-              <a:rPr lang="zh-CN" sz="1200"/>
+              <a:rPr lang="zh-CN" sz="1200" dirty="0"/>
               <a:t>佛山市天鹅湖休闲酒店：teh.cchmis.com</a:t>
             </a:r>
           </a:p>
           <a:p>
             <a:r>
-              <a:rPr lang="en-US" altLang="zh-CN" sz="1200"/>
+              <a:rPr lang="en-US" altLang="zh-CN" sz="1200" dirty="0"/>
               <a:t>3</a:t>
             </a:r>
             <a:r>
-              <a:rPr lang="zh-CN" altLang="en-US" sz="1200"/>
+              <a:rPr lang="zh-CN" altLang="en-US" sz="1200" dirty="0"/>
               <a:t>、</a:t>
             </a:r>
             <a:r>
-              <a:rPr lang="zh-CN" sz="1200"/>
+              <a:rPr lang="zh-CN" sz="1200" dirty="0"/>
               <a:t>广州港岛假日酒店：gdjr.cchmis.com</a:t>
             </a:r>
           </a:p>
@@ -11334,10 +11344,10 @@
         </p:nvGrpSpPr>
         <p:grpSpPr>
           <a:xfrm>
-            <a:off x="271145" y="2555240"/>
-            <a:ext cx="6873240" cy="2306955"/>
-            <a:chOff x="377" y="4151"/>
-            <a:chExt cx="10824" cy="3633"/>
+            <a:off x="271145" y="2579370"/>
+            <a:ext cx="6964045" cy="2306955"/>
+            <a:chOff x="377" y="4049"/>
+            <a:chExt cx="10967" cy="3633"/>
           </a:xfrm>
         </p:grpSpPr>
         <p:sp>
@@ -11348,8 +11358,8 @@
           </p:nvSpPr>
           <p:spPr>
             <a:xfrm>
-              <a:off x="377" y="4151"/>
-              <a:ext cx="3541" cy="725"/>
+              <a:off x="377" y="4049"/>
+              <a:ext cx="3541" cy="824"/>
             </a:xfrm>
             <a:prstGeom prst="rect">
               <a:avLst/>
@@ -11363,13 +11373,13 @@
             <a:lstStyle/>
             <a:p>
               <a:r>
-                <a:rPr lang="zh-CN" altLang="en-US" sz="1200" b="1"/>
+                <a:rPr lang="zh-CN" altLang="en-US" sz="1400" b="1" dirty="0"/>
                 <a:t>微信公众号标准版本</a:t>
               </a:r>
             </a:p>
             <a:p>
               <a:r>
-                <a:rPr lang="zh-CN" altLang="en-US" sz="1200" b="1"/>
+                <a:rPr lang="zh-CN" altLang="en-US" sz="1400" b="1" dirty="0"/>
                 <a:t>（酒店）</a:t>
               </a:r>
             </a:p>
@@ -11383,7 +11393,7 @@
           </p:nvSpPr>
           <p:spPr>
             <a:xfrm>
-              <a:off x="3056" y="4151"/>
+              <a:off x="3199" y="4049"/>
               <a:ext cx="8145" cy="3633"/>
             </a:xfrm>
             <a:prstGeom prst="rect">
@@ -11398,104 +11408,112 @@
             <a:lstStyle/>
             <a:p>
               <a:r>
-                <a:rPr lang="zh-CN" altLang="en-US" sz="1200" b="1"/>
+                <a:rPr lang="zh-CN" altLang="en-US" sz="1200" b="1" dirty="0"/>
                 <a:t>平台：</a:t>
               </a:r>
               <a:r>
-                <a:rPr lang="zh-CN" altLang="en-US" sz="1200"/>
+                <a:rPr lang="zh-CN" altLang="en-US" sz="1200" dirty="0"/>
                 <a:t>SQL Server 2008 R2+.Net 4.5.2</a:t>
               </a:r>
             </a:p>
             <a:p>
               <a:r>
-                <a:rPr lang="zh-CN" altLang="en-US" sz="1200" b="1"/>
+                <a:rPr lang="zh-CN" altLang="en-US" sz="1200" b="1" dirty="0"/>
                 <a:t>功能：</a:t>
               </a:r>
               <a:r>
-                <a:rPr lang="zh-CN" altLang="en-US" sz="1200"/>
+                <a:rPr lang="zh-CN" altLang="en-US" sz="1200" dirty="0"/>
                 <a:t>公司主营的公众号平台项目。与公司自主研发的水疗mis系统可以无缝对接。由笔者参与设计和开发，以水疗数据结构为准，起初主要面向使用水疗系统场景的客户。主要包含：预订模块，票券模块，技师模块，会员模块，在线商城，账单模块，报表模块等</a:t>
               </a:r>
             </a:p>
             <a:p>
               <a:r>
-                <a:rPr lang="zh-CN" altLang="en-US" sz="1200" b="1"/>
+                <a:rPr lang="zh-CN" altLang="en-US" sz="1200" b="1" dirty="0"/>
                 <a:t>职责：</a:t>
               </a:r>
             </a:p>
             <a:p>
               <a:r>
-                <a:rPr lang="en-US" sz="1200"/>
+                <a:rPr lang="en-US" sz="1200" dirty="0"/>
                 <a:t>1</a:t>
               </a:r>
               <a:r>
-                <a:rPr lang="zh-CN" altLang="en-US" sz="1200"/>
+                <a:rPr lang="zh-CN" altLang="en-US" sz="1200" dirty="0"/>
                 <a:t>、</a:t>
               </a:r>
               <a:r>
-                <a:rPr sz="1200"/>
-                <a:t>开发适用酒店系统的模块；</a:t>
+                <a:rPr sz="1200" dirty="0" err="1"/>
+                <a:t>开发适用酒店系统的模块</a:t>
+              </a:r>
+              <a:r>
+                <a:rPr sz="1200" dirty="0"/>
+                <a:t>；</a:t>
               </a:r>
             </a:p>
             <a:p>
               <a:r>
-                <a:rPr lang="en-US" sz="1200"/>
+                <a:rPr lang="en-US" sz="1200" dirty="0"/>
                 <a:t>2</a:t>
               </a:r>
               <a:r>
-                <a:rPr lang="zh-CN" altLang="en-US" sz="1200"/>
+                <a:rPr lang="zh-CN" altLang="en-US" sz="1200" dirty="0"/>
                 <a:t>、</a:t>
               </a:r>
               <a:r>
-                <a:rPr sz="1200"/>
-                <a:t>开发酒店模块房态报表;</a:t>
+                <a:rPr sz="1200" dirty="0" err="1"/>
+                <a:t>开发酒店模块房态报表</a:t>
+              </a:r>
+              <a:r>
+                <a:rPr sz="1200" dirty="0"/>
+                <a:t>;</a:t>
               </a:r>
             </a:p>
             <a:p>
               <a:r>
-                <a:rPr lang="zh-CN" sz="1200" b="1"/>
+                <a:rPr lang="zh-CN" sz="1200" b="1" dirty="0"/>
                 <a:t>案例：</a:t>
               </a:r>
-              <a:endParaRPr lang="zh-CN" sz="1200"/>
+              <a:endParaRPr lang="zh-CN" sz="1200" dirty="0"/>
             </a:p>
             <a:p>
               <a:r>
-                <a:rPr lang="en-US" sz="1200"/>
+                <a:rPr lang="en-US" sz="1200" dirty="0"/>
                 <a:t>1</a:t>
               </a:r>
               <a:r>
-                <a:rPr lang="zh-CN" altLang="en-US" sz="1200"/>
+                <a:rPr lang="zh-CN" altLang="en-US" sz="1200" dirty="0"/>
                 <a:t>、</a:t>
               </a:r>
               <a:r>
-                <a:rPr sz="1200"/>
+                <a:rPr sz="1200" dirty="0"/>
                 <a:t>迈客国际酒店：mkjd.cchmis.com</a:t>
               </a:r>
             </a:p>
             <a:p>
               <a:r>
-                <a:rPr lang="en-US" sz="1200"/>
+                <a:rPr lang="en-US" sz="1200" dirty="0"/>
                 <a:t>2</a:t>
               </a:r>
               <a:r>
-                <a:rPr lang="zh-CN" altLang="en-US" sz="1200"/>
+                <a:rPr lang="zh-CN" altLang="en-US" sz="1200" dirty="0"/>
                 <a:t>、</a:t>
               </a:r>
               <a:r>
-                <a:rPr sz="1200"/>
+                <a:rPr sz="1200" dirty="0"/>
                 <a:t>深圳市雅庭海湾国际大酒店：szdfyd.cchmis.com</a:t>
               </a:r>
             </a:p>
             <a:p>
               <a:r>
-                <a:rPr lang="en-US" sz="1200"/>
+                <a:rPr lang="en-US" sz="1200" dirty="0"/>
                 <a:t>3</a:t>
               </a:r>
               <a:r>
-                <a:rPr lang="zh-CN" altLang="en-US" sz="1200"/>
+                <a:rPr lang="zh-CN" altLang="en-US" sz="1200" dirty="0"/>
                 <a:t>、</a:t>
               </a:r>
               <a:r>
-                <a:rPr sz="1200"/>
+                <a:rPr sz="1200" dirty="0"/>
                 <a:t>河南星悦酒店：cs.ccspa168.com</a:t>
               </a:r>
             </a:p>
@@ -11510,8 +11528,8 @@
         </p:nvSpPr>
         <p:spPr>
           <a:xfrm>
-            <a:off x="271145" y="4933315"/>
-            <a:ext cx="2248535" cy="460375"/>
+            <a:off x="271145" y="4973616"/>
+            <a:ext cx="2248535" cy="523220"/>
           </a:xfrm>
           <a:prstGeom prst="rect">
             <a:avLst/>
@@ -11525,13 +11543,13 @@
           <a:lstStyle/>
           <a:p>
             <a:r>
-              <a:rPr lang="zh-CN" altLang="en-US" sz="1200" b="1"/>
+              <a:rPr lang="zh-CN" altLang="en-US" sz="1400" b="1" dirty="0"/>
               <a:t>微信公众号标准版本</a:t>
             </a:r>
           </a:p>
           <a:p>
             <a:r>
-              <a:rPr lang="zh-CN" altLang="en-US" sz="1200" b="1"/>
+              <a:rPr lang="zh-CN" altLang="en-US" sz="1400" b="1" dirty="0"/>
               <a:t>（水疗）</a:t>
             </a:r>
           </a:p>
@@ -11545,7 +11563,7 @@
         </p:nvSpPr>
         <p:spPr>
           <a:xfrm>
-            <a:off x="1901825" y="4933315"/>
+            <a:off x="2063114" y="4949944"/>
             <a:ext cx="5172075" cy="2491740"/>
           </a:xfrm>
           <a:prstGeom prst="rect">
@@ -11560,118 +11578,130 @@
           <a:lstStyle/>
           <a:p>
             <a:r>
-              <a:rPr lang="zh-CN" altLang="en-US" sz="1200" b="1"/>
+              <a:rPr lang="zh-CN" altLang="en-US" sz="1200" b="1" dirty="0"/>
               <a:t>平台：</a:t>
             </a:r>
             <a:r>
-              <a:rPr lang="zh-CN" altLang="en-US" sz="1200"/>
+              <a:rPr lang="zh-CN" altLang="en-US" sz="1200" dirty="0"/>
               <a:t>SQL Server 2008 R2+.Net 4.5.2</a:t>
             </a:r>
           </a:p>
           <a:p>
             <a:r>
-              <a:rPr lang="zh-CN" altLang="en-US" sz="1200" b="1"/>
+              <a:rPr lang="zh-CN" altLang="en-US" sz="1200" b="1" dirty="0"/>
               <a:t>功能：</a:t>
             </a:r>
             <a:r>
-              <a:rPr lang="zh-CN" altLang="en-US" sz="1200"/>
+              <a:rPr lang="zh-CN" altLang="en-US" sz="1200" dirty="0"/>
               <a:t>公司主营的公众号平台项目。与公司自主研发的水疗mis系统可以无缝对接。由笔者参与设计和开发，以水疗数据结构为准，起初主要面向使用水疗系统场景的客户。主要包含：预订模块，票券模块，技师模块，会员模块，在线商城，账单模块，报表模块等</a:t>
             </a:r>
           </a:p>
           <a:p>
             <a:r>
-              <a:rPr lang="zh-CN" altLang="en-US" sz="1200" b="1"/>
+              <a:rPr lang="zh-CN" altLang="en-US" sz="1200" b="1" dirty="0"/>
               <a:t>职责：</a:t>
             </a:r>
           </a:p>
           <a:p>
             <a:r>
-              <a:rPr lang="en-US" sz="1200"/>
+              <a:rPr lang="en-US" sz="1200" dirty="0"/>
               <a:t>1</a:t>
             </a:r>
             <a:r>
-              <a:rPr lang="zh-CN" altLang="en-US" sz="1200"/>
+              <a:rPr lang="zh-CN" altLang="en-US" sz="1200" dirty="0"/>
               <a:t>、</a:t>
             </a:r>
             <a:r>
-              <a:rPr sz="1200"/>
-              <a:t>添加营收图表和报表模块；</a:t>
-            </a:r>
-          </a:p>
-          <a:p>
-            <a:r>
-              <a:rPr lang="en-US" sz="1200"/>
+              <a:rPr sz="1200" dirty="0" err="1"/>
+              <a:t>添加营收图表和报表模块</a:t>
+            </a:r>
+            <a:r>
+              <a:rPr sz="1200" dirty="0"/>
+              <a:t>；</a:t>
+            </a:r>
+          </a:p>
+          <a:p>
+            <a:r>
+              <a:rPr lang="en-US" sz="1200" dirty="0"/>
               <a:t>2</a:t>
             </a:r>
             <a:r>
-              <a:rPr lang="zh-CN" altLang="en-US" sz="1200"/>
+              <a:rPr lang="zh-CN" altLang="en-US" sz="1200" dirty="0"/>
               <a:t>、</a:t>
             </a:r>
             <a:r>
-              <a:rPr sz="1200"/>
-              <a:t>添加会员卡模块（办理会员卡，我的会员卡，会员卡充值）；</a:t>
-            </a:r>
-          </a:p>
-          <a:p>
-            <a:r>
-              <a:rPr lang="en-US" sz="1200"/>
+              <a:rPr sz="1200" dirty="0" err="1"/>
+              <a:t>添加会员卡模块（办理会员卡，我的会员卡，会员卡充值</a:t>
+            </a:r>
+            <a:r>
+              <a:rPr sz="1200" dirty="0"/>
+              <a:t>）；</a:t>
+            </a:r>
+          </a:p>
+          <a:p>
+            <a:r>
+              <a:rPr lang="en-US" sz="1200" dirty="0"/>
               <a:t>3</a:t>
             </a:r>
             <a:r>
-              <a:rPr lang="zh-CN" altLang="en-US" sz="1200"/>
+              <a:rPr lang="zh-CN" altLang="en-US" sz="1200" dirty="0"/>
               <a:t>、</a:t>
             </a:r>
             <a:r>
-              <a:rPr sz="1200"/>
-              <a:t>添加微信商城模块（商品展示，购物车，商城订单，下单，支付）；</a:t>
-            </a:r>
-          </a:p>
-          <a:p>
-            <a:r>
-              <a:rPr lang="zh-CN" sz="1200" b="1"/>
+              <a:rPr sz="1200" dirty="0" err="1"/>
+              <a:t>添加微信商城模块（商品展示，购物车，商城订单，下单，支付</a:t>
+            </a:r>
+            <a:r>
+              <a:rPr sz="1200" dirty="0"/>
+              <a:t>）；</a:t>
+            </a:r>
+          </a:p>
+          <a:p>
+            <a:r>
+              <a:rPr lang="zh-CN" sz="1200" b="1" dirty="0"/>
               <a:t>案例：</a:t>
             </a:r>
-            <a:endParaRPr lang="zh-CN" sz="1200"/>
-          </a:p>
-          <a:p>
-            <a:r>
-              <a:rPr lang="en-US" sz="1200"/>
+            <a:endParaRPr lang="zh-CN" sz="1200" dirty="0"/>
+          </a:p>
+          <a:p>
+            <a:r>
+              <a:rPr lang="en-US" sz="1200" dirty="0"/>
               <a:t>1</a:t>
             </a:r>
             <a:r>
-              <a:rPr lang="zh-CN" altLang="en-US" sz="1200"/>
+              <a:rPr lang="zh-CN" altLang="en-US" sz="1200" dirty="0"/>
               <a:t>、</a:t>
             </a:r>
             <a:r>
-              <a:rPr sz="1200"/>
+              <a:rPr sz="1200" dirty="0"/>
               <a:t>海涛水疗会所：dght.cchmis.com</a:t>
             </a:r>
           </a:p>
           <a:p>
             <a:r>
-              <a:rPr lang="en-US" sz="1200"/>
+              <a:rPr lang="en-US" sz="1200" dirty="0"/>
               <a:t>2</a:t>
             </a:r>
             <a:r>
-              <a:rPr lang="zh-CN" altLang="en-US" sz="1200"/>
+              <a:rPr lang="zh-CN" altLang="en-US" sz="1200" dirty="0"/>
               <a:t>、</a:t>
             </a:r>
             <a:r>
-              <a:rPr sz="1200"/>
+              <a:rPr sz="1200" dirty="0"/>
               <a:t>世博52度：kmsby.cchmis.com</a:t>
             </a:r>
           </a:p>
           <a:p>
             <a:r>
-              <a:rPr lang="en-US" sz="1200"/>
+              <a:rPr lang="en-US" sz="1200" dirty="0"/>
               <a:t>3</a:t>
             </a:r>
             <a:r>
-              <a:rPr lang="zh-CN" altLang="en-US" sz="1200"/>
+              <a:rPr lang="zh-CN" altLang="en-US" sz="1200" dirty="0"/>
               <a:t>、</a:t>
             </a:r>
             <a:r>
-              <a:rPr sz="1200"/>
+              <a:rPr sz="1200" dirty="0"/>
               <a:t>东方雅典国际商务酒店：szdfyd.cchmis.com</a:t>
             </a:r>
           </a:p>
@@ -11685,8 +11715,8 @@
         </p:nvSpPr>
         <p:spPr>
           <a:xfrm>
-            <a:off x="328295" y="7425055"/>
-            <a:ext cx="1125220" cy="275590"/>
+            <a:off x="407670" y="7505184"/>
+            <a:ext cx="1125220" cy="307777"/>
           </a:xfrm>
           <a:prstGeom prst="rect">
             <a:avLst/>
@@ -11700,7 +11730,7 @@
           <a:lstStyle/>
           <a:p>
             <a:r>
-              <a:rPr lang="zh-CN" altLang="en-US" sz="1200" b="1"/>
+              <a:rPr lang="zh-CN" altLang="en-US" sz="1400" b="1" dirty="0"/>
               <a:t>其他</a:t>
             </a:r>
           </a:p>
@@ -11714,7 +11744,7 @@
         </p:nvSpPr>
         <p:spPr>
           <a:xfrm>
-            <a:off x="1901825" y="7425055"/>
+            <a:off x="2063114" y="7510978"/>
             <a:ext cx="3705225" cy="645160"/>
           </a:xfrm>
           <a:prstGeom prst="rect">
@@ -11729,8 +11759,129 @@
           <a:lstStyle/>
           <a:p>
             <a:r>
-              <a:rPr lang="zh-CN" altLang="en-US" sz="1200"/>
+              <a:rPr lang="zh-CN" altLang="en-US" sz="1200" dirty="0"/>
               <a:t>新版本（水疗，酒店，餐饮）微信公众号开发、短信平台接口、报钟器&amp;APP（水疗）接口、客户演示版公众号等。</a:t>
+            </a:r>
+          </a:p>
+        </p:txBody>
+      </p:sp>
+      <p:sp>
+        <p:nvSpPr>
+          <p:cNvPr id="26" name="圆角矩形 25"/>
+          <p:cNvSpPr/>
+          <p:nvPr/>
+        </p:nvSpPr>
+        <p:spPr>
+          <a:xfrm>
+            <a:off x="271145" y="8376735"/>
+            <a:ext cx="1426210" cy="374650"/>
+          </a:xfrm>
+          <a:prstGeom prst="roundRect">
+            <a:avLst/>
+          </a:prstGeom>
+          <a:solidFill>
+            <a:schemeClr val="accent1">
+              <a:lumMod val="50000"/>
+            </a:schemeClr>
+          </a:solidFill>
+        </p:spPr>
+        <p:style>
+          <a:lnRef idx="2">
+            <a:schemeClr val="accent1">
+              <a:shade val="50000"/>
+            </a:schemeClr>
+          </a:lnRef>
+          <a:fillRef idx="1">
+            <a:schemeClr val="accent1"/>
+          </a:fillRef>
+          <a:effectRef idx="0">
+            <a:schemeClr val="accent1"/>
+          </a:effectRef>
+          <a:fontRef idx="minor">
+            <a:schemeClr val="lt1"/>
+          </a:fontRef>
+        </p:style>
+        <p:txBody>
+          <a:bodyPr rtlCol="0" anchor="ctr"/>
+          <a:lstStyle/>
+          <a:p>
+            <a:pPr algn="ctr"/>
+            <a:endParaRPr lang="zh-CN" altLang="en-US"/>
+          </a:p>
+        </p:txBody>
+      </p:sp>
+      <p:sp>
+        <p:nvSpPr>
+          <p:cNvPr id="27" name="文本框 26"/>
+          <p:cNvSpPr txBox="1"/>
+          <p:nvPr/>
+        </p:nvSpPr>
+        <p:spPr>
+          <a:xfrm>
+            <a:off x="1871980" y="8324665"/>
+            <a:ext cx="5269865" cy="460375"/>
+          </a:xfrm>
+          <a:prstGeom prst="rect">
+            <a:avLst/>
+          </a:prstGeom>
+          <a:noFill/>
+        </p:spPr>
+        <p:txBody>
+          <a:bodyPr wrap="square" rtlCol="0">
+            <a:spAutoFit/>
+          </a:bodyPr>
+          <a:lstStyle/>
+          <a:p>
+            <a:r>
+              <a:rPr lang="zh-CN" altLang="en-US" sz="1200" dirty="0"/>
+              <a:t>2015.9-2017.7     国家开放大学（原中央广播电视大学</a:t>
+            </a:r>
+            <a:r>
+              <a:rPr lang="en-US" altLang="zh-CN" sz="1200" dirty="0"/>
+              <a:t>)</a:t>
+            </a:r>
+            <a:r>
+              <a:rPr lang="zh-CN" altLang="en-US" sz="1200" dirty="0"/>
+              <a:t>    英语	大专</a:t>
+            </a:r>
+          </a:p>
+          <a:p>
+            <a:r>
+              <a:rPr lang="zh-CN" altLang="en-US" sz="1200" dirty="0"/>
+              <a:t>2004.9-2008.6     河南商水县第一高中		     理科	高中</a:t>
+            </a:r>
+          </a:p>
+        </p:txBody>
+      </p:sp>
+      <p:sp>
+        <p:nvSpPr>
+          <p:cNvPr id="28" name="文本框 27"/>
+          <p:cNvSpPr txBox="1"/>
+          <p:nvPr/>
+        </p:nvSpPr>
+        <p:spPr>
+          <a:xfrm>
+            <a:off x="435610" y="8358320"/>
+            <a:ext cx="1097280" cy="368300"/>
+          </a:xfrm>
+          <a:prstGeom prst="rect">
+            <a:avLst/>
+          </a:prstGeom>
+          <a:noFill/>
+        </p:spPr>
+        <p:txBody>
+          <a:bodyPr wrap="none" rtlCol="0">
+            <a:spAutoFit/>
+          </a:bodyPr>
+          <a:lstStyle/>
+          <a:p>
+            <a:r>
+              <a:rPr lang="zh-CN" altLang="en-US" b="1" dirty="0">
+                <a:solidFill>
+                  <a:schemeClr val="bg1"/>
+                </a:solidFill>
+              </a:rPr>
+              <a:t>教育背景</a:t>
             </a:r>
           </a:p>
         </p:txBody>
